--- a/01 Classes/Aula 12, 13 Programação Python - Banco de Dados.pptx
+++ b/01 Classes/Aula 12, 13 Programação Python - Banco de Dados.pptx
@@ -5,17 +5,23 @@
     <p:sldMasterId id="2147483671" r:id="rId1"/>
   </p:sldMasterIdLst>
   <p:notesMasterIdLst>
-    <p:notesMasterId r:id="rId10"/>
+    <p:notesMasterId r:id="rId16"/>
   </p:notesMasterIdLst>
   <p:sldIdLst>
     <p:sldId id="256" r:id="rId2"/>
     <p:sldId id="291" r:id="rId3"/>
     <p:sldId id="331" r:id="rId4"/>
-    <p:sldId id="323" r:id="rId5"/>
-    <p:sldId id="333" r:id="rId6"/>
-    <p:sldId id="334" r:id="rId7"/>
-    <p:sldId id="337" r:id="rId8"/>
-    <p:sldId id="309" r:id="rId9"/>
+    <p:sldId id="338" r:id="rId5"/>
+    <p:sldId id="339" r:id="rId6"/>
+    <p:sldId id="340" r:id="rId7"/>
+    <p:sldId id="341" r:id="rId8"/>
+    <p:sldId id="342" r:id="rId9"/>
+    <p:sldId id="343" r:id="rId10"/>
+    <p:sldId id="323" r:id="rId11"/>
+    <p:sldId id="333" r:id="rId12"/>
+    <p:sldId id="334" r:id="rId13"/>
+    <p:sldId id="337" r:id="rId14"/>
+    <p:sldId id="309" r:id="rId15"/>
   </p:sldIdLst>
   <p:sldSz cx="9144000" cy="5143500" type="screen16x9"/>
   <p:notesSz cx="6858000" cy="9144000"/>
@@ -374,6 +380,138 @@
 </p:notes>
 </file>
 
+<file path=ppt/notesSlides/notesSlide10.xml><?xml version="1.0" encoding="utf-8"?>
+<p:notes xmlns:a="http://schemas.openxmlformats.org/drawingml/2006/main" xmlns:r="http://schemas.openxmlformats.org/officeDocument/2006/relationships" xmlns:p="http://schemas.openxmlformats.org/presentationml/2006/main">
+  <p:cSld>
+    <p:spTree>
+      <p:nvGrpSpPr>
+        <p:cNvPr id="1" name=""/>
+        <p:cNvGrpSpPr/>
+        <p:nvPr/>
+      </p:nvGrpSpPr>
+      <p:grpSpPr>
+        <a:xfrm>
+          <a:off x="0" y="0"/>
+          <a:ext cx="0" cy="0"/>
+          <a:chOff x="0" y="0"/>
+          <a:chExt cx="0" cy="0"/>
+        </a:xfrm>
+      </p:grpSpPr>
+      <p:sp>
+        <p:nvSpPr>
+          <p:cNvPr id="2" name="Espaço Reservado para Imagem de Slide 1"/>
+          <p:cNvSpPr>
+            <a:spLocks noGrp="1" noRot="1" noChangeAspect="1"/>
+          </p:cNvSpPr>
+          <p:nvPr>
+            <p:ph type="sldImg"/>
+          </p:nvPr>
+        </p:nvSpPr>
+        <p:spPr>
+          <a:xfrm>
+            <a:off x="381000" y="685800"/>
+            <a:ext cx="6096000" cy="3429000"/>
+          </a:xfrm>
+        </p:spPr>
+      </p:sp>
+      <p:sp>
+        <p:nvSpPr>
+          <p:cNvPr id="3" name="Espaço Reservado para Anotações 2"/>
+          <p:cNvSpPr>
+            <a:spLocks noGrp="1"/>
+          </p:cNvSpPr>
+          <p:nvPr>
+            <p:ph type="body" idx="1"/>
+          </p:nvPr>
+        </p:nvSpPr>
+        <p:spPr/>
+        <p:txBody>
+          <a:bodyPr/>
+          <a:lstStyle/>
+          <a:p>
+            <a:endParaRPr lang="pt-BR" dirty="0"/>
+          </a:p>
+        </p:txBody>
+      </p:sp>
+    </p:spTree>
+    <p:extLst>
+      <p:ext uri="{BB962C8B-B14F-4D97-AF65-F5344CB8AC3E}">
+        <p14:creationId xmlns:p14="http://schemas.microsoft.com/office/powerpoint/2010/main" val="2296249050"/>
+      </p:ext>
+    </p:extLst>
+  </p:cSld>
+  <p:clrMapOvr>
+    <a:masterClrMapping/>
+  </p:clrMapOvr>
+</p:notes>
+</file>
+
+<file path=ppt/notesSlides/notesSlide11.xml><?xml version="1.0" encoding="utf-8"?>
+<p:notes xmlns:a="http://schemas.openxmlformats.org/drawingml/2006/main" xmlns:r="http://schemas.openxmlformats.org/officeDocument/2006/relationships" xmlns:p="http://schemas.openxmlformats.org/presentationml/2006/main">
+  <p:cSld>
+    <p:spTree>
+      <p:nvGrpSpPr>
+        <p:cNvPr id="1" name=""/>
+        <p:cNvGrpSpPr/>
+        <p:nvPr/>
+      </p:nvGrpSpPr>
+      <p:grpSpPr>
+        <a:xfrm>
+          <a:off x="0" y="0"/>
+          <a:ext cx="0" cy="0"/>
+          <a:chOff x="0" y="0"/>
+          <a:chExt cx="0" cy="0"/>
+        </a:xfrm>
+      </p:grpSpPr>
+      <p:sp>
+        <p:nvSpPr>
+          <p:cNvPr id="2" name="Espaço Reservado para Imagem de Slide 1"/>
+          <p:cNvSpPr>
+            <a:spLocks noGrp="1" noRot="1" noChangeAspect="1"/>
+          </p:cNvSpPr>
+          <p:nvPr>
+            <p:ph type="sldImg"/>
+          </p:nvPr>
+        </p:nvSpPr>
+        <p:spPr>
+          <a:xfrm>
+            <a:off x="381000" y="685800"/>
+            <a:ext cx="6096000" cy="3429000"/>
+          </a:xfrm>
+        </p:spPr>
+      </p:sp>
+      <p:sp>
+        <p:nvSpPr>
+          <p:cNvPr id="3" name="Espaço Reservado para Anotações 2"/>
+          <p:cNvSpPr>
+            <a:spLocks noGrp="1"/>
+          </p:cNvSpPr>
+          <p:nvPr>
+            <p:ph type="body" idx="1"/>
+          </p:nvPr>
+        </p:nvSpPr>
+        <p:spPr/>
+        <p:txBody>
+          <a:bodyPr/>
+          <a:lstStyle/>
+          <a:p>
+            <a:endParaRPr lang="pt-BR" dirty="0"/>
+          </a:p>
+        </p:txBody>
+      </p:sp>
+    </p:spTree>
+    <p:extLst>
+      <p:ext uri="{BB962C8B-B14F-4D97-AF65-F5344CB8AC3E}">
+        <p14:creationId xmlns:p14="http://schemas.microsoft.com/office/powerpoint/2010/main" val="4290351292"/>
+      </p:ext>
+    </p:extLst>
+  </p:cSld>
+  <p:clrMapOvr>
+    <a:masterClrMapping/>
+  </p:clrMapOvr>
+</p:notes>
+</file>
+
 <file path=ppt/notesSlides/notesSlide2.xml><?xml version="1.0" encoding="utf-8"?>
 <p:notes xmlns:a="http://schemas.openxmlformats.org/drawingml/2006/main" xmlns:r="http://schemas.openxmlformats.org/officeDocument/2006/relationships" xmlns:p="http://schemas.openxmlformats.org/presentationml/2006/main">
   <p:cSld>
@@ -430,7 +568,7 @@
     </p:spTree>
     <p:extLst>
       <p:ext uri="{BB962C8B-B14F-4D97-AF65-F5344CB8AC3E}">
-        <p14:creationId xmlns:p14="http://schemas.microsoft.com/office/powerpoint/2010/main" val="2709569597"/>
+        <p14:creationId xmlns:p14="http://schemas.microsoft.com/office/powerpoint/2010/main" val="2069460881"/>
       </p:ext>
     </p:extLst>
   </p:cSld>
@@ -496,7 +634,7 @@
     </p:spTree>
     <p:extLst>
       <p:ext uri="{BB962C8B-B14F-4D97-AF65-F5344CB8AC3E}">
-        <p14:creationId xmlns:p14="http://schemas.microsoft.com/office/powerpoint/2010/main" val="585304384"/>
+        <p14:creationId xmlns:p14="http://schemas.microsoft.com/office/powerpoint/2010/main" val="3253851464"/>
       </p:ext>
     </p:extLst>
   </p:cSld>
@@ -562,7 +700,7 @@
     </p:spTree>
     <p:extLst>
       <p:ext uri="{BB962C8B-B14F-4D97-AF65-F5344CB8AC3E}">
-        <p14:creationId xmlns:p14="http://schemas.microsoft.com/office/powerpoint/2010/main" val="2296249050"/>
+        <p14:creationId xmlns:p14="http://schemas.microsoft.com/office/powerpoint/2010/main" val="355499387"/>
       </p:ext>
     </p:extLst>
   </p:cSld>
@@ -628,7 +766,271 @@
     </p:spTree>
     <p:extLst>
       <p:ext uri="{BB962C8B-B14F-4D97-AF65-F5344CB8AC3E}">
-        <p14:creationId xmlns:p14="http://schemas.microsoft.com/office/powerpoint/2010/main" val="4290351292"/>
+        <p14:creationId xmlns:p14="http://schemas.microsoft.com/office/powerpoint/2010/main" val="152022818"/>
+      </p:ext>
+    </p:extLst>
+  </p:cSld>
+  <p:clrMapOvr>
+    <a:masterClrMapping/>
+  </p:clrMapOvr>
+</p:notes>
+</file>
+
+<file path=ppt/notesSlides/notesSlide6.xml><?xml version="1.0" encoding="utf-8"?>
+<p:notes xmlns:a="http://schemas.openxmlformats.org/drawingml/2006/main" xmlns:r="http://schemas.openxmlformats.org/officeDocument/2006/relationships" xmlns:p="http://schemas.openxmlformats.org/presentationml/2006/main">
+  <p:cSld>
+    <p:spTree>
+      <p:nvGrpSpPr>
+        <p:cNvPr id="1" name=""/>
+        <p:cNvGrpSpPr/>
+        <p:nvPr/>
+      </p:nvGrpSpPr>
+      <p:grpSpPr>
+        <a:xfrm>
+          <a:off x="0" y="0"/>
+          <a:ext cx="0" cy="0"/>
+          <a:chOff x="0" y="0"/>
+          <a:chExt cx="0" cy="0"/>
+        </a:xfrm>
+      </p:grpSpPr>
+      <p:sp>
+        <p:nvSpPr>
+          <p:cNvPr id="2" name="Espaço Reservado para Imagem de Slide 1"/>
+          <p:cNvSpPr>
+            <a:spLocks noGrp="1" noRot="1" noChangeAspect="1"/>
+          </p:cNvSpPr>
+          <p:nvPr>
+            <p:ph type="sldImg"/>
+          </p:nvPr>
+        </p:nvSpPr>
+        <p:spPr>
+          <a:xfrm>
+            <a:off x="381000" y="685800"/>
+            <a:ext cx="6096000" cy="3429000"/>
+          </a:xfrm>
+        </p:spPr>
+      </p:sp>
+      <p:sp>
+        <p:nvSpPr>
+          <p:cNvPr id="3" name="Espaço Reservado para Anotações 2"/>
+          <p:cNvSpPr>
+            <a:spLocks noGrp="1"/>
+          </p:cNvSpPr>
+          <p:nvPr>
+            <p:ph type="body" idx="1"/>
+          </p:nvPr>
+        </p:nvSpPr>
+        <p:spPr/>
+        <p:txBody>
+          <a:bodyPr/>
+          <a:lstStyle/>
+          <a:p>
+            <a:endParaRPr lang="pt-BR" dirty="0"/>
+          </a:p>
+        </p:txBody>
+      </p:sp>
+    </p:spTree>
+    <p:extLst>
+      <p:ext uri="{BB962C8B-B14F-4D97-AF65-F5344CB8AC3E}">
+        <p14:creationId xmlns:p14="http://schemas.microsoft.com/office/powerpoint/2010/main" val="103641948"/>
+      </p:ext>
+    </p:extLst>
+  </p:cSld>
+  <p:clrMapOvr>
+    <a:masterClrMapping/>
+  </p:clrMapOvr>
+</p:notes>
+</file>
+
+<file path=ppt/notesSlides/notesSlide7.xml><?xml version="1.0" encoding="utf-8"?>
+<p:notes xmlns:a="http://schemas.openxmlformats.org/drawingml/2006/main" xmlns:r="http://schemas.openxmlformats.org/officeDocument/2006/relationships" xmlns:p="http://schemas.openxmlformats.org/presentationml/2006/main">
+  <p:cSld>
+    <p:spTree>
+      <p:nvGrpSpPr>
+        <p:cNvPr id="1" name=""/>
+        <p:cNvGrpSpPr/>
+        <p:nvPr/>
+      </p:nvGrpSpPr>
+      <p:grpSpPr>
+        <a:xfrm>
+          <a:off x="0" y="0"/>
+          <a:ext cx="0" cy="0"/>
+          <a:chOff x="0" y="0"/>
+          <a:chExt cx="0" cy="0"/>
+        </a:xfrm>
+      </p:grpSpPr>
+      <p:sp>
+        <p:nvSpPr>
+          <p:cNvPr id="2" name="Espaço Reservado para Imagem de Slide 1"/>
+          <p:cNvSpPr>
+            <a:spLocks noGrp="1" noRot="1" noChangeAspect="1"/>
+          </p:cNvSpPr>
+          <p:nvPr>
+            <p:ph type="sldImg"/>
+          </p:nvPr>
+        </p:nvSpPr>
+        <p:spPr>
+          <a:xfrm>
+            <a:off x="381000" y="685800"/>
+            <a:ext cx="6096000" cy="3429000"/>
+          </a:xfrm>
+        </p:spPr>
+      </p:sp>
+      <p:sp>
+        <p:nvSpPr>
+          <p:cNvPr id="3" name="Espaço Reservado para Anotações 2"/>
+          <p:cNvSpPr>
+            <a:spLocks noGrp="1"/>
+          </p:cNvSpPr>
+          <p:nvPr>
+            <p:ph type="body" idx="1"/>
+          </p:nvPr>
+        </p:nvSpPr>
+        <p:spPr/>
+        <p:txBody>
+          <a:bodyPr/>
+          <a:lstStyle/>
+          <a:p>
+            <a:endParaRPr lang="pt-BR" dirty="0"/>
+          </a:p>
+        </p:txBody>
+      </p:sp>
+    </p:spTree>
+    <p:extLst>
+      <p:ext uri="{BB962C8B-B14F-4D97-AF65-F5344CB8AC3E}">
+        <p14:creationId xmlns:p14="http://schemas.microsoft.com/office/powerpoint/2010/main" val="1104284737"/>
+      </p:ext>
+    </p:extLst>
+  </p:cSld>
+  <p:clrMapOvr>
+    <a:masterClrMapping/>
+  </p:clrMapOvr>
+</p:notes>
+</file>
+
+<file path=ppt/notesSlides/notesSlide8.xml><?xml version="1.0" encoding="utf-8"?>
+<p:notes xmlns:a="http://schemas.openxmlformats.org/drawingml/2006/main" xmlns:r="http://schemas.openxmlformats.org/officeDocument/2006/relationships" xmlns:p="http://schemas.openxmlformats.org/presentationml/2006/main">
+  <p:cSld>
+    <p:spTree>
+      <p:nvGrpSpPr>
+        <p:cNvPr id="1" name=""/>
+        <p:cNvGrpSpPr/>
+        <p:nvPr/>
+      </p:nvGrpSpPr>
+      <p:grpSpPr>
+        <a:xfrm>
+          <a:off x="0" y="0"/>
+          <a:ext cx="0" cy="0"/>
+          <a:chOff x="0" y="0"/>
+          <a:chExt cx="0" cy="0"/>
+        </a:xfrm>
+      </p:grpSpPr>
+      <p:sp>
+        <p:nvSpPr>
+          <p:cNvPr id="2" name="Espaço Reservado para Imagem de Slide 1"/>
+          <p:cNvSpPr>
+            <a:spLocks noGrp="1" noRot="1" noChangeAspect="1"/>
+          </p:cNvSpPr>
+          <p:nvPr>
+            <p:ph type="sldImg"/>
+          </p:nvPr>
+        </p:nvSpPr>
+        <p:spPr>
+          <a:xfrm>
+            <a:off x="381000" y="685800"/>
+            <a:ext cx="6096000" cy="3429000"/>
+          </a:xfrm>
+        </p:spPr>
+      </p:sp>
+      <p:sp>
+        <p:nvSpPr>
+          <p:cNvPr id="3" name="Espaço Reservado para Anotações 2"/>
+          <p:cNvSpPr>
+            <a:spLocks noGrp="1"/>
+          </p:cNvSpPr>
+          <p:nvPr>
+            <p:ph type="body" idx="1"/>
+          </p:nvPr>
+        </p:nvSpPr>
+        <p:spPr/>
+        <p:txBody>
+          <a:bodyPr/>
+          <a:lstStyle/>
+          <a:p>
+            <a:endParaRPr lang="pt-BR" dirty="0"/>
+          </a:p>
+        </p:txBody>
+      </p:sp>
+    </p:spTree>
+    <p:extLst>
+      <p:ext uri="{BB962C8B-B14F-4D97-AF65-F5344CB8AC3E}">
+        <p14:creationId xmlns:p14="http://schemas.microsoft.com/office/powerpoint/2010/main" val="2709569597"/>
+      </p:ext>
+    </p:extLst>
+  </p:cSld>
+  <p:clrMapOvr>
+    <a:masterClrMapping/>
+  </p:clrMapOvr>
+</p:notes>
+</file>
+
+<file path=ppt/notesSlides/notesSlide9.xml><?xml version="1.0" encoding="utf-8"?>
+<p:notes xmlns:a="http://schemas.openxmlformats.org/drawingml/2006/main" xmlns:r="http://schemas.openxmlformats.org/officeDocument/2006/relationships" xmlns:p="http://schemas.openxmlformats.org/presentationml/2006/main">
+  <p:cSld>
+    <p:spTree>
+      <p:nvGrpSpPr>
+        <p:cNvPr id="1" name=""/>
+        <p:cNvGrpSpPr/>
+        <p:nvPr/>
+      </p:nvGrpSpPr>
+      <p:grpSpPr>
+        <a:xfrm>
+          <a:off x="0" y="0"/>
+          <a:ext cx="0" cy="0"/>
+          <a:chOff x="0" y="0"/>
+          <a:chExt cx="0" cy="0"/>
+        </a:xfrm>
+      </p:grpSpPr>
+      <p:sp>
+        <p:nvSpPr>
+          <p:cNvPr id="2" name="Espaço Reservado para Imagem de Slide 1"/>
+          <p:cNvSpPr>
+            <a:spLocks noGrp="1" noRot="1" noChangeAspect="1"/>
+          </p:cNvSpPr>
+          <p:nvPr>
+            <p:ph type="sldImg"/>
+          </p:nvPr>
+        </p:nvSpPr>
+        <p:spPr>
+          <a:xfrm>
+            <a:off x="381000" y="685800"/>
+            <a:ext cx="6096000" cy="3429000"/>
+          </a:xfrm>
+        </p:spPr>
+      </p:sp>
+      <p:sp>
+        <p:nvSpPr>
+          <p:cNvPr id="3" name="Espaço Reservado para Anotações 2"/>
+          <p:cNvSpPr>
+            <a:spLocks noGrp="1"/>
+          </p:cNvSpPr>
+          <p:nvPr>
+            <p:ph type="body" idx="1"/>
+          </p:nvPr>
+        </p:nvSpPr>
+        <p:spPr/>
+        <p:txBody>
+          <a:bodyPr/>
+          <a:lstStyle/>
+          <a:p>
+            <a:endParaRPr lang="pt-BR" dirty="0"/>
+          </a:p>
+        </p:txBody>
+      </p:sp>
+    </p:spTree>
+    <p:extLst>
+      <p:ext uri="{BB962C8B-B14F-4D97-AF65-F5344CB8AC3E}">
+        <p14:creationId xmlns:p14="http://schemas.microsoft.com/office/powerpoint/2010/main" val="585304384"/>
       </p:ext>
     </p:extLst>
   </p:cSld>
@@ -777,7 +1179,7 @@
           <a:p>
             <a:fld id="{48A87A34-81AB-432B-8DAE-1953F412C126}" type="datetimeFigureOut">
               <a:rPr lang="en-US" smtClean="0"/>
-              <a:t>5/14/2022</a:t>
+              <a:t>5/16/2022</a:t>
             </a:fld>
             <a:endParaRPr lang="en-US" dirty="0"/>
           </a:p>
@@ -988,7 +1390,7 @@
           <a:p>
             <a:fld id="{48A87A34-81AB-432B-8DAE-1953F412C126}" type="datetimeFigureOut">
               <a:rPr lang="en-US" smtClean="0"/>
-              <a:t>5/14/2022</a:t>
+              <a:t>5/16/2022</a:t>
             </a:fld>
             <a:endParaRPr lang="en-US" dirty="0"/>
           </a:p>
@@ -1203,7 +1605,7 @@
           <a:p>
             <a:fld id="{48A87A34-81AB-432B-8DAE-1953F412C126}" type="datetimeFigureOut">
               <a:rPr lang="en-US" smtClean="0"/>
-              <a:t>5/14/2022</a:t>
+              <a:t>5/16/2022</a:t>
             </a:fld>
             <a:endParaRPr lang="en-US" dirty="0"/>
           </a:p>
@@ -1571,7 +1973,7 @@
           <a:p>
             <a:fld id="{48A87A34-81AB-432B-8DAE-1953F412C126}" type="datetimeFigureOut">
               <a:rPr lang="en-US" smtClean="0"/>
-              <a:t>5/14/2022</a:t>
+              <a:t>5/16/2022</a:t>
             </a:fld>
             <a:endParaRPr lang="en-US" dirty="0"/>
           </a:p>
@@ -1850,7 +2252,7 @@
           <a:p>
             <a:fld id="{48A87A34-81AB-432B-8DAE-1953F412C126}" type="datetimeFigureOut">
               <a:rPr lang="en-US" smtClean="0"/>
-              <a:t>5/14/2022</a:t>
+              <a:t>5/16/2022</a:t>
             </a:fld>
             <a:endParaRPr lang="en-US" dirty="0"/>
           </a:p>
@@ -2118,7 +2520,7 @@
           <a:p>
             <a:fld id="{48A87A34-81AB-432B-8DAE-1953F412C126}" type="datetimeFigureOut">
               <a:rPr lang="en-US" smtClean="0"/>
-              <a:t>5/14/2022</a:t>
+              <a:t>5/16/2022</a:t>
             </a:fld>
             <a:endParaRPr lang="en-US" dirty="0"/>
           </a:p>
@@ -2534,7 +2936,7 @@
           <a:p>
             <a:fld id="{48A87A34-81AB-432B-8DAE-1953F412C126}" type="datetimeFigureOut">
               <a:rPr lang="en-US" smtClean="0"/>
-              <a:t>5/14/2022</a:t>
+              <a:t>5/16/2022</a:t>
             </a:fld>
             <a:endParaRPr lang="en-US" dirty="0"/>
           </a:p>
@@ -2683,7 +3085,7 @@
           <a:p>
             <a:fld id="{48A87A34-81AB-432B-8DAE-1953F412C126}" type="datetimeFigureOut">
               <a:rPr lang="en-US" smtClean="0"/>
-              <a:t>5/14/2022</a:t>
+              <a:t>5/16/2022</a:t>
             </a:fld>
             <a:endParaRPr lang="en-US" dirty="0"/>
           </a:p>
@@ -2809,7 +3211,7 @@
           <a:p>
             <a:fld id="{48A87A34-81AB-432B-8DAE-1953F412C126}" type="datetimeFigureOut">
               <a:rPr lang="en-US" smtClean="0"/>
-              <a:t>5/14/2022</a:t>
+              <a:t>5/16/2022</a:t>
             </a:fld>
             <a:endParaRPr lang="en-US" dirty="0"/>
           </a:p>
@@ -3060,7 +3462,7 @@
           <a:p>
             <a:fld id="{48A87A34-81AB-432B-8DAE-1953F412C126}" type="datetimeFigureOut">
               <a:rPr lang="en-US" smtClean="0"/>
-              <a:t>5/14/2022</a:t>
+              <a:t>5/16/2022</a:t>
             </a:fld>
             <a:endParaRPr lang="en-US" dirty="0"/>
           </a:p>
@@ -3506,7 +3908,7 @@
             <a:fld id="{48A87A34-81AB-432B-8DAE-1953F412C126}" type="datetimeFigureOut">
               <a:rPr lang="en-US" smtClean="0"/>
               <a:pPr/>
-              <a:t>5/14/2022</a:t>
+              <a:t>5/16/2022</a:t>
             </a:fld>
             <a:endParaRPr lang="en-US" dirty="0"/>
           </a:p>
@@ -3834,7 +4236,7 @@
             <a:fld id="{48A87A34-81AB-432B-8DAE-1953F412C126}" type="datetimeFigureOut">
               <a:rPr lang="en-US" smtClean="0"/>
               <a:pPr/>
-              <a:t>5/14/2022</a:t>
+              <a:t>5/16/2022</a:t>
             </a:fld>
             <a:endParaRPr lang="en-US" dirty="0"/>
           </a:p>
@@ -4859,6 +5261,1124 @@
 </p:sld>
 </file>
 
+<file path=ppt/slides/slide10.xml><?xml version="1.0" encoding="utf-8"?>
+<p:sld xmlns:a="http://schemas.openxmlformats.org/drawingml/2006/main" xmlns:r="http://schemas.openxmlformats.org/officeDocument/2006/relationships" xmlns:p="http://schemas.openxmlformats.org/presentationml/2006/main">
+  <p:cSld>
+    <p:spTree>
+      <p:nvGrpSpPr>
+        <p:cNvPr id="1" name=""/>
+        <p:cNvGrpSpPr/>
+        <p:nvPr/>
+      </p:nvGrpSpPr>
+      <p:grpSpPr>
+        <a:xfrm>
+          <a:off x="0" y="0"/>
+          <a:ext cx="0" cy="0"/>
+          <a:chOff x="0" y="0"/>
+          <a:chExt cx="0" cy="0"/>
+        </a:xfrm>
+      </p:grpSpPr>
+      <p:sp>
+        <p:nvSpPr>
+          <p:cNvPr id="6" name="Title 1"/>
+          <p:cNvSpPr>
+            <a:spLocks noGrp="1"/>
+          </p:cNvSpPr>
+          <p:nvPr>
+            <p:ph type="title"/>
+          </p:nvPr>
+        </p:nvSpPr>
+        <p:spPr/>
+        <p:txBody>
+          <a:bodyPr>
+            <a:normAutofit/>
+          </a:bodyPr>
+          <a:lstStyle/>
+          <a:p>
+            <a:r>
+              <a:rPr lang="en-US" b="1" dirty="0" err="1">
+                <a:solidFill>
+                  <a:srgbClr val="0070C0"/>
+                </a:solidFill>
+              </a:rPr>
+              <a:t>Leitura</a:t>
+            </a:r>
+            <a:r>
+              <a:rPr lang="en-US" b="1" dirty="0">
+                <a:solidFill>
+                  <a:srgbClr val="0070C0"/>
+                </a:solidFill>
+              </a:rPr>
+              <a:t> </a:t>
+            </a:r>
+            <a:r>
+              <a:rPr lang="en-US" b="1" dirty="0" err="1">
+                <a:solidFill>
+                  <a:srgbClr val="0070C0"/>
+                </a:solidFill>
+              </a:rPr>
+              <a:t>Específica</a:t>
+            </a:r>
+            <a:endParaRPr lang="en-US" b="1" dirty="0">
+              <a:solidFill>
+                <a:srgbClr val="0070C0"/>
+              </a:solidFill>
+            </a:endParaRPr>
+          </a:p>
+        </p:txBody>
+      </p:sp>
+      <p:sp>
+        <p:nvSpPr>
+          <p:cNvPr id="8" name="Text Placeholder 2"/>
+          <p:cNvSpPr>
+            <a:spLocks noGrp="1"/>
+          </p:cNvSpPr>
+          <p:nvPr>
+            <p:ph type="body" sz="half" idx="1"/>
+          </p:nvPr>
+        </p:nvSpPr>
+        <p:spPr>
+          <a:xfrm>
+            <a:off x="142865" y="1200151"/>
+            <a:ext cx="8865056" cy="3394472"/>
+          </a:xfrm>
+        </p:spPr>
+        <p:txBody>
+          <a:bodyPr>
+            <a:noAutofit/>
+          </a:bodyPr>
+          <a:lstStyle/>
+          <a:p>
+            <a:pPr marL="0" indent="0" algn="just">
+              <a:buNone/>
+            </a:pPr>
+            <a:endParaRPr lang="pt-BR" dirty="0">
+              <a:latin typeface="Times New Roman" panose="02020603050405020304" pitchFamily="18" charset="0"/>
+              <a:cs typeface="Times New Roman" panose="02020603050405020304" pitchFamily="18" charset="0"/>
+            </a:endParaRPr>
+          </a:p>
+          <a:p>
+            <a:pPr marL="0" indent="0" algn="just">
+              <a:buNone/>
+            </a:pPr>
+            <a:endParaRPr lang="pt-BR" dirty="0">
+              <a:latin typeface="Times New Roman" panose="02020603050405020304" pitchFamily="18" charset="0"/>
+              <a:cs typeface="Times New Roman" panose="02020603050405020304" pitchFamily="18" charset="0"/>
+            </a:endParaRPr>
+          </a:p>
+          <a:p>
+            <a:pPr marL="0" indent="0" algn="just">
+              <a:buNone/>
+            </a:pPr>
+            <a:r>
+              <a:rPr lang="pt-BR" dirty="0">
+                <a:latin typeface="Times New Roman" panose="02020603050405020304" pitchFamily="18" charset="0"/>
+                <a:cs typeface="Times New Roman" panose="02020603050405020304" pitchFamily="18" charset="0"/>
+              </a:rPr>
+              <a:t>[1] Site: </a:t>
+            </a:r>
+            <a:r>
+              <a:rPr lang="pt-BR" dirty="0">
+                <a:latin typeface="Times New Roman" panose="02020603050405020304" pitchFamily="18" charset="0"/>
+                <a:cs typeface="Times New Roman" panose="02020603050405020304" pitchFamily="18" charset="0"/>
+                <a:hlinkClick r:id="rId3"/>
+              </a:rPr>
+              <a:t>https://www.w3schools.com/sql/default.asp</a:t>
+            </a:r>
+            <a:endParaRPr lang="pt-BR" dirty="0">
+              <a:latin typeface="Times New Roman" panose="02020603050405020304" pitchFamily="18" charset="0"/>
+              <a:cs typeface="Times New Roman" panose="02020603050405020304" pitchFamily="18" charset="0"/>
+            </a:endParaRPr>
+          </a:p>
+          <a:p>
+            <a:pPr marL="0" indent="0" algn="just">
+              <a:buNone/>
+            </a:pPr>
+            <a:r>
+              <a:rPr lang="pt-BR" dirty="0">
+                <a:latin typeface="Times New Roman" panose="02020603050405020304" pitchFamily="18" charset="0"/>
+                <a:cs typeface="Times New Roman" panose="02020603050405020304" pitchFamily="18" charset="0"/>
+              </a:rPr>
+              <a:t> 	      </a:t>
+            </a:r>
+            <a:r>
+              <a:rPr lang="pt-BR" dirty="0">
+                <a:latin typeface="Times New Roman" panose="02020603050405020304" pitchFamily="18" charset="0"/>
+                <a:cs typeface="Times New Roman" panose="02020603050405020304" pitchFamily="18" charset="0"/>
+                <a:hlinkClick r:id="rId4"/>
+              </a:rPr>
+              <a:t>https://www.w3schools.com/sql/sql_intro.asp</a:t>
+            </a:r>
+            <a:endParaRPr lang="pt-BR" dirty="0">
+              <a:latin typeface="Times New Roman" panose="02020603050405020304" pitchFamily="18" charset="0"/>
+              <a:cs typeface="Times New Roman" panose="02020603050405020304" pitchFamily="18" charset="0"/>
+            </a:endParaRPr>
+          </a:p>
+          <a:p>
+            <a:pPr marL="0" indent="0" algn="just">
+              <a:buNone/>
+            </a:pPr>
+            <a:endParaRPr lang="pt-BR" dirty="0">
+              <a:latin typeface="Calibri" panose="020F0502020204030204" pitchFamily="34" charset="0"/>
+            </a:endParaRPr>
+          </a:p>
+        </p:txBody>
+      </p:sp>
+    </p:spTree>
+    <p:extLst>
+      <p:ext uri="{BB962C8B-B14F-4D97-AF65-F5344CB8AC3E}">
+        <p14:creationId xmlns:p14="http://schemas.microsoft.com/office/powerpoint/2010/main" val="2747596967"/>
+      </p:ext>
+    </p:extLst>
+  </p:cSld>
+  <p:clrMapOvr>
+    <a:masterClrMapping/>
+  </p:clrMapOvr>
+  <p:transition spd="med"/>
+</p:sld>
+</file>
+
+<file path=ppt/slides/slide11.xml><?xml version="1.0" encoding="utf-8"?>
+<p:sld xmlns:a="http://schemas.openxmlformats.org/drawingml/2006/main" xmlns:r="http://schemas.openxmlformats.org/officeDocument/2006/relationships" xmlns:p="http://schemas.openxmlformats.org/presentationml/2006/main">
+  <p:cSld>
+    <p:spTree>
+      <p:nvGrpSpPr>
+        <p:cNvPr id="1" name=""/>
+        <p:cNvGrpSpPr/>
+        <p:nvPr/>
+      </p:nvGrpSpPr>
+      <p:grpSpPr>
+        <a:xfrm>
+          <a:off x="0" y="0"/>
+          <a:ext cx="0" cy="0"/>
+          <a:chOff x="0" y="0"/>
+          <a:chExt cx="0" cy="0"/>
+        </a:xfrm>
+      </p:grpSpPr>
+      <p:sp>
+        <p:nvSpPr>
+          <p:cNvPr id="6" name="Title 1"/>
+          <p:cNvSpPr>
+            <a:spLocks noGrp="1"/>
+          </p:cNvSpPr>
+          <p:nvPr>
+            <p:ph type="title"/>
+          </p:nvPr>
+        </p:nvSpPr>
+        <p:spPr/>
+        <p:txBody>
+          <a:bodyPr>
+            <a:normAutofit/>
+          </a:bodyPr>
+          <a:lstStyle/>
+          <a:p>
+            <a:r>
+              <a:rPr lang="en-US" b="1" dirty="0" err="1">
+                <a:solidFill>
+                  <a:srgbClr val="0070C0"/>
+                </a:solidFill>
+              </a:rPr>
+              <a:t>Aprenda</a:t>
+            </a:r>
+            <a:r>
+              <a:rPr lang="en-US" b="1" dirty="0">
+                <a:solidFill>
+                  <a:srgbClr val="0070C0"/>
+                </a:solidFill>
+              </a:rPr>
+              <a:t>+</a:t>
+            </a:r>
+          </a:p>
+        </p:txBody>
+      </p:sp>
+      <p:sp>
+        <p:nvSpPr>
+          <p:cNvPr id="8" name="Text Placeholder 2"/>
+          <p:cNvSpPr>
+            <a:spLocks noGrp="1"/>
+          </p:cNvSpPr>
+          <p:nvPr>
+            <p:ph type="body" sz="half" idx="1"/>
+          </p:nvPr>
+        </p:nvSpPr>
+        <p:spPr>
+          <a:xfrm>
+            <a:off x="142865" y="1200151"/>
+            <a:ext cx="8865056" cy="3394472"/>
+          </a:xfrm>
+        </p:spPr>
+        <p:txBody>
+          <a:bodyPr>
+            <a:noAutofit/>
+          </a:bodyPr>
+          <a:lstStyle/>
+          <a:p>
+            <a:pPr marL="0" indent="0" algn="just">
+              <a:buNone/>
+            </a:pPr>
+            <a:endParaRPr lang="pt-BR" sz="2000" dirty="0">
+              <a:latin typeface="Times New Roman" panose="02020603050405020304" pitchFamily="18" charset="0"/>
+              <a:cs typeface="Times New Roman" panose="02020603050405020304" pitchFamily="18" charset="0"/>
+            </a:endParaRPr>
+          </a:p>
+          <a:p>
+            <a:pPr marL="0" indent="0" algn="just">
+              <a:buNone/>
+            </a:pPr>
+            <a:endParaRPr lang="pt-BR" sz="2000" dirty="0">
+              <a:latin typeface="Times New Roman" panose="02020603050405020304" pitchFamily="18" charset="0"/>
+              <a:cs typeface="Times New Roman" panose="02020603050405020304" pitchFamily="18" charset="0"/>
+            </a:endParaRPr>
+          </a:p>
+          <a:p>
+            <a:pPr marL="0" indent="0" algn="just">
+              <a:buNone/>
+            </a:pPr>
+            <a:r>
+              <a:rPr lang="pt-BR" sz="2000" dirty="0">
+                <a:latin typeface="Times New Roman" panose="02020603050405020304" pitchFamily="18" charset="0"/>
+                <a:cs typeface="Times New Roman" panose="02020603050405020304" pitchFamily="18" charset="0"/>
+              </a:rPr>
+              <a:t>[2] </a:t>
+            </a:r>
+            <a:r>
+              <a:rPr lang="pt-BR" sz="2000" dirty="0">
+                <a:latin typeface="Times New Roman" panose="02020603050405020304" pitchFamily="18" charset="0"/>
+                <a:cs typeface="Times New Roman" panose="02020603050405020304" pitchFamily="18" charset="0"/>
+                <a:hlinkClick r:id="rId3"/>
+              </a:rPr>
+              <a:t>https://www.youtube.com/watch?v=FXlixv8Ieoc</a:t>
+            </a:r>
+            <a:endParaRPr lang="pt-BR" sz="2000" dirty="0">
+              <a:latin typeface="Times New Roman" panose="02020603050405020304" pitchFamily="18" charset="0"/>
+              <a:cs typeface="Times New Roman" panose="02020603050405020304" pitchFamily="18" charset="0"/>
+            </a:endParaRPr>
+          </a:p>
+          <a:p>
+            <a:pPr marL="0" indent="0" algn="just">
+              <a:buNone/>
+            </a:pPr>
+            <a:endParaRPr lang="pt-BR" sz="2000" dirty="0">
+              <a:latin typeface="Calibri" panose="020F0502020204030204" pitchFamily="34" charset="0"/>
+            </a:endParaRPr>
+          </a:p>
+        </p:txBody>
+      </p:sp>
+    </p:spTree>
+    <p:extLst>
+      <p:ext uri="{BB962C8B-B14F-4D97-AF65-F5344CB8AC3E}">
+        <p14:creationId xmlns:p14="http://schemas.microsoft.com/office/powerpoint/2010/main" val="3680270425"/>
+      </p:ext>
+    </p:extLst>
+  </p:cSld>
+  <p:clrMapOvr>
+    <a:masterClrMapping/>
+  </p:clrMapOvr>
+  <p:transition spd="med"/>
+</p:sld>
+</file>
+
+<file path=ppt/slides/slide12.xml><?xml version="1.0" encoding="utf-8"?>
+<p:sld xmlns:a="http://schemas.openxmlformats.org/drawingml/2006/main" xmlns:r="http://schemas.openxmlformats.org/officeDocument/2006/relationships" xmlns:p="http://schemas.openxmlformats.org/presentationml/2006/main">
+  <p:cSld>
+    <p:spTree>
+      <p:nvGrpSpPr>
+        <p:cNvPr id="1" name=""/>
+        <p:cNvGrpSpPr/>
+        <p:nvPr/>
+      </p:nvGrpSpPr>
+      <p:grpSpPr>
+        <a:xfrm>
+          <a:off x="0" y="0"/>
+          <a:ext cx="0" cy="0"/>
+          <a:chOff x="0" y="0"/>
+          <a:chExt cx="0" cy="0"/>
+        </a:xfrm>
+      </p:grpSpPr>
+      <p:sp>
+        <p:nvSpPr>
+          <p:cNvPr id="6" name="Title 1"/>
+          <p:cNvSpPr>
+            <a:spLocks noGrp="1"/>
+          </p:cNvSpPr>
+          <p:nvPr>
+            <p:ph type="title"/>
+          </p:nvPr>
+        </p:nvSpPr>
+        <p:spPr/>
+        <p:txBody>
+          <a:bodyPr>
+            <a:normAutofit/>
+          </a:bodyPr>
+          <a:lstStyle/>
+          <a:p>
+            <a:r>
+              <a:rPr lang="en-US" b="1" dirty="0" err="1">
+                <a:solidFill>
+                  <a:srgbClr val="0070C0"/>
+                </a:solidFill>
+              </a:rPr>
+              <a:t>Dinâmica</a:t>
+            </a:r>
+            <a:r>
+              <a:rPr lang="en-US" b="1" dirty="0">
+                <a:solidFill>
+                  <a:srgbClr val="0070C0"/>
+                </a:solidFill>
+              </a:rPr>
+              <a:t>/</a:t>
+            </a:r>
+            <a:r>
+              <a:rPr lang="en-US" b="1" dirty="0" err="1">
+                <a:solidFill>
+                  <a:srgbClr val="0070C0"/>
+                </a:solidFill>
+              </a:rPr>
+              <a:t>Atividades</a:t>
+            </a:r>
+            <a:endParaRPr lang="en-US" b="1" dirty="0">
+              <a:solidFill>
+                <a:srgbClr val="0070C0"/>
+              </a:solidFill>
+            </a:endParaRPr>
+          </a:p>
+        </p:txBody>
+      </p:sp>
+      <p:sp>
+        <p:nvSpPr>
+          <p:cNvPr id="8" name="Text Placeholder 2"/>
+          <p:cNvSpPr>
+            <a:spLocks noGrp="1"/>
+          </p:cNvSpPr>
+          <p:nvPr>
+            <p:ph type="body" sz="half" idx="1"/>
+          </p:nvPr>
+        </p:nvSpPr>
+        <p:spPr>
+          <a:xfrm>
+            <a:off x="139472" y="1063230"/>
+            <a:ext cx="8865056" cy="3606305"/>
+          </a:xfrm>
+        </p:spPr>
+        <p:txBody>
+          <a:bodyPr>
+            <a:noAutofit/>
+          </a:bodyPr>
+          <a:lstStyle/>
+          <a:p>
+            <a:pPr algn="just">
+              <a:buFontTx/>
+              <a:buChar char="-"/>
+            </a:pPr>
+            <a:r>
+              <a:rPr lang="pt-BR" b="1" dirty="0">
+                <a:latin typeface="Times New Roman" panose="02020603050405020304" pitchFamily="18" charset="0"/>
+                <a:cs typeface="Times New Roman" panose="02020603050405020304" pitchFamily="18" charset="0"/>
+              </a:rPr>
+              <a:t>Exercícios de Fixação</a:t>
+            </a:r>
+          </a:p>
+          <a:p>
+            <a:pPr marL="0" indent="0" algn="just">
+              <a:buNone/>
+            </a:pPr>
+            <a:r>
+              <a:rPr lang="pt-BR" dirty="0">
+                <a:latin typeface="Times New Roman" panose="02020603050405020304" pitchFamily="18" charset="0"/>
+                <a:cs typeface="Times New Roman" panose="02020603050405020304" pitchFamily="18" charset="0"/>
+              </a:rPr>
+              <a:t>	Desafios em Sala de Aula.</a:t>
+            </a:r>
+          </a:p>
+          <a:p>
+            <a:pPr marL="0" indent="0" algn="just">
+              <a:buNone/>
+            </a:pPr>
+            <a:endParaRPr lang="pt-BR" dirty="0">
+              <a:latin typeface="Times New Roman" panose="02020603050405020304" pitchFamily="18" charset="0"/>
+              <a:cs typeface="Times New Roman" panose="02020603050405020304" pitchFamily="18" charset="0"/>
+            </a:endParaRPr>
+          </a:p>
+          <a:p>
+            <a:pPr algn="just">
+              <a:buFontTx/>
+              <a:buChar char="-"/>
+            </a:pPr>
+            <a:r>
+              <a:rPr lang="pt-BR" b="1" dirty="0">
+                <a:solidFill>
+                  <a:srgbClr val="FF0000"/>
+                </a:solidFill>
+                <a:latin typeface="Times New Roman" panose="02020603050405020304" pitchFamily="18" charset="0"/>
+                <a:cs typeface="Times New Roman" panose="02020603050405020304" pitchFamily="18" charset="0"/>
+              </a:rPr>
+              <a:t>Atividade (domínio – livre escolha)</a:t>
+            </a:r>
+          </a:p>
+          <a:p>
+            <a:pPr marL="0" indent="0" algn="just">
+              <a:buNone/>
+            </a:pPr>
+            <a:r>
+              <a:rPr lang="pt-BR" dirty="0">
+                <a:latin typeface="Times New Roman" panose="02020603050405020304" pitchFamily="18" charset="0"/>
+                <a:cs typeface="Times New Roman" panose="02020603050405020304" pitchFamily="18" charset="0"/>
+              </a:rPr>
+              <a:t>	Criar uma app, implementando um CRUD.</a:t>
+            </a:r>
+          </a:p>
+          <a:p>
+            <a:pPr marL="0" indent="0" algn="just">
+              <a:buNone/>
+            </a:pPr>
+            <a:endParaRPr lang="pt-BR" dirty="0">
+              <a:latin typeface="Times New Roman" panose="02020603050405020304" pitchFamily="18" charset="0"/>
+              <a:cs typeface="Times New Roman" panose="02020603050405020304" pitchFamily="18" charset="0"/>
+            </a:endParaRPr>
+          </a:p>
+          <a:p>
+            <a:pPr marL="0" indent="0" algn="just">
+              <a:buNone/>
+            </a:pPr>
+            <a:endParaRPr lang="pt-BR" dirty="0">
+              <a:latin typeface="Times New Roman" panose="02020603050405020304" pitchFamily="18" charset="0"/>
+              <a:cs typeface="Times New Roman" panose="02020603050405020304" pitchFamily="18" charset="0"/>
+            </a:endParaRPr>
+          </a:p>
+        </p:txBody>
+      </p:sp>
+    </p:spTree>
+    <p:extLst>
+      <p:ext uri="{BB962C8B-B14F-4D97-AF65-F5344CB8AC3E}">
+        <p14:creationId xmlns:p14="http://schemas.microsoft.com/office/powerpoint/2010/main" val="2470652989"/>
+      </p:ext>
+    </p:extLst>
+  </p:cSld>
+  <p:clrMapOvr>
+    <a:masterClrMapping/>
+  </p:clrMapOvr>
+  <p:transition spd="med"/>
+</p:sld>
+</file>
+
+<file path=ppt/slides/slide13.xml><?xml version="1.0" encoding="utf-8"?>
+<p:sld xmlns:a="http://schemas.openxmlformats.org/drawingml/2006/main" xmlns:r="http://schemas.openxmlformats.org/officeDocument/2006/relationships" xmlns:p="http://schemas.openxmlformats.org/presentationml/2006/main">
+  <p:cSld>
+    <p:spTree>
+      <p:nvGrpSpPr>
+        <p:cNvPr id="1" name=""/>
+        <p:cNvGrpSpPr/>
+        <p:nvPr/>
+      </p:nvGrpSpPr>
+      <p:grpSpPr>
+        <a:xfrm>
+          <a:off x="0" y="0"/>
+          <a:ext cx="0" cy="0"/>
+          <a:chOff x="0" y="0"/>
+          <a:chExt cx="0" cy="0"/>
+        </a:xfrm>
+      </p:grpSpPr>
+      <p:sp>
+        <p:nvSpPr>
+          <p:cNvPr id="6" name="Title 1"/>
+          <p:cNvSpPr>
+            <a:spLocks noGrp="1"/>
+          </p:cNvSpPr>
+          <p:nvPr>
+            <p:ph type="title"/>
+          </p:nvPr>
+        </p:nvSpPr>
+        <p:spPr/>
+        <p:txBody>
+          <a:bodyPr>
+            <a:normAutofit/>
+          </a:bodyPr>
+          <a:lstStyle/>
+          <a:p>
+            <a:r>
+              <a:rPr lang="en-US" b="1" dirty="0" err="1">
+                <a:solidFill>
+                  <a:srgbClr val="0070C0"/>
+                </a:solidFill>
+              </a:rPr>
+              <a:t>Referências</a:t>
+            </a:r>
+            <a:r>
+              <a:rPr lang="en-US" b="1" dirty="0">
+                <a:solidFill>
+                  <a:srgbClr val="0070C0"/>
+                </a:solidFill>
+              </a:rPr>
+              <a:t> </a:t>
+            </a:r>
+            <a:r>
+              <a:rPr lang="en-US" b="1" dirty="0" err="1">
+                <a:solidFill>
+                  <a:srgbClr val="0070C0"/>
+                </a:solidFill>
+              </a:rPr>
+              <a:t>Bibliográficas</a:t>
+            </a:r>
+            <a:endParaRPr lang="en-US" b="1" dirty="0">
+              <a:solidFill>
+                <a:srgbClr val="0070C0"/>
+              </a:solidFill>
+            </a:endParaRPr>
+          </a:p>
+        </p:txBody>
+      </p:sp>
+      <p:sp>
+        <p:nvSpPr>
+          <p:cNvPr id="8" name="Text Placeholder 2"/>
+          <p:cNvSpPr>
+            <a:spLocks noGrp="1"/>
+          </p:cNvSpPr>
+          <p:nvPr>
+            <p:ph type="body" sz="half" idx="1"/>
+          </p:nvPr>
+        </p:nvSpPr>
+        <p:spPr>
+          <a:xfrm>
+            <a:off x="142865" y="1200151"/>
+            <a:ext cx="8865056" cy="3394472"/>
+          </a:xfrm>
+        </p:spPr>
+        <p:txBody>
+          <a:bodyPr>
+            <a:noAutofit/>
+          </a:bodyPr>
+          <a:lstStyle/>
+          <a:p>
+            <a:pPr marL="0" indent="0" algn="just">
+              <a:buNone/>
+            </a:pPr>
+            <a:endParaRPr lang="pt-BR" sz="1800" dirty="0">
+              <a:latin typeface="Times New Roman" panose="02020603050405020304" pitchFamily="18" charset="0"/>
+              <a:cs typeface="Times New Roman" panose="02020603050405020304" pitchFamily="18" charset="0"/>
+            </a:endParaRPr>
+          </a:p>
+          <a:p>
+            <a:pPr marL="0" indent="0" algn="just">
+              <a:buNone/>
+            </a:pPr>
+            <a:r>
+              <a:rPr lang="pt-BR" sz="1800" dirty="0">
+                <a:latin typeface="Times New Roman" panose="02020603050405020304" pitchFamily="18" charset="0"/>
+                <a:cs typeface="Times New Roman" panose="02020603050405020304" pitchFamily="18" charset="0"/>
+              </a:rPr>
+              <a:t>[1] SEBESTA, Robert W. Conceitos de Linguagens de Programação. 11. edição. Porto Alegre: Bookman, 2018., Capítulo 1 (Preliminares).</a:t>
+            </a:r>
+          </a:p>
+          <a:p>
+            <a:pPr marL="0" indent="0" algn="just">
+              <a:buNone/>
+            </a:pPr>
+            <a:endParaRPr lang="pt-BR" sz="1800" dirty="0">
+              <a:latin typeface="Times New Roman" panose="02020603050405020304" pitchFamily="18" charset="0"/>
+              <a:cs typeface="Times New Roman" panose="02020603050405020304" pitchFamily="18" charset="0"/>
+            </a:endParaRPr>
+          </a:p>
+          <a:p>
+            <a:pPr marL="0" indent="0" algn="just">
+              <a:buNone/>
+            </a:pPr>
+            <a:r>
+              <a:rPr lang="pt-BR" sz="1800" dirty="0">
+                <a:latin typeface="Times New Roman" panose="02020603050405020304" pitchFamily="18" charset="0"/>
+                <a:cs typeface="Times New Roman" panose="02020603050405020304" pitchFamily="18" charset="0"/>
+              </a:rPr>
+              <a:t>[2] BORGES, Luiz Eduardo. Python para desenvolvedores: aborda Python 3.3. </a:t>
+            </a:r>
+            <a:r>
+              <a:rPr lang="pt-BR" sz="1800" dirty="0" err="1">
+                <a:latin typeface="Times New Roman" panose="02020603050405020304" pitchFamily="18" charset="0"/>
+                <a:cs typeface="Times New Roman" panose="02020603050405020304" pitchFamily="18" charset="0"/>
+              </a:rPr>
+              <a:t>Novatec</a:t>
+            </a:r>
+            <a:r>
+              <a:rPr lang="pt-BR" sz="1800" dirty="0">
+                <a:latin typeface="Times New Roman" panose="02020603050405020304" pitchFamily="18" charset="0"/>
+                <a:cs typeface="Times New Roman" panose="02020603050405020304" pitchFamily="18" charset="0"/>
+              </a:rPr>
+              <a:t> Editora, 2014.</a:t>
+            </a:r>
+          </a:p>
+          <a:p>
+            <a:pPr marL="0" indent="0" algn="just">
+              <a:buNone/>
+            </a:pPr>
+            <a:endParaRPr lang="pt-BR" sz="1800" dirty="0">
+              <a:latin typeface="Times New Roman" panose="02020603050405020304" pitchFamily="18" charset="0"/>
+              <a:cs typeface="Times New Roman" panose="02020603050405020304" pitchFamily="18" charset="0"/>
+            </a:endParaRPr>
+          </a:p>
+        </p:txBody>
+      </p:sp>
+    </p:spTree>
+    <p:extLst>
+      <p:ext uri="{BB962C8B-B14F-4D97-AF65-F5344CB8AC3E}">
+        <p14:creationId xmlns:p14="http://schemas.microsoft.com/office/powerpoint/2010/main" val="1115311843"/>
+      </p:ext>
+    </p:extLst>
+  </p:cSld>
+  <p:clrMapOvr>
+    <a:masterClrMapping/>
+  </p:clrMapOvr>
+  <p:transition spd="med"/>
+</p:sld>
+</file>
+
+<file path=ppt/slides/slide14.xml><?xml version="1.0" encoding="utf-8"?>
+<p:sld xmlns:a="http://schemas.openxmlformats.org/drawingml/2006/main" xmlns:r="http://schemas.openxmlformats.org/officeDocument/2006/relationships" xmlns:p="http://schemas.openxmlformats.org/presentationml/2006/main">
+  <p:cSld>
+    <p:spTree>
+      <p:nvGrpSpPr>
+        <p:cNvPr id="1" name=""/>
+        <p:cNvGrpSpPr/>
+        <p:nvPr/>
+      </p:nvGrpSpPr>
+      <p:grpSpPr>
+        <a:xfrm>
+          <a:off x="0" y="0"/>
+          <a:ext cx="0" cy="0"/>
+          <a:chOff x="0" y="0"/>
+          <a:chExt cx="0" cy="0"/>
+        </a:xfrm>
+      </p:grpSpPr>
+      <p:pic>
+        <p:nvPicPr>
+          <p:cNvPr id="112" name="Picture 6" descr="Picture 6"/>
+          <p:cNvPicPr>
+            <a:picLocks noChangeAspect="1"/>
+          </p:cNvPicPr>
+          <p:nvPr/>
+        </p:nvPicPr>
+        <p:blipFill>
+          <a:blip r:embed="rId2"/>
+          <a:stretch>
+            <a:fillRect/>
+          </a:stretch>
+        </p:blipFill>
+        <p:spPr>
+          <a:xfrm>
+            <a:off x="0" y="0"/>
+            <a:ext cx="9144000" cy="5143500"/>
+          </a:xfrm>
+          <a:prstGeom prst="rect">
+            <a:avLst/>
+          </a:prstGeom>
+          <a:ln w="12700">
+            <a:miter lim="400000"/>
+            <a:headEnd/>
+            <a:tailEnd/>
+          </a:ln>
+        </p:spPr>
+      </p:pic>
+      <p:pic>
+        <p:nvPicPr>
+          <p:cNvPr id="114" name="Picture 5" descr="Picture 5"/>
+          <p:cNvPicPr>
+            <a:picLocks noChangeAspect="1"/>
+          </p:cNvPicPr>
+          <p:nvPr/>
+        </p:nvPicPr>
+        <p:blipFill>
+          <a:blip r:embed="rId3"/>
+          <a:stretch>
+            <a:fillRect/>
+          </a:stretch>
+        </p:blipFill>
+        <p:spPr>
+          <a:xfrm>
+            <a:off x="469900" y="0"/>
+            <a:ext cx="4391984" cy="171450"/>
+          </a:xfrm>
+          <a:prstGeom prst="rect">
+            <a:avLst/>
+          </a:prstGeom>
+          <a:ln w="12700">
+            <a:miter lim="400000"/>
+            <a:headEnd/>
+            <a:tailEnd/>
+          </a:ln>
+        </p:spPr>
+      </p:pic>
+      <p:pic>
+        <p:nvPicPr>
+          <p:cNvPr id="115" name="Imagem" descr="Imagem"/>
+          <p:cNvPicPr>
+            <a:picLocks noChangeAspect="1"/>
+          </p:cNvPicPr>
+          <p:nvPr/>
+        </p:nvPicPr>
+        <p:blipFill>
+          <a:blip r:embed="rId4"/>
+          <a:stretch>
+            <a:fillRect/>
+          </a:stretch>
+        </p:blipFill>
+        <p:spPr>
+          <a:xfrm>
+            <a:off x="823046" y="300823"/>
+            <a:ext cx="3685692" cy="1189055"/>
+          </a:xfrm>
+          <a:prstGeom prst="rect">
+            <a:avLst/>
+          </a:prstGeom>
+          <a:ln w="12700">
+            <a:miter lim="400000"/>
+            <a:headEnd/>
+            <a:tailEnd/>
+          </a:ln>
+        </p:spPr>
+      </p:pic>
+      <p:sp>
+        <p:nvSpPr>
+          <p:cNvPr id="3" name="Título 2"/>
+          <p:cNvSpPr>
+            <a:spLocks noGrp="1"/>
+          </p:cNvSpPr>
+          <p:nvPr>
+            <p:ph type="ctrTitle"/>
+          </p:nvPr>
+        </p:nvSpPr>
+        <p:spPr>
+          <a:xfrm>
+            <a:off x="285751" y="2386770"/>
+            <a:ext cx="8615364" cy="1102519"/>
+          </a:xfrm>
+        </p:spPr>
+        <p:txBody>
+          <a:bodyPr>
+            <a:noAutofit/>
+          </a:bodyPr>
+          <a:lstStyle/>
+          <a:p>
+            <a:r>
+              <a:rPr lang="pt-BR" sz="4800" b="1" dirty="0">
+                <a:solidFill>
+                  <a:schemeClr val="bg1"/>
+                </a:solidFill>
+              </a:rPr>
+              <a:t>Programação Python</a:t>
+            </a:r>
+          </a:p>
+        </p:txBody>
+      </p:sp>
+      <p:sp>
+        <p:nvSpPr>
+          <p:cNvPr id="6" name="Título 2"/>
+          <p:cNvSpPr txBox="1"/>
+          <p:nvPr/>
+        </p:nvSpPr>
+        <p:spPr>
+          <a:xfrm>
+            <a:off x="975683" y="3866663"/>
+            <a:ext cx="7772400" cy="1102519"/>
+          </a:xfrm>
+          <a:prstGeom prst="rect">
+            <a:avLst/>
+          </a:prstGeom>
+          <a:ln w="12700">
+            <a:miter lim="400000"/>
+          </a:ln>
+        </p:spPr>
+        <p:txBody>
+          <a:bodyPr lIns="45718" tIns="45718" rIns="45718" bIns="45718" anchor="ctr">
+            <a:noAutofit/>
+          </a:bodyPr>
+          <a:lstStyle>
+            <a:lvl1pPr marL="0" marR="0" indent="0" algn="ctr" defTabSz="457200" rtl="0" latinLnBrk="0">
+              <a:lnSpc>
+                <a:spcPct val="100000"/>
+              </a:lnSpc>
+              <a:spcBef>
+                <a:spcPts val="0"/>
+              </a:spcBef>
+              <a:spcAft>
+                <a:spcPts val="0"/>
+              </a:spcAft>
+              <a:buClrTx/>
+              <a:buSzTx/>
+              <a:buFontTx/>
+              <a:buNone/>
+              <a:defRPr sz="4400" b="0" i="0" u="none" strike="noStrike" cap="none" spc="0" baseline="0">
+                <a:ln>
+                  <a:noFill/>
+                </a:ln>
+                <a:solidFill>
+                  <a:srgbClr val="000000"/>
+                </a:solidFill>
+                <a:uFillTx/>
+                <a:latin typeface="+mj-lt"/>
+                <a:ea typeface="+mj-ea"/>
+                <a:cs typeface="+mj-cs"/>
+                <a:sym typeface="Calibri"/>
+              </a:defRPr>
+            </a:lvl1pPr>
+            <a:lvl2pPr marL="0" marR="0" indent="0" algn="ctr" defTabSz="457200" rtl="0" latinLnBrk="0">
+              <a:lnSpc>
+                <a:spcPct val="100000"/>
+              </a:lnSpc>
+              <a:spcBef>
+                <a:spcPts val="0"/>
+              </a:spcBef>
+              <a:spcAft>
+                <a:spcPts val="0"/>
+              </a:spcAft>
+              <a:buClrTx/>
+              <a:buSzTx/>
+              <a:buFontTx/>
+              <a:buNone/>
+              <a:defRPr sz="4400" b="0" i="0" u="none" strike="noStrike" cap="none" spc="0" baseline="0">
+                <a:ln>
+                  <a:noFill/>
+                </a:ln>
+                <a:solidFill>
+                  <a:srgbClr val="000000"/>
+                </a:solidFill>
+                <a:uFillTx/>
+                <a:latin typeface="+mj-lt"/>
+                <a:ea typeface="+mj-ea"/>
+                <a:cs typeface="+mj-cs"/>
+                <a:sym typeface="Calibri"/>
+              </a:defRPr>
+            </a:lvl2pPr>
+            <a:lvl3pPr marL="0" marR="0" indent="0" algn="ctr" defTabSz="457200" rtl="0" latinLnBrk="0">
+              <a:lnSpc>
+                <a:spcPct val="100000"/>
+              </a:lnSpc>
+              <a:spcBef>
+                <a:spcPts val="0"/>
+              </a:spcBef>
+              <a:spcAft>
+                <a:spcPts val="0"/>
+              </a:spcAft>
+              <a:buClrTx/>
+              <a:buSzTx/>
+              <a:buFontTx/>
+              <a:buNone/>
+              <a:defRPr sz="4400" b="0" i="0" u="none" strike="noStrike" cap="none" spc="0" baseline="0">
+                <a:ln>
+                  <a:noFill/>
+                </a:ln>
+                <a:solidFill>
+                  <a:srgbClr val="000000"/>
+                </a:solidFill>
+                <a:uFillTx/>
+                <a:latin typeface="+mj-lt"/>
+                <a:ea typeface="+mj-ea"/>
+                <a:cs typeface="+mj-cs"/>
+                <a:sym typeface="Calibri"/>
+              </a:defRPr>
+            </a:lvl3pPr>
+            <a:lvl4pPr marL="0" marR="0" indent="0" algn="ctr" defTabSz="457200" rtl="0" latinLnBrk="0">
+              <a:lnSpc>
+                <a:spcPct val="100000"/>
+              </a:lnSpc>
+              <a:spcBef>
+                <a:spcPts val="0"/>
+              </a:spcBef>
+              <a:spcAft>
+                <a:spcPts val="0"/>
+              </a:spcAft>
+              <a:buClrTx/>
+              <a:buSzTx/>
+              <a:buFontTx/>
+              <a:buNone/>
+              <a:defRPr sz="4400" b="0" i="0" u="none" strike="noStrike" cap="none" spc="0" baseline="0">
+                <a:ln>
+                  <a:noFill/>
+                </a:ln>
+                <a:solidFill>
+                  <a:srgbClr val="000000"/>
+                </a:solidFill>
+                <a:uFillTx/>
+                <a:latin typeface="+mj-lt"/>
+                <a:ea typeface="+mj-ea"/>
+                <a:cs typeface="+mj-cs"/>
+                <a:sym typeface="Calibri"/>
+              </a:defRPr>
+            </a:lvl4pPr>
+            <a:lvl5pPr marL="0" marR="0" indent="0" algn="ctr" defTabSz="457200" rtl="0" latinLnBrk="0">
+              <a:lnSpc>
+                <a:spcPct val="100000"/>
+              </a:lnSpc>
+              <a:spcBef>
+                <a:spcPts val="0"/>
+              </a:spcBef>
+              <a:spcAft>
+                <a:spcPts val="0"/>
+              </a:spcAft>
+              <a:buClrTx/>
+              <a:buSzTx/>
+              <a:buFontTx/>
+              <a:buNone/>
+              <a:defRPr sz="4400" b="0" i="0" u="none" strike="noStrike" cap="none" spc="0" baseline="0">
+                <a:ln>
+                  <a:noFill/>
+                </a:ln>
+                <a:solidFill>
+                  <a:srgbClr val="000000"/>
+                </a:solidFill>
+                <a:uFillTx/>
+                <a:latin typeface="+mj-lt"/>
+                <a:ea typeface="+mj-ea"/>
+                <a:cs typeface="+mj-cs"/>
+                <a:sym typeface="Calibri"/>
+              </a:defRPr>
+            </a:lvl5pPr>
+            <a:lvl6pPr marL="0" marR="0" indent="0" algn="ctr" defTabSz="457200" rtl="0" latinLnBrk="0">
+              <a:lnSpc>
+                <a:spcPct val="100000"/>
+              </a:lnSpc>
+              <a:spcBef>
+                <a:spcPts val="0"/>
+              </a:spcBef>
+              <a:spcAft>
+                <a:spcPts val="0"/>
+              </a:spcAft>
+              <a:buClrTx/>
+              <a:buSzTx/>
+              <a:buFontTx/>
+              <a:buNone/>
+              <a:defRPr sz="4400" b="0" i="0" u="none" strike="noStrike" cap="none" spc="0" baseline="0">
+                <a:ln>
+                  <a:noFill/>
+                </a:ln>
+                <a:solidFill>
+                  <a:srgbClr val="000000"/>
+                </a:solidFill>
+                <a:uFillTx/>
+                <a:latin typeface="+mj-lt"/>
+                <a:ea typeface="+mj-ea"/>
+                <a:cs typeface="+mj-cs"/>
+                <a:sym typeface="Calibri"/>
+              </a:defRPr>
+            </a:lvl6pPr>
+            <a:lvl7pPr marL="0" marR="0" indent="0" algn="ctr" defTabSz="457200" rtl="0" latinLnBrk="0">
+              <a:lnSpc>
+                <a:spcPct val="100000"/>
+              </a:lnSpc>
+              <a:spcBef>
+                <a:spcPts val="0"/>
+              </a:spcBef>
+              <a:spcAft>
+                <a:spcPts val="0"/>
+              </a:spcAft>
+              <a:buClrTx/>
+              <a:buSzTx/>
+              <a:buFontTx/>
+              <a:buNone/>
+              <a:defRPr sz="4400" b="0" i="0" u="none" strike="noStrike" cap="none" spc="0" baseline="0">
+                <a:ln>
+                  <a:noFill/>
+                </a:ln>
+                <a:solidFill>
+                  <a:srgbClr val="000000"/>
+                </a:solidFill>
+                <a:uFillTx/>
+                <a:latin typeface="+mj-lt"/>
+                <a:ea typeface="+mj-ea"/>
+                <a:cs typeface="+mj-cs"/>
+                <a:sym typeface="Calibri"/>
+              </a:defRPr>
+            </a:lvl7pPr>
+            <a:lvl8pPr marL="0" marR="0" indent="0" algn="ctr" defTabSz="457200" rtl="0" latinLnBrk="0">
+              <a:lnSpc>
+                <a:spcPct val="100000"/>
+              </a:lnSpc>
+              <a:spcBef>
+                <a:spcPts val="0"/>
+              </a:spcBef>
+              <a:spcAft>
+                <a:spcPts val="0"/>
+              </a:spcAft>
+              <a:buClrTx/>
+              <a:buSzTx/>
+              <a:buFontTx/>
+              <a:buNone/>
+              <a:defRPr sz="4400" b="0" i="0" u="none" strike="noStrike" cap="none" spc="0" baseline="0">
+                <a:ln>
+                  <a:noFill/>
+                </a:ln>
+                <a:solidFill>
+                  <a:srgbClr val="000000"/>
+                </a:solidFill>
+                <a:uFillTx/>
+                <a:latin typeface="+mj-lt"/>
+                <a:ea typeface="+mj-ea"/>
+                <a:cs typeface="+mj-cs"/>
+                <a:sym typeface="Calibri"/>
+              </a:defRPr>
+            </a:lvl8pPr>
+            <a:lvl9pPr marL="0" marR="0" indent="0" algn="ctr" defTabSz="457200" rtl="0" latinLnBrk="0">
+              <a:lnSpc>
+                <a:spcPct val="100000"/>
+              </a:lnSpc>
+              <a:spcBef>
+                <a:spcPts val="0"/>
+              </a:spcBef>
+              <a:spcAft>
+                <a:spcPts val="0"/>
+              </a:spcAft>
+              <a:buClrTx/>
+              <a:buSzTx/>
+              <a:buFontTx/>
+              <a:buNone/>
+              <a:defRPr sz="4400" b="0" i="0" u="none" strike="noStrike" cap="none" spc="0" baseline="0">
+                <a:ln>
+                  <a:noFill/>
+                </a:ln>
+                <a:solidFill>
+                  <a:srgbClr val="000000"/>
+                </a:solidFill>
+                <a:uFillTx/>
+                <a:latin typeface="+mj-lt"/>
+                <a:ea typeface="+mj-ea"/>
+                <a:cs typeface="+mj-cs"/>
+                <a:sym typeface="Calibri"/>
+              </a:defRPr>
+            </a:lvl9pPr>
+          </a:lstStyle>
+          <a:p>
+            <a:pPr algn="r" hangingPunct="1"/>
+            <a:r>
+              <a:rPr lang="pt-BR" sz="2000" b="1" dirty="0">
+                <a:solidFill>
+                  <a:schemeClr val="bg1"/>
+                </a:solidFill>
+              </a:rPr>
+              <a:t>Professor </a:t>
+            </a:r>
+            <a:r>
+              <a:rPr lang="pt-BR" sz="2000" b="1">
+                <a:solidFill>
+                  <a:schemeClr val="bg1"/>
+                </a:solidFill>
+              </a:rPr>
+              <a:t>M.Sc</a:t>
+            </a:r>
+            <a:r>
+              <a:rPr lang="pt-BR" sz="2000" b="1" dirty="0">
+                <a:solidFill>
+                  <a:schemeClr val="bg1"/>
+                </a:solidFill>
+              </a:rPr>
+              <a:t>. Heleno Cardoso</a:t>
+            </a:r>
+          </a:p>
+        </p:txBody>
+      </p:sp>
+    </p:spTree>
+  </p:cSld>
+  <p:clrMapOvr>
+    <a:masterClrMapping/>
+  </p:clrMapOvr>
+</p:sld>
+</file>
+
 <file path=ppt/slides/slide2.xml><?xml version="1.0" encoding="utf-8"?>
 <p:sld xmlns:a="http://schemas.openxmlformats.org/drawingml/2006/main" xmlns:r="http://schemas.openxmlformats.org/officeDocument/2006/relationships" xmlns:p="http://schemas.openxmlformats.org/presentationml/2006/main">
   <p:cSld>
@@ -5352,13 +6872,19 @@
             <p:ph type="title"/>
           </p:nvPr>
         </p:nvSpPr>
-        <p:spPr/>
+        <p:spPr>
+          <a:xfrm>
+            <a:off x="237995" y="265188"/>
+            <a:ext cx="8763140" cy="596760"/>
+          </a:xfrm>
+        </p:spPr>
         <p:txBody>
           <a:bodyPr>
             <a:normAutofit/>
           </a:bodyPr>
           <a:lstStyle/>
           <a:p>
+            <a:pPr algn="ctr"/>
             <a:r>
               <a:rPr lang="en-US" b="1" dirty="0">
                 <a:solidFill>
@@ -5382,8 +6908,8 @@
         </p:nvSpPr>
         <p:spPr>
           <a:xfrm>
-            <a:off x="142865" y="1200150"/>
-            <a:ext cx="8865056" cy="3737370"/>
+            <a:off x="142865" y="886999"/>
+            <a:ext cx="8865056" cy="4160989"/>
           </a:xfrm>
         </p:spPr>
         <p:txBody>
@@ -5403,8 +6929,244 @@
                 <a:latin typeface="Times New Roman" panose="02020603050405020304" pitchFamily="18" charset="0"/>
                 <a:cs typeface="Times New Roman" panose="02020603050405020304" pitchFamily="18" charset="0"/>
               </a:rPr>
-              <a:t>...</a:t>
-            </a:r>
+              <a:t>O </a:t>
+            </a:r>
+            <a:r>
+              <a:rPr lang="pt-BR" sz="2400" b="1" dirty="0">
+                <a:solidFill>
+                  <a:srgbClr val="FF0000"/>
+                </a:solidFill>
+                <a:latin typeface="Times New Roman" panose="02020603050405020304" pitchFamily="18" charset="0"/>
+                <a:cs typeface="Times New Roman" panose="02020603050405020304" pitchFamily="18" charset="0"/>
+              </a:rPr>
+              <a:t>Python </a:t>
+            </a:r>
+            <a:r>
+              <a:rPr lang="pt-BR" sz="2400" b="1" dirty="0" err="1">
+                <a:solidFill>
+                  <a:srgbClr val="FF0000"/>
+                </a:solidFill>
+                <a:latin typeface="Times New Roman" panose="02020603050405020304" pitchFamily="18" charset="0"/>
+                <a:cs typeface="Times New Roman" panose="02020603050405020304" pitchFamily="18" charset="0"/>
+              </a:rPr>
+              <a:t>Database</a:t>
+            </a:r>
+            <a:r>
+              <a:rPr lang="pt-BR" sz="2400" b="1" dirty="0">
+                <a:solidFill>
+                  <a:srgbClr val="FF0000"/>
+                </a:solidFill>
+                <a:latin typeface="Times New Roman" panose="02020603050405020304" pitchFamily="18" charset="0"/>
+                <a:cs typeface="Times New Roman" panose="02020603050405020304" pitchFamily="18" charset="0"/>
+              </a:rPr>
+              <a:t> API</a:t>
+            </a:r>
+            <a:r>
+              <a:rPr lang="pt-BR" sz="2400" dirty="0">
+                <a:solidFill>
+                  <a:schemeClr val="tx1"/>
+                </a:solidFill>
+                <a:latin typeface="Times New Roman" panose="02020603050405020304" pitchFamily="18" charset="0"/>
+                <a:cs typeface="Times New Roman" panose="02020603050405020304" pitchFamily="18" charset="0"/>
+              </a:rPr>
+              <a:t> (</a:t>
+            </a:r>
+            <a:r>
+              <a:rPr lang="pt-BR" sz="2400" b="1" dirty="0">
+                <a:solidFill>
+                  <a:schemeClr val="tx1"/>
+                </a:solidFill>
+                <a:latin typeface="Times New Roman" panose="02020603050405020304" pitchFamily="18" charset="0"/>
+                <a:cs typeface="Times New Roman" panose="02020603050405020304" pitchFamily="18" charset="0"/>
+              </a:rPr>
+              <a:t>DB-API</a:t>
+            </a:r>
+            <a:r>
+              <a:rPr lang="pt-BR" sz="2400" dirty="0">
+                <a:solidFill>
+                  <a:schemeClr val="tx1"/>
+                </a:solidFill>
+                <a:latin typeface="Times New Roman" panose="02020603050405020304" pitchFamily="18" charset="0"/>
+                <a:cs typeface="Times New Roman" panose="02020603050405020304" pitchFamily="18" charset="0"/>
+              </a:rPr>
+              <a:t>) define uma interface padrão para o banco de dados Python. O </a:t>
+            </a:r>
+            <a:r>
+              <a:rPr lang="pt-BR" sz="2400" dirty="0" err="1">
+                <a:solidFill>
+                  <a:schemeClr val="tx1"/>
+                </a:solidFill>
+                <a:latin typeface="Times New Roman" panose="02020603050405020304" pitchFamily="18" charset="0"/>
+                <a:cs typeface="Times New Roman" panose="02020603050405020304" pitchFamily="18" charset="0"/>
+              </a:rPr>
+              <a:t>SQLAlchemy</a:t>
+            </a:r>
+            <a:r>
+              <a:rPr lang="pt-BR" sz="2400" dirty="0">
+                <a:solidFill>
+                  <a:schemeClr val="tx1"/>
+                </a:solidFill>
+                <a:latin typeface="Times New Roman" panose="02020603050405020304" pitchFamily="18" charset="0"/>
+                <a:cs typeface="Times New Roman" panose="02020603050405020304" pitchFamily="18" charset="0"/>
+              </a:rPr>
+              <a:t> é um conjunto de ferramentas de banco de dados comuns.</a:t>
+            </a:r>
+          </a:p>
+          <a:p>
+            <a:pPr marL="0" indent="0" algn="just">
+              <a:buNone/>
+            </a:pPr>
+            <a:endParaRPr lang="pt-BR" sz="2400" dirty="0">
+              <a:latin typeface="Times New Roman" panose="02020603050405020304" pitchFamily="18" charset="0"/>
+              <a:cs typeface="Times New Roman" panose="02020603050405020304" pitchFamily="18" charset="0"/>
+            </a:endParaRPr>
+          </a:p>
+          <a:p>
+            <a:pPr marL="0" indent="0" algn="just">
+              <a:buNone/>
+            </a:pPr>
+            <a:r>
+              <a:rPr lang="pt-BR" sz="2400" dirty="0">
+                <a:solidFill>
+                  <a:schemeClr val="tx1"/>
+                </a:solidFill>
+                <a:latin typeface="Times New Roman" panose="02020603050405020304" pitchFamily="18" charset="0"/>
+                <a:cs typeface="Times New Roman" panose="02020603050405020304" pitchFamily="18" charset="0"/>
+              </a:rPr>
+              <a:t>Os </a:t>
+            </a:r>
+            <a:r>
+              <a:rPr lang="pt-BR" sz="2400" b="1" dirty="0">
+                <a:solidFill>
+                  <a:schemeClr val="tx1"/>
+                </a:solidFill>
+                <a:latin typeface="Times New Roman" panose="02020603050405020304" pitchFamily="18" charset="0"/>
+                <a:cs typeface="Times New Roman" panose="02020603050405020304" pitchFamily="18" charset="0"/>
+              </a:rPr>
+              <a:t>quatro</a:t>
+            </a:r>
+            <a:r>
+              <a:rPr lang="pt-BR" sz="2400" dirty="0">
+                <a:solidFill>
+                  <a:schemeClr val="tx1"/>
+                </a:solidFill>
+                <a:latin typeface="Times New Roman" panose="02020603050405020304" pitchFamily="18" charset="0"/>
+                <a:cs typeface="Times New Roman" panose="02020603050405020304" pitchFamily="18" charset="0"/>
+              </a:rPr>
+              <a:t> principais </a:t>
+            </a:r>
+            <a:r>
+              <a:rPr lang="pt-BR" sz="2400" b="1" dirty="0">
+                <a:solidFill>
+                  <a:schemeClr val="tx1"/>
+                </a:solidFill>
+                <a:latin typeface="Times New Roman" panose="02020603050405020304" pitchFamily="18" charset="0"/>
+                <a:cs typeface="Times New Roman" panose="02020603050405020304" pitchFamily="18" charset="0"/>
+              </a:rPr>
+              <a:t>bancos de dados livres </a:t>
+            </a:r>
+            <a:r>
+              <a:rPr lang="pt-BR" sz="2400" dirty="0">
+                <a:solidFill>
+                  <a:schemeClr val="tx1"/>
+                </a:solidFill>
+                <a:latin typeface="Times New Roman" panose="02020603050405020304" pitchFamily="18" charset="0"/>
+                <a:cs typeface="Times New Roman" panose="02020603050405020304" pitchFamily="18" charset="0"/>
+              </a:rPr>
+              <a:t>que podem ser acessados do </a:t>
+            </a:r>
+            <a:r>
+              <a:rPr lang="pt-BR" sz="2400" b="1" dirty="0">
+                <a:solidFill>
+                  <a:schemeClr val="tx1"/>
+                </a:solidFill>
+                <a:latin typeface="Times New Roman" panose="02020603050405020304" pitchFamily="18" charset="0"/>
+                <a:cs typeface="Times New Roman" panose="02020603050405020304" pitchFamily="18" charset="0"/>
+              </a:rPr>
+              <a:t>Python</a:t>
+            </a:r>
+            <a:r>
+              <a:rPr lang="pt-BR" sz="2400" dirty="0">
+                <a:solidFill>
+                  <a:schemeClr val="tx1"/>
+                </a:solidFill>
+                <a:latin typeface="Times New Roman" panose="02020603050405020304" pitchFamily="18" charset="0"/>
+                <a:cs typeface="Times New Roman" panose="02020603050405020304" pitchFamily="18" charset="0"/>
+              </a:rPr>
+              <a:t> são o </a:t>
+            </a:r>
+            <a:r>
+              <a:rPr lang="pt-BR" sz="2400" b="1" dirty="0" err="1">
+                <a:solidFill>
+                  <a:srgbClr val="FF0000"/>
+                </a:solidFill>
+                <a:latin typeface="Times New Roman" panose="02020603050405020304" pitchFamily="18" charset="0"/>
+                <a:cs typeface="Times New Roman" panose="02020603050405020304" pitchFamily="18" charset="0"/>
+              </a:rPr>
+              <a:t>SQLite</a:t>
+            </a:r>
+            <a:r>
+              <a:rPr lang="pt-BR" sz="2400" b="1" dirty="0">
+                <a:solidFill>
+                  <a:srgbClr val="FF0000"/>
+                </a:solidFill>
+                <a:latin typeface="Times New Roman" panose="02020603050405020304" pitchFamily="18" charset="0"/>
+                <a:cs typeface="Times New Roman" panose="02020603050405020304" pitchFamily="18" charset="0"/>
+              </a:rPr>
+              <a:t>, o MySQL, o PostgreSQL e o </a:t>
+            </a:r>
+            <a:r>
+              <a:rPr lang="pt-BR" sz="2400" b="1" dirty="0" err="1">
+                <a:solidFill>
+                  <a:srgbClr val="FF0000"/>
+                </a:solidFill>
+                <a:latin typeface="Times New Roman" panose="02020603050405020304" pitchFamily="18" charset="0"/>
+                <a:cs typeface="Times New Roman" panose="02020603050405020304" pitchFamily="18" charset="0"/>
+              </a:rPr>
+              <a:t>Interbase</a:t>
+            </a:r>
+            <a:r>
+              <a:rPr lang="pt-BR" sz="2400" b="1" dirty="0">
+                <a:solidFill>
+                  <a:srgbClr val="FF0000"/>
+                </a:solidFill>
+                <a:latin typeface="Times New Roman" panose="02020603050405020304" pitchFamily="18" charset="0"/>
+                <a:cs typeface="Times New Roman" panose="02020603050405020304" pitchFamily="18" charset="0"/>
+              </a:rPr>
+              <a:t>/</a:t>
+            </a:r>
+            <a:r>
+              <a:rPr lang="pt-BR" sz="2400" b="1" dirty="0" err="1">
+                <a:solidFill>
+                  <a:srgbClr val="FF0000"/>
+                </a:solidFill>
+                <a:latin typeface="Times New Roman" panose="02020603050405020304" pitchFamily="18" charset="0"/>
+                <a:cs typeface="Times New Roman" panose="02020603050405020304" pitchFamily="18" charset="0"/>
+              </a:rPr>
+              <a:t>Firebird</a:t>
+            </a:r>
+            <a:r>
+              <a:rPr lang="pt-BR" sz="2400" dirty="0">
+                <a:solidFill>
+                  <a:schemeClr val="tx1"/>
+                </a:solidFill>
+                <a:latin typeface="Times New Roman" panose="02020603050405020304" pitchFamily="18" charset="0"/>
+                <a:cs typeface="Times New Roman" panose="02020603050405020304" pitchFamily="18" charset="0"/>
+              </a:rPr>
+              <a:t>.</a:t>
+            </a:r>
+          </a:p>
+          <a:p>
+            <a:pPr marL="0" indent="0" algn="just">
+              <a:buNone/>
+            </a:pPr>
+            <a:endParaRPr lang="pt-BR" sz="2400" dirty="0">
+              <a:solidFill>
+                <a:schemeClr val="tx1"/>
+              </a:solidFill>
+              <a:latin typeface="Times New Roman" panose="02020603050405020304" pitchFamily="18" charset="0"/>
+              <a:cs typeface="Times New Roman" panose="02020603050405020304" pitchFamily="18" charset="0"/>
+            </a:endParaRPr>
           </a:p>
         </p:txBody>
       </p:sp>
@@ -5449,36 +7211,34 @@
             <p:ph type="title"/>
           </p:nvPr>
         </p:nvSpPr>
-        <p:spPr/>
+        <p:spPr>
+          <a:xfrm>
+            <a:off x="237995" y="265188"/>
+            <a:ext cx="8763140" cy="596760"/>
+          </a:xfrm>
+        </p:spPr>
         <p:txBody>
           <a:bodyPr>
             <a:normAutofit/>
           </a:bodyPr>
           <a:lstStyle/>
           <a:p>
+            <a:pPr algn="ctr"/>
+            <a:r>
+              <a:rPr lang="en-US" b="1" dirty="0">
+                <a:solidFill>
+                  <a:srgbClr val="0070C0"/>
+                </a:solidFill>
+              </a:rPr>
+              <a:t>Python – BANCO DE DADOS - </a:t>
+            </a:r>
             <a:r>
               <a:rPr lang="en-US" b="1" dirty="0" err="1">
                 <a:solidFill>
                   <a:srgbClr val="0070C0"/>
                 </a:solidFill>
               </a:rPr>
-              <a:t>Leitura</a:t>
-            </a:r>
-            <a:r>
-              <a:rPr lang="en-US" b="1" dirty="0">
-                <a:solidFill>
-                  <a:srgbClr val="0070C0"/>
-                </a:solidFill>
-              </a:rPr>
-              <a:t> </a:t>
-            </a:r>
-            <a:r>
-              <a:rPr lang="en-US" b="1" dirty="0" err="1">
-                <a:solidFill>
-                  <a:srgbClr val="0070C0"/>
-                </a:solidFill>
-              </a:rPr>
-              <a:t>Específica</a:t>
+              <a:t>Conexão</a:t>
             </a:r>
             <a:endParaRPr lang="en-US" b="1" dirty="0">
               <a:solidFill>
@@ -5500,8 +7260,8 @@
         </p:nvSpPr>
         <p:spPr>
           <a:xfrm>
-            <a:off x="142865" y="1200151"/>
-            <a:ext cx="8865056" cy="3394472"/>
+            <a:off x="142865" y="836895"/>
+            <a:ext cx="8865056" cy="4160989"/>
           </a:xfrm>
         </p:spPr>
         <p:txBody>
@@ -5513,7 +7273,85 @@
             <a:pPr marL="0" indent="0" algn="just">
               <a:buNone/>
             </a:pPr>
-            <a:endParaRPr lang="pt-BR" dirty="0">
+            <a:r>
+              <a:rPr lang="pt-BR" sz="2000" dirty="0">
+                <a:solidFill>
+                  <a:schemeClr val="tx1"/>
+                </a:solidFill>
+                <a:latin typeface="Times New Roman" panose="02020603050405020304" pitchFamily="18" charset="0"/>
+                <a:cs typeface="Times New Roman" panose="02020603050405020304" pitchFamily="18" charset="0"/>
+              </a:rPr>
+              <a:t>Instalar o </a:t>
+            </a:r>
+            <a:r>
+              <a:rPr lang="pt-BR" sz="2000" b="1" dirty="0">
+                <a:solidFill>
+                  <a:schemeClr val="tx1"/>
+                </a:solidFill>
+                <a:latin typeface="Times New Roman" panose="02020603050405020304" pitchFamily="18" charset="0"/>
+                <a:cs typeface="Times New Roman" panose="02020603050405020304" pitchFamily="18" charset="0"/>
+              </a:rPr>
+              <a:t>conector do MySQL</a:t>
+            </a:r>
+            <a:r>
+              <a:rPr lang="pt-BR" sz="2000" dirty="0">
+                <a:solidFill>
+                  <a:schemeClr val="tx1"/>
+                </a:solidFill>
+                <a:latin typeface="Times New Roman" panose="02020603050405020304" pitchFamily="18" charset="0"/>
+                <a:cs typeface="Times New Roman" panose="02020603050405020304" pitchFamily="18" charset="0"/>
+              </a:rPr>
+              <a:t> Python, </a:t>
+            </a:r>
+            <a:r>
+              <a:rPr lang="pt-BR" sz="2000" b="1" dirty="0" err="1">
+                <a:solidFill>
+                  <a:srgbClr val="FF0000"/>
+                </a:solidFill>
+                <a:latin typeface="Times New Roman" panose="02020603050405020304" pitchFamily="18" charset="0"/>
+                <a:cs typeface="Times New Roman" panose="02020603050405020304" pitchFamily="18" charset="0"/>
+              </a:rPr>
+              <a:t>mysql</a:t>
+            </a:r>
+            <a:r>
+              <a:rPr lang="pt-BR" sz="2000" b="1" dirty="0">
+                <a:solidFill>
+                  <a:srgbClr val="FF0000"/>
+                </a:solidFill>
+                <a:latin typeface="Times New Roman" panose="02020603050405020304" pitchFamily="18" charset="0"/>
+                <a:cs typeface="Times New Roman" panose="02020603050405020304" pitchFamily="18" charset="0"/>
+              </a:rPr>
+              <a:t>-conector-</a:t>
+            </a:r>
+            <a:r>
+              <a:rPr lang="pt-BR" sz="2000" b="1" dirty="0" err="1">
+                <a:solidFill>
+                  <a:srgbClr val="FF0000"/>
+                </a:solidFill>
+                <a:latin typeface="Times New Roman" panose="02020603050405020304" pitchFamily="18" charset="0"/>
+                <a:cs typeface="Times New Roman" panose="02020603050405020304" pitchFamily="18" charset="0"/>
+              </a:rPr>
+              <a:t>python</a:t>
+            </a:r>
+            <a:r>
+              <a:rPr lang="pt-BR" sz="2000" dirty="0">
+                <a:solidFill>
+                  <a:schemeClr val="tx1"/>
+                </a:solidFill>
+                <a:latin typeface="Times New Roman" panose="02020603050405020304" pitchFamily="18" charset="0"/>
+                <a:cs typeface="Times New Roman" panose="02020603050405020304" pitchFamily="18" charset="0"/>
+              </a:rPr>
+              <a:t>.</a:t>
+            </a:r>
+          </a:p>
+          <a:p>
+            <a:pPr marL="0" indent="0" algn="just">
+              <a:buNone/>
+            </a:pPr>
+            <a:endParaRPr lang="pt-BR" sz="2000" b="1" dirty="0">
+              <a:solidFill>
+                <a:schemeClr val="tx1"/>
+              </a:solidFill>
               <a:latin typeface="Times New Roman" panose="02020603050405020304" pitchFamily="18" charset="0"/>
               <a:cs typeface="Times New Roman" panose="02020603050405020304" pitchFamily="18" charset="0"/>
             </a:endParaRPr>
@@ -5523,33 +7361,39 @@
               <a:buNone/>
             </a:pPr>
             <a:r>
-              <a:rPr lang="pt-BR" dirty="0">
-                <a:latin typeface="Times New Roman" panose="02020603050405020304" pitchFamily="18" charset="0"/>
-                <a:cs typeface="Times New Roman" panose="02020603050405020304" pitchFamily="18" charset="0"/>
-              </a:rPr>
-              <a:t>[1] Site:</a:t>
-            </a:r>
-          </a:p>
-          <a:p>
-            <a:pPr marL="0" indent="0" algn="just">
-              <a:buNone/>
-            </a:pPr>
-            <a:r>
-              <a:rPr lang="pt-BR" dirty="0">
+              <a:rPr lang="pt-BR" sz="2000" b="1" dirty="0" err="1">
+                <a:solidFill>
+                  <a:schemeClr val="tx1"/>
+                </a:solidFill>
+                <a:latin typeface="Times New Roman" panose="02020603050405020304" pitchFamily="18" charset="0"/>
+                <a:cs typeface="Times New Roman" panose="02020603050405020304" pitchFamily="18" charset="0"/>
+              </a:rPr>
+              <a:t>import</a:t>
+            </a:r>
+            <a:r>
+              <a:rPr lang="pt-BR" sz="2000" dirty="0">
+                <a:solidFill>
+                  <a:schemeClr val="tx1"/>
+                </a:solidFill>
                 <a:latin typeface="Times New Roman" panose="02020603050405020304" pitchFamily="18" charset="0"/>
                 <a:cs typeface="Times New Roman" panose="02020603050405020304" pitchFamily="18" charset="0"/>
               </a:rPr>
               <a:t> </a:t>
             </a:r>
             <a:r>
-              <a:rPr lang="pt-BR" dirty="0">
-                <a:latin typeface="Times New Roman" panose="02020603050405020304" pitchFamily="18" charset="0"/>
-                <a:cs typeface="Times New Roman" panose="02020603050405020304" pitchFamily="18" charset="0"/>
-                <a:hlinkClick r:id="rId3"/>
-              </a:rPr>
-              <a:t>https://www.w3schools.com/python/python_variables.asp</a:t>
-            </a:r>
-            <a:endParaRPr lang="pt-BR" dirty="0">
+              <a:rPr lang="pt-BR" sz="2000" b="1" dirty="0" err="1">
+                <a:solidFill>
+                  <a:srgbClr val="FF0000"/>
+                </a:solidFill>
+                <a:latin typeface="Times New Roman" panose="02020603050405020304" pitchFamily="18" charset="0"/>
+                <a:cs typeface="Times New Roman" panose="02020603050405020304" pitchFamily="18" charset="0"/>
+              </a:rPr>
+              <a:t>mysql.connector</a:t>
+            </a:r>
+            <a:endParaRPr lang="pt-BR" sz="2000" b="1" dirty="0">
+              <a:solidFill>
+                <a:srgbClr val="FF0000"/>
+              </a:solidFill>
               <a:latin typeface="Times New Roman" panose="02020603050405020304" pitchFamily="18" charset="0"/>
               <a:cs typeface="Times New Roman" panose="02020603050405020304" pitchFamily="18" charset="0"/>
             </a:endParaRPr>
@@ -5558,85 +7402,353 @@
             <a:pPr marL="0" indent="0" algn="just">
               <a:buNone/>
             </a:pPr>
-            <a:endParaRPr lang="pt-BR" dirty="0">
-              <a:latin typeface="Times New Roman" panose="02020603050405020304" pitchFamily="18" charset="0"/>
-              <a:cs typeface="Times New Roman" panose="02020603050405020304" pitchFamily="18" charset="0"/>
-            </a:endParaRPr>
+            <a:r>
+              <a:rPr lang="pt-BR" sz="2000" dirty="0">
+                <a:solidFill>
+                  <a:schemeClr val="tx1"/>
+                </a:solidFill>
+                <a:latin typeface="Times New Roman" panose="02020603050405020304" pitchFamily="18" charset="0"/>
+                <a:cs typeface="Times New Roman" panose="02020603050405020304" pitchFamily="18" charset="0"/>
+              </a:rPr>
+              <a:t># Objeto de conexão</a:t>
+            </a:r>
           </a:p>
           <a:p>
             <a:pPr marL="0" indent="0" algn="just">
               <a:buNone/>
             </a:pPr>
             <a:r>
-              <a:rPr lang="pt-BR" dirty="0">
-                <a:latin typeface="Times New Roman" panose="02020603050405020304" pitchFamily="18" charset="0"/>
-                <a:cs typeface="Times New Roman" panose="02020603050405020304" pitchFamily="18" charset="0"/>
-              </a:rPr>
-              <a:t>[2] Site: </a:t>
-            </a:r>
-            <a:r>
-              <a:rPr lang="pt-BR" dirty="0">
-                <a:latin typeface="Times New Roman" panose="02020603050405020304" pitchFamily="18" charset="0"/>
-                <a:cs typeface="Times New Roman" panose="02020603050405020304" pitchFamily="18" charset="0"/>
-                <a:hlinkClick r:id="rId4"/>
-              </a:rPr>
-              <a:t>https://docs.python.org/pt-br/3/tutorial/</a:t>
-            </a:r>
-            <a:endParaRPr lang="pt-BR" dirty="0">
-              <a:latin typeface="Times New Roman" panose="02020603050405020304" pitchFamily="18" charset="0"/>
-              <a:cs typeface="Times New Roman" panose="02020603050405020304" pitchFamily="18" charset="0"/>
-            </a:endParaRPr>
+              <a:rPr lang="pt-BR" sz="2000" dirty="0" err="1">
+                <a:solidFill>
+                  <a:schemeClr val="tx1"/>
+                </a:solidFill>
+                <a:latin typeface="Times New Roman" panose="02020603050405020304" pitchFamily="18" charset="0"/>
+                <a:cs typeface="Times New Roman" panose="02020603050405020304" pitchFamily="18" charset="0"/>
+              </a:rPr>
+              <a:t>conn</a:t>
+            </a:r>
+            <a:r>
+              <a:rPr lang="pt-BR" sz="2000" dirty="0">
+                <a:solidFill>
+                  <a:schemeClr val="tx1"/>
+                </a:solidFill>
+                <a:latin typeface="Times New Roman" panose="02020603050405020304" pitchFamily="18" charset="0"/>
+                <a:cs typeface="Times New Roman" panose="02020603050405020304" pitchFamily="18" charset="0"/>
+              </a:rPr>
+              <a:t> = </a:t>
+            </a:r>
+            <a:r>
+              <a:rPr lang="pt-BR" sz="2000" b="1" dirty="0" err="1">
+                <a:solidFill>
+                  <a:srgbClr val="FF0000"/>
+                </a:solidFill>
+                <a:latin typeface="Times New Roman" panose="02020603050405020304" pitchFamily="18" charset="0"/>
+                <a:cs typeface="Times New Roman" panose="02020603050405020304" pitchFamily="18" charset="0"/>
+              </a:rPr>
+              <a:t>mysql.connector.connect</a:t>
+            </a:r>
+            <a:r>
+              <a:rPr lang="pt-BR" sz="2000" dirty="0">
+                <a:solidFill>
+                  <a:schemeClr val="tx1"/>
+                </a:solidFill>
+                <a:latin typeface="Times New Roman" panose="02020603050405020304" pitchFamily="18" charset="0"/>
+                <a:cs typeface="Times New Roman" panose="02020603050405020304" pitchFamily="18" charset="0"/>
+              </a:rPr>
+              <a:t>(</a:t>
+            </a:r>
           </a:p>
           <a:p>
             <a:pPr marL="0" indent="0" algn="just">
               <a:buNone/>
             </a:pPr>
-            <a:endParaRPr lang="pt-BR" dirty="0">
-              <a:latin typeface="Times New Roman" panose="02020603050405020304" pitchFamily="18" charset="0"/>
-              <a:cs typeface="Times New Roman" panose="02020603050405020304" pitchFamily="18" charset="0"/>
-            </a:endParaRPr>
+            <a:r>
+              <a:rPr lang="pt-BR" sz="2000" dirty="0">
+                <a:solidFill>
+                  <a:schemeClr val="tx1"/>
+                </a:solidFill>
+                <a:latin typeface="Times New Roman" panose="02020603050405020304" pitchFamily="18" charset="0"/>
+                <a:cs typeface="Times New Roman" panose="02020603050405020304" pitchFamily="18" charset="0"/>
+              </a:rPr>
+              <a:t>    </a:t>
+            </a:r>
+            <a:r>
+              <a:rPr lang="pt-BR" sz="2000" b="1" dirty="0">
+                <a:solidFill>
+                  <a:schemeClr val="tx1"/>
+                </a:solidFill>
+                <a:latin typeface="Times New Roman" panose="02020603050405020304" pitchFamily="18" charset="0"/>
+                <a:cs typeface="Times New Roman" panose="02020603050405020304" pitchFamily="18" charset="0"/>
+              </a:rPr>
+              <a:t>host</a:t>
+            </a:r>
+            <a:r>
+              <a:rPr lang="pt-BR" sz="2000" dirty="0">
+                <a:solidFill>
+                  <a:schemeClr val="tx1"/>
+                </a:solidFill>
+                <a:latin typeface="Times New Roman" panose="02020603050405020304" pitchFamily="18" charset="0"/>
+                <a:cs typeface="Times New Roman" panose="02020603050405020304" pitchFamily="18" charset="0"/>
+              </a:rPr>
+              <a:t>="</a:t>
+            </a:r>
+            <a:r>
+              <a:rPr lang="pt-BR" sz="2000" dirty="0" err="1">
+                <a:solidFill>
+                  <a:schemeClr val="tx1"/>
+                </a:solidFill>
+                <a:latin typeface="Times New Roman" panose="02020603050405020304" pitchFamily="18" charset="0"/>
+                <a:cs typeface="Times New Roman" panose="02020603050405020304" pitchFamily="18" charset="0"/>
+              </a:rPr>
+              <a:t>localhost</a:t>
+            </a:r>
+            <a:r>
+              <a:rPr lang="pt-BR" sz="2000" dirty="0">
+                <a:solidFill>
+                  <a:schemeClr val="tx1"/>
+                </a:solidFill>
+                <a:latin typeface="Times New Roman" panose="02020603050405020304" pitchFamily="18" charset="0"/>
+                <a:cs typeface="Times New Roman" panose="02020603050405020304" pitchFamily="18" charset="0"/>
+              </a:rPr>
+              <a:t>", </a:t>
+            </a:r>
+            <a:r>
+              <a:rPr lang="pt-BR" sz="2000" b="1" dirty="0" err="1">
+                <a:solidFill>
+                  <a:schemeClr val="tx1"/>
+                </a:solidFill>
+                <a:latin typeface="Times New Roman" panose="02020603050405020304" pitchFamily="18" charset="0"/>
+                <a:cs typeface="Times New Roman" panose="02020603050405020304" pitchFamily="18" charset="0"/>
+              </a:rPr>
+              <a:t>database</a:t>
+            </a:r>
+            <a:r>
+              <a:rPr lang="pt-BR" sz="2000" dirty="0">
+                <a:solidFill>
+                  <a:schemeClr val="tx1"/>
+                </a:solidFill>
+                <a:latin typeface="Times New Roman" panose="02020603050405020304" pitchFamily="18" charset="0"/>
+                <a:cs typeface="Times New Roman" panose="02020603050405020304" pitchFamily="18" charset="0"/>
+              </a:rPr>
+              <a:t>="</a:t>
+            </a:r>
+            <a:r>
+              <a:rPr lang="pt-BR" sz="2000" dirty="0" err="1">
+                <a:solidFill>
+                  <a:schemeClr val="tx1"/>
+                </a:solidFill>
+                <a:latin typeface="Times New Roman" panose="02020603050405020304" pitchFamily="18" charset="0"/>
+                <a:cs typeface="Times New Roman" panose="02020603050405020304" pitchFamily="18" charset="0"/>
+              </a:rPr>
+              <a:t>coursejdbc</a:t>
+            </a:r>
+            <a:r>
+              <a:rPr lang="pt-BR" sz="2000" dirty="0">
+                <a:solidFill>
+                  <a:schemeClr val="tx1"/>
+                </a:solidFill>
+                <a:latin typeface="Times New Roman" panose="02020603050405020304" pitchFamily="18" charset="0"/>
+                <a:cs typeface="Times New Roman" panose="02020603050405020304" pitchFamily="18" charset="0"/>
+              </a:rPr>
+              <a:t>", </a:t>
+            </a:r>
+            <a:r>
+              <a:rPr lang="pt-BR" sz="2000" b="1" dirty="0" err="1">
+                <a:solidFill>
+                  <a:schemeClr val="tx1"/>
+                </a:solidFill>
+                <a:latin typeface="Times New Roman" panose="02020603050405020304" pitchFamily="18" charset="0"/>
+                <a:cs typeface="Times New Roman" panose="02020603050405020304" pitchFamily="18" charset="0"/>
+              </a:rPr>
+              <a:t>user</a:t>
+            </a:r>
+            <a:r>
+              <a:rPr lang="pt-BR" sz="2000" dirty="0">
+                <a:solidFill>
+                  <a:schemeClr val="tx1"/>
+                </a:solidFill>
+                <a:latin typeface="Times New Roman" panose="02020603050405020304" pitchFamily="18" charset="0"/>
+                <a:cs typeface="Times New Roman" panose="02020603050405020304" pitchFamily="18" charset="0"/>
+              </a:rPr>
+              <a:t>="</a:t>
+            </a:r>
+            <a:r>
+              <a:rPr lang="pt-BR" sz="2000" dirty="0" err="1">
+                <a:solidFill>
+                  <a:schemeClr val="tx1"/>
+                </a:solidFill>
+                <a:latin typeface="Times New Roman" panose="02020603050405020304" pitchFamily="18" charset="0"/>
+                <a:cs typeface="Times New Roman" panose="02020603050405020304" pitchFamily="18" charset="0"/>
+              </a:rPr>
+              <a:t>developer</a:t>
+            </a:r>
+            <a:r>
+              <a:rPr lang="pt-BR" sz="2000" dirty="0">
+                <a:solidFill>
+                  <a:schemeClr val="tx1"/>
+                </a:solidFill>
+                <a:latin typeface="Times New Roman" panose="02020603050405020304" pitchFamily="18" charset="0"/>
+                <a:cs typeface="Times New Roman" panose="02020603050405020304" pitchFamily="18" charset="0"/>
+              </a:rPr>
+              <a:t>", </a:t>
+            </a:r>
+            <a:r>
+              <a:rPr lang="pt-BR" sz="2000" b="1" dirty="0" err="1">
+                <a:solidFill>
+                  <a:schemeClr val="tx1"/>
+                </a:solidFill>
+                <a:latin typeface="Times New Roman" panose="02020603050405020304" pitchFamily="18" charset="0"/>
+                <a:cs typeface="Times New Roman" panose="02020603050405020304" pitchFamily="18" charset="0"/>
+              </a:rPr>
+              <a:t>password</a:t>
+            </a:r>
+            <a:r>
+              <a:rPr lang="pt-BR" sz="2000" dirty="0">
+                <a:solidFill>
+                  <a:schemeClr val="tx1"/>
+                </a:solidFill>
+                <a:latin typeface="Times New Roman" panose="02020603050405020304" pitchFamily="18" charset="0"/>
+                <a:cs typeface="Times New Roman" panose="02020603050405020304" pitchFamily="18" charset="0"/>
+              </a:rPr>
+              <a:t>="12")</a:t>
+            </a:r>
           </a:p>
           <a:p>
             <a:pPr marL="0" indent="0" algn="just">
               <a:buNone/>
             </a:pPr>
-            <a:endParaRPr lang="pt-BR" dirty="0">
-              <a:latin typeface="Times New Roman" panose="02020603050405020304" pitchFamily="18" charset="0"/>
-              <a:cs typeface="Times New Roman" panose="02020603050405020304" pitchFamily="18" charset="0"/>
-            </a:endParaRPr>
+            <a:r>
+              <a:rPr lang="pt-BR" sz="2000" b="1" dirty="0" err="1">
+                <a:solidFill>
+                  <a:schemeClr val="tx1"/>
+                </a:solidFill>
+                <a:latin typeface="Times New Roman" panose="02020603050405020304" pitchFamily="18" charset="0"/>
+                <a:cs typeface="Times New Roman" panose="02020603050405020304" pitchFamily="18" charset="0"/>
+              </a:rPr>
+              <a:t>if</a:t>
+            </a:r>
+            <a:r>
+              <a:rPr lang="pt-BR" sz="2000" dirty="0">
+                <a:solidFill>
+                  <a:schemeClr val="tx1"/>
+                </a:solidFill>
+                <a:latin typeface="Times New Roman" panose="02020603050405020304" pitchFamily="18" charset="0"/>
+                <a:cs typeface="Times New Roman" panose="02020603050405020304" pitchFamily="18" charset="0"/>
+              </a:rPr>
+              <a:t> </a:t>
+            </a:r>
+            <a:r>
+              <a:rPr lang="pt-BR" sz="2000" dirty="0" err="1">
+                <a:solidFill>
+                  <a:schemeClr val="tx1"/>
+                </a:solidFill>
+                <a:latin typeface="Times New Roman" panose="02020603050405020304" pitchFamily="18" charset="0"/>
+                <a:cs typeface="Times New Roman" panose="02020603050405020304" pitchFamily="18" charset="0"/>
+              </a:rPr>
+              <a:t>conn.</a:t>
+            </a:r>
+            <a:r>
+              <a:rPr lang="pt-BR" sz="2000" b="1" dirty="0" err="1">
+                <a:solidFill>
+                  <a:srgbClr val="FF0000"/>
+                </a:solidFill>
+                <a:latin typeface="Times New Roman" panose="02020603050405020304" pitchFamily="18" charset="0"/>
+                <a:cs typeface="Times New Roman" panose="02020603050405020304" pitchFamily="18" charset="0"/>
+              </a:rPr>
+              <a:t>is_connected</a:t>
+            </a:r>
+            <a:r>
+              <a:rPr lang="pt-BR" sz="2000" dirty="0">
+                <a:solidFill>
+                  <a:schemeClr val="tx1"/>
+                </a:solidFill>
+                <a:latin typeface="Times New Roman" panose="02020603050405020304" pitchFamily="18" charset="0"/>
+                <a:cs typeface="Times New Roman" panose="02020603050405020304" pitchFamily="18" charset="0"/>
+              </a:rPr>
+              <a:t>():</a:t>
+            </a:r>
           </a:p>
           <a:p>
             <a:pPr marL="0" indent="0" algn="just">
               <a:buNone/>
             </a:pPr>
-            <a:endParaRPr lang="pt-BR" dirty="0">
-              <a:latin typeface="Times New Roman" panose="02020603050405020304" pitchFamily="18" charset="0"/>
-              <a:cs typeface="Times New Roman" panose="02020603050405020304" pitchFamily="18" charset="0"/>
-            </a:endParaRPr>
-          </a:p>
-          <a:p>
-            <a:pPr marL="0" indent="0" algn="just">
-              <a:buNone/>
-            </a:pPr>
-            <a:endParaRPr lang="pt-BR" dirty="0">
-              <a:latin typeface="Times New Roman" panose="02020603050405020304" pitchFamily="18" charset="0"/>
-              <a:cs typeface="Times New Roman" panose="02020603050405020304" pitchFamily="18" charset="0"/>
-            </a:endParaRPr>
-          </a:p>
-          <a:p>
-            <a:pPr marL="0" indent="0" algn="just">
-              <a:buNone/>
-            </a:pPr>
-            <a:endParaRPr lang="pt-BR" dirty="0">
-              <a:latin typeface="Calibri" panose="020F0502020204030204" pitchFamily="34" charset="0"/>
-            </a:endParaRPr>
+            <a:r>
+              <a:rPr lang="pt-BR" sz="2000" dirty="0">
+                <a:solidFill>
+                  <a:schemeClr val="tx1"/>
+                </a:solidFill>
+                <a:latin typeface="Times New Roman" panose="02020603050405020304" pitchFamily="18" charset="0"/>
+                <a:cs typeface="Times New Roman" panose="02020603050405020304" pitchFamily="18" charset="0"/>
+              </a:rPr>
+              <a:t>    </a:t>
+            </a:r>
+            <a:r>
+              <a:rPr lang="pt-BR" sz="2000" b="1" dirty="0">
+                <a:solidFill>
+                  <a:schemeClr val="tx1"/>
+                </a:solidFill>
+                <a:latin typeface="Times New Roman" panose="02020603050405020304" pitchFamily="18" charset="0"/>
+                <a:cs typeface="Times New Roman" panose="02020603050405020304" pitchFamily="18" charset="0"/>
+              </a:rPr>
+              <a:t>print</a:t>
+            </a:r>
+            <a:r>
+              <a:rPr lang="pt-BR" sz="2000" dirty="0">
+                <a:solidFill>
+                  <a:schemeClr val="tx1"/>
+                </a:solidFill>
+                <a:latin typeface="Times New Roman" panose="02020603050405020304" pitchFamily="18" charset="0"/>
+                <a:cs typeface="Times New Roman" panose="02020603050405020304" pitchFamily="18" charset="0"/>
+              </a:rPr>
+              <a:t>("conectado") # print(</a:t>
+            </a:r>
+            <a:r>
+              <a:rPr lang="pt-BR" sz="2000" dirty="0" err="1">
+                <a:solidFill>
+                  <a:schemeClr val="tx1"/>
+                </a:solidFill>
+                <a:latin typeface="Times New Roman" panose="02020603050405020304" pitchFamily="18" charset="0"/>
+                <a:cs typeface="Times New Roman" panose="02020603050405020304" pitchFamily="18" charset="0"/>
+              </a:rPr>
+              <a:t>conn.get_server_info</a:t>
+            </a:r>
+            <a:r>
+              <a:rPr lang="pt-BR" sz="2000" dirty="0">
+                <a:solidFill>
+                  <a:schemeClr val="tx1"/>
+                </a:solidFill>
+                <a:latin typeface="Times New Roman" panose="02020603050405020304" pitchFamily="18" charset="0"/>
+                <a:cs typeface="Times New Roman" panose="02020603050405020304" pitchFamily="18" charset="0"/>
+              </a:rPr>
+              <a:t>()) (</a:t>
+            </a:r>
+            <a:r>
+              <a:rPr lang="pt-BR" sz="2000" b="1" dirty="0">
+                <a:solidFill>
+                  <a:schemeClr val="tx1"/>
+                </a:solidFill>
+                <a:latin typeface="Times New Roman" panose="02020603050405020304" pitchFamily="18" charset="0"/>
+                <a:cs typeface="Times New Roman" panose="02020603050405020304" pitchFamily="18" charset="0"/>
+              </a:rPr>
+              <a:t>versão</a:t>
+            </a:r>
+            <a:r>
+              <a:rPr lang="pt-BR" sz="2000" dirty="0">
+                <a:solidFill>
+                  <a:schemeClr val="tx1"/>
+                </a:solidFill>
+                <a:latin typeface="Times New Roman" panose="02020603050405020304" pitchFamily="18" charset="0"/>
+                <a:cs typeface="Times New Roman" panose="02020603050405020304" pitchFamily="18" charset="0"/>
+              </a:rPr>
+              <a:t>)</a:t>
+            </a:r>
           </a:p>
         </p:txBody>
       </p:sp>
     </p:spTree>
     <p:extLst>
       <p:ext uri="{BB962C8B-B14F-4D97-AF65-F5344CB8AC3E}">
-        <p14:creationId xmlns:p14="http://schemas.microsoft.com/office/powerpoint/2010/main" val="2747596967"/>
+        <p14:creationId xmlns:p14="http://schemas.microsoft.com/office/powerpoint/2010/main" val="1580035117"/>
       </p:ext>
     </p:extLst>
   </p:cSld>
@@ -5674,28 +7786,26 @@
             <p:ph type="title"/>
           </p:nvPr>
         </p:nvSpPr>
-        <p:spPr/>
+        <p:spPr>
+          <a:xfrm>
+            <a:off x="237995" y="265188"/>
+            <a:ext cx="8763140" cy="596760"/>
+          </a:xfrm>
+        </p:spPr>
         <p:txBody>
           <a:bodyPr>
             <a:normAutofit/>
           </a:bodyPr>
           <a:lstStyle/>
           <a:p>
-            <a:r>
-              <a:rPr lang="en-US" b="1" dirty="0" err="1">
+            <a:pPr algn="ctr"/>
+            <a:r>
+              <a:rPr lang="en-US" b="1" dirty="0">
                 <a:solidFill>
                   <a:srgbClr val="0070C0"/>
                 </a:solidFill>
               </a:rPr>
-              <a:t>Aprenda</a:t>
-            </a:r>
-            <a:r>
-              <a:rPr lang="en-US" b="1" dirty="0">
-                <a:solidFill>
-                  <a:srgbClr val="0070C0"/>
-                </a:solidFill>
-              </a:rPr>
-              <a:t>+</a:t>
+              <a:t>Python – BANCO DE DADOS - SELECT</a:t>
             </a:r>
           </a:p>
         </p:txBody>
@@ -5712,8 +7822,8 @@
         </p:nvSpPr>
         <p:spPr>
           <a:xfrm>
-            <a:off x="142865" y="1200151"/>
-            <a:ext cx="8865056" cy="3394472"/>
+            <a:off x="142865" y="836895"/>
+            <a:ext cx="8865056" cy="4160989"/>
           </a:xfrm>
         </p:spPr>
         <p:txBody>
@@ -5725,7 +7835,200 @@
             <a:pPr marL="0" indent="0" algn="just">
               <a:buNone/>
             </a:pPr>
+            <a:r>
+              <a:rPr lang="pt-BR" sz="2000" dirty="0">
+                <a:solidFill>
+                  <a:schemeClr val="tx1"/>
+                </a:solidFill>
+                <a:latin typeface="Times New Roman" panose="02020603050405020304" pitchFamily="18" charset="0"/>
+                <a:cs typeface="Times New Roman" panose="02020603050405020304" pitchFamily="18" charset="0"/>
+              </a:rPr>
+              <a:t>cursor = </a:t>
+            </a:r>
+            <a:r>
+              <a:rPr lang="pt-BR" sz="2000" dirty="0" err="1">
+                <a:solidFill>
+                  <a:schemeClr val="tx1"/>
+                </a:solidFill>
+                <a:latin typeface="Times New Roman" panose="02020603050405020304" pitchFamily="18" charset="0"/>
+                <a:cs typeface="Times New Roman" panose="02020603050405020304" pitchFamily="18" charset="0"/>
+              </a:rPr>
+              <a:t>conn.</a:t>
+            </a:r>
+            <a:r>
+              <a:rPr lang="pt-BR" sz="2000" b="1" dirty="0" err="1">
+                <a:solidFill>
+                  <a:srgbClr val="FF0000"/>
+                </a:solidFill>
+                <a:latin typeface="Times New Roman" panose="02020603050405020304" pitchFamily="18" charset="0"/>
+                <a:cs typeface="Times New Roman" panose="02020603050405020304" pitchFamily="18" charset="0"/>
+              </a:rPr>
+              <a:t>cursor</a:t>
+            </a:r>
+            <a:r>
+              <a:rPr lang="pt-BR" sz="2000" dirty="0">
+                <a:solidFill>
+                  <a:schemeClr val="tx1"/>
+                </a:solidFill>
+                <a:latin typeface="Times New Roman" panose="02020603050405020304" pitchFamily="18" charset="0"/>
+                <a:cs typeface="Times New Roman" panose="02020603050405020304" pitchFamily="18" charset="0"/>
+              </a:rPr>
+              <a:t>()</a:t>
+            </a:r>
+          </a:p>
+          <a:p>
+            <a:pPr marL="0" indent="0" algn="just">
+              <a:buNone/>
+            </a:pPr>
+            <a:r>
+              <a:rPr lang="pt-BR" sz="2000" dirty="0" err="1">
+                <a:solidFill>
+                  <a:schemeClr val="tx1"/>
+                </a:solidFill>
+                <a:latin typeface="Times New Roman" panose="02020603050405020304" pitchFamily="18" charset="0"/>
+                <a:cs typeface="Times New Roman" panose="02020603050405020304" pitchFamily="18" charset="0"/>
+              </a:rPr>
+              <a:t>cursor.</a:t>
+            </a:r>
+            <a:r>
+              <a:rPr lang="pt-BR" sz="2000" b="1" dirty="0" err="1">
+                <a:solidFill>
+                  <a:schemeClr val="tx1"/>
+                </a:solidFill>
+                <a:latin typeface="Times New Roman" panose="02020603050405020304" pitchFamily="18" charset="0"/>
+                <a:cs typeface="Times New Roman" panose="02020603050405020304" pitchFamily="18" charset="0"/>
+              </a:rPr>
+              <a:t>execute</a:t>
+            </a:r>
+            <a:r>
+              <a:rPr lang="pt-BR" sz="2000" dirty="0">
+                <a:solidFill>
+                  <a:schemeClr val="tx1"/>
+                </a:solidFill>
+                <a:latin typeface="Times New Roman" panose="02020603050405020304" pitchFamily="18" charset="0"/>
+                <a:cs typeface="Times New Roman" panose="02020603050405020304" pitchFamily="18" charset="0"/>
+              </a:rPr>
+              <a:t>("</a:t>
+            </a:r>
+            <a:r>
+              <a:rPr lang="pt-BR" sz="2000" b="1" dirty="0" err="1">
+                <a:solidFill>
+                  <a:schemeClr val="tx1"/>
+                </a:solidFill>
+                <a:latin typeface="Times New Roman" panose="02020603050405020304" pitchFamily="18" charset="0"/>
+                <a:cs typeface="Times New Roman" panose="02020603050405020304" pitchFamily="18" charset="0"/>
+              </a:rPr>
+              <a:t>select</a:t>
+            </a:r>
+            <a:r>
+              <a:rPr lang="pt-BR" sz="2000" dirty="0">
+                <a:solidFill>
+                  <a:schemeClr val="tx1"/>
+                </a:solidFill>
+                <a:latin typeface="Times New Roman" panose="02020603050405020304" pitchFamily="18" charset="0"/>
+                <a:cs typeface="Times New Roman" panose="02020603050405020304" pitchFamily="18" charset="0"/>
+              </a:rPr>
+              <a:t> </a:t>
+            </a:r>
+            <a:r>
+              <a:rPr lang="pt-BR" sz="2000" dirty="0" err="1">
+                <a:solidFill>
+                  <a:schemeClr val="tx1"/>
+                </a:solidFill>
+                <a:latin typeface="Times New Roman" panose="02020603050405020304" pitchFamily="18" charset="0"/>
+                <a:cs typeface="Times New Roman" panose="02020603050405020304" pitchFamily="18" charset="0"/>
+              </a:rPr>
+              <a:t>database</a:t>
+            </a:r>
+            <a:r>
+              <a:rPr lang="pt-BR" sz="2000" dirty="0">
+                <a:solidFill>
+                  <a:schemeClr val="tx1"/>
+                </a:solidFill>
+                <a:latin typeface="Times New Roman" panose="02020603050405020304" pitchFamily="18" charset="0"/>
+                <a:cs typeface="Times New Roman" panose="02020603050405020304" pitchFamily="18" charset="0"/>
+              </a:rPr>
+              <a:t>(); ")</a:t>
+            </a:r>
+          </a:p>
+          <a:p>
+            <a:pPr marL="0" indent="0" algn="just">
+              <a:buNone/>
+            </a:pPr>
+            <a:r>
+              <a:rPr lang="pt-BR" sz="2000" dirty="0">
+                <a:solidFill>
+                  <a:schemeClr val="tx1"/>
+                </a:solidFill>
+                <a:latin typeface="Times New Roman" panose="02020603050405020304" pitchFamily="18" charset="0"/>
+                <a:cs typeface="Times New Roman" panose="02020603050405020304" pitchFamily="18" charset="0"/>
+              </a:rPr>
+              <a:t>linha = </a:t>
+            </a:r>
+            <a:r>
+              <a:rPr lang="pt-BR" sz="2000" dirty="0" err="1">
+                <a:solidFill>
+                  <a:schemeClr val="tx1"/>
+                </a:solidFill>
+                <a:latin typeface="Times New Roman" panose="02020603050405020304" pitchFamily="18" charset="0"/>
+                <a:cs typeface="Times New Roman" panose="02020603050405020304" pitchFamily="18" charset="0"/>
+              </a:rPr>
+              <a:t>cursor.</a:t>
+            </a:r>
+            <a:r>
+              <a:rPr lang="pt-BR" sz="2000" b="1" dirty="0" err="1">
+                <a:solidFill>
+                  <a:srgbClr val="FF0000"/>
+                </a:solidFill>
+                <a:latin typeface="Times New Roman" panose="02020603050405020304" pitchFamily="18" charset="0"/>
+                <a:cs typeface="Times New Roman" panose="02020603050405020304" pitchFamily="18" charset="0"/>
+              </a:rPr>
+              <a:t>fetchone</a:t>
+            </a:r>
+            <a:r>
+              <a:rPr lang="pt-BR" sz="2000" dirty="0">
+                <a:solidFill>
+                  <a:schemeClr val="tx1"/>
+                </a:solidFill>
+                <a:latin typeface="Times New Roman" panose="02020603050405020304" pitchFamily="18" charset="0"/>
+                <a:cs typeface="Times New Roman" panose="02020603050405020304" pitchFamily="18" charset="0"/>
+              </a:rPr>
+              <a:t>()</a:t>
+            </a:r>
+          </a:p>
+          <a:p>
+            <a:pPr marL="0" indent="0" algn="just">
+              <a:buNone/>
+            </a:pPr>
+            <a:r>
+              <a:rPr lang="pt-BR" sz="2000" b="1" dirty="0">
+                <a:solidFill>
+                  <a:schemeClr val="tx1"/>
+                </a:solidFill>
+                <a:latin typeface="Times New Roman" panose="02020603050405020304" pitchFamily="18" charset="0"/>
+                <a:cs typeface="Times New Roman" panose="02020603050405020304" pitchFamily="18" charset="0"/>
+              </a:rPr>
+              <a:t>print</a:t>
+            </a:r>
+            <a:r>
+              <a:rPr lang="pt-BR" sz="2000" dirty="0">
+                <a:solidFill>
+                  <a:schemeClr val="tx1"/>
+                </a:solidFill>
+                <a:latin typeface="Times New Roman" panose="02020603050405020304" pitchFamily="18" charset="0"/>
+                <a:cs typeface="Times New Roman" panose="02020603050405020304" pitchFamily="18" charset="0"/>
+              </a:rPr>
+              <a:t>("conectado ao banco de dados: ", linha)</a:t>
+            </a:r>
+          </a:p>
+          <a:p>
+            <a:pPr marL="0" indent="0" algn="just">
+              <a:buNone/>
+            </a:pPr>
             <a:endParaRPr lang="pt-BR" sz="2000" dirty="0">
+              <a:solidFill>
+                <a:schemeClr val="tx1"/>
+              </a:solidFill>
               <a:latin typeface="Times New Roman" panose="02020603050405020304" pitchFamily="18" charset="0"/>
               <a:cs typeface="Times New Roman" panose="02020603050405020304" pitchFamily="18" charset="0"/>
             </a:endParaRPr>
@@ -5735,33 +8038,145 @@
               <a:buNone/>
             </a:pPr>
             <a:r>
+              <a:rPr lang="pt-BR" sz="2000" b="1" dirty="0" err="1">
+                <a:solidFill>
+                  <a:schemeClr val="tx1"/>
+                </a:solidFill>
+                <a:latin typeface="Times New Roman" panose="02020603050405020304" pitchFamily="18" charset="0"/>
+                <a:cs typeface="Times New Roman" panose="02020603050405020304" pitchFamily="18" charset="0"/>
+              </a:rPr>
+              <a:t>if</a:t>
+            </a:r>
+            <a:r>
+              <a:rPr lang="pt-BR" sz="2000" b="1" dirty="0">
+                <a:solidFill>
+                  <a:schemeClr val="tx1"/>
+                </a:solidFill>
+                <a:latin typeface="Times New Roman" panose="02020603050405020304" pitchFamily="18" charset="0"/>
+                <a:cs typeface="Times New Roman" panose="02020603050405020304" pitchFamily="18" charset="0"/>
+              </a:rPr>
+              <a:t> </a:t>
+            </a:r>
+            <a:r>
+              <a:rPr lang="pt-BR" sz="2000" dirty="0" err="1">
+                <a:solidFill>
+                  <a:schemeClr val="tx1"/>
+                </a:solidFill>
+                <a:latin typeface="Times New Roman" panose="02020603050405020304" pitchFamily="18" charset="0"/>
+                <a:cs typeface="Times New Roman" panose="02020603050405020304" pitchFamily="18" charset="0"/>
+              </a:rPr>
+              <a:t>conn.</a:t>
+            </a:r>
+            <a:r>
+              <a:rPr lang="pt-BR" sz="2000" b="1" dirty="0" err="1">
+                <a:solidFill>
+                  <a:srgbClr val="FF0000"/>
+                </a:solidFill>
+                <a:latin typeface="Times New Roman" panose="02020603050405020304" pitchFamily="18" charset="0"/>
+                <a:cs typeface="Times New Roman" panose="02020603050405020304" pitchFamily="18" charset="0"/>
+              </a:rPr>
+              <a:t>is_connected</a:t>
+            </a:r>
+            <a:r>
               <a:rPr lang="pt-BR" sz="2000" dirty="0">
-                <a:latin typeface="Times New Roman" panose="02020603050405020304" pitchFamily="18" charset="0"/>
-                <a:cs typeface="Times New Roman" panose="02020603050405020304" pitchFamily="18" charset="0"/>
-              </a:rPr>
-              <a:t>[1] </a:t>
-            </a:r>
+                <a:solidFill>
+                  <a:schemeClr val="tx1"/>
+                </a:solidFill>
+                <a:latin typeface="Times New Roman" panose="02020603050405020304" pitchFamily="18" charset="0"/>
+                <a:cs typeface="Times New Roman" panose="02020603050405020304" pitchFamily="18" charset="0"/>
+              </a:rPr>
+              <a:t>(): # testando se está conectado</a:t>
+            </a:r>
+          </a:p>
+          <a:p>
+            <a:pPr marL="0" indent="0" algn="just">
+              <a:buNone/>
+            </a:pPr>
             <a:r>
               <a:rPr lang="pt-BR" sz="2000" dirty="0">
-                <a:latin typeface="Times New Roman" panose="02020603050405020304" pitchFamily="18" charset="0"/>
-                <a:cs typeface="Times New Roman" panose="02020603050405020304" pitchFamily="18" charset="0"/>
-                <a:hlinkClick r:id="rId3"/>
-              </a:rPr>
-              <a:t>https://www.programiz.com/python-programming/variables-constants-literals</a:t>
-            </a:r>
-            <a:endParaRPr lang="pt-BR" sz="2000" dirty="0">
-              <a:latin typeface="Times New Roman" panose="02020603050405020304" pitchFamily="18" charset="0"/>
-              <a:cs typeface="Times New Roman" panose="02020603050405020304" pitchFamily="18" charset="0"/>
-            </a:endParaRPr>
+                <a:solidFill>
+                  <a:schemeClr val="tx1"/>
+                </a:solidFill>
+                <a:latin typeface="Times New Roman" panose="02020603050405020304" pitchFamily="18" charset="0"/>
+                <a:cs typeface="Times New Roman" panose="02020603050405020304" pitchFamily="18" charset="0"/>
+              </a:rPr>
+              <a:t>    </a:t>
+            </a:r>
+            <a:r>
+              <a:rPr lang="pt-BR" sz="2000" dirty="0" err="1">
+                <a:solidFill>
+                  <a:schemeClr val="tx1"/>
+                </a:solidFill>
+                <a:latin typeface="Times New Roman" panose="02020603050405020304" pitchFamily="18" charset="0"/>
+                <a:cs typeface="Times New Roman" panose="02020603050405020304" pitchFamily="18" charset="0"/>
+              </a:rPr>
+              <a:t>cursor.</a:t>
+            </a:r>
+            <a:r>
+              <a:rPr lang="pt-BR" sz="2000" b="1" dirty="0" err="1">
+                <a:solidFill>
+                  <a:schemeClr val="tx1"/>
+                </a:solidFill>
+                <a:latin typeface="Times New Roman" panose="02020603050405020304" pitchFamily="18" charset="0"/>
+                <a:cs typeface="Times New Roman" panose="02020603050405020304" pitchFamily="18" charset="0"/>
+              </a:rPr>
+              <a:t>close</a:t>
+            </a:r>
+            <a:r>
+              <a:rPr lang="pt-BR" sz="2000" dirty="0">
+                <a:solidFill>
+                  <a:schemeClr val="tx1"/>
+                </a:solidFill>
+                <a:latin typeface="Times New Roman" panose="02020603050405020304" pitchFamily="18" charset="0"/>
+                <a:cs typeface="Times New Roman" panose="02020603050405020304" pitchFamily="18" charset="0"/>
+              </a:rPr>
+              <a:t>()</a:t>
+            </a:r>
           </a:p>
           <a:p>
             <a:pPr marL="0" indent="0" algn="just">
               <a:buNone/>
             </a:pPr>
-            <a:endParaRPr lang="pt-BR" sz="2000" dirty="0">
-              <a:latin typeface="Times New Roman" panose="02020603050405020304" pitchFamily="18" charset="0"/>
-              <a:cs typeface="Times New Roman" panose="02020603050405020304" pitchFamily="18" charset="0"/>
-            </a:endParaRPr>
+            <a:r>
+              <a:rPr lang="pt-BR" sz="2000" dirty="0">
+                <a:solidFill>
+                  <a:schemeClr val="tx1"/>
+                </a:solidFill>
+                <a:latin typeface="Times New Roman" panose="02020603050405020304" pitchFamily="18" charset="0"/>
+                <a:cs typeface="Times New Roman" panose="02020603050405020304" pitchFamily="18" charset="0"/>
+              </a:rPr>
+              <a:t>    </a:t>
+            </a:r>
+            <a:r>
+              <a:rPr lang="pt-BR" sz="2000" dirty="0" err="1">
+                <a:solidFill>
+                  <a:schemeClr val="tx1"/>
+                </a:solidFill>
+                <a:latin typeface="Times New Roman" panose="02020603050405020304" pitchFamily="18" charset="0"/>
+                <a:cs typeface="Times New Roman" panose="02020603050405020304" pitchFamily="18" charset="0"/>
+              </a:rPr>
+              <a:t>conn.</a:t>
+            </a:r>
+            <a:r>
+              <a:rPr lang="pt-BR" sz="2000" b="1" dirty="0" err="1">
+                <a:solidFill>
+                  <a:schemeClr val="tx1"/>
+                </a:solidFill>
+                <a:latin typeface="Times New Roman" panose="02020603050405020304" pitchFamily="18" charset="0"/>
+                <a:cs typeface="Times New Roman" panose="02020603050405020304" pitchFamily="18" charset="0"/>
+              </a:rPr>
+              <a:t>close</a:t>
+            </a:r>
+            <a:r>
+              <a:rPr lang="pt-BR" sz="2000" dirty="0">
+                <a:solidFill>
+                  <a:schemeClr val="tx1"/>
+                </a:solidFill>
+                <a:latin typeface="Times New Roman" panose="02020603050405020304" pitchFamily="18" charset="0"/>
+                <a:cs typeface="Times New Roman" panose="02020603050405020304" pitchFamily="18" charset="0"/>
+              </a:rPr>
+              <a:t>()</a:t>
+            </a:r>
           </a:p>
           <a:p>
             <a:pPr marL="0" indent="0" algn="just">
@@ -5769,38 +8184,41 @@
             </a:pPr>
             <a:r>
               <a:rPr lang="pt-BR" sz="2000" dirty="0">
-                <a:latin typeface="Times New Roman" panose="02020603050405020304" pitchFamily="18" charset="0"/>
-                <a:cs typeface="Times New Roman" panose="02020603050405020304" pitchFamily="18" charset="0"/>
-              </a:rPr>
-              <a:t>[2] </a:t>
+                <a:solidFill>
+                  <a:schemeClr val="tx1"/>
+                </a:solidFill>
+                <a:latin typeface="Times New Roman" panose="02020603050405020304" pitchFamily="18" charset="0"/>
+                <a:cs typeface="Times New Roman" panose="02020603050405020304" pitchFamily="18" charset="0"/>
+              </a:rPr>
+              <a:t>    </a:t>
+            </a:r>
+            <a:r>
+              <a:rPr lang="pt-BR" sz="2000" b="1" dirty="0">
+                <a:solidFill>
+                  <a:schemeClr val="tx1"/>
+                </a:solidFill>
+                <a:latin typeface="Times New Roman" panose="02020603050405020304" pitchFamily="18" charset="0"/>
+                <a:cs typeface="Times New Roman" panose="02020603050405020304" pitchFamily="18" charset="0"/>
+              </a:rPr>
+              <a:t>print</a:t>
             </a:r>
             <a:r>
               <a:rPr lang="pt-BR" sz="2000" dirty="0">
-                <a:latin typeface="Times New Roman" panose="02020603050405020304" pitchFamily="18" charset="0"/>
-                <a:cs typeface="Times New Roman" panose="02020603050405020304" pitchFamily="18" charset="0"/>
-                <a:hlinkClick r:id="rId4"/>
-              </a:rPr>
-              <a:t>https://www.programiz.com/python-programming/examples/swap-variables</a:t>
-            </a:r>
-            <a:endParaRPr lang="pt-BR" sz="2000" dirty="0">
-              <a:latin typeface="Times New Roman" panose="02020603050405020304" pitchFamily="18" charset="0"/>
-              <a:cs typeface="Times New Roman" panose="02020603050405020304" pitchFamily="18" charset="0"/>
-            </a:endParaRPr>
-          </a:p>
-          <a:p>
-            <a:pPr marL="0" indent="0" algn="just">
-              <a:buNone/>
-            </a:pPr>
-            <a:endParaRPr lang="pt-BR" sz="2000" dirty="0">
-              <a:latin typeface="Calibri" panose="020F0502020204030204" pitchFamily="34" charset="0"/>
-            </a:endParaRPr>
+                <a:solidFill>
+                  <a:schemeClr val="tx1"/>
+                </a:solidFill>
+                <a:latin typeface="Times New Roman" panose="02020603050405020304" pitchFamily="18" charset="0"/>
+                <a:cs typeface="Times New Roman" panose="02020603050405020304" pitchFamily="18" charset="0"/>
+              </a:rPr>
+              <a:t>("Conexão encerrada")</a:t>
+            </a:r>
           </a:p>
         </p:txBody>
       </p:sp>
     </p:spTree>
     <p:extLst>
       <p:ext uri="{BB962C8B-B14F-4D97-AF65-F5344CB8AC3E}">
-        <p14:creationId xmlns:p14="http://schemas.microsoft.com/office/powerpoint/2010/main" val="3680270425"/>
+        <p14:creationId xmlns:p14="http://schemas.microsoft.com/office/powerpoint/2010/main" val="2794041733"/>
       </p:ext>
     </p:extLst>
   </p:cSld>
@@ -5838,42 +8256,27 @@
             <p:ph type="title"/>
           </p:nvPr>
         </p:nvSpPr>
-        <p:spPr/>
+        <p:spPr>
+          <a:xfrm>
+            <a:off x="237995" y="265188"/>
+            <a:ext cx="8763140" cy="596760"/>
+          </a:xfrm>
+        </p:spPr>
         <p:txBody>
           <a:bodyPr>
             <a:normAutofit/>
           </a:bodyPr>
           <a:lstStyle/>
           <a:p>
-            <a:r>
-              <a:rPr lang="en-US" b="1" dirty="0" err="1">
+            <a:pPr algn="ctr"/>
+            <a:r>
+              <a:rPr lang="en-US" b="1" dirty="0">
                 <a:solidFill>
                   <a:srgbClr val="0070C0"/>
                 </a:solidFill>
               </a:rPr>
-              <a:t>Dinâmica</a:t>
-            </a:r>
-            <a:r>
-              <a:rPr lang="en-US" b="1" dirty="0">
-                <a:solidFill>
-                  <a:srgbClr val="0070C0"/>
-                </a:solidFill>
-              </a:rPr>
-              <a:t>/</a:t>
-            </a:r>
-            <a:r>
-              <a:rPr lang="en-US" b="1" dirty="0" err="1">
-                <a:solidFill>
-                  <a:srgbClr val="0070C0"/>
-                </a:solidFill>
-              </a:rPr>
-              <a:t>Atividades</a:t>
-            </a:r>
-            <a:endParaRPr lang="en-US" b="1" dirty="0">
-              <a:solidFill>
-                <a:srgbClr val="0070C0"/>
-              </a:solidFill>
-            </a:endParaRPr>
+              <a:t>Python – BANCO DE DADOS – CRUD READ</a:t>
+            </a:r>
           </a:p>
         </p:txBody>
       </p:sp>
@@ -5889,8 +8292,8 @@
         </p:nvSpPr>
         <p:spPr>
           <a:xfrm>
-            <a:off x="139472" y="1063230"/>
-            <a:ext cx="8865056" cy="3606305"/>
+            <a:off x="142865" y="836895"/>
+            <a:ext cx="8865056" cy="4160989"/>
           </a:xfrm>
         </p:spPr>
         <p:txBody>
@@ -5899,16 +8302,48 @@
           </a:bodyPr>
           <a:lstStyle/>
           <a:p>
-            <a:pPr algn="just">
-              <a:buFontTx/>
-              <a:buChar char="-"/>
+            <a:pPr marL="0" indent="0" algn="just">
+              <a:buNone/>
             </a:pPr>
             <a:r>
-              <a:rPr lang="pt-BR" dirty="0">
-                <a:latin typeface="Times New Roman" panose="02020603050405020304" pitchFamily="18" charset="0"/>
-                <a:cs typeface="Times New Roman" panose="02020603050405020304" pitchFamily="18" charset="0"/>
-              </a:rPr>
-              <a:t>Exercícios de Fixação</a:t>
+              <a:rPr lang="pt-BR" sz="2000" dirty="0">
+                <a:solidFill>
+                  <a:schemeClr val="tx1"/>
+                </a:solidFill>
+                <a:latin typeface="Times New Roman" panose="02020603050405020304" pitchFamily="18" charset="0"/>
+                <a:cs typeface="Times New Roman" panose="02020603050405020304" pitchFamily="18" charset="0"/>
+              </a:rPr>
+              <a:t>cursor = </a:t>
+            </a:r>
+            <a:r>
+              <a:rPr lang="pt-BR" sz="2000" dirty="0" err="1">
+                <a:solidFill>
+                  <a:schemeClr val="tx1"/>
+                </a:solidFill>
+                <a:latin typeface="Times New Roman" panose="02020603050405020304" pitchFamily="18" charset="0"/>
+                <a:cs typeface="Times New Roman" panose="02020603050405020304" pitchFamily="18" charset="0"/>
+              </a:rPr>
+              <a:t>conn.</a:t>
+            </a:r>
+            <a:r>
+              <a:rPr lang="pt-BR" sz="2000" b="1" dirty="0" err="1">
+                <a:solidFill>
+                  <a:srgbClr val="FF0000"/>
+                </a:solidFill>
+                <a:latin typeface="Times New Roman" panose="02020603050405020304" pitchFamily="18" charset="0"/>
+                <a:cs typeface="Times New Roman" panose="02020603050405020304" pitchFamily="18" charset="0"/>
+              </a:rPr>
+              <a:t>cursor</a:t>
+            </a:r>
+            <a:r>
+              <a:rPr lang="pt-BR" sz="2000" dirty="0">
+                <a:solidFill>
+                  <a:schemeClr val="tx1"/>
+                </a:solidFill>
+                <a:latin typeface="Times New Roman" panose="02020603050405020304" pitchFamily="18" charset="0"/>
+                <a:cs typeface="Times New Roman" panose="02020603050405020304" pitchFamily="18" charset="0"/>
+              </a:rPr>
+              <a:t>()</a:t>
             </a:r>
           </a:p>
           <a:p>
@@ -5916,11 +8351,204 @@
               <a:buNone/>
             </a:pPr>
             <a:r>
-              <a:rPr lang="pt-BR" dirty="0">
-                <a:latin typeface="Times New Roman" panose="02020603050405020304" pitchFamily="18" charset="0"/>
-                <a:cs typeface="Times New Roman" panose="02020603050405020304" pitchFamily="18" charset="0"/>
-              </a:rPr>
-              <a:t>	Desafios em Sala de Aula.</a:t>
+              <a:rPr lang="pt-BR" sz="2000" dirty="0">
+                <a:latin typeface="Times New Roman" panose="02020603050405020304" pitchFamily="18" charset="0"/>
+                <a:cs typeface="Times New Roman" panose="02020603050405020304" pitchFamily="18" charset="0"/>
+              </a:rPr>
+              <a:t>nome = “pessoal”</a:t>
+            </a:r>
+            <a:endParaRPr lang="pt-BR" sz="2000" dirty="0">
+              <a:solidFill>
+                <a:schemeClr val="tx1"/>
+              </a:solidFill>
+              <a:latin typeface="Times New Roman" panose="02020603050405020304" pitchFamily="18" charset="0"/>
+              <a:cs typeface="Times New Roman" panose="02020603050405020304" pitchFamily="18" charset="0"/>
+            </a:endParaRPr>
+          </a:p>
+          <a:p>
+            <a:pPr marL="0" indent="0" algn="just">
+              <a:buNone/>
+            </a:pPr>
+            <a:r>
+              <a:rPr lang="pt-BR" sz="2000" dirty="0" err="1">
+                <a:latin typeface="Times New Roman" panose="02020603050405020304" pitchFamily="18" charset="0"/>
+                <a:cs typeface="Times New Roman" panose="02020603050405020304" pitchFamily="18" charset="0"/>
+              </a:rPr>
+              <a:t>sql</a:t>
+            </a:r>
+            <a:r>
+              <a:rPr lang="pt-BR" sz="2000" dirty="0">
+                <a:latin typeface="Times New Roman" panose="02020603050405020304" pitchFamily="18" charset="0"/>
+                <a:cs typeface="Times New Roman" panose="02020603050405020304" pitchFamily="18" charset="0"/>
+              </a:rPr>
+              <a:t> = </a:t>
+            </a:r>
+            <a:r>
+              <a:rPr lang="pt-BR" sz="2000" b="1" dirty="0">
+                <a:solidFill>
+                  <a:srgbClr val="FF0000"/>
+                </a:solidFill>
+                <a:latin typeface="Times New Roman" panose="02020603050405020304" pitchFamily="18" charset="0"/>
+                <a:cs typeface="Times New Roman" panose="02020603050405020304" pitchFamily="18" charset="0"/>
+              </a:rPr>
+              <a:t>f</a:t>
+            </a:r>
+            <a:r>
+              <a:rPr lang="pt-BR" sz="2000" dirty="0">
+                <a:solidFill>
+                  <a:schemeClr val="tx1"/>
+                </a:solidFill>
+                <a:latin typeface="Times New Roman" panose="02020603050405020304" pitchFamily="18" charset="0"/>
+                <a:cs typeface="Times New Roman" panose="02020603050405020304" pitchFamily="18" charset="0"/>
+              </a:rPr>
+              <a:t> "</a:t>
+            </a:r>
+            <a:r>
+              <a:rPr lang="pt-BR" sz="2000" b="1" dirty="0" err="1">
+                <a:latin typeface="Times New Roman" panose="02020603050405020304" pitchFamily="18" charset="0"/>
+                <a:cs typeface="Times New Roman" panose="02020603050405020304" pitchFamily="18" charset="0"/>
+              </a:rPr>
+              <a:t>select</a:t>
+            </a:r>
+            <a:r>
+              <a:rPr lang="pt-BR" sz="2000" dirty="0">
+                <a:solidFill>
+                  <a:schemeClr val="tx1"/>
+                </a:solidFill>
+                <a:latin typeface="Times New Roman" panose="02020603050405020304" pitchFamily="18" charset="0"/>
+                <a:cs typeface="Times New Roman" panose="02020603050405020304" pitchFamily="18" charset="0"/>
+              </a:rPr>
+              <a:t> * </a:t>
+            </a:r>
+            <a:r>
+              <a:rPr lang="pt-BR" sz="2000" b="1" dirty="0" err="1">
+                <a:solidFill>
+                  <a:schemeClr val="tx1"/>
+                </a:solidFill>
+                <a:latin typeface="Times New Roman" panose="02020603050405020304" pitchFamily="18" charset="0"/>
+                <a:cs typeface="Times New Roman" panose="02020603050405020304" pitchFamily="18" charset="0"/>
+              </a:rPr>
+              <a:t>from</a:t>
+            </a:r>
+            <a:r>
+              <a:rPr lang="pt-BR" sz="2000" b="1" dirty="0">
+                <a:solidFill>
+                  <a:schemeClr val="tx1"/>
+                </a:solidFill>
+                <a:latin typeface="Times New Roman" panose="02020603050405020304" pitchFamily="18" charset="0"/>
+                <a:cs typeface="Times New Roman" panose="02020603050405020304" pitchFamily="18" charset="0"/>
+              </a:rPr>
+              <a:t> </a:t>
+            </a:r>
+            <a:r>
+              <a:rPr lang="pt-BR" sz="2000" dirty="0">
+                <a:solidFill>
+                  <a:schemeClr val="tx1"/>
+                </a:solidFill>
+                <a:latin typeface="Times New Roman" panose="02020603050405020304" pitchFamily="18" charset="0"/>
+                <a:cs typeface="Times New Roman" panose="02020603050405020304" pitchFamily="18" charset="0"/>
+              </a:rPr>
+              <a:t>departamento"</a:t>
+            </a:r>
+          </a:p>
+          <a:p>
+            <a:pPr marL="0" indent="0" algn="just">
+              <a:buNone/>
+            </a:pPr>
+            <a:r>
+              <a:rPr lang="pt-BR" sz="2000" dirty="0" err="1">
+                <a:solidFill>
+                  <a:schemeClr val="tx1"/>
+                </a:solidFill>
+                <a:latin typeface="Times New Roman" panose="02020603050405020304" pitchFamily="18" charset="0"/>
+                <a:cs typeface="Times New Roman" panose="02020603050405020304" pitchFamily="18" charset="0"/>
+              </a:rPr>
+              <a:t>cursor.</a:t>
+            </a:r>
+            <a:r>
+              <a:rPr lang="pt-BR" sz="2000" b="1" dirty="0" err="1">
+                <a:solidFill>
+                  <a:schemeClr val="tx1"/>
+                </a:solidFill>
+                <a:latin typeface="Times New Roman" panose="02020603050405020304" pitchFamily="18" charset="0"/>
+                <a:cs typeface="Times New Roman" panose="02020603050405020304" pitchFamily="18" charset="0"/>
+              </a:rPr>
+              <a:t>execute</a:t>
+            </a:r>
+            <a:r>
+              <a:rPr lang="pt-BR" sz="2000" dirty="0">
+                <a:solidFill>
+                  <a:schemeClr val="tx1"/>
+                </a:solidFill>
+                <a:latin typeface="Times New Roman" panose="02020603050405020304" pitchFamily="18" charset="0"/>
+                <a:cs typeface="Times New Roman" panose="02020603050405020304" pitchFamily="18" charset="0"/>
+              </a:rPr>
+              <a:t>(</a:t>
+            </a:r>
+            <a:r>
+              <a:rPr lang="pt-BR" sz="2000" dirty="0" err="1">
+                <a:solidFill>
+                  <a:schemeClr val="tx1"/>
+                </a:solidFill>
+                <a:latin typeface="Times New Roman" panose="02020603050405020304" pitchFamily="18" charset="0"/>
+                <a:cs typeface="Times New Roman" panose="02020603050405020304" pitchFamily="18" charset="0"/>
+              </a:rPr>
+              <a:t>sql</a:t>
+            </a:r>
+            <a:r>
+              <a:rPr lang="pt-BR" sz="2000" dirty="0">
+                <a:solidFill>
+                  <a:schemeClr val="tx1"/>
+                </a:solidFill>
+                <a:latin typeface="Times New Roman" panose="02020603050405020304" pitchFamily="18" charset="0"/>
+                <a:cs typeface="Times New Roman" panose="02020603050405020304" pitchFamily="18" charset="0"/>
+              </a:rPr>
+              <a:t>)</a:t>
+            </a:r>
+          </a:p>
+          <a:p>
+            <a:pPr marL="0" indent="0" algn="just">
+              <a:buNone/>
+            </a:pPr>
+            <a:r>
+              <a:rPr lang="pt-BR" sz="2000" dirty="0">
+                <a:solidFill>
+                  <a:schemeClr val="tx1"/>
+                </a:solidFill>
+                <a:latin typeface="Times New Roman" panose="02020603050405020304" pitchFamily="18" charset="0"/>
+                <a:cs typeface="Times New Roman" panose="02020603050405020304" pitchFamily="18" charset="0"/>
+              </a:rPr>
+              <a:t>linha = </a:t>
+            </a:r>
+            <a:r>
+              <a:rPr lang="pt-BR" sz="2000" dirty="0" err="1">
+                <a:solidFill>
+                  <a:schemeClr val="tx1"/>
+                </a:solidFill>
+                <a:latin typeface="Times New Roman" panose="02020603050405020304" pitchFamily="18" charset="0"/>
+                <a:cs typeface="Times New Roman" panose="02020603050405020304" pitchFamily="18" charset="0"/>
+              </a:rPr>
+              <a:t>cursor.</a:t>
+            </a:r>
+            <a:r>
+              <a:rPr lang="pt-BR" sz="2000" b="1" dirty="0" err="1">
+                <a:solidFill>
+                  <a:srgbClr val="FF0000"/>
+                </a:solidFill>
+                <a:latin typeface="Times New Roman" panose="02020603050405020304" pitchFamily="18" charset="0"/>
+                <a:cs typeface="Times New Roman" panose="02020603050405020304" pitchFamily="18" charset="0"/>
+              </a:rPr>
+              <a:t>fetchall</a:t>
+            </a:r>
+            <a:r>
+              <a:rPr lang="pt-BR" sz="2000" dirty="0">
+                <a:solidFill>
+                  <a:schemeClr val="tx1"/>
+                </a:solidFill>
+                <a:latin typeface="Times New Roman" panose="02020603050405020304" pitchFamily="18" charset="0"/>
+                <a:cs typeface="Times New Roman" panose="02020603050405020304" pitchFamily="18" charset="0"/>
+              </a:rPr>
+              <a:t>()</a:t>
             </a:r>
           </a:p>
         </p:txBody>
@@ -5928,7 +8556,7 @@
     </p:spTree>
     <p:extLst>
       <p:ext uri="{BB962C8B-B14F-4D97-AF65-F5344CB8AC3E}">
-        <p14:creationId xmlns:p14="http://schemas.microsoft.com/office/powerpoint/2010/main" val="2470652989"/>
+        <p14:creationId xmlns:p14="http://schemas.microsoft.com/office/powerpoint/2010/main" val="484425744"/>
       </p:ext>
     </p:extLst>
   </p:cSld>
@@ -5966,42 +8594,27 @@
             <p:ph type="title"/>
           </p:nvPr>
         </p:nvSpPr>
-        <p:spPr/>
+        <p:spPr>
+          <a:xfrm>
+            <a:off x="237995" y="265188"/>
+            <a:ext cx="8763140" cy="596760"/>
+          </a:xfrm>
+        </p:spPr>
         <p:txBody>
           <a:bodyPr>
             <a:normAutofit/>
           </a:bodyPr>
           <a:lstStyle/>
           <a:p>
-            <a:r>
-              <a:rPr lang="en-US" b="1" dirty="0" err="1">
+            <a:pPr algn="ctr"/>
+            <a:r>
+              <a:rPr lang="en-US" b="1" dirty="0">
                 <a:solidFill>
                   <a:srgbClr val="0070C0"/>
                 </a:solidFill>
               </a:rPr>
-              <a:t>Referências</a:t>
-            </a:r>
-            <a:r>
-              <a:rPr lang="en-US" b="1" dirty="0">
-                <a:solidFill>
-                  <a:srgbClr val="0070C0"/>
-                </a:solidFill>
-              </a:rPr>
-              <a:t> </a:t>
-            </a:r>
-            <a:r>
-              <a:rPr lang="en-US" b="1" dirty="0" err="1">
-                <a:solidFill>
-                  <a:srgbClr val="0070C0"/>
-                </a:solidFill>
-              </a:rPr>
-              <a:t>Bibliográficas</a:t>
-            </a:r>
-            <a:endParaRPr lang="en-US" b="1" dirty="0">
-              <a:solidFill>
-                <a:srgbClr val="0070C0"/>
-              </a:solidFill>
-            </a:endParaRPr>
+              <a:t>Python – BANCO DE DADOS – CRUD INSERT</a:t>
+            </a:r>
           </a:p>
         </p:txBody>
       </p:sp>
@@ -6017,8 +8630,8 @@
         </p:nvSpPr>
         <p:spPr>
           <a:xfrm>
-            <a:off x="142865" y="1200151"/>
-            <a:ext cx="8865056" cy="3394472"/>
+            <a:off x="142865" y="836895"/>
+            <a:ext cx="8865056" cy="4160989"/>
           </a:xfrm>
         </p:spPr>
         <p:txBody>
@@ -6030,7 +8643,62 @@
             <a:pPr marL="0" indent="0" algn="just">
               <a:buNone/>
             </a:pPr>
-            <a:endParaRPr lang="pt-BR" sz="1800" dirty="0">
+            <a:r>
+              <a:rPr lang="pt-BR" sz="2000" dirty="0">
+                <a:solidFill>
+                  <a:schemeClr val="tx1"/>
+                </a:solidFill>
+                <a:latin typeface="Times New Roman" panose="02020603050405020304" pitchFamily="18" charset="0"/>
+                <a:cs typeface="Times New Roman" panose="02020603050405020304" pitchFamily="18" charset="0"/>
+              </a:rPr>
+              <a:t>cursor = </a:t>
+            </a:r>
+            <a:r>
+              <a:rPr lang="pt-BR" sz="2000" dirty="0" err="1">
+                <a:solidFill>
+                  <a:schemeClr val="tx1"/>
+                </a:solidFill>
+                <a:latin typeface="Times New Roman" panose="02020603050405020304" pitchFamily="18" charset="0"/>
+                <a:cs typeface="Times New Roman" panose="02020603050405020304" pitchFamily="18" charset="0"/>
+              </a:rPr>
+              <a:t>conn.</a:t>
+            </a:r>
+            <a:r>
+              <a:rPr lang="pt-BR" sz="2000" b="1" dirty="0" err="1">
+                <a:solidFill>
+                  <a:srgbClr val="FF0000"/>
+                </a:solidFill>
+                <a:latin typeface="Times New Roman" panose="02020603050405020304" pitchFamily="18" charset="0"/>
+                <a:cs typeface="Times New Roman" panose="02020603050405020304" pitchFamily="18" charset="0"/>
+              </a:rPr>
+              <a:t>cursor</a:t>
+            </a:r>
+            <a:r>
+              <a:rPr lang="pt-BR" sz="2000" dirty="0">
+                <a:solidFill>
+                  <a:schemeClr val="tx1"/>
+                </a:solidFill>
+                <a:latin typeface="Times New Roman" panose="02020603050405020304" pitchFamily="18" charset="0"/>
+                <a:cs typeface="Times New Roman" panose="02020603050405020304" pitchFamily="18" charset="0"/>
+              </a:rPr>
+              <a:t>()</a:t>
+            </a:r>
+          </a:p>
+          <a:p>
+            <a:pPr marL="0" indent="0" algn="just">
+              <a:buNone/>
+            </a:pPr>
+            <a:r>
+              <a:rPr lang="pt-BR" sz="2000" dirty="0">
+                <a:latin typeface="Times New Roman" panose="02020603050405020304" pitchFamily="18" charset="0"/>
+                <a:cs typeface="Times New Roman" panose="02020603050405020304" pitchFamily="18" charset="0"/>
+              </a:rPr>
+              <a:t>nome = “pessoal”</a:t>
+            </a:r>
+            <a:endParaRPr lang="pt-BR" sz="2000" dirty="0">
+              <a:solidFill>
+                <a:schemeClr val="tx1"/>
+              </a:solidFill>
               <a:latin typeface="Times New Roman" panose="02020603050405020304" pitchFamily="18" charset="0"/>
               <a:cs typeface="Times New Roman" panose="02020603050405020304" pitchFamily="18" charset="0"/>
             </a:endParaRPr>
@@ -6040,18 +8708,224 @@
               <a:buNone/>
             </a:pPr>
             <a:r>
-              <a:rPr lang="pt-BR" sz="1800" dirty="0">
-                <a:latin typeface="Times New Roman" panose="02020603050405020304" pitchFamily="18" charset="0"/>
-                <a:cs typeface="Times New Roman" panose="02020603050405020304" pitchFamily="18" charset="0"/>
-              </a:rPr>
-              <a:t>[1] SEBESTA, Robert W. Conceitos de Linguagens de Programação. 11. edição. Porto Alegre: Bookman, 2018., Capítulo 1 (Preliminares).</a:t>
+              <a:rPr lang="pt-BR" sz="2000" b="1" dirty="0" err="1">
+                <a:latin typeface="Times New Roman" panose="02020603050405020304" pitchFamily="18" charset="0"/>
+                <a:cs typeface="Times New Roman" panose="02020603050405020304" pitchFamily="18" charset="0"/>
+              </a:rPr>
+              <a:t>sql</a:t>
+            </a:r>
+            <a:r>
+              <a:rPr lang="pt-BR" sz="2000" dirty="0">
+                <a:latin typeface="Times New Roman" panose="02020603050405020304" pitchFamily="18" charset="0"/>
+                <a:cs typeface="Times New Roman" panose="02020603050405020304" pitchFamily="18" charset="0"/>
+              </a:rPr>
+              <a:t> = </a:t>
+            </a:r>
+            <a:r>
+              <a:rPr lang="pt-BR" sz="2000" b="1" dirty="0" err="1">
+                <a:solidFill>
+                  <a:srgbClr val="FF0000"/>
+                </a:solidFill>
+                <a:latin typeface="Times New Roman" panose="02020603050405020304" pitchFamily="18" charset="0"/>
+                <a:cs typeface="Times New Roman" panose="02020603050405020304" pitchFamily="18" charset="0"/>
+              </a:rPr>
+              <a:t>f</a:t>
+            </a:r>
+            <a:r>
+              <a:rPr lang="pt-BR" sz="2000" dirty="0" err="1">
+                <a:solidFill>
+                  <a:schemeClr val="tx1"/>
+                </a:solidFill>
+                <a:latin typeface="Times New Roman" panose="02020603050405020304" pitchFamily="18" charset="0"/>
+                <a:cs typeface="Times New Roman" panose="02020603050405020304" pitchFamily="18" charset="0"/>
+              </a:rPr>
+              <a:t>"</a:t>
+            </a:r>
+            <a:r>
+              <a:rPr lang="pt-BR" sz="2000" b="1" dirty="0" err="1">
+                <a:solidFill>
+                  <a:schemeClr val="tx1"/>
+                </a:solidFill>
+                <a:latin typeface="Times New Roman" panose="02020603050405020304" pitchFamily="18" charset="0"/>
+                <a:cs typeface="Times New Roman" panose="02020603050405020304" pitchFamily="18" charset="0"/>
+              </a:rPr>
+              <a:t>insert</a:t>
+            </a:r>
+            <a:r>
+              <a:rPr lang="pt-BR" sz="2000" dirty="0">
+                <a:solidFill>
+                  <a:schemeClr val="tx1"/>
+                </a:solidFill>
+                <a:latin typeface="Times New Roman" panose="02020603050405020304" pitchFamily="18" charset="0"/>
+                <a:cs typeface="Times New Roman" panose="02020603050405020304" pitchFamily="18" charset="0"/>
+              </a:rPr>
+              <a:t> </a:t>
+            </a:r>
+            <a:r>
+              <a:rPr lang="pt-BR" sz="2000" b="1" dirty="0" err="1">
+                <a:solidFill>
+                  <a:schemeClr val="tx1"/>
+                </a:solidFill>
+                <a:latin typeface="Times New Roman" panose="02020603050405020304" pitchFamily="18" charset="0"/>
+                <a:cs typeface="Times New Roman" panose="02020603050405020304" pitchFamily="18" charset="0"/>
+              </a:rPr>
+              <a:t>into</a:t>
+            </a:r>
+            <a:r>
+              <a:rPr lang="pt-BR" sz="2000" dirty="0">
+                <a:solidFill>
+                  <a:schemeClr val="tx1"/>
+                </a:solidFill>
+                <a:latin typeface="Times New Roman" panose="02020603050405020304" pitchFamily="18" charset="0"/>
+                <a:cs typeface="Times New Roman" panose="02020603050405020304" pitchFamily="18" charset="0"/>
+              </a:rPr>
+              <a:t> departamento (nome) </a:t>
+            </a:r>
+            <a:r>
+              <a:rPr lang="pt-BR" sz="2000" b="1" dirty="0" err="1">
+                <a:solidFill>
+                  <a:schemeClr val="tx1"/>
+                </a:solidFill>
+                <a:latin typeface="Times New Roman" panose="02020603050405020304" pitchFamily="18" charset="0"/>
+                <a:cs typeface="Times New Roman" panose="02020603050405020304" pitchFamily="18" charset="0"/>
+              </a:rPr>
+              <a:t>values</a:t>
+            </a:r>
+            <a:r>
+              <a:rPr lang="pt-BR" sz="2000" dirty="0">
+                <a:solidFill>
+                  <a:schemeClr val="tx1"/>
+                </a:solidFill>
+                <a:latin typeface="Times New Roman" panose="02020603050405020304" pitchFamily="18" charset="0"/>
+                <a:cs typeface="Times New Roman" panose="02020603050405020304" pitchFamily="18" charset="0"/>
+              </a:rPr>
+              <a:t> (</a:t>
+            </a:r>
+            <a:r>
+              <a:rPr lang="pt-BR" sz="2000" b="1" dirty="0">
+                <a:solidFill>
+                  <a:schemeClr val="tx1"/>
+                </a:solidFill>
+                <a:latin typeface="Times New Roman" panose="02020603050405020304" pitchFamily="18" charset="0"/>
+                <a:cs typeface="Times New Roman" panose="02020603050405020304" pitchFamily="18" charset="0"/>
+              </a:rPr>
+              <a:t>‘</a:t>
+            </a:r>
+            <a:r>
+              <a:rPr lang="pt-BR" sz="2000" dirty="0">
+                <a:solidFill>
+                  <a:schemeClr val="tx1"/>
+                </a:solidFill>
+                <a:latin typeface="Times New Roman" panose="02020603050405020304" pitchFamily="18" charset="0"/>
+                <a:cs typeface="Times New Roman" panose="02020603050405020304" pitchFamily="18" charset="0"/>
+              </a:rPr>
+              <a:t>{</a:t>
+            </a:r>
+            <a:r>
+              <a:rPr lang="pt-BR" sz="2000" dirty="0">
+                <a:latin typeface="Times New Roman" panose="02020603050405020304" pitchFamily="18" charset="0"/>
+                <a:cs typeface="Times New Roman" panose="02020603050405020304" pitchFamily="18" charset="0"/>
+              </a:rPr>
+              <a:t>nome</a:t>
+            </a:r>
+            <a:r>
+              <a:rPr lang="pt-BR" sz="2000" dirty="0">
+                <a:solidFill>
+                  <a:schemeClr val="tx1"/>
+                </a:solidFill>
+                <a:latin typeface="Times New Roman" panose="02020603050405020304" pitchFamily="18" charset="0"/>
+                <a:cs typeface="Times New Roman" panose="02020603050405020304" pitchFamily="18" charset="0"/>
+              </a:rPr>
+              <a:t>}’)"</a:t>
             </a:r>
           </a:p>
           <a:p>
             <a:pPr marL="0" indent="0" algn="just">
               <a:buNone/>
             </a:pPr>
-            <a:endParaRPr lang="pt-BR" sz="1800" dirty="0">
+            <a:r>
+              <a:rPr lang="pt-BR" sz="2000" dirty="0" err="1">
+                <a:solidFill>
+                  <a:schemeClr val="tx1"/>
+                </a:solidFill>
+                <a:latin typeface="Times New Roman" panose="02020603050405020304" pitchFamily="18" charset="0"/>
+                <a:cs typeface="Times New Roman" panose="02020603050405020304" pitchFamily="18" charset="0"/>
+              </a:rPr>
+              <a:t>cursor.</a:t>
+            </a:r>
+            <a:r>
+              <a:rPr lang="pt-BR" sz="2000" b="1" dirty="0" err="1">
+                <a:solidFill>
+                  <a:schemeClr val="tx1"/>
+                </a:solidFill>
+                <a:latin typeface="Times New Roman" panose="02020603050405020304" pitchFamily="18" charset="0"/>
+                <a:cs typeface="Times New Roman" panose="02020603050405020304" pitchFamily="18" charset="0"/>
+              </a:rPr>
+              <a:t>execute</a:t>
+            </a:r>
+            <a:r>
+              <a:rPr lang="pt-BR" sz="2000" dirty="0">
+                <a:solidFill>
+                  <a:schemeClr val="tx1"/>
+                </a:solidFill>
+                <a:latin typeface="Times New Roman" panose="02020603050405020304" pitchFamily="18" charset="0"/>
+                <a:cs typeface="Times New Roman" panose="02020603050405020304" pitchFamily="18" charset="0"/>
+              </a:rPr>
+              <a:t>(</a:t>
+            </a:r>
+            <a:r>
+              <a:rPr lang="pt-BR" sz="2000" dirty="0" err="1">
+                <a:solidFill>
+                  <a:schemeClr val="tx1"/>
+                </a:solidFill>
+                <a:latin typeface="Times New Roman" panose="02020603050405020304" pitchFamily="18" charset="0"/>
+                <a:cs typeface="Times New Roman" panose="02020603050405020304" pitchFamily="18" charset="0"/>
+              </a:rPr>
+              <a:t>sql</a:t>
+            </a:r>
+            <a:r>
+              <a:rPr lang="pt-BR" sz="2000" dirty="0">
+                <a:solidFill>
+                  <a:schemeClr val="tx1"/>
+                </a:solidFill>
+                <a:latin typeface="Times New Roman" panose="02020603050405020304" pitchFamily="18" charset="0"/>
+                <a:cs typeface="Times New Roman" panose="02020603050405020304" pitchFamily="18" charset="0"/>
+              </a:rPr>
+              <a:t>)</a:t>
+            </a:r>
+          </a:p>
+          <a:p>
+            <a:pPr marL="0" indent="0" algn="just">
+              <a:buNone/>
+            </a:pPr>
+            <a:r>
+              <a:rPr lang="pt-BR" sz="2000" dirty="0" err="1">
+                <a:latin typeface="Times New Roman" panose="02020603050405020304" pitchFamily="18" charset="0"/>
+                <a:cs typeface="Times New Roman" panose="02020603050405020304" pitchFamily="18" charset="0"/>
+              </a:rPr>
+              <a:t>conn.</a:t>
+            </a:r>
+            <a:r>
+              <a:rPr lang="pt-BR" sz="2000" b="1" dirty="0" err="1">
+                <a:solidFill>
+                  <a:srgbClr val="FF0000"/>
+                </a:solidFill>
+                <a:latin typeface="Times New Roman" panose="02020603050405020304" pitchFamily="18" charset="0"/>
+                <a:cs typeface="Times New Roman" panose="02020603050405020304" pitchFamily="18" charset="0"/>
+              </a:rPr>
+              <a:t>commit</a:t>
+            </a:r>
+            <a:r>
+              <a:rPr lang="pt-BR" sz="2000" dirty="0">
+                <a:latin typeface="Times New Roman" panose="02020603050405020304" pitchFamily="18" charset="0"/>
+                <a:cs typeface="Times New Roman" panose="02020603050405020304" pitchFamily="18" charset="0"/>
+              </a:rPr>
+              <a:t>();</a:t>
+            </a:r>
+            <a:endParaRPr lang="pt-BR" sz="2000" dirty="0">
+              <a:solidFill>
+                <a:schemeClr val="tx1"/>
+              </a:solidFill>
               <a:latin typeface="Times New Roman" panose="02020603050405020304" pitchFamily="18" charset="0"/>
               <a:cs typeface="Times New Roman" panose="02020603050405020304" pitchFamily="18" charset="0"/>
             </a:endParaRPr>
@@ -6061,32 +8935,23 @@
               <a:buNone/>
             </a:pPr>
             <a:r>
-              <a:rPr lang="pt-BR" sz="1800" dirty="0">
-                <a:latin typeface="Times New Roman" panose="02020603050405020304" pitchFamily="18" charset="0"/>
-                <a:cs typeface="Times New Roman" panose="02020603050405020304" pitchFamily="18" charset="0"/>
-              </a:rPr>
-              <a:t>[2] BORGES, Luiz Eduardo. Python para desenvolvedores: aborda Python 3.3. </a:t>
-            </a:r>
-            <a:r>
-              <a:rPr lang="pt-BR" sz="1800" dirty="0" err="1">
-                <a:latin typeface="Times New Roman" panose="02020603050405020304" pitchFamily="18" charset="0"/>
-                <a:cs typeface="Times New Roman" panose="02020603050405020304" pitchFamily="18" charset="0"/>
-              </a:rPr>
-              <a:t>Novatec</a:t>
-            </a:r>
-            <a:r>
-              <a:rPr lang="pt-BR" sz="1800" dirty="0">
-                <a:latin typeface="Times New Roman" panose="02020603050405020304" pitchFamily="18" charset="0"/>
-                <a:cs typeface="Times New Roman" panose="02020603050405020304" pitchFamily="18" charset="0"/>
-              </a:rPr>
-              <a:t> Editora, 2014.</a:t>
-            </a:r>
-          </a:p>
-          <a:p>
-            <a:pPr marL="0" indent="0" algn="just">
-              <a:buNone/>
-            </a:pPr>
-            <a:endParaRPr lang="pt-BR" sz="1800" dirty="0">
+              <a:rPr lang="pt-BR" sz="2000" b="1" dirty="0">
+                <a:latin typeface="Times New Roman" panose="02020603050405020304" pitchFamily="18" charset="0"/>
+                <a:cs typeface="Times New Roman" panose="02020603050405020304" pitchFamily="18" charset="0"/>
+              </a:rPr>
+              <a:t>print</a:t>
+            </a:r>
+            <a:r>
+              <a:rPr lang="pt-BR" sz="2000" dirty="0">
+                <a:latin typeface="Times New Roman" panose="02020603050405020304" pitchFamily="18" charset="0"/>
+                <a:cs typeface="Times New Roman" panose="02020603050405020304" pitchFamily="18" charset="0"/>
+              </a:rPr>
+              <a:t>(“Inserido com sucesso”</a:t>
+            </a:r>
+            <a:endParaRPr lang="pt-BR" sz="2000" dirty="0">
+              <a:solidFill>
+                <a:schemeClr val="tx1"/>
+              </a:solidFill>
               <a:latin typeface="Times New Roman" panose="02020603050405020304" pitchFamily="18" charset="0"/>
               <a:cs typeface="Times New Roman" panose="02020603050405020304" pitchFamily="18" charset="0"/>
             </a:endParaRPr>
@@ -6096,7 +8961,7 @@
     </p:spTree>
     <p:extLst>
       <p:ext uri="{BB962C8B-B14F-4D97-AF65-F5344CB8AC3E}">
-        <p14:creationId xmlns:p14="http://schemas.microsoft.com/office/powerpoint/2010/main" val="1115311843"/>
+        <p14:creationId xmlns:p14="http://schemas.microsoft.com/office/powerpoint/2010/main" val="3817461576"/>
       </p:ext>
     </p:extLst>
   </p:cSld>
@@ -6124,107 +8989,54 @@
           <a:chExt cx="0" cy="0"/>
         </a:xfrm>
       </p:grpSpPr>
-      <p:pic>
-        <p:nvPicPr>
-          <p:cNvPr id="112" name="Picture 6" descr="Picture 6"/>
-          <p:cNvPicPr>
-            <a:picLocks noChangeAspect="1"/>
-          </p:cNvPicPr>
-          <p:nvPr/>
-        </p:nvPicPr>
-        <p:blipFill>
-          <a:blip r:embed="rId2"/>
-          <a:stretch>
-            <a:fillRect/>
-          </a:stretch>
-        </p:blipFill>
+      <p:sp>
+        <p:nvSpPr>
+          <p:cNvPr id="6" name="Title 1"/>
+          <p:cNvSpPr>
+            <a:spLocks noGrp="1"/>
+          </p:cNvSpPr>
+          <p:nvPr>
+            <p:ph type="title"/>
+          </p:nvPr>
+        </p:nvSpPr>
         <p:spPr>
           <a:xfrm>
-            <a:off x="0" y="0"/>
-            <a:ext cx="9144000" cy="5143500"/>
+            <a:off x="237995" y="265188"/>
+            <a:ext cx="8763140" cy="596760"/>
           </a:xfrm>
-          <a:prstGeom prst="rect">
-            <a:avLst/>
-          </a:prstGeom>
-          <a:ln w="12700">
-            <a:miter lim="400000"/>
-            <a:headEnd/>
-            <a:tailEnd/>
-          </a:ln>
         </p:spPr>
-      </p:pic>
-      <p:pic>
-        <p:nvPicPr>
-          <p:cNvPr id="114" name="Picture 5" descr="Picture 5"/>
-          <p:cNvPicPr>
-            <a:picLocks noChangeAspect="1"/>
-          </p:cNvPicPr>
-          <p:nvPr/>
-        </p:nvPicPr>
-        <p:blipFill>
-          <a:blip r:embed="rId3"/>
-          <a:stretch>
-            <a:fillRect/>
-          </a:stretch>
-        </p:blipFill>
+        <p:txBody>
+          <a:bodyPr>
+            <a:normAutofit/>
+          </a:bodyPr>
+          <a:lstStyle/>
+          <a:p>
+            <a:pPr algn="ctr"/>
+            <a:r>
+              <a:rPr lang="en-US" b="1" dirty="0">
+                <a:solidFill>
+                  <a:srgbClr val="0070C0"/>
+                </a:solidFill>
+              </a:rPr>
+              <a:t>Python – BANCO DE DADOS – CRUD UPDATE</a:t>
+            </a:r>
+          </a:p>
+        </p:txBody>
+      </p:sp>
+      <p:sp>
+        <p:nvSpPr>
+          <p:cNvPr id="8" name="Text Placeholder 2"/>
+          <p:cNvSpPr>
+            <a:spLocks noGrp="1"/>
+          </p:cNvSpPr>
+          <p:nvPr>
+            <p:ph type="body" sz="half" idx="1"/>
+          </p:nvPr>
+        </p:nvSpPr>
         <p:spPr>
           <a:xfrm>
-            <a:off x="469900" y="0"/>
-            <a:ext cx="4391984" cy="171450"/>
-          </a:xfrm>
-          <a:prstGeom prst="rect">
-            <a:avLst/>
-          </a:prstGeom>
-          <a:ln w="12700">
-            <a:miter lim="400000"/>
-            <a:headEnd/>
-            <a:tailEnd/>
-          </a:ln>
-        </p:spPr>
-      </p:pic>
-      <p:pic>
-        <p:nvPicPr>
-          <p:cNvPr id="115" name="Imagem" descr="Imagem"/>
-          <p:cNvPicPr>
-            <a:picLocks noChangeAspect="1"/>
-          </p:cNvPicPr>
-          <p:nvPr/>
-        </p:nvPicPr>
-        <p:blipFill>
-          <a:blip r:embed="rId4"/>
-          <a:stretch>
-            <a:fillRect/>
-          </a:stretch>
-        </p:blipFill>
-        <p:spPr>
-          <a:xfrm>
-            <a:off x="823046" y="300823"/>
-            <a:ext cx="3685692" cy="1189055"/>
-          </a:xfrm>
-          <a:prstGeom prst="rect">
-            <a:avLst/>
-          </a:prstGeom>
-          <a:ln w="12700">
-            <a:miter lim="400000"/>
-            <a:headEnd/>
-            <a:tailEnd/>
-          </a:ln>
-        </p:spPr>
-      </p:pic>
-      <p:sp>
-        <p:nvSpPr>
-          <p:cNvPr id="3" name="Título 2"/>
-          <p:cNvSpPr>
-            <a:spLocks noGrp="1"/>
-          </p:cNvSpPr>
-          <p:nvPr>
-            <p:ph type="ctrTitle"/>
-          </p:nvPr>
-        </p:nvSpPr>
-        <p:spPr>
-          <a:xfrm>
-            <a:off x="285751" y="2386770"/>
-            <a:ext cx="8615364" cy="1102519"/>
+            <a:off x="142865" y="836895"/>
+            <a:ext cx="8865056" cy="4160989"/>
           </a:xfrm>
         </p:spPr>
         <p:txBody>
@@ -6233,327 +9045,640 @@
           </a:bodyPr>
           <a:lstStyle/>
           <a:p>
-            <a:r>
-              <a:rPr lang="pt-BR" sz="4800" b="1" dirty="0">
-                <a:solidFill>
-                  <a:schemeClr val="bg1"/>
-                </a:solidFill>
-              </a:rPr>
-              <a:t>Programação Python</a:t>
-            </a:r>
+            <a:pPr marL="0" indent="0" algn="just">
+              <a:buNone/>
+            </a:pPr>
+            <a:r>
+              <a:rPr lang="pt-BR" sz="2000" dirty="0">
+                <a:solidFill>
+                  <a:schemeClr val="tx1"/>
+                </a:solidFill>
+                <a:latin typeface="Times New Roman" panose="02020603050405020304" pitchFamily="18" charset="0"/>
+                <a:cs typeface="Times New Roman" panose="02020603050405020304" pitchFamily="18" charset="0"/>
+              </a:rPr>
+              <a:t>cursor = </a:t>
+            </a:r>
+            <a:r>
+              <a:rPr lang="pt-BR" sz="2000" dirty="0" err="1">
+                <a:solidFill>
+                  <a:schemeClr val="tx1"/>
+                </a:solidFill>
+                <a:latin typeface="Times New Roman" panose="02020603050405020304" pitchFamily="18" charset="0"/>
+                <a:cs typeface="Times New Roman" panose="02020603050405020304" pitchFamily="18" charset="0"/>
+              </a:rPr>
+              <a:t>conn.</a:t>
+            </a:r>
+            <a:r>
+              <a:rPr lang="pt-BR" sz="2000" b="1" dirty="0" err="1">
+                <a:solidFill>
+                  <a:srgbClr val="FF0000"/>
+                </a:solidFill>
+                <a:latin typeface="Times New Roman" panose="02020603050405020304" pitchFamily="18" charset="0"/>
+                <a:cs typeface="Times New Roman" panose="02020603050405020304" pitchFamily="18" charset="0"/>
+              </a:rPr>
+              <a:t>cursor</a:t>
+            </a:r>
+            <a:r>
+              <a:rPr lang="pt-BR" sz="2000" dirty="0">
+                <a:solidFill>
+                  <a:schemeClr val="tx1"/>
+                </a:solidFill>
+                <a:latin typeface="Times New Roman" panose="02020603050405020304" pitchFamily="18" charset="0"/>
+                <a:cs typeface="Times New Roman" panose="02020603050405020304" pitchFamily="18" charset="0"/>
+              </a:rPr>
+              <a:t>()</a:t>
+            </a:r>
+          </a:p>
+          <a:p>
+            <a:pPr marL="0" indent="0" algn="just">
+              <a:buNone/>
+            </a:pPr>
+            <a:r>
+              <a:rPr lang="pt-BR" sz="2000" dirty="0">
+                <a:latin typeface="Times New Roman" panose="02020603050405020304" pitchFamily="18" charset="0"/>
+                <a:cs typeface="Times New Roman" panose="02020603050405020304" pitchFamily="18" charset="0"/>
+              </a:rPr>
+              <a:t>id = 63</a:t>
+            </a:r>
+            <a:endParaRPr lang="pt-BR" sz="2000" dirty="0">
+              <a:solidFill>
+                <a:schemeClr val="tx1"/>
+              </a:solidFill>
+              <a:latin typeface="Times New Roman" panose="02020603050405020304" pitchFamily="18" charset="0"/>
+              <a:cs typeface="Times New Roman" panose="02020603050405020304" pitchFamily="18" charset="0"/>
+            </a:endParaRPr>
+          </a:p>
+          <a:p>
+            <a:pPr marL="0" indent="0" algn="just">
+              <a:buNone/>
+            </a:pPr>
+            <a:r>
+              <a:rPr lang="pt-BR" sz="2000" dirty="0">
+                <a:latin typeface="Times New Roman" panose="02020603050405020304" pitchFamily="18" charset="0"/>
+                <a:cs typeface="Times New Roman" panose="02020603050405020304" pitchFamily="18" charset="0"/>
+              </a:rPr>
+              <a:t>nome = "recursos humanos"</a:t>
+            </a:r>
+          </a:p>
+          <a:p>
+            <a:pPr marL="0" indent="0" algn="just">
+              <a:buNone/>
+            </a:pPr>
+            <a:r>
+              <a:rPr lang="pt-BR" sz="2000" dirty="0" err="1">
+                <a:latin typeface="Times New Roman" panose="02020603050405020304" pitchFamily="18" charset="0"/>
+                <a:cs typeface="Times New Roman" panose="02020603050405020304" pitchFamily="18" charset="0"/>
+              </a:rPr>
+              <a:t>sql</a:t>
+            </a:r>
+            <a:r>
+              <a:rPr lang="pt-BR" sz="2000" dirty="0">
+                <a:latin typeface="Times New Roman" panose="02020603050405020304" pitchFamily="18" charset="0"/>
+                <a:cs typeface="Times New Roman" panose="02020603050405020304" pitchFamily="18" charset="0"/>
+              </a:rPr>
+              <a:t> = </a:t>
+            </a:r>
+            <a:r>
+              <a:rPr lang="pt-BR" sz="2000" b="1" dirty="0" err="1">
+                <a:solidFill>
+                  <a:srgbClr val="FF0000"/>
+                </a:solidFill>
+                <a:latin typeface="Times New Roman" panose="02020603050405020304" pitchFamily="18" charset="0"/>
+                <a:cs typeface="Times New Roman" panose="02020603050405020304" pitchFamily="18" charset="0"/>
+              </a:rPr>
+              <a:t>f</a:t>
+            </a:r>
+            <a:r>
+              <a:rPr lang="pt-BR" sz="2000" dirty="0" err="1">
+                <a:latin typeface="Times New Roman" panose="02020603050405020304" pitchFamily="18" charset="0"/>
+                <a:cs typeface="Times New Roman" panose="02020603050405020304" pitchFamily="18" charset="0"/>
+              </a:rPr>
+              <a:t>"</a:t>
+            </a:r>
+            <a:r>
+              <a:rPr lang="pt-BR" sz="2000" b="1" dirty="0" err="1">
+                <a:latin typeface="Times New Roman" panose="02020603050405020304" pitchFamily="18" charset="0"/>
+                <a:cs typeface="Times New Roman" panose="02020603050405020304" pitchFamily="18" charset="0"/>
+              </a:rPr>
+              <a:t>update</a:t>
+            </a:r>
+            <a:r>
+              <a:rPr lang="pt-BR" sz="2000" dirty="0">
+                <a:latin typeface="Times New Roman" panose="02020603050405020304" pitchFamily="18" charset="0"/>
+                <a:cs typeface="Times New Roman" panose="02020603050405020304" pitchFamily="18" charset="0"/>
+              </a:rPr>
+              <a:t> </a:t>
+            </a:r>
+            <a:r>
+              <a:rPr lang="pt-BR" sz="2000" dirty="0" err="1">
+                <a:latin typeface="Times New Roman" panose="02020603050405020304" pitchFamily="18" charset="0"/>
+                <a:cs typeface="Times New Roman" panose="02020603050405020304" pitchFamily="18" charset="0"/>
+              </a:rPr>
+              <a:t>department</a:t>
+            </a:r>
+            <a:r>
+              <a:rPr lang="pt-BR" sz="2000" dirty="0">
+                <a:latin typeface="Times New Roman" panose="02020603050405020304" pitchFamily="18" charset="0"/>
+                <a:cs typeface="Times New Roman" panose="02020603050405020304" pitchFamily="18" charset="0"/>
+              </a:rPr>
+              <a:t> </a:t>
+            </a:r>
+            <a:r>
+              <a:rPr lang="pt-BR" sz="2000" b="1" dirty="0">
+                <a:latin typeface="Times New Roman" panose="02020603050405020304" pitchFamily="18" charset="0"/>
+                <a:cs typeface="Times New Roman" panose="02020603050405020304" pitchFamily="18" charset="0"/>
+              </a:rPr>
+              <a:t>set</a:t>
+            </a:r>
+            <a:r>
+              <a:rPr lang="pt-BR" sz="2000" dirty="0">
+                <a:latin typeface="Times New Roman" panose="02020603050405020304" pitchFamily="18" charset="0"/>
+                <a:cs typeface="Times New Roman" panose="02020603050405020304" pitchFamily="18" charset="0"/>
+              </a:rPr>
+              <a:t> </a:t>
+            </a:r>
+            <a:r>
+              <a:rPr lang="pt-BR" sz="2000" dirty="0" err="1">
+                <a:latin typeface="Times New Roman" panose="02020603050405020304" pitchFamily="18" charset="0"/>
+                <a:cs typeface="Times New Roman" panose="02020603050405020304" pitchFamily="18" charset="0"/>
+              </a:rPr>
+              <a:t>Name</a:t>
+            </a:r>
+            <a:r>
+              <a:rPr lang="pt-BR" sz="2000" dirty="0">
+                <a:latin typeface="Times New Roman" panose="02020603050405020304" pitchFamily="18" charset="0"/>
+                <a:cs typeface="Times New Roman" panose="02020603050405020304" pitchFamily="18" charset="0"/>
+              </a:rPr>
+              <a:t> = '{nome}' </a:t>
+            </a:r>
+            <a:r>
+              <a:rPr lang="pt-BR" sz="2000" b="1" dirty="0" err="1">
+                <a:latin typeface="Times New Roman" panose="02020603050405020304" pitchFamily="18" charset="0"/>
+                <a:cs typeface="Times New Roman" panose="02020603050405020304" pitchFamily="18" charset="0"/>
+              </a:rPr>
+              <a:t>where</a:t>
+            </a:r>
+            <a:r>
+              <a:rPr lang="pt-BR" sz="2000" dirty="0">
+                <a:latin typeface="Times New Roman" panose="02020603050405020304" pitchFamily="18" charset="0"/>
+                <a:cs typeface="Times New Roman" panose="02020603050405020304" pitchFamily="18" charset="0"/>
+              </a:rPr>
+              <a:t> Id = {id}"</a:t>
+            </a:r>
+          </a:p>
+          <a:p>
+            <a:pPr marL="0" indent="0" algn="just">
+              <a:buNone/>
+            </a:pPr>
+            <a:r>
+              <a:rPr lang="pt-BR" sz="2000" dirty="0" err="1">
+                <a:latin typeface="Times New Roman" panose="02020603050405020304" pitchFamily="18" charset="0"/>
+                <a:cs typeface="Times New Roman" panose="02020603050405020304" pitchFamily="18" charset="0"/>
+              </a:rPr>
+              <a:t>cursor.</a:t>
+            </a:r>
+            <a:r>
+              <a:rPr lang="pt-BR" sz="2000" b="1" dirty="0" err="1">
+                <a:solidFill>
+                  <a:srgbClr val="FF0000"/>
+                </a:solidFill>
+                <a:latin typeface="Times New Roman" panose="02020603050405020304" pitchFamily="18" charset="0"/>
+                <a:cs typeface="Times New Roman" panose="02020603050405020304" pitchFamily="18" charset="0"/>
+              </a:rPr>
+              <a:t>execute</a:t>
+            </a:r>
+            <a:r>
+              <a:rPr lang="pt-BR" sz="2000" dirty="0">
+                <a:latin typeface="Times New Roman" panose="02020603050405020304" pitchFamily="18" charset="0"/>
+                <a:cs typeface="Times New Roman" panose="02020603050405020304" pitchFamily="18" charset="0"/>
+              </a:rPr>
+              <a:t>(</a:t>
+            </a:r>
+            <a:r>
+              <a:rPr lang="pt-BR" sz="2000" dirty="0" err="1">
+                <a:latin typeface="Times New Roman" panose="02020603050405020304" pitchFamily="18" charset="0"/>
+                <a:cs typeface="Times New Roman" panose="02020603050405020304" pitchFamily="18" charset="0"/>
+              </a:rPr>
+              <a:t>sql</a:t>
+            </a:r>
+            <a:r>
+              <a:rPr lang="pt-BR" sz="2000" dirty="0">
+                <a:latin typeface="Times New Roman" panose="02020603050405020304" pitchFamily="18" charset="0"/>
+                <a:cs typeface="Times New Roman" panose="02020603050405020304" pitchFamily="18" charset="0"/>
+              </a:rPr>
+              <a:t>)</a:t>
+            </a:r>
+          </a:p>
+          <a:p>
+            <a:pPr marL="0" indent="0" algn="just">
+              <a:buNone/>
+            </a:pPr>
+            <a:r>
+              <a:rPr lang="pt-BR" sz="2000" dirty="0" err="1">
+                <a:latin typeface="Times New Roman" panose="02020603050405020304" pitchFamily="18" charset="0"/>
+                <a:cs typeface="Times New Roman" panose="02020603050405020304" pitchFamily="18" charset="0"/>
+              </a:rPr>
+              <a:t>conn.</a:t>
+            </a:r>
+            <a:r>
+              <a:rPr lang="pt-BR" sz="2000" b="1" dirty="0" err="1">
+                <a:solidFill>
+                  <a:srgbClr val="FF0000"/>
+                </a:solidFill>
+                <a:latin typeface="Times New Roman" panose="02020603050405020304" pitchFamily="18" charset="0"/>
+                <a:cs typeface="Times New Roman" panose="02020603050405020304" pitchFamily="18" charset="0"/>
+              </a:rPr>
+              <a:t>commit</a:t>
+            </a:r>
+            <a:r>
+              <a:rPr lang="pt-BR" sz="2000" dirty="0">
+                <a:latin typeface="Times New Roman" panose="02020603050405020304" pitchFamily="18" charset="0"/>
+                <a:cs typeface="Times New Roman" panose="02020603050405020304" pitchFamily="18" charset="0"/>
+              </a:rPr>
+              <a:t>()</a:t>
+            </a:r>
+          </a:p>
+          <a:p>
+            <a:pPr marL="0" indent="0" algn="just">
+              <a:buNone/>
+            </a:pPr>
+            <a:r>
+              <a:rPr lang="pt-BR" sz="2000" b="1" dirty="0">
+                <a:latin typeface="Times New Roman" panose="02020603050405020304" pitchFamily="18" charset="0"/>
+                <a:cs typeface="Times New Roman" panose="02020603050405020304" pitchFamily="18" charset="0"/>
+              </a:rPr>
+              <a:t>print</a:t>
+            </a:r>
+            <a:r>
+              <a:rPr lang="pt-BR" sz="2000" dirty="0">
+                <a:latin typeface="Times New Roman" panose="02020603050405020304" pitchFamily="18" charset="0"/>
+                <a:cs typeface="Times New Roman" panose="02020603050405020304" pitchFamily="18" charset="0"/>
+              </a:rPr>
+              <a:t>("Atualizado com sucesso")</a:t>
+            </a:r>
+            <a:endParaRPr lang="pt-BR" sz="2000" dirty="0">
+              <a:solidFill>
+                <a:schemeClr val="tx1"/>
+              </a:solidFill>
+              <a:latin typeface="Times New Roman" panose="02020603050405020304" pitchFamily="18" charset="0"/>
+              <a:cs typeface="Times New Roman" panose="02020603050405020304" pitchFamily="18" charset="0"/>
+            </a:endParaRPr>
           </a:p>
         </p:txBody>
       </p:sp>
-      <p:sp>
-        <p:nvSpPr>
-          <p:cNvPr id="6" name="Título 2"/>
-          <p:cNvSpPr txBox="1"/>
-          <p:nvPr/>
-        </p:nvSpPr>
-        <p:spPr>
-          <a:xfrm>
-            <a:off x="975683" y="3866663"/>
-            <a:ext cx="7772400" cy="1102519"/>
-          </a:xfrm>
-          <a:prstGeom prst="rect">
-            <a:avLst/>
-          </a:prstGeom>
-          <a:ln w="12700">
-            <a:miter lim="400000"/>
-          </a:ln>
-        </p:spPr>
-        <p:txBody>
-          <a:bodyPr lIns="45718" tIns="45718" rIns="45718" bIns="45718" anchor="ctr">
-            <a:noAutofit/>
-          </a:bodyPr>
-          <a:lstStyle>
-            <a:lvl1pPr marL="0" marR="0" indent="0" algn="ctr" defTabSz="457200" rtl="0" latinLnBrk="0">
-              <a:lnSpc>
-                <a:spcPct val="100000"/>
-              </a:lnSpc>
-              <a:spcBef>
-                <a:spcPts val="0"/>
-              </a:spcBef>
-              <a:spcAft>
-                <a:spcPts val="0"/>
-              </a:spcAft>
-              <a:buClrTx/>
-              <a:buSzTx/>
-              <a:buFontTx/>
-              <a:buNone/>
-              <a:defRPr sz="4400" b="0" i="0" u="none" strike="noStrike" cap="none" spc="0" baseline="0">
-                <a:ln>
-                  <a:noFill/>
-                </a:ln>
-                <a:solidFill>
-                  <a:srgbClr val="000000"/>
-                </a:solidFill>
-                <a:uFillTx/>
-                <a:latin typeface="+mj-lt"/>
-                <a:ea typeface="+mj-ea"/>
-                <a:cs typeface="+mj-cs"/>
-                <a:sym typeface="Calibri"/>
-              </a:defRPr>
-            </a:lvl1pPr>
-            <a:lvl2pPr marL="0" marR="0" indent="0" algn="ctr" defTabSz="457200" rtl="0" latinLnBrk="0">
-              <a:lnSpc>
-                <a:spcPct val="100000"/>
-              </a:lnSpc>
-              <a:spcBef>
-                <a:spcPts val="0"/>
-              </a:spcBef>
-              <a:spcAft>
-                <a:spcPts val="0"/>
-              </a:spcAft>
-              <a:buClrTx/>
-              <a:buSzTx/>
-              <a:buFontTx/>
-              <a:buNone/>
-              <a:defRPr sz="4400" b="0" i="0" u="none" strike="noStrike" cap="none" spc="0" baseline="0">
-                <a:ln>
-                  <a:noFill/>
-                </a:ln>
-                <a:solidFill>
-                  <a:srgbClr val="000000"/>
-                </a:solidFill>
-                <a:uFillTx/>
-                <a:latin typeface="+mj-lt"/>
-                <a:ea typeface="+mj-ea"/>
-                <a:cs typeface="+mj-cs"/>
-                <a:sym typeface="Calibri"/>
-              </a:defRPr>
-            </a:lvl2pPr>
-            <a:lvl3pPr marL="0" marR="0" indent="0" algn="ctr" defTabSz="457200" rtl="0" latinLnBrk="0">
-              <a:lnSpc>
-                <a:spcPct val="100000"/>
-              </a:lnSpc>
-              <a:spcBef>
-                <a:spcPts val="0"/>
-              </a:spcBef>
-              <a:spcAft>
-                <a:spcPts val="0"/>
-              </a:spcAft>
-              <a:buClrTx/>
-              <a:buSzTx/>
-              <a:buFontTx/>
-              <a:buNone/>
-              <a:defRPr sz="4400" b="0" i="0" u="none" strike="noStrike" cap="none" spc="0" baseline="0">
-                <a:ln>
-                  <a:noFill/>
-                </a:ln>
-                <a:solidFill>
-                  <a:srgbClr val="000000"/>
-                </a:solidFill>
-                <a:uFillTx/>
-                <a:latin typeface="+mj-lt"/>
-                <a:ea typeface="+mj-ea"/>
-                <a:cs typeface="+mj-cs"/>
-                <a:sym typeface="Calibri"/>
-              </a:defRPr>
-            </a:lvl3pPr>
-            <a:lvl4pPr marL="0" marR="0" indent="0" algn="ctr" defTabSz="457200" rtl="0" latinLnBrk="0">
-              <a:lnSpc>
-                <a:spcPct val="100000"/>
-              </a:lnSpc>
-              <a:spcBef>
-                <a:spcPts val="0"/>
-              </a:spcBef>
-              <a:spcAft>
-                <a:spcPts val="0"/>
-              </a:spcAft>
-              <a:buClrTx/>
-              <a:buSzTx/>
-              <a:buFontTx/>
-              <a:buNone/>
-              <a:defRPr sz="4400" b="0" i="0" u="none" strike="noStrike" cap="none" spc="0" baseline="0">
-                <a:ln>
-                  <a:noFill/>
-                </a:ln>
-                <a:solidFill>
-                  <a:srgbClr val="000000"/>
-                </a:solidFill>
-                <a:uFillTx/>
-                <a:latin typeface="+mj-lt"/>
-                <a:ea typeface="+mj-ea"/>
-                <a:cs typeface="+mj-cs"/>
-                <a:sym typeface="Calibri"/>
-              </a:defRPr>
-            </a:lvl4pPr>
-            <a:lvl5pPr marL="0" marR="0" indent="0" algn="ctr" defTabSz="457200" rtl="0" latinLnBrk="0">
-              <a:lnSpc>
-                <a:spcPct val="100000"/>
-              </a:lnSpc>
-              <a:spcBef>
-                <a:spcPts val="0"/>
-              </a:spcBef>
-              <a:spcAft>
-                <a:spcPts val="0"/>
-              </a:spcAft>
-              <a:buClrTx/>
-              <a:buSzTx/>
-              <a:buFontTx/>
-              <a:buNone/>
-              <a:defRPr sz="4400" b="0" i="0" u="none" strike="noStrike" cap="none" spc="0" baseline="0">
-                <a:ln>
-                  <a:noFill/>
-                </a:ln>
-                <a:solidFill>
-                  <a:srgbClr val="000000"/>
-                </a:solidFill>
-                <a:uFillTx/>
-                <a:latin typeface="+mj-lt"/>
-                <a:ea typeface="+mj-ea"/>
-                <a:cs typeface="+mj-cs"/>
-                <a:sym typeface="Calibri"/>
-              </a:defRPr>
-            </a:lvl5pPr>
-            <a:lvl6pPr marL="0" marR="0" indent="0" algn="ctr" defTabSz="457200" rtl="0" latinLnBrk="0">
-              <a:lnSpc>
-                <a:spcPct val="100000"/>
-              </a:lnSpc>
-              <a:spcBef>
-                <a:spcPts val="0"/>
-              </a:spcBef>
-              <a:spcAft>
-                <a:spcPts val="0"/>
-              </a:spcAft>
-              <a:buClrTx/>
-              <a:buSzTx/>
-              <a:buFontTx/>
-              <a:buNone/>
-              <a:defRPr sz="4400" b="0" i="0" u="none" strike="noStrike" cap="none" spc="0" baseline="0">
-                <a:ln>
-                  <a:noFill/>
-                </a:ln>
-                <a:solidFill>
-                  <a:srgbClr val="000000"/>
-                </a:solidFill>
-                <a:uFillTx/>
-                <a:latin typeface="+mj-lt"/>
-                <a:ea typeface="+mj-ea"/>
-                <a:cs typeface="+mj-cs"/>
-                <a:sym typeface="Calibri"/>
-              </a:defRPr>
-            </a:lvl6pPr>
-            <a:lvl7pPr marL="0" marR="0" indent="0" algn="ctr" defTabSz="457200" rtl="0" latinLnBrk="0">
-              <a:lnSpc>
-                <a:spcPct val="100000"/>
-              </a:lnSpc>
-              <a:spcBef>
-                <a:spcPts val="0"/>
-              </a:spcBef>
-              <a:spcAft>
-                <a:spcPts val="0"/>
-              </a:spcAft>
-              <a:buClrTx/>
-              <a:buSzTx/>
-              <a:buFontTx/>
-              <a:buNone/>
-              <a:defRPr sz="4400" b="0" i="0" u="none" strike="noStrike" cap="none" spc="0" baseline="0">
-                <a:ln>
-                  <a:noFill/>
-                </a:ln>
-                <a:solidFill>
-                  <a:srgbClr val="000000"/>
-                </a:solidFill>
-                <a:uFillTx/>
-                <a:latin typeface="+mj-lt"/>
-                <a:ea typeface="+mj-ea"/>
-                <a:cs typeface="+mj-cs"/>
-                <a:sym typeface="Calibri"/>
-              </a:defRPr>
-            </a:lvl7pPr>
-            <a:lvl8pPr marL="0" marR="0" indent="0" algn="ctr" defTabSz="457200" rtl="0" latinLnBrk="0">
-              <a:lnSpc>
-                <a:spcPct val="100000"/>
-              </a:lnSpc>
-              <a:spcBef>
-                <a:spcPts val="0"/>
-              </a:spcBef>
-              <a:spcAft>
-                <a:spcPts val="0"/>
-              </a:spcAft>
-              <a:buClrTx/>
-              <a:buSzTx/>
-              <a:buFontTx/>
-              <a:buNone/>
-              <a:defRPr sz="4400" b="0" i="0" u="none" strike="noStrike" cap="none" spc="0" baseline="0">
-                <a:ln>
-                  <a:noFill/>
-                </a:ln>
-                <a:solidFill>
-                  <a:srgbClr val="000000"/>
-                </a:solidFill>
-                <a:uFillTx/>
-                <a:latin typeface="+mj-lt"/>
-                <a:ea typeface="+mj-ea"/>
-                <a:cs typeface="+mj-cs"/>
-                <a:sym typeface="Calibri"/>
-              </a:defRPr>
-            </a:lvl8pPr>
-            <a:lvl9pPr marL="0" marR="0" indent="0" algn="ctr" defTabSz="457200" rtl="0" latinLnBrk="0">
-              <a:lnSpc>
-                <a:spcPct val="100000"/>
-              </a:lnSpc>
-              <a:spcBef>
-                <a:spcPts val="0"/>
-              </a:spcBef>
-              <a:spcAft>
-                <a:spcPts val="0"/>
-              </a:spcAft>
-              <a:buClrTx/>
-              <a:buSzTx/>
-              <a:buFontTx/>
-              <a:buNone/>
-              <a:defRPr sz="4400" b="0" i="0" u="none" strike="noStrike" cap="none" spc="0" baseline="0">
-                <a:ln>
-                  <a:noFill/>
-                </a:ln>
-                <a:solidFill>
-                  <a:srgbClr val="000000"/>
-                </a:solidFill>
-                <a:uFillTx/>
-                <a:latin typeface="+mj-lt"/>
-                <a:ea typeface="+mj-ea"/>
-                <a:cs typeface="+mj-cs"/>
-                <a:sym typeface="Calibri"/>
-              </a:defRPr>
-            </a:lvl9pPr>
-          </a:lstStyle>
-          <a:p>
-            <a:pPr algn="r" hangingPunct="1"/>
-            <a:r>
-              <a:rPr lang="pt-BR" sz="2000" b="1" dirty="0">
-                <a:solidFill>
-                  <a:schemeClr val="bg1"/>
-                </a:solidFill>
-              </a:rPr>
-              <a:t>Professor </a:t>
-            </a:r>
-            <a:r>
-              <a:rPr lang="pt-BR" sz="2000" b="1">
-                <a:solidFill>
-                  <a:schemeClr val="bg1"/>
-                </a:solidFill>
-              </a:rPr>
-              <a:t>M.Sc</a:t>
-            </a:r>
-            <a:r>
-              <a:rPr lang="pt-BR" sz="2000" b="1" dirty="0">
-                <a:solidFill>
-                  <a:schemeClr val="bg1"/>
-                </a:solidFill>
-              </a:rPr>
-              <a:t>. Heleno Cardoso</a:t>
-            </a:r>
-          </a:p>
-        </p:txBody>
-      </p:sp>
     </p:spTree>
+    <p:extLst>
+      <p:ext uri="{BB962C8B-B14F-4D97-AF65-F5344CB8AC3E}">
+        <p14:creationId xmlns:p14="http://schemas.microsoft.com/office/powerpoint/2010/main" val="4197986306"/>
+      </p:ext>
+    </p:extLst>
   </p:cSld>
   <p:clrMapOvr>
     <a:masterClrMapping/>
   </p:clrMapOvr>
+  <p:transition spd="med"/>
+</p:sld>
+</file>
+
+<file path=ppt/slides/slide9.xml><?xml version="1.0" encoding="utf-8"?>
+<p:sld xmlns:a="http://schemas.openxmlformats.org/drawingml/2006/main" xmlns:r="http://schemas.openxmlformats.org/officeDocument/2006/relationships" xmlns:p="http://schemas.openxmlformats.org/presentationml/2006/main">
+  <p:cSld>
+    <p:spTree>
+      <p:nvGrpSpPr>
+        <p:cNvPr id="1" name=""/>
+        <p:cNvGrpSpPr/>
+        <p:nvPr/>
+      </p:nvGrpSpPr>
+      <p:grpSpPr>
+        <a:xfrm>
+          <a:off x="0" y="0"/>
+          <a:ext cx="0" cy="0"/>
+          <a:chOff x="0" y="0"/>
+          <a:chExt cx="0" cy="0"/>
+        </a:xfrm>
+      </p:grpSpPr>
+      <p:sp>
+        <p:nvSpPr>
+          <p:cNvPr id="6" name="Title 1"/>
+          <p:cNvSpPr>
+            <a:spLocks noGrp="1"/>
+          </p:cNvSpPr>
+          <p:nvPr>
+            <p:ph type="title"/>
+          </p:nvPr>
+        </p:nvSpPr>
+        <p:spPr>
+          <a:xfrm>
+            <a:off x="237995" y="265188"/>
+            <a:ext cx="8763140" cy="596760"/>
+          </a:xfrm>
+        </p:spPr>
+        <p:txBody>
+          <a:bodyPr>
+            <a:normAutofit/>
+          </a:bodyPr>
+          <a:lstStyle/>
+          <a:p>
+            <a:pPr algn="ctr"/>
+            <a:r>
+              <a:rPr lang="en-US" b="1" dirty="0">
+                <a:solidFill>
+                  <a:srgbClr val="0070C0"/>
+                </a:solidFill>
+              </a:rPr>
+              <a:t>Python – BANCO DE DADOS – CRUD DELETE</a:t>
+            </a:r>
+          </a:p>
+        </p:txBody>
+      </p:sp>
+      <p:sp>
+        <p:nvSpPr>
+          <p:cNvPr id="8" name="Text Placeholder 2"/>
+          <p:cNvSpPr>
+            <a:spLocks noGrp="1"/>
+          </p:cNvSpPr>
+          <p:nvPr>
+            <p:ph type="body" sz="half" idx="1"/>
+          </p:nvPr>
+        </p:nvSpPr>
+        <p:spPr>
+          <a:xfrm>
+            <a:off x="142865" y="836895"/>
+            <a:ext cx="8865056" cy="4160989"/>
+          </a:xfrm>
+        </p:spPr>
+        <p:txBody>
+          <a:bodyPr>
+            <a:noAutofit/>
+          </a:bodyPr>
+          <a:lstStyle/>
+          <a:p>
+            <a:pPr marL="0" indent="0" algn="just">
+              <a:buNone/>
+            </a:pPr>
+            <a:r>
+              <a:rPr lang="pt-BR" sz="2000" dirty="0">
+                <a:solidFill>
+                  <a:schemeClr val="tx1"/>
+                </a:solidFill>
+                <a:latin typeface="Times New Roman" panose="02020603050405020304" pitchFamily="18" charset="0"/>
+                <a:cs typeface="Times New Roman" panose="02020603050405020304" pitchFamily="18" charset="0"/>
+              </a:rPr>
+              <a:t>cursor = </a:t>
+            </a:r>
+            <a:r>
+              <a:rPr lang="pt-BR" sz="2000" dirty="0" err="1">
+                <a:solidFill>
+                  <a:schemeClr val="tx1"/>
+                </a:solidFill>
+                <a:latin typeface="Times New Roman" panose="02020603050405020304" pitchFamily="18" charset="0"/>
+                <a:cs typeface="Times New Roman" panose="02020603050405020304" pitchFamily="18" charset="0"/>
+              </a:rPr>
+              <a:t>conn.</a:t>
+            </a:r>
+            <a:r>
+              <a:rPr lang="pt-BR" sz="2000" b="1" dirty="0" err="1">
+                <a:solidFill>
+                  <a:srgbClr val="FF0000"/>
+                </a:solidFill>
+                <a:latin typeface="Times New Roman" panose="02020603050405020304" pitchFamily="18" charset="0"/>
+                <a:cs typeface="Times New Roman" panose="02020603050405020304" pitchFamily="18" charset="0"/>
+              </a:rPr>
+              <a:t>cursor</a:t>
+            </a:r>
+            <a:r>
+              <a:rPr lang="pt-BR" sz="2000" dirty="0">
+                <a:solidFill>
+                  <a:schemeClr val="tx1"/>
+                </a:solidFill>
+                <a:latin typeface="Times New Roman" panose="02020603050405020304" pitchFamily="18" charset="0"/>
+                <a:cs typeface="Times New Roman" panose="02020603050405020304" pitchFamily="18" charset="0"/>
+              </a:rPr>
+              <a:t>()</a:t>
+            </a:r>
+          </a:p>
+          <a:p>
+            <a:pPr marL="0" indent="0" algn="just">
+              <a:buNone/>
+            </a:pPr>
+            <a:r>
+              <a:rPr lang="pt-BR" sz="2000" dirty="0">
+                <a:latin typeface="Times New Roman" panose="02020603050405020304" pitchFamily="18" charset="0"/>
+                <a:cs typeface="Times New Roman" panose="02020603050405020304" pitchFamily="18" charset="0"/>
+              </a:rPr>
+              <a:t>id = 63</a:t>
+            </a:r>
+            <a:endParaRPr lang="pt-BR" sz="2000" dirty="0">
+              <a:solidFill>
+                <a:schemeClr val="tx1"/>
+              </a:solidFill>
+              <a:latin typeface="Times New Roman" panose="02020603050405020304" pitchFamily="18" charset="0"/>
+              <a:cs typeface="Times New Roman" panose="02020603050405020304" pitchFamily="18" charset="0"/>
+            </a:endParaRPr>
+          </a:p>
+          <a:p>
+            <a:pPr marL="0" indent="0" algn="just">
+              <a:buNone/>
+            </a:pPr>
+            <a:r>
+              <a:rPr lang="pt-BR" sz="2000" dirty="0" err="1">
+                <a:latin typeface="Times New Roman" panose="02020603050405020304" pitchFamily="18" charset="0"/>
+                <a:cs typeface="Times New Roman" panose="02020603050405020304" pitchFamily="18" charset="0"/>
+              </a:rPr>
+              <a:t>sql</a:t>
+            </a:r>
+            <a:r>
+              <a:rPr lang="pt-BR" sz="2000" dirty="0">
+                <a:latin typeface="Times New Roman" panose="02020603050405020304" pitchFamily="18" charset="0"/>
+                <a:cs typeface="Times New Roman" panose="02020603050405020304" pitchFamily="18" charset="0"/>
+              </a:rPr>
+              <a:t> = </a:t>
+            </a:r>
+            <a:r>
+              <a:rPr lang="pt-BR" sz="2000" b="1" dirty="0" err="1">
+                <a:solidFill>
+                  <a:srgbClr val="FF0000"/>
+                </a:solidFill>
+                <a:latin typeface="Times New Roman" panose="02020603050405020304" pitchFamily="18" charset="0"/>
+                <a:cs typeface="Times New Roman" panose="02020603050405020304" pitchFamily="18" charset="0"/>
+              </a:rPr>
+              <a:t>f</a:t>
+            </a:r>
+            <a:r>
+              <a:rPr lang="pt-BR" sz="2000" dirty="0" err="1">
+                <a:latin typeface="Times New Roman" panose="02020603050405020304" pitchFamily="18" charset="0"/>
+                <a:cs typeface="Times New Roman" panose="02020603050405020304" pitchFamily="18" charset="0"/>
+              </a:rPr>
+              <a:t>“</a:t>
+            </a:r>
+            <a:r>
+              <a:rPr lang="pt-BR" sz="2000" b="1" dirty="0" err="1">
+                <a:latin typeface="Times New Roman" panose="02020603050405020304" pitchFamily="18" charset="0"/>
+                <a:cs typeface="Times New Roman" panose="02020603050405020304" pitchFamily="18" charset="0"/>
+              </a:rPr>
+              <a:t>delete</a:t>
+            </a:r>
+            <a:r>
+              <a:rPr lang="pt-BR" sz="2000" dirty="0">
+                <a:latin typeface="Times New Roman" panose="02020603050405020304" pitchFamily="18" charset="0"/>
+                <a:cs typeface="Times New Roman" panose="02020603050405020304" pitchFamily="18" charset="0"/>
+              </a:rPr>
+              <a:t> </a:t>
+            </a:r>
+            <a:r>
+              <a:rPr lang="pt-BR" sz="2000" b="1" dirty="0" err="1">
+                <a:latin typeface="Times New Roman" panose="02020603050405020304" pitchFamily="18" charset="0"/>
+                <a:cs typeface="Times New Roman" panose="02020603050405020304" pitchFamily="18" charset="0"/>
+              </a:rPr>
+              <a:t>from</a:t>
+            </a:r>
+            <a:r>
+              <a:rPr lang="pt-BR" sz="2000" b="1" dirty="0">
+                <a:latin typeface="Times New Roman" panose="02020603050405020304" pitchFamily="18" charset="0"/>
+                <a:cs typeface="Times New Roman" panose="02020603050405020304" pitchFamily="18" charset="0"/>
+              </a:rPr>
+              <a:t> </a:t>
+            </a:r>
+            <a:r>
+              <a:rPr lang="pt-BR" sz="2000" dirty="0" err="1">
+                <a:latin typeface="Times New Roman" panose="02020603050405020304" pitchFamily="18" charset="0"/>
+                <a:cs typeface="Times New Roman" panose="02020603050405020304" pitchFamily="18" charset="0"/>
+              </a:rPr>
+              <a:t>department</a:t>
+            </a:r>
+            <a:r>
+              <a:rPr lang="pt-BR" sz="2000" dirty="0">
+                <a:latin typeface="Times New Roman" panose="02020603050405020304" pitchFamily="18" charset="0"/>
+                <a:cs typeface="Times New Roman" panose="02020603050405020304" pitchFamily="18" charset="0"/>
+              </a:rPr>
+              <a:t> </a:t>
+            </a:r>
+            <a:r>
+              <a:rPr lang="pt-BR" sz="2000" b="1" dirty="0" err="1">
+                <a:latin typeface="Times New Roman" panose="02020603050405020304" pitchFamily="18" charset="0"/>
+                <a:cs typeface="Times New Roman" panose="02020603050405020304" pitchFamily="18" charset="0"/>
+              </a:rPr>
+              <a:t>where</a:t>
+            </a:r>
+            <a:r>
+              <a:rPr lang="pt-BR" sz="2000" dirty="0">
+                <a:latin typeface="Times New Roman" panose="02020603050405020304" pitchFamily="18" charset="0"/>
+                <a:cs typeface="Times New Roman" panose="02020603050405020304" pitchFamily="18" charset="0"/>
+              </a:rPr>
+              <a:t> Id = {id}"</a:t>
+            </a:r>
+          </a:p>
+          <a:p>
+            <a:pPr marL="0" indent="0" algn="just">
+              <a:buNone/>
+            </a:pPr>
+            <a:r>
+              <a:rPr lang="pt-BR" sz="2000" dirty="0" err="1">
+                <a:latin typeface="Times New Roman" panose="02020603050405020304" pitchFamily="18" charset="0"/>
+                <a:cs typeface="Times New Roman" panose="02020603050405020304" pitchFamily="18" charset="0"/>
+              </a:rPr>
+              <a:t>cursor.</a:t>
+            </a:r>
+            <a:r>
+              <a:rPr lang="pt-BR" sz="2000" b="1" dirty="0" err="1">
+                <a:solidFill>
+                  <a:srgbClr val="FF0000"/>
+                </a:solidFill>
+                <a:latin typeface="Times New Roman" panose="02020603050405020304" pitchFamily="18" charset="0"/>
+                <a:cs typeface="Times New Roman" panose="02020603050405020304" pitchFamily="18" charset="0"/>
+              </a:rPr>
+              <a:t>execute</a:t>
+            </a:r>
+            <a:r>
+              <a:rPr lang="pt-BR" sz="2000" dirty="0">
+                <a:latin typeface="Times New Roman" panose="02020603050405020304" pitchFamily="18" charset="0"/>
+                <a:cs typeface="Times New Roman" panose="02020603050405020304" pitchFamily="18" charset="0"/>
+              </a:rPr>
+              <a:t>(</a:t>
+            </a:r>
+            <a:r>
+              <a:rPr lang="pt-BR" sz="2000" dirty="0" err="1">
+                <a:latin typeface="Times New Roman" panose="02020603050405020304" pitchFamily="18" charset="0"/>
+                <a:cs typeface="Times New Roman" panose="02020603050405020304" pitchFamily="18" charset="0"/>
+              </a:rPr>
+              <a:t>sql</a:t>
+            </a:r>
+            <a:r>
+              <a:rPr lang="pt-BR" sz="2000" dirty="0">
+                <a:latin typeface="Times New Roman" panose="02020603050405020304" pitchFamily="18" charset="0"/>
+                <a:cs typeface="Times New Roman" panose="02020603050405020304" pitchFamily="18" charset="0"/>
+              </a:rPr>
+              <a:t>)</a:t>
+            </a:r>
+          </a:p>
+          <a:p>
+            <a:pPr marL="0" indent="0" algn="just">
+              <a:buNone/>
+            </a:pPr>
+            <a:r>
+              <a:rPr lang="pt-BR" sz="2000" dirty="0" err="1">
+                <a:latin typeface="Times New Roman" panose="02020603050405020304" pitchFamily="18" charset="0"/>
+                <a:cs typeface="Times New Roman" panose="02020603050405020304" pitchFamily="18" charset="0"/>
+              </a:rPr>
+              <a:t>conn.</a:t>
+            </a:r>
+            <a:r>
+              <a:rPr lang="pt-BR" sz="2000" b="1" dirty="0" err="1">
+                <a:solidFill>
+                  <a:srgbClr val="FF0000"/>
+                </a:solidFill>
+                <a:latin typeface="Times New Roman" panose="02020603050405020304" pitchFamily="18" charset="0"/>
+                <a:cs typeface="Times New Roman" panose="02020603050405020304" pitchFamily="18" charset="0"/>
+              </a:rPr>
+              <a:t>commit</a:t>
+            </a:r>
+            <a:r>
+              <a:rPr lang="pt-BR" sz="2000" dirty="0">
+                <a:latin typeface="Times New Roman" panose="02020603050405020304" pitchFamily="18" charset="0"/>
+                <a:cs typeface="Times New Roman" panose="02020603050405020304" pitchFamily="18" charset="0"/>
+              </a:rPr>
+              <a:t>()</a:t>
+            </a:r>
+          </a:p>
+          <a:p>
+            <a:pPr marL="0" indent="0" algn="just">
+              <a:buNone/>
+            </a:pPr>
+            <a:r>
+              <a:rPr lang="pt-BR" sz="2000" b="1" dirty="0">
+                <a:latin typeface="Times New Roman" panose="02020603050405020304" pitchFamily="18" charset="0"/>
+                <a:cs typeface="Times New Roman" panose="02020603050405020304" pitchFamily="18" charset="0"/>
+              </a:rPr>
+              <a:t>print</a:t>
+            </a:r>
+            <a:r>
+              <a:rPr lang="pt-BR" sz="2000" dirty="0">
+                <a:latin typeface="Times New Roman" panose="02020603050405020304" pitchFamily="18" charset="0"/>
+                <a:cs typeface="Times New Roman" panose="02020603050405020304" pitchFamily="18" charset="0"/>
+              </a:rPr>
+              <a:t>(“Excluído com sucesso")</a:t>
+            </a:r>
+            <a:endParaRPr lang="pt-BR" sz="2000" dirty="0">
+              <a:solidFill>
+                <a:schemeClr val="tx1"/>
+              </a:solidFill>
+              <a:latin typeface="Times New Roman" panose="02020603050405020304" pitchFamily="18" charset="0"/>
+              <a:cs typeface="Times New Roman" panose="02020603050405020304" pitchFamily="18" charset="0"/>
+            </a:endParaRPr>
+          </a:p>
+        </p:txBody>
+      </p:sp>
+    </p:spTree>
+    <p:extLst>
+      <p:ext uri="{BB962C8B-B14F-4D97-AF65-F5344CB8AC3E}">
+        <p14:creationId xmlns:p14="http://schemas.microsoft.com/office/powerpoint/2010/main" val="4223033648"/>
+      </p:ext>
+    </p:extLst>
+  </p:cSld>
+  <p:clrMapOvr>
+    <a:masterClrMapping/>
+  </p:clrMapOvr>
+  <p:transition spd="med"/>
 </p:sld>
 </file>
 

--- a/01 Classes/Aula 12, 13 Programação Python - Banco de Dados.pptx
+++ b/01 Classes/Aula 12, 13 Programação Python - Banco de Dados.pptx
@@ -5,23 +5,24 @@
     <p:sldMasterId id="2147483671" r:id="rId1"/>
   </p:sldMasterIdLst>
   <p:notesMasterIdLst>
-    <p:notesMasterId r:id="rId16"/>
+    <p:notesMasterId r:id="rId17"/>
   </p:notesMasterIdLst>
   <p:sldIdLst>
     <p:sldId id="256" r:id="rId2"/>
     <p:sldId id="291" r:id="rId3"/>
     <p:sldId id="331" r:id="rId4"/>
     <p:sldId id="338" r:id="rId5"/>
-    <p:sldId id="339" r:id="rId6"/>
-    <p:sldId id="340" r:id="rId7"/>
-    <p:sldId id="341" r:id="rId8"/>
-    <p:sldId id="342" r:id="rId9"/>
-    <p:sldId id="343" r:id="rId10"/>
-    <p:sldId id="323" r:id="rId11"/>
-    <p:sldId id="333" r:id="rId12"/>
-    <p:sldId id="334" r:id="rId13"/>
-    <p:sldId id="337" r:id="rId14"/>
-    <p:sldId id="309" r:id="rId15"/>
+    <p:sldId id="344" r:id="rId6"/>
+    <p:sldId id="339" r:id="rId7"/>
+    <p:sldId id="340" r:id="rId8"/>
+    <p:sldId id="341" r:id="rId9"/>
+    <p:sldId id="342" r:id="rId10"/>
+    <p:sldId id="343" r:id="rId11"/>
+    <p:sldId id="323" r:id="rId12"/>
+    <p:sldId id="333" r:id="rId13"/>
+    <p:sldId id="334" r:id="rId14"/>
+    <p:sldId id="337" r:id="rId15"/>
+    <p:sldId id="309" r:id="rId16"/>
   </p:sldIdLst>
   <p:sldSz cx="9144000" cy="5143500" type="screen16x9"/>
   <p:notesSz cx="6858000" cy="9144000"/>
@@ -436,6 +437,72 @@
     </p:spTree>
     <p:extLst>
       <p:ext uri="{BB962C8B-B14F-4D97-AF65-F5344CB8AC3E}">
+        <p14:creationId xmlns:p14="http://schemas.microsoft.com/office/powerpoint/2010/main" val="585304384"/>
+      </p:ext>
+    </p:extLst>
+  </p:cSld>
+  <p:clrMapOvr>
+    <a:masterClrMapping/>
+  </p:clrMapOvr>
+</p:notes>
+</file>
+
+<file path=ppt/notesSlides/notesSlide11.xml><?xml version="1.0" encoding="utf-8"?>
+<p:notes xmlns:a="http://schemas.openxmlformats.org/drawingml/2006/main" xmlns:r="http://schemas.openxmlformats.org/officeDocument/2006/relationships" xmlns:p="http://schemas.openxmlformats.org/presentationml/2006/main">
+  <p:cSld>
+    <p:spTree>
+      <p:nvGrpSpPr>
+        <p:cNvPr id="1" name=""/>
+        <p:cNvGrpSpPr/>
+        <p:nvPr/>
+      </p:nvGrpSpPr>
+      <p:grpSpPr>
+        <a:xfrm>
+          <a:off x="0" y="0"/>
+          <a:ext cx="0" cy="0"/>
+          <a:chOff x="0" y="0"/>
+          <a:chExt cx="0" cy="0"/>
+        </a:xfrm>
+      </p:grpSpPr>
+      <p:sp>
+        <p:nvSpPr>
+          <p:cNvPr id="2" name="Espaço Reservado para Imagem de Slide 1"/>
+          <p:cNvSpPr>
+            <a:spLocks noGrp="1" noRot="1" noChangeAspect="1"/>
+          </p:cNvSpPr>
+          <p:nvPr>
+            <p:ph type="sldImg"/>
+          </p:nvPr>
+        </p:nvSpPr>
+        <p:spPr>
+          <a:xfrm>
+            <a:off x="381000" y="685800"/>
+            <a:ext cx="6096000" cy="3429000"/>
+          </a:xfrm>
+        </p:spPr>
+      </p:sp>
+      <p:sp>
+        <p:nvSpPr>
+          <p:cNvPr id="3" name="Espaço Reservado para Anotações 2"/>
+          <p:cNvSpPr>
+            <a:spLocks noGrp="1"/>
+          </p:cNvSpPr>
+          <p:nvPr>
+            <p:ph type="body" idx="1"/>
+          </p:nvPr>
+        </p:nvSpPr>
+        <p:spPr/>
+        <p:txBody>
+          <a:bodyPr/>
+          <a:lstStyle/>
+          <a:p>
+            <a:endParaRPr lang="pt-BR" dirty="0"/>
+          </a:p>
+        </p:txBody>
+      </p:sp>
+    </p:spTree>
+    <p:extLst>
+      <p:ext uri="{BB962C8B-B14F-4D97-AF65-F5344CB8AC3E}">
         <p14:creationId xmlns:p14="http://schemas.microsoft.com/office/powerpoint/2010/main" val="2296249050"/>
       </p:ext>
     </p:extLst>
@@ -446,7 +513,7 @@
 </p:notes>
 </file>
 
-<file path=ppt/notesSlides/notesSlide11.xml><?xml version="1.0" encoding="utf-8"?>
+<file path=ppt/notesSlides/notesSlide12.xml><?xml version="1.0" encoding="utf-8"?>
 <p:notes xmlns:a="http://schemas.openxmlformats.org/drawingml/2006/main" xmlns:r="http://schemas.openxmlformats.org/officeDocument/2006/relationships" xmlns:p="http://schemas.openxmlformats.org/presentationml/2006/main">
   <p:cSld>
     <p:spTree>
@@ -634,7 +701,7 @@
     </p:spTree>
     <p:extLst>
       <p:ext uri="{BB962C8B-B14F-4D97-AF65-F5344CB8AC3E}">
-        <p14:creationId xmlns:p14="http://schemas.microsoft.com/office/powerpoint/2010/main" val="3253851464"/>
+        <p14:creationId xmlns:p14="http://schemas.microsoft.com/office/powerpoint/2010/main" val="2874280149"/>
       </p:ext>
     </p:extLst>
   </p:cSld>
@@ -700,7 +767,7 @@
     </p:spTree>
     <p:extLst>
       <p:ext uri="{BB962C8B-B14F-4D97-AF65-F5344CB8AC3E}">
-        <p14:creationId xmlns:p14="http://schemas.microsoft.com/office/powerpoint/2010/main" val="355499387"/>
+        <p14:creationId xmlns:p14="http://schemas.microsoft.com/office/powerpoint/2010/main" val="3253851464"/>
       </p:ext>
     </p:extLst>
   </p:cSld>
@@ -766,7 +833,7 @@
     </p:spTree>
     <p:extLst>
       <p:ext uri="{BB962C8B-B14F-4D97-AF65-F5344CB8AC3E}">
-        <p14:creationId xmlns:p14="http://schemas.microsoft.com/office/powerpoint/2010/main" val="152022818"/>
+        <p14:creationId xmlns:p14="http://schemas.microsoft.com/office/powerpoint/2010/main" val="355499387"/>
       </p:ext>
     </p:extLst>
   </p:cSld>
@@ -832,7 +899,7 @@
     </p:spTree>
     <p:extLst>
       <p:ext uri="{BB962C8B-B14F-4D97-AF65-F5344CB8AC3E}">
-        <p14:creationId xmlns:p14="http://schemas.microsoft.com/office/powerpoint/2010/main" val="103641948"/>
+        <p14:creationId xmlns:p14="http://schemas.microsoft.com/office/powerpoint/2010/main" val="152022818"/>
       </p:ext>
     </p:extLst>
   </p:cSld>
@@ -898,7 +965,7 @@
     </p:spTree>
     <p:extLst>
       <p:ext uri="{BB962C8B-B14F-4D97-AF65-F5344CB8AC3E}">
-        <p14:creationId xmlns:p14="http://schemas.microsoft.com/office/powerpoint/2010/main" val="1104284737"/>
+        <p14:creationId xmlns:p14="http://schemas.microsoft.com/office/powerpoint/2010/main" val="103641948"/>
       </p:ext>
     </p:extLst>
   </p:cSld>
@@ -964,7 +1031,7 @@
     </p:spTree>
     <p:extLst>
       <p:ext uri="{BB962C8B-B14F-4D97-AF65-F5344CB8AC3E}">
-        <p14:creationId xmlns:p14="http://schemas.microsoft.com/office/powerpoint/2010/main" val="2709569597"/>
+        <p14:creationId xmlns:p14="http://schemas.microsoft.com/office/powerpoint/2010/main" val="1104284737"/>
       </p:ext>
     </p:extLst>
   </p:cSld>
@@ -1030,7 +1097,7 @@
     </p:spTree>
     <p:extLst>
       <p:ext uri="{BB962C8B-B14F-4D97-AF65-F5344CB8AC3E}">
-        <p14:creationId xmlns:p14="http://schemas.microsoft.com/office/powerpoint/2010/main" val="585304384"/>
+        <p14:creationId xmlns:p14="http://schemas.microsoft.com/office/powerpoint/2010/main" val="2709569597"/>
       </p:ext>
     </p:extLst>
   </p:cSld>
@@ -1179,7 +1246,7 @@
           <a:p>
             <a:fld id="{48A87A34-81AB-432B-8DAE-1953F412C126}" type="datetimeFigureOut">
               <a:rPr lang="en-US" smtClean="0"/>
-              <a:t>5/16/2022</a:t>
+              <a:t>5/28/2022</a:t>
             </a:fld>
             <a:endParaRPr lang="en-US" dirty="0"/>
           </a:p>
@@ -1390,7 +1457,7 @@
           <a:p>
             <a:fld id="{48A87A34-81AB-432B-8DAE-1953F412C126}" type="datetimeFigureOut">
               <a:rPr lang="en-US" smtClean="0"/>
-              <a:t>5/16/2022</a:t>
+              <a:t>5/28/2022</a:t>
             </a:fld>
             <a:endParaRPr lang="en-US" dirty="0"/>
           </a:p>
@@ -1605,7 +1672,7 @@
           <a:p>
             <a:fld id="{48A87A34-81AB-432B-8DAE-1953F412C126}" type="datetimeFigureOut">
               <a:rPr lang="en-US" smtClean="0"/>
-              <a:t>5/16/2022</a:t>
+              <a:t>5/28/2022</a:t>
             </a:fld>
             <a:endParaRPr lang="en-US" dirty="0"/>
           </a:p>
@@ -1973,7 +2040,7 @@
           <a:p>
             <a:fld id="{48A87A34-81AB-432B-8DAE-1953F412C126}" type="datetimeFigureOut">
               <a:rPr lang="en-US" smtClean="0"/>
-              <a:t>5/16/2022</a:t>
+              <a:t>5/28/2022</a:t>
             </a:fld>
             <a:endParaRPr lang="en-US" dirty="0"/>
           </a:p>
@@ -2252,7 +2319,7 @@
           <a:p>
             <a:fld id="{48A87A34-81AB-432B-8DAE-1953F412C126}" type="datetimeFigureOut">
               <a:rPr lang="en-US" smtClean="0"/>
-              <a:t>5/16/2022</a:t>
+              <a:t>5/28/2022</a:t>
             </a:fld>
             <a:endParaRPr lang="en-US" dirty="0"/>
           </a:p>
@@ -2520,7 +2587,7 @@
           <a:p>
             <a:fld id="{48A87A34-81AB-432B-8DAE-1953F412C126}" type="datetimeFigureOut">
               <a:rPr lang="en-US" smtClean="0"/>
-              <a:t>5/16/2022</a:t>
+              <a:t>5/28/2022</a:t>
             </a:fld>
             <a:endParaRPr lang="en-US" dirty="0"/>
           </a:p>
@@ -2936,7 +3003,7 @@
           <a:p>
             <a:fld id="{48A87A34-81AB-432B-8DAE-1953F412C126}" type="datetimeFigureOut">
               <a:rPr lang="en-US" smtClean="0"/>
-              <a:t>5/16/2022</a:t>
+              <a:t>5/28/2022</a:t>
             </a:fld>
             <a:endParaRPr lang="en-US" dirty="0"/>
           </a:p>
@@ -3085,7 +3152,7 @@
           <a:p>
             <a:fld id="{48A87A34-81AB-432B-8DAE-1953F412C126}" type="datetimeFigureOut">
               <a:rPr lang="en-US" smtClean="0"/>
-              <a:t>5/16/2022</a:t>
+              <a:t>5/28/2022</a:t>
             </a:fld>
             <a:endParaRPr lang="en-US" dirty="0"/>
           </a:p>
@@ -3211,7 +3278,7 @@
           <a:p>
             <a:fld id="{48A87A34-81AB-432B-8DAE-1953F412C126}" type="datetimeFigureOut">
               <a:rPr lang="en-US" smtClean="0"/>
-              <a:t>5/16/2022</a:t>
+              <a:t>5/28/2022</a:t>
             </a:fld>
             <a:endParaRPr lang="en-US" dirty="0"/>
           </a:p>
@@ -3462,7 +3529,7 @@
           <a:p>
             <a:fld id="{48A87A34-81AB-432B-8DAE-1953F412C126}" type="datetimeFigureOut">
               <a:rPr lang="en-US" smtClean="0"/>
-              <a:t>5/16/2022</a:t>
+              <a:t>5/28/2022</a:t>
             </a:fld>
             <a:endParaRPr lang="en-US" dirty="0"/>
           </a:p>
@@ -3908,7 +3975,7 @@
             <a:fld id="{48A87A34-81AB-432B-8DAE-1953F412C126}" type="datetimeFigureOut">
               <a:rPr lang="en-US" smtClean="0"/>
               <a:pPr/>
-              <a:t>5/16/2022</a:t>
+              <a:t>5/28/2022</a:t>
             </a:fld>
             <a:endParaRPr lang="en-US" dirty="0"/>
           </a:p>
@@ -4236,7 +4303,7 @@
             <a:fld id="{48A87A34-81AB-432B-8DAE-1953F412C126}" type="datetimeFigureOut">
               <a:rPr lang="en-US" smtClean="0"/>
               <a:pPr/>
-              <a:t>5/16/2022</a:t>
+              <a:t>5/28/2022</a:t>
             </a:fld>
             <a:endParaRPr lang="en-US" dirty="0"/>
           </a:p>
@@ -5288,42 +5355,27 @@
             <p:ph type="title"/>
           </p:nvPr>
         </p:nvSpPr>
-        <p:spPr/>
+        <p:spPr>
+          <a:xfrm>
+            <a:off x="237995" y="265188"/>
+            <a:ext cx="8763140" cy="596760"/>
+          </a:xfrm>
+        </p:spPr>
         <p:txBody>
           <a:bodyPr>
             <a:normAutofit/>
           </a:bodyPr>
           <a:lstStyle/>
           <a:p>
-            <a:r>
-              <a:rPr lang="en-US" b="1" dirty="0" err="1">
+            <a:pPr algn="ctr"/>
+            <a:r>
+              <a:rPr lang="en-US" b="1" dirty="0">
                 <a:solidFill>
                   <a:srgbClr val="0070C0"/>
                 </a:solidFill>
               </a:rPr>
-              <a:t>Leitura</a:t>
-            </a:r>
-            <a:r>
-              <a:rPr lang="en-US" b="1" dirty="0">
-                <a:solidFill>
-                  <a:srgbClr val="0070C0"/>
-                </a:solidFill>
-              </a:rPr>
-              <a:t> </a:t>
-            </a:r>
-            <a:r>
-              <a:rPr lang="en-US" b="1" dirty="0" err="1">
-                <a:solidFill>
-                  <a:srgbClr val="0070C0"/>
-                </a:solidFill>
-              </a:rPr>
-              <a:t>Específica</a:t>
-            </a:r>
-            <a:endParaRPr lang="en-US" b="1" dirty="0">
-              <a:solidFill>
-                <a:srgbClr val="0070C0"/>
-              </a:solidFill>
-            </a:endParaRPr>
+              <a:t>Python – BANCO DE DADOS – CRUD DELETE</a:t>
+            </a:r>
           </a:p>
         </p:txBody>
       </p:sp>
@@ -5339,8 +5391,8 @@
         </p:nvSpPr>
         <p:spPr>
           <a:xfrm>
-            <a:off x="142865" y="1200151"/>
-            <a:ext cx="8865056" cy="3394472"/>
+            <a:off x="142865" y="836895"/>
+            <a:ext cx="8865056" cy="4160989"/>
           </a:xfrm>
         </p:spPr>
         <p:txBody>
@@ -5352,7 +5404,62 @@
             <a:pPr marL="0" indent="0" algn="just">
               <a:buNone/>
             </a:pPr>
-            <a:endParaRPr lang="pt-BR" dirty="0">
+            <a:r>
+              <a:rPr lang="pt-BR" sz="2400" dirty="0">
+                <a:solidFill>
+                  <a:schemeClr val="tx1"/>
+                </a:solidFill>
+                <a:latin typeface="Times New Roman" panose="02020603050405020304" pitchFamily="18" charset="0"/>
+                <a:cs typeface="Times New Roman" panose="02020603050405020304" pitchFamily="18" charset="0"/>
+              </a:rPr>
+              <a:t>cursor = </a:t>
+            </a:r>
+            <a:r>
+              <a:rPr lang="pt-BR" sz="2400" dirty="0" err="1">
+                <a:solidFill>
+                  <a:schemeClr val="tx1"/>
+                </a:solidFill>
+                <a:latin typeface="Times New Roman" panose="02020603050405020304" pitchFamily="18" charset="0"/>
+                <a:cs typeface="Times New Roman" panose="02020603050405020304" pitchFamily="18" charset="0"/>
+              </a:rPr>
+              <a:t>conn.</a:t>
+            </a:r>
+            <a:r>
+              <a:rPr lang="pt-BR" sz="2400" b="1" dirty="0" err="1">
+                <a:solidFill>
+                  <a:srgbClr val="FF0000"/>
+                </a:solidFill>
+                <a:latin typeface="Times New Roman" panose="02020603050405020304" pitchFamily="18" charset="0"/>
+                <a:cs typeface="Times New Roman" panose="02020603050405020304" pitchFamily="18" charset="0"/>
+              </a:rPr>
+              <a:t>cursor</a:t>
+            </a:r>
+            <a:r>
+              <a:rPr lang="pt-BR" sz="2400" dirty="0">
+                <a:solidFill>
+                  <a:schemeClr val="tx1"/>
+                </a:solidFill>
+                <a:latin typeface="Times New Roman" panose="02020603050405020304" pitchFamily="18" charset="0"/>
+                <a:cs typeface="Times New Roman" panose="02020603050405020304" pitchFamily="18" charset="0"/>
+              </a:rPr>
+              <a:t>()</a:t>
+            </a:r>
+          </a:p>
+          <a:p>
+            <a:pPr marL="0" indent="0" algn="just">
+              <a:buNone/>
+            </a:pPr>
+            <a:r>
+              <a:rPr lang="pt-BR" sz="2400" dirty="0">
+                <a:latin typeface="Times New Roman" panose="02020603050405020304" pitchFamily="18" charset="0"/>
+                <a:cs typeface="Times New Roman" panose="02020603050405020304" pitchFamily="18" charset="0"/>
+              </a:rPr>
+              <a:t>id = 63</a:t>
+            </a:r>
+            <a:endParaRPr lang="pt-BR" sz="2400" dirty="0">
+              <a:solidFill>
+                <a:schemeClr val="tx1"/>
+              </a:solidFill>
               <a:latin typeface="Times New Roman" panose="02020603050405020304" pitchFamily="18" charset="0"/>
               <a:cs typeface="Times New Roman" panose="02020603050405020304" pitchFamily="18" charset="0"/>
             </a:endParaRPr>
@@ -5361,73 +5468,300 @@
             <a:pPr marL="0" indent="0" algn="just">
               <a:buNone/>
             </a:pPr>
-            <a:endParaRPr lang="pt-BR" dirty="0">
+            <a:r>
+              <a:rPr lang="pt-BR" sz="2400" dirty="0" err="1">
+                <a:latin typeface="Times New Roman" panose="02020603050405020304" pitchFamily="18" charset="0"/>
+                <a:cs typeface="Times New Roman" panose="02020603050405020304" pitchFamily="18" charset="0"/>
+              </a:rPr>
+              <a:t>sql</a:t>
+            </a:r>
+            <a:r>
+              <a:rPr lang="pt-BR" sz="2400" dirty="0">
+                <a:latin typeface="Times New Roman" panose="02020603050405020304" pitchFamily="18" charset="0"/>
+                <a:cs typeface="Times New Roman" panose="02020603050405020304" pitchFamily="18" charset="0"/>
+              </a:rPr>
+              <a:t> = </a:t>
+            </a:r>
+            <a:r>
+              <a:rPr lang="pt-BR" sz="2400" b="1" dirty="0" err="1">
+                <a:solidFill>
+                  <a:srgbClr val="FF0000"/>
+                </a:solidFill>
+                <a:latin typeface="Times New Roman" panose="02020603050405020304" pitchFamily="18" charset="0"/>
+                <a:cs typeface="Times New Roman" panose="02020603050405020304" pitchFamily="18" charset="0"/>
+              </a:rPr>
+              <a:t>f</a:t>
+            </a:r>
+            <a:r>
+              <a:rPr lang="pt-BR" sz="2400" dirty="0" err="1">
+                <a:latin typeface="Times New Roman" panose="02020603050405020304" pitchFamily="18" charset="0"/>
+                <a:cs typeface="Times New Roman" panose="02020603050405020304" pitchFamily="18" charset="0"/>
+              </a:rPr>
+              <a:t>“</a:t>
+            </a:r>
+            <a:r>
+              <a:rPr lang="pt-BR" sz="2400" b="1" dirty="0" err="1">
+                <a:latin typeface="Times New Roman" panose="02020603050405020304" pitchFamily="18" charset="0"/>
+                <a:cs typeface="Times New Roman" panose="02020603050405020304" pitchFamily="18" charset="0"/>
+              </a:rPr>
+              <a:t>delete</a:t>
+            </a:r>
+            <a:r>
+              <a:rPr lang="pt-BR" sz="2400" dirty="0">
+                <a:latin typeface="Times New Roman" panose="02020603050405020304" pitchFamily="18" charset="0"/>
+                <a:cs typeface="Times New Roman" panose="02020603050405020304" pitchFamily="18" charset="0"/>
+              </a:rPr>
+              <a:t> </a:t>
+            </a:r>
+            <a:r>
+              <a:rPr lang="pt-BR" sz="2400" b="1" dirty="0" err="1">
+                <a:latin typeface="Times New Roman" panose="02020603050405020304" pitchFamily="18" charset="0"/>
+                <a:cs typeface="Times New Roman" panose="02020603050405020304" pitchFamily="18" charset="0"/>
+              </a:rPr>
+              <a:t>from</a:t>
+            </a:r>
+            <a:r>
+              <a:rPr lang="pt-BR" sz="2400" b="1" dirty="0">
+                <a:latin typeface="Times New Roman" panose="02020603050405020304" pitchFamily="18" charset="0"/>
+                <a:cs typeface="Times New Roman" panose="02020603050405020304" pitchFamily="18" charset="0"/>
+              </a:rPr>
+              <a:t> </a:t>
+            </a:r>
+            <a:r>
+              <a:rPr lang="pt-BR" sz="2400" dirty="0" err="1">
+                <a:latin typeface="Times New Roman" panose="02020603050405020304" pitchFamily="18" charset="0"/>
+                <a:cs typeface="Times New Roman" panose="02020603050405020304" pitchFamily="18" charset="0"/>
+              </a:rPr>
+              <a:t>department</a:t>
+            </a:r>
+            <a:r>
+              <a:rPr lang="pt-BR" sz="2400" dirty="0">
+                <a:latin typeface="Times New Roman" panose="02020603050405020304" pitchFamily="18" charset="0"/>
+                <a:cs typeface="Times New Roman" panose="02020603050405020304" pitchFamily="18" charset="0"/>
+              </a:rPr>
+              <a:t> </a:t>
+            </a:r>
+            <a:r>
+              <a:rPr lang="pt-BR" sz="2400" b="1" dirty="0" err="1">
+                <a:latin typeface="Times New Roman" panose="02020603050405020304" pitchFamily="18" charset="0"/>
+                <a:cs typeface="Times New Roman" panose="02020603050405020304" pitchFamily="18" charset="0"/>
+              </a:rPr>
+              <a:t>where</a:t>
+            </a:r>
+            <a:r>
+              <a:rPr lang="pt-BR" sz="2400" dirty="0">
+                <a:latin typeface="Times New Roman" panose="02020603050405020304" pitchFamily="18" charset="0"/>
+                <a:cs typeface="Times New Roman" panose="02020603050405020304" pitchFamily="18" charset="0"/>
+              </a:rPr>
+              <a:t> Id = {id}"</a:t>
+            </a:r>
+          </a:p>
+          <a:p>
+            <a:pPr marL="0" indent="0" algn="just">
+              <a:buNone/>
+            </a:pPr>
+            <a:r>
+              <a:rPr lang="pt-BR" sz="2400" dirty="0" err="1">
+                <a:latin typeface="Times New Roman" panose="02020603050405020304" pitchFamily="18" charset="0"/>
+                <a:cs typeface="Times New Roman" panose="02020603050405020304" pitchFamily="18" charset="0"/>
+              </a:rPr>
+              <a:t>cursor.</a:t>
+            </a:r>
+            <a:r>
+              <a:rPr lang="pt-BR" sz="2400" b="1" dirty="0" err="1">
+                <a:solidFill>
+                  <a:srgbClr val="FF0000"/>
+                </a:solidFill>
+                <a:latin typeface="Times New Roman" panose="02020603050405020304" pitchFamily="18" charset="0"/>
+                <a:cs typeface="Times New Roman" panose="02020603050405020304" pitchFamily="18" charset="0"/>
+              </a:rPr>
+              <a:t>execute</a:t>
+            </a:r>
+            <a:r>
+              <a:rPr lang="pt-BR" sz="2400" dirty="0">
+                <a:latin typeface="Times New Roman" panose="02020603050405020304" pitchFamily="18" charset="0"/>
+                <a:cs typeface="Times New Roman" panose="02020603050405020304" pitchFamily="18" charset="0"/>
+              </a:rPr>
+              <a:t>(</a:t>
+            </a:r>
+            <a:r>
+              <a:rPr lang="pt-BR" sz="2400" dirty="0" err="1">
+                <a:latin typeface="Times New Roman" panose="02020603050405020304" pitchFamily="18" charset="0"/>
+                <a:cs typeface="Times New Roman" panose="02020603050405020304" pitchFamily="18" charset="0"/>
+              </a:rPr>
+              <a:t>sql</a:t>
+            </a:r>
+            <a:r>
+              <a:rPr lang="pt-BR" sz="2400" dirty="0">
+                <a:latin typeface="Times New Roman" panose="02020603050405020304" pitchFamily="18" charset="0"/>
+                <a:cs typeface="Times New Roman" panose="02020603050405020304" pitchFamily="18" charset="0"/>
+              </a:rPr>
+              <a:t>)</a:t>
+            </a:r>
+          </a:p>
+          <a:p>
+            <a:pPr marL="0" indent="0" algn="just">
+              <a:buNone/>
+            </a:pPr>
+            <a:r>
+              <a:rPr lang="pt-BR" sz="2400" dirty="0">
+                <a:latin typeface="Times New Roman" panose="02020603050405020304" pitchFamily="18" charset="0"/>
+                <a:cs typeface="Times New Roman" panose="02020603050405020304" pitchFamily="18" charset="0"/>
+              </a:rPr>
+              <a:t>linha = </a:t>
+            </a:r>
+            <a:r>
+              <a:rPr lang="pt-BR" sz="2400" dirty="0" err="1">
+                <a:solidFill>
+                  <a:schemeClr val="tx1"/>
+                </a:solidFill>
+                <a:latin typeface="Times New Roman" panose="02020603050405020304" pitchFamily="18" charset="0"/>
+                <a:cs typeface="Times New Roman" panose="02020603050405020304" pitchFamily="18" charset="0"/>
+              </a:rPr>
+              <a:t>cursor.</a:t>
+            </a:r>
+            <a:r>
+              <a:rPr lang="pt-BR" sz="2400" b="1" dirty="0" err="1">
+                <a:solidFill>
+                  <a:srgbClr val="FF0000"/>
+                </a:solidFill>
+                <a:latin typeface="Times New Roman" panose="02020603050405020304" pitchFamily="18" charset="0"/>
+                <a:cs typeface="Times New Roman" panose="02020603050405020304" pitchFamily="18" charset="0"/>
+              </a:rPr>
+              <a:t>fetchone</a:t>
+            </a:r>
+            <a:r>
+              <a:rPr lang="pt-BR" sz="2400" dirty="0">
+                <a:solidFill>
+                  <a:schemeClr val="tx1"/>
+                </a:solidFill>
+                <a:latin typeface="Times New Roman" panose="02020603050405020304" pitchFamily="18" charset="0"/>
+                <a:cs typeface="Times New Roman" panose="02020603050405020304" pitchFamily="18" charset="0"/>
+              </a:rPr>
+              <a:t>()</a:t>
+            </a:r>
+          </a:p>
+          <a:p>
+            <a:pPr marL="0" indent="0" algn="just">
+              <a:buNone/>
+            </a:pPr>
+            <a:r>
+              <a:rPr lang="pt-BR" sz="2400" dirty="0" err="1">
+                <a:latin typeface="Times New Roman" panose="02020603050405020304" pitchFamily="18" charset="0"/>
+                <a:cs typeface="Times New Roman" panose="02020603050405020304" pitchFamily="18" charset="0"/>
+              </a:rPr>
+              <a:t>if</a:t>
+            </a:r>
+            <a:r>
+              <a:rPr lang="pt-BR" sz="2400" dirty="0">
+                <a:latin typeface="Times New Roman" panose="02020603050405020304" pitchFamily="18" charset="0"/>
+                <a:cs typeface="Times New Roman" panose="02020603050405020304" pitchFamily="18" charset="0"/>
+              </a:rPr>
+              <a:t> (linha != </a:t>
+            </a:r>
+            <a:r>
+              <a:rPr lang="pt-BR" sz="2400" dirty="0" err="1">
+                <a:latin typeface="Times New Roman" panose="02020603050405020304" pitchFamily="18" charset="0"/>
+                <a:cs typeface="Times New Roman" panose="02020603050405020304" pitchFamily="18" charset="0"/>
+              </a:rPr>
+              <a:t>None</a:t>
+            </a:r>
+            <a:r>
+              <a:rPr lang="pt-BR" sz="2400" dirty="0">
+                <a:latin typeface="Times New Roman" panose="02020603050405020304" pitchFamily="18" charset="0"/>
+                <a:cs typeface="Times New Roman" panose="02020603050405020304" pitchFamily="18" charset="0"/>
+              </a:rPr>
+              <a:t>): # ou </a:t>
+            </a:r>
+            <a:r>
+              <a:rPr lang="pt-BR" sz="2400" b="1" dirty="0" err="1">
+                <a:solidFill>
+                  <a:srgbClr val="FF0000"/>
+                </a:solidFill>
+                <a:latin typeface="Times New Roman" panose="02020603050405020304" pitchFamily="18" charset="0"/>
+                <a:cs typeface="Times New Roman" panose="02020603050405020304" pitchFamily="18" charset="0"/>
+              </a:rPr>
+              <a:t>linha.rowcount</a:t>
+            </a:r>
+            <a:r>
+              <a:rPr lang="pt-BR" sz="2400" b="1" dirty="0">
+                <a:solidFill>
+                  <a:srgbClr val="FF0000"/>
+                </a:solidFill>
+                <a:latin typeface="Times New Roman" panose="02020603050405020304" pitchFamily="18" charset="0"/>
+                <a:cs typeface="Times New Roman" panose="02020603050405020304" pitchFamily="18" charset="0"/>
+              </a:rPr>
+              <a:t> &gt; 0:</a:t>
+            </a:r>
+          </a:p>
+          <a:p>
+            <a:pPr marL="0" indent="0" algn="just">
+              <a:buNone/>
+            </a:pPr>
+            <a:r>
+              <a:rPr lang="pt-BR" sz="2400" dirty="0">
+                <a:latin typeface="Times New Roman" panose="02020603050405020304" pitchFamily="18" charset="0"/>
+                <a:cs typeface="Times New Roman" panose="02020603050405020304" pitchFamily="18" charset="0"/>
+              </a:rPr>
+              <a:t>    </a:t>
+            </a:r>
+            <a:r>
+              <a:rPr lang="pt-BR" sz="2400" dirty="0" err="1">
+                <a:latin typeface="Times New Roman" panose="02020603050405020304" pitchFamily="18" charset="0"/>
+                <a:cs typeface="Times New Roman" panose="02020603050405020304" pitchFamily="18" charset="0"/>
+              </a:rPr>
+              <a:t>conn.</a:t>
+            </a:r>
+            <a:r>
+              <a:rPr lang="pt-BR" sz="2400" b="1" dirty="0" err="1">
+                <a:solidFill>
+                  <a:srgbClr val="FF0000"/>
+                </a:solidFill>
+                <a:latin typeface="Times New Roman" panose="02020603050405020304" pitchFamily="18" charset="0"/>
+                <a:cs typeface="Times New Roman" panose="02020603050405020304" pitchFamily="18" charset="0"/>
+              </a:rPr>
+              <a:t>commit</a:t>
+            </a:r>
+            <a:r>
+              <a:rPr lang="pt-BR" sz="2400" dirty="0">
+                <a:latin typeface="Times New Roman" panose="02020603050405020304" pitchFamily="18" charset="0"/>
+                <a:cs typeface="Times New Roman" panose="02020603050405020304" pitchFamily="18" charset="0"/>
+              </a:rPr>
+              <a:t>()</a:t>
+            </a:r>
+          </a:p>
+          <a:p>
+            <a:pPr marL="0" indent="0" algn="just">
+              <a:buNone/>
+            </a:pPr>
+            <a:r>
+              <a:rPr lang="pt-BR" sz="2400" b="1" dirty="0">
+                <a:latin typeface="Times New Roman" panose="02020603050405020304" pitchFamily="18" charset="0"/>
+                <a:cs typeface="Times New Roman" panose="02020603050405020304" pitchFamily="18" charset="0"/>
+              </a:rPr>
+              <a:t>    print</a:t>
+            </a:r>
+            <a:r>
+              <a:rPr lang="pt-BR" sz="2400" dirty="0">
+                <a:latin typeface="Times New Roman" panose="02020603050405020304" pitchFamily="18" charset="0"/>
+                <a:cs typeface="Times New Roman" panose="02020603050405020304" pitchFamily="18" charset="0"/>
+              </a:rPr>
+              <a:t>(“Excluído com sucesso")</a:t>
+            </a:r>
+            <a:endParaRPr lang="pt-BR" sz="2400" dirty="0">
+              <a:solidFill>
+                <a:schemeClr val="tx1"/>
+              </a:solidFill>
               <a:latin typeface="Times New Roman" panose="02020603050405020304" pitchFamily="18" charset="0"/>
               <a:cs typeface="Times New Roman" panose="02020603050405020304" pitchFamily="18" charset="0"/>
             </a:endParaRPr>
           </a:p>
-          <a:p>
-            <a:pPr marL="0" indent="0" algn="just">
-              <a:buNone/>
-            </a:pPr>
-            <a:r>
-              <a:rPr lang="pt-BR" dirty="0">
-                <a:latin typeface="Times New Roman" panose="02020603050405020304" pitchFamily="18" charset="0"/>
-                <a:cs typeface="Times New Roman" panose="02020603050405020304" pitchFamily="18" charset="0"/>
-              </a:rPr>
-              <a:t>[1] Site: </a:t>
-            </a:r>
-            <a:r>
-              <a:rPr lang="pt-BR" dirty="0">
-                <a:latin typeface="Times New Roman" panose="02020603050405020304" pitchFamily="18" charset="0"/>
-                <a:cs typeface="Times New Roman" panose="02020603050405020304" pitchFamily="18" charset="0"/>
-                <a:hlinkClick r:id="rId3"/>
-              </a:rPr>
-              <a:t>https://www.w3schools.com/sql/default.asp</a:t>
-            </a:r>
-            <a:endParaRPr lang="pt-BR" dirty="0">
-              <a:latin typeface="Times New Roman" panose="02020603050405020304" pitchFamily="18" charset="0"/>
-              <a:cs typeface="Times New Roman" panose="02020603050405020304" pitchFamily="18" charset="0"/>
-            </a:endParaRPr>
-          </a:p>
-          <a:p>
-            <a:pPr marL="0" indent="0" algn="just">
-              <a:buNone/>
-            </a:pPr>
-            <a:r>
-              <a:rPr lang="pt-BR" dirty="0">
-                <a:latin typeface="Times New Roman" panose="02020603050405020304" pitchFamily="18" charset="0"/>
-                <a:cs typeface="Times New Roman" panose="02020603050405020304" pitchFamily="18" charset="0"/>
-              </a:rPr>
-              <a:t> 	      </a:t>
-            </a:r>
-            <a:r>
-              <a:rPr lang="pt-BR" dirty="0">
-                <a:latin typeface="Times New Roman" panose="02020603050405020304" pitchFamily="18" charset="0"/>
-                <a:cs typeface="Times New Roman" panose="02020603050405020304" pitchFamily="18" charset="0"/>
-                <a:hlinkClick r:id="rId4"/>
-              </a:rPr>
-              <a:t>https://www.w3schools.com/sql/sql_intro.asp</a:t>
-            </a:r>
-            <a:endParaRPr lang="pt-BR" dirty="0">
-              <a:latin typeface="Times New Roman" panose="02020603050405020304" pitchFamily="18" charset="0"/>
-              <a:cs typeface="Times New Roman" panose="02020603050405020304" pitchFamily="18" charset="0"/>
-            </a:endParaRPr>
-          </a:p>
-          <a:p>
-            <a:pPr marL="0" indent="0" algn="just">
-              <a:buNone/>
-            </a:pPr>
-            <a:endParaRPr lang="pt-BR" dirty="0">
-              <a:latin typeface="Calibri" panose="020F0502020204030204" pitchFamily="34" charset="0"/>
-            </a:endParaRPr>
-          </a:p>
         </p:txBody>
       </p:sp>
     </p:spTree>
     <p:extLst>
       <p:ext uri="{BB962C8B-B14F-4D97-AF65-F5344CB8AC3E}">
-        <p14:creationId xmlns:p14="http://schemas.microsoft.com/office/powerpoint/2010/main" val="2747596967"/>
+        <p14:creationId xmlns:p14="http://schemas.microsoft.com/office/powerpoint/2010/main" val="4223033648"/>
       </p:ext>
     </p:extLst>
   </p:cSld>
@@ -5478,7 +5812,7 @@
                   <a:srgbClr val="0070C0"/>
                 </a:solidFill>
               </a:rPr>
-              <a:t>Aprenda</a:t>
+              <a:t>Leitura</a:t>
             </a:r>
             <a:r>
               <a:rPr lang="en-US" b="1" dirty="0">
@@ -5486,8 +5820,21 @@
                   <a:srgbClr val="0070C0"/>
                 </a:solidFill>
               </a:rPr>
-              <a:t>+</a:t>
-            </a:r>
+              <a:t> </a:t>
+            </a:r>
+            <a:r>
+              <a:rPr lang="en-US" b="1" dirty="0" err="1">
+                <a:solidFill>
+                  <a:srgbClr val="0070C0"/>
+                </a:solidFill>
+              </a:rPr>
+              <a:t>Específica</a:t>
+            </a:r>
+            <a:endParaRPr lang="en-US" b="1" dirty="0">
+              <a:solidFill>
+                <a:srgbClr val="0070C0"/>
+              </a:solidFill>
+            </a:endParaRPr>
           </a:p>
         </p:txBody>
       </p:sp>
@@ -5516,7 +5863,7 @@
             <a:pPr marL="0" indent="0" algn="just">
               <a:buNone/>
             </a:pPr>
-            <a:endParaRPr lang="pt-BR" sz="2000" dirty="0">
+            <a:endParaRPr lang="pt-BR" dirty="0">
               <a:latin typeface="Times New Roman" panose="02020603050405020304" pitchFamily="18" charset="0"/>
               <a:cs typeface="Times New Roman" panose="02020603050405020304" pitchFamily="18" charset="0"/>
             </a:endParaRPr>
@@ -5525,7 +5872,7 @@
             <a:pPr marL="0" indent="0" algn="just">
               <a:buNone/>
             </a:pPr>
-            <a:endParaRPr lang="pt-BR" sz="2000" dirty="0">
+            <a:endParaRPr lang="pt-BR" dirty="0">
               <a:latin typeface="Times New Roman" panose="02020603050405020304" pitchFamily="18" charset="0"/>
               <a:cs typeface="Times New Roman" panose="02020603050405020304" pitchFamily="18" charset="0"/>
             </a:endParaRPr>
@@ -5535,21 +5882,33 @@
               <a:buNone/>
             </a:pPr>
             <a:r>
-              <a:rPr lang="pt-BR" sz="2000" dirty="0">
-                <a:latin typeface="Times New Roman" panose="02020603050405020304" pitchFamily="18" charset="0"/>
-                <a:cs typeface="Times New Roman" panose="02020603050405020304" pitchFamily="18" charset="0"/>
-              </a:rPr>
-              <a:t>[2] </a:t>
-            </a:r>
-            <a:r>
-              <a:rPr lang="pt-BR" sz="2000" dirty="0">
-                <a:latin typeface="Times New Roman" panose="02020603050405020304" pitchFamily="18" charset="0"/>
-                <a:cs typeface="Times New Roman" panose="02020603050405020304" pitchFamily="18" charset="0"/>
-                <a:hlinkClick r:id="rId3"/>
-              </a:rPr>
-              <a:t>https://www.youtube.com/watch?v=FXlixv8Ieoc</a:t>
-            </a:r>
-            <a:endParaRPr lang="pt-BR" sz="2000" dirty="0">
+              <a:rPr lang="pt-BR" dirty="0">
+                <a:latin typeface="Times New Roman" panose="02020603050405020304" pitchFamily="18" charset="0"/>
+                <a:cs typeface="Times New Roman" panose="02020603050405020304" pitchFamily="18" charset="0"/>
+              </a:rPr>
+              <a:t>[1] Site: </a:t>
+            </a:r>
+            <a:r>
+              <a:rPr lang="pt-BR" dirty="0">
+                <a:solidFill>
+                  <a:srgbClr val="0070C0"/>
+                </a:solidFill>
+                <a:latin typeface="Times New Roman" panose="02020603050405020304" pitchFamily="18" charset="0"/>
+                <a:cs typeface="Times New Roman" panose="02020603050405020304" pitchFamily="18" charset="0"/>
+                <a:hlinkClick r:id="rId3">
+                  <a:extLst>
+                    <a:ext uri="{A12FA001-AC4F-418D-AE19-62706E023703}">
+                      <ahyp:hlinkClr xmlns:ahyp="http://schemas.microsoft.com/office/drawing/2018/hyperlinkcolor" val="tx"/>
+                    </a:ext>
+                  </a:extLst>
+                </a:hlinkClick>
+              </a:rPr>
+              <a:t>https://www.w3schools.com/sql/default.asp</a:t>
+            </a:r>
+            <a:endParaRPr lang="pt-BR" dirty="0">
+              <a:solidFill>
+                <a:srgbClr val="0070C0"/>
+              </a:solidFill>
               <a:latin typeface="Times New Roman" panose="02020603050405020304" pitchFamily="18" charset="0"/>
               <a:cs typeface="Times New Roman" panose="02020603050405020304" pitchFamily="18" charset="0"/>
             </a:endParaRPr>
@@ -5558,7 +5917,49 @@
             <a:pPr marL="0" indent="0" algn="just">
               <a:buNone/>
             </a:pPr>
-            <a:endParaRPr lang="pt-BR" sz="2000" dirty="0">
+            <a:r>
+              <a:rPr lang="pt-BR" dirty="0">
+                <a:solidFill>
+                  <a:srgbClr val="0070C0"/>
+                </a:solidFill>
+                <a:latin typeface="Times New Roman" panose="02020603050405020304" pitchFamily="18" charset="0"/>
+                <a:cs typeface="Times New Roman" panose="02020603050405020304" pitchFamily="18" charset="0"/>
+              </a:rPr>
+              <a:t> 	      </a:t>
+            </a:r>
+            <a:r>
+              <a:rPr lang="pt-BR" dirty="0">
+                <a:solidFill>
+                  <a:srgbClr val="0070C0"/>
+                </a:solidFill>
+                <a:latin typeface="Times New Roman" panose="02020603050405020304" pitchFamily="18" charset="0"/>
+                <a:cs typeface="Times New Roman" panose="02020603050405020304" pitchFamily="18" charset="0"/>
+                <a:hlinkClick r:id="rId4">
+                  <a:extLst>
+                    <a:ext uri="{A12FA001-AC4F-418D-AE19-62706E023703}">
+                      <ahyp:hlinkClr xmlns:ahyp="http://schemas.microsoft.com/office/drawing/2018/hyperlinkcolor" val="tx"/>
+                    </a:ext>
+                  </a:extLst>
+                </a:hlinkClick>
+              </a:rPr>
+              <a:t>https://www.w3schools.com/sql/sql_intro.asp</a:t>
+            </a:r>
+            <a:endParaRPr lang="pt-BR" dirty="0">
+              <a:solidFill>
+                <a:srgbClr val="0070C0"/>
+              </a:solidFill>
+              <a:latin typeface="Times New Roman" panose="02020603050405020304" pitchFamily="18" charset="0"/>
+              <a:cs typeface="Times New Roman" panose="02020603050405020304" pitchFamily="18" charset="0"/>
+            </a:endParaRPr>
+          </a:p>
+          <a:p>
+            <a:pPr marL="0" indent="0" algn="just">
+              <a:buNone/>
+            </a:pPr>
+            <a:endParaRPr lang="pt-BR" dirty="0">
+              <a:solidFill>
+                <a:srgbClr val="0070C0"/>
+              </a:solidFill>
               <a:latin typeface="Calibri" panose="020F0502020204030204" pitchFamily="34" charset="0"/>
             </a:endParaRPr>
           </a:p>
@@ -5567,7 +5968,7 @@
     </p:spTree>
     <p:extLst>
       <p:ext uri="{BB962C8B-B14F-4D97-AF65-F5344CB8AC3E}">
-        <p14:creationId xmlns:p14="http://schemas.microsoft.com/office/powerpoint/2010/main" val="3680270425"/>
+        <p14:creationId xmlns:p14="http://schemas.microsoft.com/office/powerpoint/2010/main" val="2747596967"/>
       </p:ext>
     </p:extLst>
   </p:cSld>
@@ -5618,7 +6019,7 @@
                   <a:srgbClr val="0070C0"/>
                 </a:solidFill>
               </a:rPr>
-              <a:t>Dinâmica</a:t>
+              <a:t>Aprenda</a:t>
             </a:r>
             <a:r>
               <a:rPr lang="en-US" b="1" dirty="0">
@@ -5626,21 +6027,8 @@
                   <a:srgbClr val="0070C0"/>
                 </a:solidFill>
               </a:rPr>
-              <a:t>/</a:t>
-            </a:r>
-            <a:r>
-              <a:rPr lang="en-US" b="1" dirty="0" err="1">
-                <a:solidFill>
-                  <a:srgbClr val="0070C0"/>
-                </a:solidFill>
-              </a:rPr>
-              <a:t>Atividades</a:t>
-            </a:r>
-            <a:endParaRPr lang="en-US" b="1" dirty="0">
-              <a:solidFill>
-                <a:srgbClr val="0070C0"/>
-              </a:solidFill>
-            </a:endParaRPr>
+              <a:t>+</a:t>
+            </a:r>
           </a:p>
         </p:txBody>
       </p:sp>
@@ -5656,8 +6044,8 @@
         </p:nvSpPr>
         <p:spPr>
           <a:xfrm>
-            <a:off x="139472" y="1063230"/>
-            <a:ext cx="8865056" cy="3606305"/>
+            <a:off x="142865" y="1200151"/>
+            <a:ext cx="8865056" cy="3394472"/>
           </a:xfrm>
         </p:spPr>
         <p:txBody>
@@ -5666,72 +6054,19 @@
           </a:bodyPr>
           <a:lstStyle/>
           <a:p>
-            <a:pPr algn="just">
-              <a:buFontTx/>
-              <a:buChar char="-"/>
+            <a:pPr marL="0" indent="0" algn="just">
+              <a:buNone/>
             </a:pPr>
-            <a:r>
-              <a:rPr lang="pt-BR" b="1" dirty="0">
-                <a:latin typeface="Times New Roman" panose="02020603050405020304" pitchFamily="18" charset="0"/>
-                <a:cs typeface="Times New Roman" panose="02020603050405020304" pitchFamily="18" charset="0"/>
-              </a:rPr>
-              <a:t>Exercícios de Fixação</a:t>
-            </a:r>
-          </a:p>
-          <a:p>
-            <a:pPr marL="0" indent="0" algn="just">
-              <a:buNone/>
-            </a:pPr>
-            <a:r>
-              <a:rPr lang="pt-BR" dirty="0">
-                <a:latin typeface="Times New Roman" panose="02020603050405020304" pitchFamily="18" charset="0"/>
-                <a:cs typeface="Times New Roman" panose="02020603050405020304" pitchFamily="18" charset="0"/>
-              </a:rPr>
-              <a:t>	Desafios em Sala de Aula.</a:t>
-            </a:r>
-          </a:p>
-          <a:p>
-            <a:pPr marL="0" indent="0" algn="just">
-              <a:buNone/>
-            </a:pPr>
-            <a:endParaRPr lang="pt-BR" dirty="0">
+            <a:endParaRPr lang="pt-BR" sz="2000" dirty="0">
               <a:latin typeface="Times New Roman" panose="02020603050405020304" pitchFamily="18" charset="0"/>
               <a:cs typeface="Times New Roman" panose="02020603050405020304" pitchFamily="18" charset="0"/>
             </a:endParaRPr>
           </a:p>
           <a:p>
-            <a:pPr algn="just">
-              <a:buFontTx/>
-              <a:buChar char="-"/>
+            <a:pPr marL="0" indent="0" algn="just">
+              <a:buNone/>
             </a:pPr>
-            <a:r>
-              <a:rPr lang="pt-BR" b="1" dirty="0">
-                <a:solidFill>
-                  <a:srgbClr val="FF0000"/>
-                </a:solidFill>
-                <a:latin typeface="Times New Roman" panose="02020603050405020304" pitchFamily="18" charset="0"/>
-                <a:cs typeface="Times New Roman" panose="02020603050405020304" pitchFamily="18" charset="0"/>
-              </a:rPr>
-              <a:t>Atividade (domínio – livre escolha)</a:t>
-            </a:r>
-          </a:p>
-          <a:p>
-            <a:pPr marL="0" indent="0" algn="just">
-              <a:buNone/>
-            </a:pPr>
-            <a:r>
-              <a:rPr lang="pt-BR" dirty="0">
-                <a:latin typeface="Times New Roman" panose="02020603050405020304" pitchFamily="18" charset="0"/>
-                <a:cs typeface="Times New Roman" panose="02020603050405020304" pitchFamily="18" charset="0"/>
-              </a:rPr>
-              <a:t>	Criar uma app, implementando um CRUD.</a:t>
-            </a:r>
-          </a:p>
-          <a:p>
-            <a:pPr marL="0" indent="0" algn="just">
-              <a:buNone/>
-            </a:pPr>
-            <a:endParaRPr lang="pt-BR" dirty="0">
+            <a:endParaRPr lang="pt-BR" sz="2000" dirty="0">
               <a:latin typeface="Times New Roman" panose="02020603050405020304" pitchFamily="18" charset="0"/>
               <a:cs typeface="Times New Roman" panose="02020603050405020304" pitchFamily="18" charset="0"/>
             </a:endParaRPr>
@@ -5740,17 +6075,40 @@
             <a:pPr marL="0" indent="0" algn="just">
               <a:buNone/>
             </a:pPr>
-            <a:endParaRPr lang="pt-BR" dirty="0">
+            <a:r>
+              <a:rPr lang="pt-BR" sz="2000" dirty="0">
+                <a:latin typeface="Times New Roman" panose="02020603050405020304" pitchFamily="18" charset="0"/>
+                <a:cs typeface="Times New Roman" panose="02020603050405020304" pitchFamily="18" charset="0"/>
+              </a:rPr>
+              <a:t>[2] </a:t>
+            </a:r>
+            <a:r>
+              <a:rPr lang="pt-BR" sz="2000" dirty="0">
+                <a:latin typeface="Times New Roman" panose="02020603050405020304" pitchFamily="18" charset="0"/>
+                <a:cs typeface="Times New Roman" panose="02020603050405020304" pitchFamily="18" charset="0"/>
+                <a:hlinkClick r:id="rId3"/>
+              </a:rPr>
+              <a:t>https://www.youtube.com/watch?v=FXlixv8Ieoc</a:t>
+            </a:r>
+            <a:endParaRPr lang="pt-BR" sz="2000" dirty="0">
               <a:latin typeface="Times New Roman" panose="02020603050405020304" pitchFamily="18" charset="0"/>
               <a:cs typeface="Times New Roman" panose="02020603050405020304" pitchFamily="18" charset="0"/>
             </a:endParaRPr>
           </a:p>
+          <a:p>
+            <a:pPr marL="0" indent="0" algn="just">
+              <a:buNone/>
+            </a:pPr>
+            <a:endParaRPr lang="pt-BR" sz="2000" dirty="0">
+              <a:latin typeface="Calibri" panose="020F0502020204030204" pitchFamily="34" charset="0"/>
+            </a:endParaRPr>
+          </a:p>
         </p:txBody>
       </p:sp>
     </p:spTree>
     <p:extLst>
       <p:ext uri="{BB962C8B-B14F-4D97-AF65-F5344CB8AC3E}">
-        <p14:creationId xmlns:p14="http://schemas.microsoft.com/office/powerpoint/2010/main" val="2470652989"/>
+        <p14:creationId xmlns:p14="http://schemas.microsoft.com/office/powerpoint/2010/main" val="3680270425"/>
       </p:ext>
     </p:extLst>
   </p:cSld>
@@ -5801,6 +6159,189 @@
                   <a:srgbClr val="0070C0"/>
                 </a:solidFill>
               </a:rPr>
+              <a:t>Dinâmica</a:t>
+            </a:r>
+            <a:r>
+              <a:rPr lang="en-US" b="1" dirty="0">
+                <a:solidFill>
+                  <a:srgbClr val="0070C0"/>
+                </a:solidFill>
+              </a:rPr>
+              <a:t>/</a:t>
+            </a:r>
+            <a:r>
+              <a:rPr lang="en-US" b="1" dirty="0" err="1">
+                <a:solidFill>
+                  <a:srgbClr val="0070C0"/>
+                </a:solidFill>
+              </a:rPr>
+              <a:t>Atividades</a:t>
+            </a:r>
+            <a:endParaRPr lang="en-US" b="1" dirty="0">
+              <a:solidFill>
+                <a:srgbClr val="0070C0"/>
+              </a:solidFill>
+            </a:endParaRPr>
+          </a:p>
+        </p:txBody>
+      </p:sp>
+      <p:sp>
+        <p:nvSpPr>
+          <p:cNvPr id="8" name="Text Placeholder 2"/>
+          <p:cNvSpPr>
+            <a:spLocks noGrp="1"/>
+          </p:cNvSpPr>
+          <p:nvPr>
+            <p:ph type="body" sz="half" idx="1"/>
+          </p:nvPr>
+        </p:nvSpPr>
+        <p:spPr>
+          <a:xfrm>
+            <a:off x="139472" y="1063230"/>
+            <a:ext cx="8865056" cy="3606305"/>
+          </a:xfrm>
+        </p:spPr>
+        <p:txBody>
+          <a:bodyPr>
+            <a:noAutofit/>
+          </a:bodyPr>
+          <a:lstStyle/>
+          <a:p>
+            <a:pPr algn="just">
+              <a:buFontTx/>
+              <a:buChar char="-"/>
+            </a:pPr>
+            <a:r>
+              <a:rPr lang="pt-BR" b="1" dirty="0">
+                <a:latin typeface="Times New Roman" panose="02020603050405020304" pitchFamily="18" charset="0"/>
+                <a:cs typeface="Times New Roman" panose="02020603050405020304" pitchFamily="18" charset="0"/>
+              </a:rPr>
+              <a:t>Exercícios de Fixação</a:t>
+            </a:r>
+          </a:p>
+          <a:p>
+            <a:pPr marL="0" indent="0" algn="just">
+              <a:buNone/>
+            </a:pPr>
+            <a:r>
+              <a:rPr lang="pt-BR" dirty="0">
+                <a:latin typeface="Times New Roman" panose="02020603050405020304" pitchFamily="18" charset="0"/>
+                <a:cs typeface="Times New Roman" panose="02020603050405020304" pitchFamily="18" charset="0"/>
+              </a:rPr>
+              <a:t>	Desafios em Sala de Aula.</a:t>
+            </a:r>
+          </a:p>
+          <a:p>
+            <a:pPr marL="0" indent="0" algn="just">
+              <a:buNone/>
+            </a:pPr>
+            <a:endParaRPr lang="pt-BR" dirty="0">
+              <a:latin typeface="Times New Roman" panose="02020603050405020304" pitchFamily="18" charset="0"/>
+              <a:cs typeface="Times New Roman" panose="02020603050405020304" pitchFamily="18" charset="0"/>
+            </a:endParaRPr>
+          </a:p>
+          <a:p>
+            <a:pPr algn="just">
+              <a:buFontTx/>
+              <a:buChar char="-"/>
+            </a:pPr>
+            <a:r>
+              <a:rPr lang="pt-BR" b="1" dirty="0">
+                <a:solidFill>
+                  <a:srgbClr val="FF0000"/>
+                </a:solidFill>
+                <a:latin typeface="Times New Roman" panose="02020603050405020304" pitchFamily="18" charset="0"/>
+                <a:cs typeface="Times New Roman" panose="02020603050405020304" pitchFamily="18" charset="0"/>
+              </a:rPr>
+              <a:t>Atividade (domínio – livre escolha)</a:t>
+            </a:r>
+          </a:p>
+          <a:p>
+            <a:pPr marL="0" indent="0" algn="just">
+              <a:buNone/>
+            </a:pPr>
+            <a:r>
+              <a:rPr lang="pt-BR" dirty="0">
+                <a:latin typeface="Times New Roman" panose="02020603050405020304" pitchFamily="18" charset="0"/>
+                <a:cs typeface="Times New Roman" panose="02020603050405020304" pitchFamily="18" charset="0"/>
+              </a:rPr>
+              <a:t>	Criar uma app, implementando um CRUD.</a:t>
+            </a:r>
+          </a:p>
+          <a:p>
+            <a:pPr marL="0" indent="0" algn="just">
+              <a:buNone/>
+            </a:pPr>
+            <a:endParaRPr lang="pt-BR" dirty="0">
+              <a:latin typeface="Times New Roman" panose="02020603050405020304" pitchFamily="18" charset="0"/>
+              <a:cs typeface="Times New Roman" panose="02020603050405020304" pitchFamily="18" charset="0"/>
+            </a:endParaRPr>
+          </a:p>
+          <a:p>
+            <a:pPr marL="0" indent="0" algn="just">
+              <a:buNone/>
+            </a:pPr>
+            <a:endParaRPr lang="pt-BR" dirty="0">
+              <a:latin typeface="Times New Roman" panose="02020603050405020304" pitchFamily="18" charset="0"/>
+              <a:cs typeface="Times New Roman" panose="02020603050405020304" pitchFamily="18" charset="0"/>
+            </a:endParaRPr>
+          </a:p>
+        </p:txBody>
+      </p:sp>
+    </p:spTree>
+    <p:extLst>
+      <p:ext uri="{BB962C8B-B14F-4D97-AF65-F5344CB8AC3E}">
+        <p14:creationId xmlns:p14="http://schemas.microsoft.com/office/powerpoint/2010/main" val="2470652989"/>
+      </p:ext>
+    </p:extLst>
+  </p:cSld>
+  <p:clrMapOvr>
+    <a:masterClrMapping/>
+  </p:clrMapOvr>
+  <p:transition spd="med"/>
+</p:sld>
+</file>
+
+<file path=ppt/slides/slide14.xml><?xml version="1.0" encoding="utf-8"?>
+<p:sld xmlns:a="http://schemas.openxmlformats.org/drawingml/2006/main" xmlns:r="http://schemas.openxmlformats.org/officeDocument/2006/relationships" xmlns:p="http://schemas.openxmlformats.org/presentationml/2006/main">
+  <p:cSld>
+    <p:spTree>
+      <p:nvGrpSpPr>
+        <p:cNvPr id="1" name=""/>
+        <p:cNvGrpSpPr/>
+        <p:nvPr/>
+      </p:nvGrpSpPr>
+      <p:grpSpPr>
+        <a:xfrm>
+          <a:off x="0" y="0"/>
+          <a:ext cx="0" cy="0"/>
+          <a:chOff x="0" y="0"/>
+          <a:chExt cx="0" cy="0"/>
+        </a:xfrm>
+      </p:grpSpPr>
+      <p:sp>
+        <p:nvSpPr>
+          <p:cNvPr id="6" name="Title 1"/>
+          <p:cNvSpPr>
+            <a:spLocks noGrp="1"/>
+          </p:cNvSpPr>
+          <p:nvPr>
+            <p:ph type="title"/>
+          </p:nvPr>
+        </p:nvSpPr>
+        <p:spPr/>
+        <p:txBody>
+          <a:bodyPr>
+            <a:normAutofit/>
+          </a:bodyPr>
+          <a:lstStyle/>
+          <a:p>
+            <a:r>
+              <a:rPr lang="en-US" b="1" dirty="0" err="1">
+                <a:solidFill>
+                  <a:srgbClr val="0070C0"/>
+                </a:solidFill>
+              </a:rPr>
               <a:t>Referências</a:t>
             </a:r>
             <a:r>
@@ -5929,7 +6470,7 @@
 </p:sld>
 </file>
 
-<file path=ppt/slides/slide14.xml><?xml version="1.0" encoding="utf-8"?>
+<file path=ppt/slides/slide15.xml><?xml version="1.0" encoding="utf-8"?>
 <p:sld xmlns:a="http://schemas.openxmlformats.org/drawingml/2006/main" xmlns:r="http://schemas.openxmlformats.org/officeDocument/2006/relationships" xmlns:p="http://schemas.openxmlformats.org/presentationml/2006/main">
   <p:cSld>
     <p:spTree>
@@ -7230,21 +7771,8 @@
                   <a:srgbClr val="0070C0"/>
                 </a:solidFill>
               </a:rPr>
-              <a:t>Python – BANCO DE DADOS - </a:t>
-            </a:r>
-            <a:r>
-              <a:rPr lang="en-US" b="1" dirty="0" err="1">
-                <a:solidFill>
-                  <a:srgbClr val="0070C0"/>
-                </a:solidFill>
-              </a:rPr>
-              <a:t>Conexão</a:t>
-            </a:r>
-            <a:endParaRPr lang="en-US" b="1" dirty="0">
-              <a:solidFill>
-                <a:srgbClr val="0070C0"/>
-              </a:solidFill>
-            </a:endParaRPr>
+              <a:t>Python – INSTALAÇÃO DRIVER BD</a:t>
+            </a:r>
           </a:p>
         </p:txBody>
       </p:sp>
@@ -7333,20 +7861,353 @@
               </a:rPr>
               <a:t>python</a:t>
             </a:r>
-            <a:r>
-              <a:rPr lang="pt-BR" sz="2000" dirty="0">
-                <a:solidFill>
-                  <a:schemeClr val="tx1"/>
-                </a:solidFill>
-                <a:latin typeface="Times New Roman" panose="02020603050405020304" pitchFamily="18" charset="0"/>
-                <a:cs typeface="Times New Roman" panose="02020603050405020304" pitchFamily="18" charset="0"/>
-              </a:rPr>
-              <a:t>.</a:t>
-            </a:r>
+            <a:endParaRPr lang="pt-BR" sz="2000" dirty="0">
+              <a:solidFill>
+                <a:schemeClr val="tx1"/>
+              </a:solidFill>
+              <a:latin typeface="Times New Roman" panose="02020603050405020304" pitchFamily="18" charset="0"/>
+              <a:cs typeface="Times New Roman" panose="02020603050405020304" pitchFamily="18" charset="0"/>
+            </a:endParaRPr>
           </a:p>
           <a:p>
             <a:pPr marL="0" indent="0" algn="just">
               <a:buNone/>
+            </a:pPr>
+            <a:endParaRPr lang="pt-BR" sz="2000" dirty="0">
+              <a:solidFill>
+                <a:schemeClr val="tx1"/>
+              </a:solidFill>
+              <a:latin typeface="Times New Roman" panose="02020603050405020304" pitchFamily="18" charset="0"/>
+              <a:cs typeface="Times New Roman" panose="02020603050405020304" pitchFamily="18" charset="0"/>
+            </a:endParaRPr>
+          </a:p>
+          <a:p>
+            <a:pPr marL="457200" indent="-457200" algn="just">
+              <a:buAutoNum type="arabicPeriod"/>
+            </a:pPr>
+            <a:r>
+              <a:rPr lang="pt-BR" sz="2000" b="1" dirty="0" err="1">
+                <a:latin typeface="Times New Roman" panose="02020603050405020304" pitchFamily="18" charset="0"/>
+                <a:cs typeface="Times New Roman" panose="02020603050405020304" pitchFamily="18" charset="0"/>
+              </a:rPr>
+              <a:t>Cmd</a:t>
+            </a:r>
+            <a:r>
+              <a:rPr lang="pt-BR" sz="2000" b="1" dirty="0">
+                <a:latin typeface="Times New Roman" panose="02020603050405020304" pitchFamily="18" charset="0"/>
+                <a:cs typeface="Times New Roman" panose="02020603050405020304" pitchFamily="18" charset="0"/>
+              </a:rPr>
+              <a:t> Shell (</a:t>
+            </a:r>
+            <a:r>
+              <a:rPr lang="pt-BR" sz="2000" b="1" dirty="0" err="1">
+                <a:latin typeface="Times New Roman" panose="02020603050405020304" pitchFamily="18" charset="0"/>
+                <a:cs typeface="Times New Roman" panose="02020603050405020304" pitchFamily="18" charset="0"/>
+              </a:rPr>
+              <a:t>Atuailzar</a:t>
+            </a:r>
+            <a:r>
+              <a:rPr lang="pt-BR" sz="2000" b="1" dirty="0">
+                <a:latin typeface="Times New Roman" panose="02020603050405020304" pitchFamily="18" charset="0"/>
+                <a:cs typeface="Times New Roman" panose="02020603050405020304" pitchFamily="18" charset="0"/>
+              </a:rPr>
+              <a:t> versão do Python, </a:t>
+            </a:r>
+            <a:r>
+              <a:rPr lang="pt-BR" sz="2000" b="1" dirty="0">
+                <a:solidFill>
+                  <a:srgbClr val="0070C0"/>
+                </a:solidFill>
+                <a:latin typeface="Times New Roman" panose="02020603050405020304" pitchFamily="18" charset="0"/>
+                <a:cs typeface="Times New Roman" panose="02020603050405020304" pitchFamily="18" charset="0"/>
+                <a:hlinkClick r:id="rId3">
+                  <a:extLst>
+                    <a:ext uri="{A12FA001-AC4F-418D-AE19-62706E023703}">
+                      <ahyp:hlinkClr xmlns:ahyp="http://schemas.microsoft.com/office/drawing/2018/hyperlinkcolor" val="tx"/>
+                    </a:ext>
+                  </a:extLst>
+                </a:hlinkClick>
+              </a:rPr>
+              <a:t>www.python.org</a:t>
+            </a:r>
+            <a:r>
+              <a:rPr lang="pt-BR" sz="2000" b="1" dirty="0">
+                <a:latin typeface="Times New Roman" panose="02020603050405020304" pitchFamily="18" charset="0"/>
+                <a:cs typeface="Times New Roman" panose="02020603050405020304" pitchFamily="18" charset="0"/>
+              </a:rPr>
+              <a:t> )</a:t>
+            </a:r>
+          </a:p>
+          <a:p>
+            <a:pPr marL="1076325" lvl="1" indent="-457200" algn="just">
+              <a:buAutoNum type="arabicPeriod"/>
+            </a:pPr>
+            <a:r>
+              <a:rPr lang="pt-BR" sz="2000" b="1" dirty="0" err="1">
+                <a:solidFill>
+                  <a:srgbClr val="0070C0"/>
+                </a:solidFill>
+                <a:latin typeface="Times New Roman" panose="02020603050405020304" pitchFamily="18" charset="0"/>
+                <a:cs typeface="Times New Roman" panose="02020603050405020304" pitchFamily="18" charset="0"/>
+              </a:rPr>
+              <a:t>pip</a:t>
+            </a:r>
+            <a:r>
+              <a:rPr lang="pt-BR" sz="2000" b="1" dirty="0">
+                <a:solidFill>
+                  <a:srgbClr val="0070C0"/>
+                </a:solidFill>
+                <a:latin typeface="Times New Roman" panose="02020603050405020304" pitchFamily="18" charset="0"/>
+                <a:cs typeface="Times New Roman" panose="02020603050405020304" pitchFamily="18" charset="0"/>
+              </a:rPr>
+              <a:t> </a:t>
+            </a:r>
+            <a:r>
+              <a:rPr lang="pt-BR" sz="2000" b="1" dirty="0" err="1">
+                <a:solidFill>
+                  <a:srgbClr val="0070C0"/>
+                </a:solidFill>
+                <a:latin typeface="Times New Roman" panose="02020603050405020304" pitchFamily="18" charset="0"/>
+                <a:cs typeface="Times New Roman" panose="02020603050405020304" pitchFamily="18" charset="0"/>
+              </a:rPr>
+              <a:t>install</a:t>
+            </a:r>
+            <a:r>
+              <a:rPr lang="pt-BR" sz="2000" b="1" dirty="0">
+                <a:latin typeface="Times New Roman" panose="02020603050405020304" pitchFamily="18" charset="0"/>
+                <a:cs typeface="Times New Roman" panose="02020603050405020304" pitchFamily="18" charset="0"/>
+              </a:rPr>
+              <a:t> </a:t>
+            </a:r>
+            <a:r>
+              <a:rPr lang="pt-BR" sz="2000" b="1" dirty="0" err="1">
+                <a:solidFill>
+                  <a:srgbClr val="FF0000"/>
+                </a:solidFill>
+                <a:latin typeface="Times New Roman" panose="02020603050405020304" pitchFamily="18" charset="0"/>
+                <a:cs typeface="Times New Roman" panose="02020603050405020304" pitchFamily="18" charset="0"/>
+              </a:rPr>
+              <a:t>mysql</a:t>
+            </a:r>
+            <a:r>
+              <a:rPr lang="pt-BR" sz="2000" b="1" dirty="0">
+                <a:solidFill>
+                  <a:srgbClr val="FF0000"/>
+                </a:solidFill>
+                <a:latin typeface="Times New Roman" panose="02020603050405020304" pitchFamily="18" charset="0"/>
+                <a:cs typeface="Times New Roman" panose="02020603050405020304" pitchFamily="18" charset="0"/>
+              </a:rPr>
+              <a:t>-conector-</a:t>
+            </a:r>
+            <a:r>
+              <a:rPr lang="pt-BR" sz="2000" b="1" dirty="0" err="1">
+                <a:solidFill>
+                  <a:srgbClr val="FF0000"/>
+                </a:solidFill>
+                <a:latin typeface="Times New Roman" panose="02020603050405020304" pitchFamily="18" charset="0"/>
+                <a:cs typeface="Times New Roman" panose="02020603050405020304" pitchFamily="18" charset="0"/>
+              </a:rPr>
+              <a:t>python</a:t>
+            </a:r>
+            <a:r>
+              <a:rPr lang="pt-BR" sz="2000" b="1" dirty="0">
+                <a:solidFill>
+                  <a:srgbClr val="FF0000"/>
+                </a:solidFill>
+                <a:latin typeface="Times New Roman" panose="02020603050405020304" pitchFamily="18" charset="0"/>
+                <a:cs typeface="Times New Roman" panose="02020603050405020304" pitchFamily="18" charset="0"/>
+              </a:rPr>
+              <a:t>  	OU</a:t>
+            </a:r>
+          </a:p>
+          <a:p>
+            <a:pPr marL="457200" indent="-457200" algn="just">
+              <a:buAutoNum type="arabicPeriod"/>
+            </a:pPr>
+            <a:r>
+              <a:rPr lang="pt-BR" sz="2000" b="1" dirty="0">
+                <a:latin typeface="Times New Roman" panose="02020603050405020304" pitchFamily="18" charset="0"/>
+                <a:cs typeface="Times New Roman" panose="02020603050405020304" pitchFamily="18" charset="0"/>
+              </a:rPr>
+              <a:t>Instalar no </a:t>
+            </a:r>
+            <a:r>
+              <a:rPr lang="pt-BR" sz="2000" b="1" dirty="0" err="1">
+                <a:latin typeface="Times New Roman" panose="02020603050405020304" pitchFamily="18" charset="0"/>
+                <a:cs typeface="Times New Roman" panose="02020603050405020304" pitchFamily="18" charset="0"/>
+              </a:rPr>
+              <a:t>VSCode</a:t>
+            </a:r>
+            <a:endParaRPr lang="pt-BR" sz="2000" b="1" dirty="0">
+              <a:latin typeface="Times New Roman" panose="02020603050405020304" pitchFamily="18" charset="0"/>
+              <a:cs typeface="Times New Roman" panose="02020603050405020304" pitchFamily="18" charset="0"/>
+            </a:endParaRPr>
+          </a:p>
+          <a:p>
+            <a:pPr marL="1076325" lvl="1" indent="-457200" algn="just">
+              <a:buAutoNum type="arabicPeriod"/>
+            </a:pPr>
+            <a:r>
+              <a:rPr lang="pt-BR" sz="2000" b="1" dirty="0">
+                <a:solidFill>
+                  <a:srgbClr val="FF0000"/>
+                </a:solidFill>
+                <a:latin typeface="Times New Roman" panose="02020603050405020304" pitchFamily="18" charset="0"/>
+                <a:cs typeface="Times New Roman" panose="02020603050405020304" pitchFamily="18" charset="0"/>
+              </a:rPr>
+              <a:t>Extensão </a:t>
+            </a:r>
+            <a:r>
+              <a:rPr lang="pt-BR" sz="2000" b="1" dirty="0" err="1">
+                <a:solidFill>
+                  <a:srgbClr val="FF0000"/>
+                </a:solidFill>
+                <a:latin typeface="Times New Roman" panose="02020603050405020304" pitchFamily="18" charset="0"/>
+                <a:cs typeface="Times New Roman" panose="02020603050405020304" pitchFamily="18" charset="0"/>
+              </a:rPr>
+              <a:t>SQLTolls</a:t>
+            </a:r>
+            <a:r>
+              <a:rPr lang="pt-BR" sz="2000" b="1" dirty="0">
+                <a:solidFill>
+                  <a:srgbClr val="FF0000"/>
+                </a:solidFill>
+                <a:latin typeface="Times New Roman" panose="02020603050405020304" pitchFamily="18" charset="0"/>
+                <a:cs typeface="Times New Roman" panose="02020603050405020304" pitchFamily="18" charset="0"/>
+              </a:rPr>
+              <a:t>; Python </a:t>
+            </a:r>
+            <a:r>
+              <a:rPr lang="pt-BR" sz="2000" b="1" dirty="0" err="1">
+                <a:solidFill>
+                  <a:srgbClr val="FF0000"/>
+                </a:solidFill>
+                <a:latin typeface="Times New Roman" panose="02020603050405020304" pitchFamily="18" charset="0"/>
+                <a:cs typeface="Times New Roman" panose="02020603050405020304" pitchFamily="18" charset="0"/>
+              </a:rPr>
+              <a:t>IntelliSense</a:t>
+            </a:r>
+            <a:r>
+              <a:rPr lang="pt-BR" sz="2000" b="1" dirty="0">
+                <a:solidFill>
+                  <a:srgbClr val="FF0000"/>
+                </a:solidFill>
+                <a:latin typeface="Times New Roman" panose="02020603050405020304" pitchFamily="18" charset="0"/>
+                <a:cs typeface="Times New Roman" panose="02020603050405020304" pitchFamily="18" charset="0"/>
+              </a:rPr>
+              <a:t>; Python for </a:t>
+            </a:r>
+            <a:r>
+              <a:rPr lang="pt-BR" sz="2000" b="1" dirty="0" err="1">
+                <a:solidFill>
+                  <a:srgbClr val="FF0000"/>
+                </a:solidFill>
+                <a:latin typeface="Times New Roman" panose="02020603050405020304" pitchFamily="18" charset="0"/>
+                <a:cs typeface="Times New Roman" panose="02020603050405020304" pitchFamily="18" charset="0"/>
+              </a:rPr>
+              <a:t>VSCode</a:t>
+            </a:r>
+            <a:endParaRPr lang="pt-BR" sz="2000" b="1" dirty="0">
+              <a:solidFill>
+                <a:srgbClr val="FF0000"/>
+              </a:solidFill>
+              <a:latin typeface="Times New Roman" panose="02020603050405020304" pitchFamily="18" charset="0"/>
+              <a:cs typeface="Times New Roman" panose="02020603050405020304" pitchFamily="18" charset="0"/>
+            </a:endParaRPr>
+          </a:p>
+          <a:p>
+            <a:pPr marL="1076325" lvl="1" indent="-457200" algn="just">
+              <a:buAutoNum type="arabicPeriod"/>
+            </a:pPr>
+            <a:r>
+              <a:rPr lang="pt-BR" sz="2000" b="1" dirty="0">
+                <a:solidFill>
+                  <a:srgbClr val="FF0000"/>
+                </a:solidFill>
+                <a:latin typeface="Times New Roman" panose="02020603050405020304" pitchFamily="18" charset="0"/>
+                <a:cs typeface="Times New Roman" panose="02020603050405020304" pitchFamily="18" charset="0"/>
+              </a:rPr>
+              <a:t>No arquivo </a:t>
+            </a:r>
+            <a:r>
+              <a:rPr lang="pt-BR" sz="2000" b="1" dirty="0" err="1">
+                <a:solidFill>
+                  <a:srgbClr val="FF0000"/>
+                </a:solidFill>
+                <a:latin typeface="Times New Roman" panose="02020603050405020304" pitchFamily="18" charset="0"/>
+                <a:cs typeface="Times New Roman" panose="02020603050405020304" pitchFamily="18" charset="0"/>
+              </a:rPr>
+              <a:t>settings.json</a:t>
+            </a:r>
+            <a:r>
+              <a:rPr lang="pt-BR" sz="2000" b="1" dirty="0">
+                <a:solidFill>
+                  <a:srgbClr val="FF0000"/>
+                </a:solidFill>
+                <a:latin typeface="Times New Roman" panose="02020603050405020304" pitchFamily="18" charset="0"/>
+                <a:cs typeface="Times New Roman" panose="02020603050405020304" pitchFamily="18" charset="0"/>
+              </a:rPr>
+              <a:t> (Incluir)</a:t>
+            </a:r>
+          </a:p>
+          <a:p>
+            <a:pPr marL="1520190" lvl="2" indent="-457200" algn="just">
+              <a:buAutoNum type="arabicPeriod"/>
+            </a:pPr>
+            <a:r>
+              <a:rPr lang="pt-BR" sz="2000" b="1" dirty="0">
+                <a:solidFill>
+                  <a:schemeClr val="tx1"/>
+                </a:solidFill>
+                <a:latin typeface="Times New Roman" panose="02020603050405020304" pitchFamily="18" charset="0"/>
+                <a:cs typeface="Times New Roman" panose="02020603050405020304" pitchFamily="18" charset="0"/>
+              </a:rPr>
+              <a:t>, "</a:t>
+            </a:r>
+            <a:r>
+              <a:rPr lang="pt-BR" sz="2000" b="1" dirty="0" err="1">
+                <a:solidFill>
+                  <a:schemeClr val="tx1"/>
+                </a:solidFill>
+                <a:latin typeface="Times New Roman" panose="02020603050405020304" pitchFamily="18" charset="0"/>
+                <a:cs typeface="Times New Roman" panose="02020603050405020304" pitchFamily="18" charset="0"/>
+              </a:rPr>
+              <a:t>python.pythonPath</a:t>
+            </a:r>
+            <a:r>
+              <a:rPr lang="pt-BR" sz="2000" b="1" dirty="0">
+                <a:solidFill>
+                  <a:schemeClr val="tx1"/>
+                </a:solidFill>
+                <a:latin typeface="Times New Roman" panose="02020603050405020304" pitchFamily="18" charset="0"/>
+                <a:cs typeface="Times New Roman" panose="02020603050405020304" pitchFamily="18" charset="0"/>
+              </a:rPr>
+              <a:t>": "C:\\Program Files (x86)\\Microsoft Visual Studio\\</a:t>
+            </a:r>
+            <a:r>
+              <a:rPr lang="pt-BR" sz="2000" b="1" dirty="0" err="1">
+                <a:solidFill>
+                  <a:schemeClr val="tx1"/>
+                </a:solidFill>
+                <a:latin typeface="Times New Roman" panose="02020603050405020304" pitchFamily="18" charset="0"/>
+                <a:cs typeface="Times New Roman" panose="02020603050405020304" pitchFamily="18" charset="0"/>
+              </a:rPr>
+              <a:t>Shared</a:t>
+            </a:r>
+            <a:r>
+              <a:rPr lang="pt-BR" sz="2000" b="1" dirty="0">
+                <a:solidFill>
+                  <a:schemeClr val="tx1"/>
+                </a:solidFill>
+                <a:latin typeface="Times New Roman" panose="02020603050405020304" pitchFamily="18" charset="0"/>
+                <a:cs typeface="Times New Roman" panose="02020603050405020304" pitchFamily="18" charset="0"/>
+              </a:rPr>
+              <a:t>\\Python37_64\\python.exe"</a:t>
+            </a:r>
+          </a:p>
+          <a:p>
+            <a:pPr marL="1520190" lvl="2" indent="-457200" algn="just">
+              <a:buAutoNum type="arabicPeriod"/>
             </a:pPr>
             <a:endParaRPr lang="pt-BR" sz="2000" b="1" dirty="0">
               <a:solidFill>
@@ -7355,393 +8216,6 @@
               <a:latin typeface="Times New Roman" panose="02020603050405020304" pitchFamily="18" charset="0"/>
               <a:cs typeface="Times New Roman" panose="02020603050405020304" pitchFamily="18" charset="0"/>
             </a:endParaRPr>
-          </a:p>
-          <a:p>
-            <a:pPr marL="0" indent="0" algn="just">
-              <a:buNone/>
-            </a:pPr>
-            <a:r>
-              <a:rPr lang="pt-BR" sz="2000" b="1" dirty="0" err="1">
-                <a:solidFill>
-                  <a:schemeClr val="tx1"/>
-                </a:solidFill>
-                <a:latin typeface="Times New Roman" panose="02020603050405020304" pitchFamily="18" charset="0"/>
-                <a:cs typeface="Times New Roman" panose="02020603050405020304" pitchFamily="18" charset="0"/>
-              </a:rPr>
-              <a:t>import</a:t>
-            </a:r>
-            <a:r>
-              <a:rPr lang="pt-BR" sz="2000" dirty="0">
-                <a:solidFill>
-                  <a:schemeClr val="tx1"/>
-                </a:solidFill>
-                <a:latin typeface="Times New Roman" panose="02020603050405020304" pitchFamily="18" charset="0"/>
-                <a:cs typeface="Times New Roman" panose="02020603050405020304" pitchFamily="18" charset="0"/>
-              </a:rPr>
-              <a:t> </a:t>
-            </a:r>
-            <a:r>
-              <a:rPr lang="pt-BR" sz="2000" b="1" dirty="0" err="1">
-                <a:solidFill>
-                  <a:srgbClr val="FF0000"/>
-                </a:solidFill>
-                <a:latin typeface="Times New Roman" panose="02020603050405020304" pitchFamily="18" charset="0"/>
-                <a:cs typeface="Times New Roman" panose="02020603050405020304" pitchFamily="18" charset="0"/>
-              </a:rPr>
-              <a:t>mysql.connector</a:t>
-            </a:r>
-            <a:endParaRPr lang="pt-BR" sz="2000" b="1" dirty="0">
-              <a:solidFill>
-                <a:srgbClr val="FF0000"/>
-              </a:solidFill>
-              <a:latin typeface="Times New Roman" panose="02020603050405020304" pitchFamily="18" charset="0"/>
-              <a:cs typeface="Times New Roman" panose="02020603050405020304" pitchFamily="18" charset="0"/>
-            </a:endParaRPr>
-          </a:p>
-          <a:p>
-            <a:pPr marL="0" indent="0" algn="just">
-              <a:buNone/>
-            </a:pPr>
-            <a:r>
-              <a:rPr lang="pt-BR" sz="2000" dirty="0">
-                <a:solidFill>
-                  <a:schemeClr val="tx1"/>
-                </a:solidFill>
-                <a:latin typeface="Times New Roman" panose="02020603050405020304" pitchFamily="18" charset="0"/>
-                <a:cs typeface="Times New Roman" panose="02020603050405020304" pitchFamily="18" charset="0"/>
-              </a:rPr>
-              <a:t># Objeto de conexão</a:t>
-            </a:r>
-          </a:p>
-          <a:p>
-            <a:pPr marL="0" indent="0" algn="just">
-              <a:buNone/>
-            </a:pPr>
-            <a:r>
-              <a:rPr lang="pt-BR" sz="2000" dirty="0" err="1">
-                <a:solidFill>
-                  <a:schemeClr val="tx1"/>
-                </a:solidFill>
-                <a:latin typeface="Times New Roman" panose="02020603050405020304" pitchFamily="18" charset="0"/>
-                <a:cs typeface="Times New Roman" panose="02020603050405020304" pitchFamily="18" charset="0"/>
-              </a:rPr>
-              <a:t>conn</a:t>
-            </a:r>
-            <a:r>
-              <a:rPr lang="pt-BR" sz="2000" dirty="0">
-                <a:solidFill>
-                  <a:schemeClr val="tx1"/>
-                </a:solidFill>
-                <a:latin typeface="Times New Roman" panose="02020603050405020304" pitchFamily="18" charset="0"/>
-                <a:cs typeface="Times New Roman" panose="02020603050405020304" pitchFamily="18" charset="0"/>
-              </a:rPr>
-              <a:t> = </a:t>
-            </a:r>
-            <a:r>
-              <a:rPr lang="pt-BR" sz="2000" b="1" dirty="0" err="1">
-                <a:solidFill>
-                  <a:srgbClr val="FF0000"/>
-                </a:solidFill>
-                <a:latin typeface="Times New Roman" panose="02020603050405020304" pitchFamily="18" charset="0"/>
-                <a:cs typeface="Times New Roman" panose="02020603050405020304" pitchFamily="18" charset="0"/>
-              </a:rPr>
-              <a:t>mysql.connector.connect</a:t>
-            </a:r>
-            <a:r>
-              <a:rPr lang="pt-BR" sz="2000" dirty="0">
-                <a:solidFill>
-                  <a:schemeClr val="tx1"/>
-                </a:solidFill>
-                <a:latin typeface="Times New Roman" panose="02020603050405020304" pitchFamily="18" charset="0"/>
-                <a:cs typeface="Times New Roman" panose="02020603050405020304" pitchFamily="18" charset="0"/>
-              </a:rPr>
-              <a:t>(</a:t>
-            </a:r>
-          </a:p>
-          <a:p>
-            <a:pPr marL="0" indent="0" algn="just">
-              <a:buNone/>
-            </a:pPr>
-            <a:r>
-              <a:rPr lang="pt-BR" sz="2000" dirty="0">
-                <a:solidFill>
-                  <a:schemeClr val="tx1"/>
-                </a:solidFill>
-                <a:latin typeface="Times New Roman" panose="02020603050405020304" pitchFamily="18" charset="0"/>
-                <a:cs typeface="Times New Roman" panose="02020603050405020304" pitchFamily="18" charset="0"/>
-              </a:rPr>
-              <a:t>    </a:t>
-            </a:r>
-            <a:r>
-              <a:rPr lang="pt-BR" sz="2000" b="1" dirty="0">
-                <a:solidFill>
-                  <a:schemeClr val="tx1"/>
-                </a:solidFill>
-                <a:latin typeface="Times New Roman" panose="02020603050405020304" pitchFamily="18" charset="0"/>
-                <a:cs typeface="Times New Roman" panose="02020603050405020304" pitchFamily="18" charset="0"/>
-              </a:rPr>
-              <a:t>host</a:t>
-            </a:r>
-            <a:r>
-              <a:rPr lang="pt-BR" sz="2000" dirty="0">
-                <a:solidFill>
-                  <a:schemeClr val="tx1"/>
-                </a:solidFill>
-                <a:latin typeface="Times New Roman" panose="02020603050405020304" pitchFamily="18" charset="0"/>
-                <a:cs typeface="Times New Roman" panose="02020603050405020304" pitchFamily="18" charset="0"/>
-              </a:rPr>
-              <a:t>="</a:t>
-            </a:r>
-            <a:r>
-              <a:rPr lang="pt-BR" sz="2000" dirty="0" err="1">
-                <a:solidFill>
-                  <a:schemeClr val="tx1"/>
-                </a:solidFill>
-                <a:latin typeface="Times New Roman" panose="02020603050405020304" pitchFamily="18" charset="0"/>
-                <a:cs typeface="Times New Roman" panose="02020603050405020304" pitchFamily="18" charset="0"/>
-              </a:rPr>
-              <a:t>localhost</a:t>
-            </a:r>
-            <a:r>
-              <a:rPr lang="pt-BR" sz="2000" dirty="0">
-                <a:solidFill>
-                  <a:schemeClr val="tx1"/>
-                </a:solidFill>
-                <a:latin typeface="Times New Roman" panose="02020603050405020304" pitchFamily="18" charset="0"/>
-                <a:cs typeface="Times New Roman" panose="02020603050405020304" pitchFamily="18" charset="0"/>
-              </a:rPr>
-              <a:t>", </a:t>
-            </a:r>
-            <a:r>
-              <a:rPr lang="pt-BR" sz="2000" b="1" dirty="0" err="1">
-                <a:solidFill>
-                  <a:schemeClr val="tx1"/>
-                </a:solidFill>
-                <a:latin typeface="Times New Roman" panose="02020603050405020304" pitchFamily="18" charset="0"/>
-                <a:cs typeface="Times New Roman" panose="02020603050405020304" pitchFamily="18" charset="0"/>
-              </a:rPr>
-              <a:t>database</a:t>
-            </a:r>
-            <a:r>
-              <a:rPr lang="pt-BR" sz="2000" dirty="0">
-                <a:solidFill>
-                  <a:schemeClr val="tx1"/>
-                </a:solidFill>
-                <a:latin typeface="Times New Roman" panose="02020603050405020304" pitchFamily="18" charset="0"/>
-                <a:cs typeface="Times New Roman" panose="02020603050405020304" pitchFamily="18" charset="0"/>
-              </a:rPr>
-              <a:t>="</a:t>
-            </a:r>
-            <a:r>
-              <a:rPr lang="pt-BR" sz="2000" dirty="0" err="1">
-                <a:solidFill>
-                  <a:schemeClr val="tx1"/>
-                </a:solidFill>
-                <a:latin typeface="Times New Roman" panose="02020603050405020304" pitchFamily="18" charset="0"/>
-                <a:cs typeface="Times New Roman" panose="02020603050405020304" pitchFamily="18" charset="0"/>
-              </a:rPr>
-              <a:t>coursejdbc</a:t>
-            </a:r>
-            <a:r>
-              <a:rPr lang="pt-BR" sz="2000" dirty="0">
-                <a:solidFill>
-                  <a:schemeClr val="tx1"/>
-                </a:solidFill>
-                <a:latin typeface="Times New Roman" panose="02020603050405020304" pitchFamily="18" charset="0"/>
-                <a:cs typeface="Times New Roman" panose="02020603050405020304" pitchFamily="18" charset="0"/>
-              </a:rPr>
-              <a:t>", </a:t>
-            </a:r>
-            <a:r>
-              <a:rPr lang="pt-BR" sz="2000" b="1" dirty="0" err="1">
-                <a:solidFill>
-                  <a:schemeClr val="tx1"/>
-                </a:solidFill>
-                <a:latin typeface="Times New Roman" panose="02020603050405020304" pitchFamily="18" charset="0"/>
-                <a:cs typeface="Times New Roman" panose="02020603050405020304" pitchFamily="18" charset="0"/>
-              </a:rPr>
-              <a:t>user</a:t>
-            </a:r>
-            <a:r>
-              <a:rPr lang="pt-BR" sz="2000" dirty="0">
-                <a:solidFill>
-                  <a:schemeClr val="tx1"/>
-                </a:solidFill>
-                <a:latin typeface="Times New Roman" panose="02020603050405020304" pitchFamily="18" charset="0"/>
-                <a:cs typeface="Times New Roman" panose="02020603050405020304" pitchFamily="18" charset="0"/>
-              </a:rPr>
-              <a:t>="</a:t>
-            </a:r>
-            <a:r>
-              <a:rPr lang="pt-BR" sz="2000" dirty="0" err="1">
-                <a:solidFill>
-                  <a:schemeClr val="tx1"/>
-                </a:solidFill>
-                <a:latin typeface="Times New Roman" panose="02020603050405020304" pitchFamily="18" charset="0"/>
-                <a:cs typeface="Times New Roman" panose="02020603050405020304" pitchFamily="18" charset="0"/>
-              </a:rPr>
-              <a:t>developer</a:t>
-            </a:r>
-            <a:r>
-              <a:rPr lang="pt-BR" sz="2000" dirty="0">
-                <a:solidFill>
-                  <a:schemeClr val="tx1"/>
-                </a:solidFill>
-                <a:latin typeface="Times New Roman" panose="02020603050405020304" pitchFamily="18" charset="0"/>
-                <a:cs typeface="Times New Roman" panose="02020603050405020304" pitchFamily="18" charset="0"/>
-              </a:rPr>
-              <a:t>", </a:t>
-            </a:r>
-            <a:r>
-              <a:rPr lang="pt-BR" sz="2000" b="1" dirty="0" err="1">
-                <a:solidFill>
-                  <a:schemeClr val="tx1"/>
-                </a:solidFill>
-                <a:latin typeface="Times New Roman" panose="02020603050405020304" pitchFamily="18" charset="0"/>
-                <a:cs typeface="Times New Roman" panose="02020603050405020304" pitchFamily="18" charset="0"/>
-              </a:rPr>
-              <a:t>password</a:t>
-            </a:r>
-            <a:r>
-              <a:rPr lang="pt-BR" sz="2000" dirty="0">
-                <a:solidFill>
-                  <a:schemeClr val="tx1"/>
-                </a:solidFill>
-                <a:latin typeface="Times New Roman" panose="02020603050405020304" pitchFamily="18" charset="0"/>
-                <a:cs typeface="Times New Roman" panose="02020603050405020304" pitchFamily="18" charset="0"/>
-              </a:rPr>
-              <a:t>="12")</a:t>
-            </a:r>
-          </a:p>
-          <a:p>
-            <a:pPr marL="0" indent="0" algn="just">
-              <a:buNone/>
-            </a:pPr>
-            <a:r>
-              <a:rPr lang="pt-BR" sz="2000" b="1" dirty="0" err="1">
-                <a:solidFill>
-                  <a:schemeClr val="tx1"/>
-                </a:solidFill>
-                <a:latin typeface="Times New Roman" panose="02020603050405020304" pitchFamily="18" charset="0"/>
-                <a:cs typeface="Times New Roman" panose="02020603050405020304" pitchFamily="18" charset="0"/>
-              </a:rPr>
-              <a:t>if</a:t>
-            </a:r>
-            <a:r>
-              <a:rPr lang="pt-BR" sz="2000" dirty="0">
-                <a:solidFill>
-                  <a:schemeClr val="tx1"/>
-                </a:solidFill>
-                <a:latin typeface="Times New Roman" panose="02020603050405020304" pitchFamily="18" charset="0"/>
-                <a:cs typeface="Times New Roman" panose="02020603050405020304" pitchFamily="18" charset="0"/>
-              </a:rPr>
-              <a:t> </a:t>
-            </a:r>
-            <a:r>
-              <a:rPr lang="pt-BR" sz="2000" dirty="0" err="1">
-                <a:solidFill>
-                  <a:schemeClr val="tx1"/>
-                </a:solidFill>
-                <a:latin typeface="Times New Roman" panose="02020603050405020304" pitchFamily="18" charset="0"/>
-                <a:cs typeface="Times New Roman" panose="02020603050405020304" pitchFamily="18" charset="0"/>
-              </a:rPr>
-              <a:t>conn.</a:t>
-            </a:r>
-            <a:r>
-              <a:rPr lang="pt-BR" sz="2000" b="1" dirty="0" err="1">
-                <a:solidFill>
-                  <a:srgbClr val="FF0000"/>
-                </a:solidFill>
-                <a:latin typeface="Times New Roman" panose="02020603050405020304" pitchFamily="18" charset="0"/>
-                <a:cs typeface="Times New Roman" panose="02020603050405020304" pitchFamily="18" charset="0"/>
-              </a:rPr>
-              <a:t>is_connected</a:t>
-            </a:r>
-            <a:r>
-              <a:rPr lang="pt-BR" sz="2000" dirty="0">
-                <a:solidFill>
-                  <a:schemeClr val="tx1"/>
-                </a:solidFill>
-                <a:latin typeface="Times New Roman" panose="02020603050405020304" pitchFamily="18" charset="0"/>
-                <a:cs typeface="Times New Roman" panose="02020603050405020304" pitchFamily="18" charset="0"/>
-              </a:rPr>
-              <a:t>():</a:t>
-            </a:r>
-          </a:p>
-          <a:p>
-            <a:pPr marL="0" indent="0" algn="just">
-              <a:buNone/>
-            </a:pPr>
-            <a:r>
-              <a:rPr lang="pt-BR" sz="2000" dirty="0">
-                <a:solidFill>
-                  <a:schemeClr val="tx1"/>
-                </a:solidFill>
-                <a:latin typeface="Times New Roman" panose="02020603050405020304" pitchFamily="18" charset="0"/>
-                <a:cs typeface="Times New Roman" panose="02020603050405020304" pitchFamily="18" charset="0"/>
-              </a:rPr>
-              <a:t>    </a:t>
-            </a:r>
-            <a:r>
-              <a:rPr lang="pt-BR" sz="2000" b="1" dirty="0">
-                <a:solidFill>
-                  <a:schemeClr val="tx1"/>
-                </a:solidFill>
-                <a:latin typeface="Times New Roman" panose="02020603050405020304" pitchFamily="18" charset="0"/>
-                <a:cs typeface="Times New Roman" panose="02020603050405020304" pitchFamily="18" charset="0"/>
-              </a:rPr>
-              <a:t>print</a:t>
-            </a:r>
-            <a:r>
-              <a:rPr lang="pt-BR" sz="2000" dirty="0">
-                <a:solidFill>
-                  <a:schemeClr val="tx1"/>
-                </a:solidFill>
-                <a:latin typeface="Times New Roman" panose="02020603050405020304" pitchFamily="18" charset="0"/>
-                <a:cs typeface="Times New Roman" panose="02020603050405020304" pitchFamily="18" charset="0"/>
-              </a:rPr>
-              <a:t>("conectado") # print(</a:t>
-            </a:r>
-            <a:r>
-              <a:rPr lang="pt-BR" sz="2000" dirty="0" err="1">
-                <a:solidFill>
-                  <a:schemeClr val="tx1"/>
-                </a:solidFill>
-                <a:latin typeface="Times New Roman" panose="02020603050405020304" pitchFamily="18" charset="0"/>
-                <a:cs typeface="Times New Roman" panose="02020603050405020304" pitchFamily="18" charset="0"/>
-              </a:rPr>
-              <a:t>conn.get_server_info</a:t>
-            </a:r>
-            <a:r>
-              <a:rPr lang="pt-BR" sz="2000" dirty="0">
-                <a:solidFill>
-                  <a:schemeClr val="tx1"/>
-                </a:solidFill>
-                <a:latin typeface="Times New Roman" panose="02020603050405020304" pitchFamily="18" charset="0"/>
-                <a:cs typeface="Times New Roman" panose="02020603050405020304" pitchFamily="18" charset="0"/>
-              </a:rPr>
-              <a:t>()) (</a:t>
-            </a:r>
-            <a:r>
-              <a:rPr lang="pt-BR" sz="2000" b="1" dirty="0">
-                <a:solidFill>
-                  <a:schemeClr val="tx1"/>
-                </a:solidFill>
-                <a:latin typeface="Times New Roman" panose="02020603050405020304" pitchFamily="18" charset="0"/>
-                <a:cs typeface="Times New Roman" panose="02020603050405020304" pitchFamily="18" charset="0"/>
-              </a:rPr>
-              <a:t>versão</a:t>
-            </a:r>
-            <a:r>
-              <a:rPr lang="pt-BR" sz="2000" dirty="0">
-                <a:solidFill>
-                  <a:schemeClr val="tx1"/>
-                </a:solidFill>
-                <a:latin typeface="Times New Roman" panose="02020603050405020304" pitchFamily="18" charset="0"/>
-                <a:cs typeface="Times New Roman" panose="02020603050405020304" pitchFamily="18" charset="0"/>
-              </a:rPr>
-              <a:t>)</a:t>
-            </a:r>
           </a:p>
         </p:txBody>
       </p:sp>
@@ -7805,8 +8279,21 @@
                   <a:srgbClr val="0070C0"/>
                 </a:solidFill>
               </a:rPr>
-              <a:t>Python – BANCO DE DADOS - SELECT</a:t>
-            </a:r>
+              <a:t>Python – BANCO DE DADOS - </a:t>
+            </a:r>
+            <a:r>
+              <a:rPr lang="en-US" b="1" dirty="0" err="1">
+                <a:solidFill>
+                  <a:srgbClr val="0070C0"/>
+                </a:solidFill>
+              </a:rPr>
+              <a:t>Conexão</a:t>
+            </a:r>
+            <a:endParaRPr lang="en-US" b="1" dirty="0">
+              <a:solidFill>
+                <a:srgbClr val="0070C0"/>
+              </a:solidFill>
+            </a:endParaRPr>
           </a:p>
         </p:txBody>
       </p:sp>
@@ -7836,196 +8323,48 @@
               <a:buNone/>
             </a:pPr>
             <a:r>
-              <a:rPr lang="pt-BR" sz="2000" dirty="0">
-                <a:solidFill>
-                  <a:schemeClr val="tx1"/>
-                </a:solidFill>
-                <a:latin typeface="Times New Roman" panose="02020603050405020304" pitchFamily="18" charset="0"/>
-                <a:cs typeface="Times New Roman" panose="02020603050405020304" pitchFamily="18" charset="0"/>
-              </a:rPr>
-              <a:t>cursor = </a:t>
-            </a:r>
-            <a:r>
-              <a:rPr lang="pt-BR" sz="2000" dirty="0" err="1">
-                <a:solidFill>
-                  <a:schemeClr val="tx1"/>
-                </a:solidFill>
-                <a:latin typeface="Times New Roman" panose="02020603050405020304" pitchFamily="18" charset="0"/>
-                <a:cs typeface="Times New Roman" panose="02020603050405020304" pitchFamily="18" charset="0"/>
-              </a:rPr>
-              <a:t>conn.</a:t>
-            </a:r>
-            <a:r>
-              <a:rPr lang="pt-BR" sz="2000" b="1" dirty="0" err="1">
+              <a:rPr lang="pt-BR" sz="2400" b="1" dirty="0" err="1">
+                <a:solidFill>
+                  <a:schemeClr val="tx1"/>
+                </a:solidFill>
+                <a:latin typeface="Times New Roman" panose="02020603050405020304" pitchFamily="18" charset="0"/>
+                <a:cs typeface="Times New Roman" panose="02020603050405020304" pitchFamily="18" charset="0"/>
+              </a:rPr>
+              <a:t>import</a:t>
+            </a:r>
+            <a:r>
+              <a:rPr lang="pt-BR" sz="2400" dirty="0">
+                <a:solidFill>
+                  <a:schemeClr val="tx1"/>
+                </a:solidFill>
+                <a:latin typeface="Times New Roman" panose="02020603050405020304" pitchFamily="18" charset="0"/>
+                <a:cs typeface="Times New Roman" panose="02020603050405020304" pitchFamily="18" charset="0"/>
+              </a:rPr>
+              <a:t> </a:t>
+            </a:r>
+            <a:r>
+              <a:rPr lang="pt-BR" sz="2400" b="1" dirty="0" err="1">
                 <a:solidFill>
                   <a:srgbClr val="FF0000"/>
                 </a:solidFill>
                 <a:latin typeface="Times New Roman" panose="02020603050405020304" pitchFamily="18" charset="0"/>
                 <a:cs typeface="Times New Roman" panose="02020603050405020304" pitchFamily="18" charset="0"/>
               </a:rPr>
-              <a:t>cursor</a:t>
-            </a:r>
-            <a:r>
-              <a:rPr lang="pt-BR" sz="2000" dirty="0">
-                <a:solidFill>
-                  <a:schemeClr val="tx1"/>
-                </a:solidFill>
-                <a:latin typeface="Times New Roman" panose="02020603050405020304" pitchFamily="18" charset="0"/>
-                <a:cs typeface="Times New Roman" panose="02020603050405020304" pitchFamily="18" charset="0"/>
-              </a:rPr>
-              <a:t>()</a:t>
-            </a:r>
+              <a:t>mysql.connector</a:t>
+            </a:r>
+            <a:endParaRPr lang="pt-BR" sz="2400" b="1" dirty="0">
+              <a:solidFill>
+                <a:srgbClr val="FF0000"/>
+              </a:solidFill>
+              <a:latin typeface="Times New Roman" panose="02020603050405020304" pitchFamily="18" charset="0"/>
+              <a:cs typeface="Times New Roman" panose="02020603050405020304" pitchFamily="18" charset="0"/>
+            </a:endParaRPr>
           </a:p>
           <a:p>
             <a:pPr marL="0" indent="0" algn="just">
               <a:buNone/>
             </a:pPr>
-            <a:r>
-              <a:rPr lang="pt-BR" sz="2000" dirty="0" err="1">
-                <a:solidFill>
-                  <a:schemeClr val="tx1"/>
-                </a:solidFill>
-                <a:latin typeface="Times New Roman" panose="02020603050405020304" pitchFamily="18" charset="0"/>
-                <a:cs typeface="Times New Roman" panose="02020603050405020304" pitchFamily="18" charset="0"/>
-              </a:rPr>
-              <a:t>cursor.</a:t>
-            </a:r>
-            <a:r>
-              <a:rPr lang="pt-BR" sz="2000" b="1" dirty="0" err="1">
-                <a:solidFill>
-                  <a:schemeClr val="tx1"/>
-                </a:solidFill>
-                <a:latin typeface="Times New Roman" panose="02020603050405020304" pitchFamily="18" charset="0"/>
-                <a:cs typeface="Times New Roman" panose="02020603050405020304" pitchFamily="18" charset="0"/>
-              </a:rPr>
-              <a:t>execute</a:t>
-            </a:r>
-            <a:r>
-              <a:rPr lang="pt-BR" sz="2000" dirty="0">
-                <a:solidFill>
-                  <a:schemeClr val="tx1"/>
-                </a:solidFill>
-                <a:latin typeface="Times New Roman" panose="02020603050405020304" pitchFamily="18" charset="0"/>
-                <a:cs typeface="Times New Roman" panose="02020603050405020304" pitchFamily="18" charset="0"/>
-              </a:rPr>
-              <a:t>("</a:t>
-            </a:r>
-            <a:r>
-              <a:rPr lang="pt-BR" sz="2000" b="1" dirty="0" err="1">
-                <a:solidFill>
-                  <a:schemeClr val="tx1"/>
-                </a:solidFill>
-                <a:latin typeface="Times New Roman" panose="02020603050405020304" pitchFamily="18" charset="0"/>
-                <a:cs typeface="Times New Roman" panose="02020603050405020304" pitchFamily="18" charset="0"/>
-              </a:rPr>
-              <a:t>select</a:t>
-            </a:r>
-            <a:r>
-              <a:rPr lang="pt-BR" sz="2000" dirty="0">
-                <a:solidFill>
-                  <a:schemeClr val="tx1"/>
-                </a:solidFill>
-                <a:latin typeface="Times New Roman" panose="02020603050405020304" pitchFamily="18" charset="0"/>
-                <a:cs typeface="Times New Roman" panose="02020603050405020304" pitchFamily="18" charset="0"/>
-              </a:rPr>
-              <a:t> </a:t>
-            </a:r>
-            <a:r>
-              <a:rPr lang="pt-BR" sz="2000" dirty="0" err="1">
-                <a:solidFill>
-                  <a:schemeClr val="tx1"/>
-                </a:solidFill>
-                <a:latin typeface="Times New Roman" panose="02020603050405020304" pitchFamily="18" charset="0"/>
-                <a:cs typeface="Times New Roman" panose="02020603050405020304" pitchFamily="18" charset="0"/>
-              </a:rPr>
-              <a:t>database</a:t>
-            </a:r>
-            <a:r>
-              <a:rPr lang="pt-BR" sz="2000" dirty="0">
-                <a:solidFill>
-                  <a:schemeClr val="tx1"/>
-                </a:solidFill>
-                <a:latin typeface="Times New Roman" panose="02020603050405020304" pitchFamily="18" charset="0"/>
-                <a:cs typeface="Times New Roman" panose="02020603050405020304" pitchFamily="18" charset="0"/>
-              </a:rPr>
-              <a:t>(); ")</a:t>
-            </a:r>
-          </a:p>
-          <a:p>
-            <a:pPr marL="0" indent="0" algn="just">
-              <a:buNone/>
-            </a:pPr>
-            <a:r>
-              <a:rPr lang="pt-BR" sz="2000" dirty="0">
-                <a:solidFill>
-                  <a:schemeClr val="tx1"/>
-                </a:solidFill>
-                <a:latin typeface="Times New Roman" panose="02020603050405020304" pitchFamily="18" charset="0"/>
-                <a:cs typeface="Times New Roman" panose="02020603050405020304" pitchFamily="18" charset="0"/>
-              </a:rPr>
-              <a:t>linha = </a:t>
-            </a:r>
-            <a:r>
-              <a:rPr lang="pt-BR" sz="2000" dirty="0" err="1">
-                <a:solidFill>
-                  <a:schemeClr val="tx1"/>
-                </a:solidFill>
-                <a:latin typeface="Times New Roman" panose="02020603050405020304" pitchFamily="18" charset="0"/>
-                <a:cs typeface="Times New Roman" panose="02020603050405020304" pitchFamily="18" charset="0"/>
-              </a:rPr>
-              <a:t>cursor.</a:t>
-            </a:r>
-            <a:r>
-              <a:rPr lang="pt-BR" sz="2000" b="1" dirty="0" err="1">
-                <a:solidFill>
-                  <a:srgbClr val="FF0000"/>
-                </a:solidFill>
-                <a:latin typeface="Times New Roman" panose="02020603050405020304" pitchFamily="18" charset="0"/>
-                <a:cs typeface="Times New Roman" panose="02020603050405020304" pitchFamily="18" charset="0"/>
-              </a:rPr>
-              <a:t>fetchone</a:t>
-            </a:r>
-            <a:r>
-              <a:rPr lang="pt-BR" sz="2000" dirty="0">
-                <a:solidFill>
-                  <a:schemeClr val="tx1"/>
-                </a:solidFill>
-                <a:latin typeface="Times New Roman" panose="02020603050405020304" pitchFamily="18" charset="0"/>
-                <a:cs typeface="Times New Roman" panose="02020603050405020304" pitchFamily="18" charset="0"/>
-              </a:rPr>
-              <a:t>()</a:t>
-            </a:r>
-          </a:p>
-          <a:p>
-            <a:pPr marL="0" indent="0" algn="just">
-              <a:buNone/>
-            </a:pPr>
-            <a:r>
-              <a:rPr lang="pt-BR" sz="2000" b="1" dirty="0">
-                <a:solidFill>
-                  <a:schemeClr val="tx1"/>
-                </a:solidFill>
-                <a:latin typeface="Times New Roman" panose="02020603050405020304" pitchFamily="18" charset="0"/>
-                <a:cs typeface="Times New Roman" panose="02020603050405020304" pitchFamily="18" charset="0"/>
-              </a:rPr>
-              <a:t>print</a:t>
-            </a:r>
-            <a:r>
-              <a:rPr lang="pt-BR" sz="2000" dirty="0">
-                <a:solidFill>
-                  <a:schemeClr val="tx1"/>
-                </a:solidFill>
-                <a:latin typeface="Times New Roman" panose="02020603050405020304" pitchFamily="18" charset="0"/>
-                <a:cs typeface="Times New Roman" panose="02020603050405020304" pitchFamily="18" charset="0"/>
-              </a:rPr>
-              <a:t>("conectado ao banco de dados: ", linha)</a:t>
-            </a:r>
-          </a:p>
-          <a:p>
-            <a:pPr marL="0" indent="0" algn="just">
-              <a:buNone/>
-            </a:pPr>
-            <a:endParaRPr lang="pt-BR" sz="2000" dirty="0">
+            <a:endParaRPr lang="pt-BR" sz="2400" dirty="0">
               <a:solidFill>
                 <a:schemeClr val="tx1"/>
               </a:solidFill>
@@ -8038,7 +8377,232 @@
               <a:buNone/>
             </a:pPr>
             <a:r>
-              <a:rPr lang="pt-BR" sz="2000" b="1" dirty="0" err="1">
+              <a:rPr lang="pt-BR" sz="2400" dirty="0">
+                <a:solidFill>
+                  <a:schemeClr val="tx1"/>
+                </a:solidFill>
+                <a:latin typeface="Times New Roman" panose="02020603050405020304" pitchFamily="18" charset="0"/>
+                <a:cs typeface="Times New Roman" panose="02020603050405020304" pitchFamily="18" charset="0"/>
+              </a:rPr>
+              <a:t># </a:t>
+            </a:r>
+            <a:r>
+              <a:rPr lang="pt-BR" sz="2400" b="1" dirty="0">
+                <a:solidFill>
+                  <a:schemeClr val="tx1"/>
+                </a:solidFill>
+                <a:latin typeface="Times New Roman" panose="02020603050405020304" pitchFamily="18" charset="0"/>
+                <a:cs typeface="Times New Roman" panose="02020603050405020304" pitchFamily="18" charset="0"/>
+              </a:rPr>
+              <a:t>Objeto de conexão</a:t>
+            </a:r>
+          </a:p>
+          <a:p>
+            <a:pPr marL="0" indent="0" algn="just">
+              <a:buNone/>
+            </a:pPr>
+            <a:r>
+              <a:rPr lang="pt-BR" sz="2400" dirty="0" err="1">
+                <a:solidFill>
+                  <a:schemeClr val="tx1"/>
+                </a:solidFill>
+                <a:latin typeface="Times New Roman" panose="02020603050405020304" pitchFamily="18" charset="0"/>
+                <a:cs typeface="Times New Roman" panose="02020603050405020304" pitchFamily="18" charset="0"/>
+              </a:rPr>
+              <a:t>conn</a:t>
+            </a:r>
+            <a:r>
+              <a:rPr lang="pt-BR" sz="2400" dirty="0">
+                <a:solidFill>
+                  <a:schemeClr val="tx1"/>
+                </a:solidFill>
+                <a:latin typeface="Times New Roman" panose="02020603050405020304" pitchFamily="18" charset="0"/>
+                <a:cs typeface="Times New Roman" panose="02020603050405020304" pitchFamily="18" charset="0"/>
+              </a:rPr>
+              <a:t> = </a:t>
+            </a:r>
+            <a:r>
+              <a:rPr lang="pt-BR" sz="2400" b="1" dirty="0" err="1">
+                <a:solidFill>
+                  <a:srgbClr val="FF0000"/>
+                </a:solidFill>
+                <a:latin typeface="Times New Roman" panose="02020603050405020304" pitchFamily="18" charset="0"/>
+                <a:cs typeface="Times New Roman" panose="02020603050405020304" pitchFamily="18" charset="0"/>
+              </a:rPr>
+              <a:t>mysql.connector.connect</a:t>
+            </a:r>
+            <a:r>
+              <a:rPr lang="pt-BR" sz="2400" dirty="0">
+                <a:solidFill>
+                  <a:schemeClr val="tx1"/>
+                </a:solidFill>
+                <a:latin typeface="Times New Roman" panose="02020603050405020304" pitchFamily="18" charset="0"/>
+                <a:cs typeface="Times New Roman" panose="02020603050405020304" pitchFamily="18" charset="0"/>
+              </a:rPr>
+              <a:t>(</a:t>
+            </a:r>
+          </a:p>
+          <a:p>
+            <a:pPr marL="0" indent="0" algn="just">
+              <a:buNone/>
+            </a:pPr>
+            <a:r>
+              <a:rPr lang="pt-BR" sz="2400" dirty="0">
+                <a:solidFill>
+                  <a:schemeClr val="tx1"/>
+                </a:solidFill>
+                <a:latin typeface="Times New Roman" panose="02020603050405020304" pitchFamily="18" charset="0"/>
+                <a:cs typeface="Times New Roman" panose="02020603050405020304" pitchFamily="18" charset="0"/>
+              </a:rPr>
+              <a:t>    </a:t>
+            </a:r>
+            <a:r>
+              <a:rPr lang="pt-BR" sz="2400" b="1" dirty="0">
+                <a:solidFill>
+                  <a:schemeClr val="tx1"/>
+                </a:solidFill>
+                <a:latin typeface="Times New Roman" panose="02020603050405020304" pitchFamily="18" charset="0"/>
+                <a:cs typeface="Times New Roman" panose="02020603050405020304" pitchFamily="18" charset="0"/>
+              </a:rPr>
+              <a:t>host</a:t>
+            </a:r>
+            <a:r>
+              <a:rPr lang="pt-BR" sz="2400" dirty="0">
+                <a:solidFill>
+                  <a:schemeClr val="tx1"/>
+                </a:solidFill>
+                <a:latin typeface="Times New Roman" panose="02020603050405020304" pitchFamily="18" charset="0"/>
+                <a:cs typeface="Times New Roman" panose="02020603050405020304" pitchFamily="18" charset="0"/>
+              </a:rPr>
+              <a:t>="</a:t>
+            </a:r>
+            <a:r>
+              <a:rPr lang="pt-BR" sz="2400" dirty="0" err="1">
+                <a:solidFill>
+                  <a:schemeClr val="tx1"/>
+                </a:solidFill>
+                <a:latin typeface="Times New Roman" panose="02020603050405020304" pitchFamily="18" charset="0"/>
+                <a:cs typeface="Times New Roman" panose="02020603050405020304" pitchFamily="18" charset="0"/>
+              </a:rPr>
+              <a:t>localhost</a:t>
+            </a:r>
+            <a:r>
+              <a:rPr lang="pt-BR" sz="2400" dirty="0">
+                <a:solidFill>
+                  <a:schemeClr val="tx1"/>
+                </a:solidFill>
+                <a:latin typeface="Times New Roman" panose="02020603050405020304" pitchFamily="18" charset="0"/>
+                <a:cs typeface="Times New Roman" panose="02020603050405020304" pitchFamily="18" charset="0"/>
+              </a:rPr>
+              <a:t>", </a:t>
+            </a:r>
+            <a:r>
+              <a:rPr lang="pt-BR" sz="2400" b="1" dirty="0" err="1">
+                <a:solidFill>
+                  <a:schemeClr val="tx1"/>
+                </a:solidFill>
+                <a:latin typeface="Times New Roman" panose="02020603050405020304" pitchFamily="18" charset="0"/>
+                <a:cs typeface="Times New Roman" panose="02020603050405020304" pitchFamily="18" charset="0"/>
+              </a:rPr>
+              <a:t>database</a:t>
+            </a:r>
+            <a:r>
+              <a:rPr lang="pt-BR" sz="2400" dirty="0">
+                <a:solidFill>
+                  <a:schemeClr val="tx1"/>
+                </a:solidFill>
+                <a:latin typeface="Times New Roman" panose="02020603050405020304" pitchFamily="18" charset="0"/>
+                <a:cs typeface="Times New Roman" panose="02020603050405020304" pitchFamily="18" charset="0"/>
+              </a:rPr>
+              <a:t>="</a:t>
+            </a:r>
+            <a:r>
+              <a:rPr lang="pt-BR" sz="2400" dirty="0" err="1">
+                <a:solidFill>
+                  <a:schemeClr val="tx1"/>
+                </a:solidFill>
+                <a:latin typeface="Times New Roman" panose="02020603050405020304" pitchFamily="18" charset="0"/>
+                <a:cs typeface="Times New Roman" panose="02020603050405020304" pitchFamily="18" charset="0"/>
+              </a:rPr>
+              <a:t>coursejdbc</a:t>
+            </a:r>
+            <a:r>
+              <a:rPr lang="pt-BR" sz="2400" dirty="0">
+                <a:solidFill>
+                  <a:schemeClr val="tx1"/>
+                </a:solidFill>
+                <a:latin typeface="Times New Roman" panose="02020603050405020304" pitchFamily="18" charset="0"/>
+                <a:cs typeface="Times New Roman" panose="02020603050405020304" pitchFamily="18" charset="0"/>
+              </a:rPr>
+              <a:t>", </a:t>
+            </a:r>
+            <a:r>
+              <a:rPr lang="pt-BR" sz="2400" b="1" dirty="0" err="1">
+                <a:solidFill>
+                  <a:schemeClr val="tx1"/>
+                </a:solidFill>
+                <a:latin typeface="Times New Roman" panose="02020603050405020304" pitchFamily="18" charset="0"/>
+                <a:cs typeface="Times New Roman" panose="02020603050405020304" pitchFamily="18" charset="0"/>
+              </a:rPr>
+              <a:t>user</a:t>
+            </a:r>
+            <a:r>
+              <a:rPr lang="pt-BR" sz="2400" dirty="0">
+                <a:solidFill>
+                  <a:schemeClr val="tx1"/>
+                </a:solidFill>
+                <a:latin typeface="Times New Roman" panose="02020603050405020304" pitchFamily="18" charset="0"/>
+                <a:cs typeface="Times New Roman" panose="02020603050405020304" pitchFamily="18" charset="0"/>
+              </a:rPr>
+              <a:t>="</a:t>
+            </a:r>
+            <a:r>
+              <a:rPr lang="pt-BR" sz="2400" dirty="0" err="1">
+                <a:solidFill>
+                  <a:schemeClr val="tx1"/>
+                </a:solidFill>
+                <a:latin typeface="Times New Roman" panose="02020603050405020304" pitchFamily="18" charset="0"/>
+                <a:cs typeface="Times New Roman" panose="02020603050405020304" pitchFamily="18" charset="0"/>
+              </a:rPr>
+              <a:t>developer</a:t>
+            </a:r>
+            <a:r>
+              <a:rPr lang="pt-BR" sz="2400" dirty="0">
+                <a:solidFill>
+                  <a:schemeClr val="tx1"/>
+                </a:solidFill>
+                <a:latin typeface="Times New Roman" panose="02020603050405020304" pitchFamily="18" charset="0"/>
+                <a:cs typeface="Times New Roman" panose="02020603050405020304" pitchFamily="18" charset="0"/>
+              </a:rPr>
+              <a:t>", </a:t>
+            </a:r>
+            <a:r>
+              <a:rPr lang="pt-BR" sz="2400" b="1" dirty="0" err="1">
+                <a:solidFill>
+                  <a:schemeClr val="tx1"/>
+                </a:solidFill>
+                <a:latin typeface="Times New Roman" panose="02020603050405020304" pitchFamily="18" charset="0"/>
+                <a:cs typeface="Times New Roman" panose="02020603050405020304" pitchFamily="18" charset="0"/>
+              </a:rPr>
+              <a:t>password</a:t>
+            </a:r>
+            <a:r>
+              <a:rPr lang="pt-BR" sz="2400" dirty="0">
+                <a:solidFill>
+                  <a:schemeClr val="tx1"/>
+                </a:solidFill>
+                <a:latin typeface="Times New Roman" panose="02020603050405020304" pitchFamily="18" charset="0"/>
+                <a:cs typeface="Times New Roman" panose="02020603050405020304" pitchFamily="18" charset="0"/>
+              </a:rPr>
+              <a:t>="12")</a:t>
+            </a:r>
+          </a:p>
+          <a:p>
+            <a:pPr marL="0" indent="0" algn="just">
+              <a:buNone/>
+            </a:pPr>
+            <a:r>
+              <a:rPr lang="pt-BR" sz="2400" b="1" dirty="0" err="1">
                 <a:solidFill>
                   <a:schemeClr val="tx1"/>
                 </a:solidFill>
@@ -8048,7 +8612,7 @@
               <a:t>if</a:t>
             </a:r>
             <a:r>
-              <a:rPr lang="pt-BR" sz="2000" b="1" dirty="0">
+              <a:rPr lang="pt-BR" sz="2400" dirty="0">
                 <a:solidFill>
                   <a:schemeClr val="tx1"/>
                 </a:solidFill>
@@ -8058,7 +8622,7 @@
               <a:t> </a:t>
             </a:r>
             <a:r>
-              <a:rPr lang="pt-BR" sz="2000" dirty="0" err="1">
+              <a:rPr lang="pt-BR" sz="2400" dirty="0" err="1">
                 <a:solidFill>
                   <a:schemeClr val="tx1"/>
                 </a:solidFill>
@@ -8068,7 +8632,7 @@
               <a:t>conn.</a:t>
             </a:r>
             <a:r>
-              <a:rPr lang="pt-BR" sz="2000" b="1" dirty="0" err="1">
+              <a:rPr lang="pt-BR" sz="2400" b="1" dirty="0" err="1">
                 <a:solidFill>
                   <a:srgbClr val="FF0000"/>
                 </a:solidFill>
@@ -8078,14 +8642,14 @@
               <a:t>is_connected</a:t>
             </a:r>
             <a:r>
-              <a:rPr lang="pt-BR" sz="2000" dirty="0">
-                <a:solidFill>
-                  <a:schemeClr val="tx1"/>
-                </a:solidFill>
-                <a:latin typeface="Times New Roman" panose="02020603050405020304" pitchFamily="18" charset="0"/>
-                <a:cs typeface="Times New Roman" panose="02020603050405020304" pitchFamily="18" charset="0"/>
-              </a:rPr>
-              <a:t>(): # testando se está conectado</a:t>
+              <a:rPr lang="pt-BR" sz="2400" dirty="0">
+                <a:solidFill>
+                  <a:schemeClr val="tx1"/>
+                </a:solidFill>
+                <a:latin typeface="Times New Roman" panose="02020603050405020304" pitchFamily="18" charset="0"/>
+                <a:cs typeface="Times New Roman" panose="02020603050405020304" pitchFamily="18" charset="0"/>
+              </a:rPr>
+              <a:t>():</a:t>
             </a:r>
           </a:p>
           <a:p>
@@ -8093,7 +8657,7 @@
               <a:buNone/>
             </a:pPr>
             <a:r>
-              <a:rPr lang="pt-BR" sz="2000" dirty="0">
+              <a:rPr lang="pt-BR" sz="2400" dirty="0">
                 <a:solidFill>
                   <a:schemeClr val="tx1"/>
                 </a:solidFill>
@@ -8103,97 +8667,7 @@
               <a:t>    </a:t>
             </a:r>
             <a:r>
-              <a:rPr lang="pt-BR" sz="2000" dirty="0" err="1">
-                <a:solidFill>
-                  <a:schemeClr val="tx1"/>
-                </a:solidFill>
-                <a:latin typeface="Times New Roman" panose="02020603050405020304" pitchFamily="18" charset="0"/>
-                <a:cs typeface="Times New Roman" panose="02020603050405020304" pitchFamily="18" charset="0"/>
-              </a:rPr>
-              <a:t>cursor.</a:t>
-            </a:r>
-            <a:r>
-              <a:rPr lang="pt-BR" sz="2000" b="1" dirty="0" err="1">
-                <a:solidFill>
-                  <a:schemeClr val="tx1"/>
-                </a:solidFill>
-                <a:latin typeface="Times New Roman" panose="02020603050405020304" pitchFamily="18" charset="0"/>
-                <a:cs typeface="Times New Roman" panose="02020603050405020304" pitchFamily="18" charset="0"/>
-              </a:rPr>
-              <a:t>close</a:t>
-            </a:r>
-            <a:r>
-              <a:rPr lang="pt-BR" sz="2000" dirty="0">
-                <a:solidFill>
-                  <a:schemeClr val="tx1"/>
-                </a:solidFill>
-                <a:latin typeface="Times New Roman" panose="02020603050405020304" pitchFamily="18" charset="0"/>
-                <a:cs typeface="Times New Roman" panose="02020603050405020304" pitchFamily="18" charset="0"/>
-              </a:rPr>
-              <a:t>()</a:t>
-            </a:r>
-          </a:p>
-          <a:p>
-            <a:pPr marL="0" indent="0" algn="just">
-              <a:buNone/>
-            </a:pPr>
-            <a:r>
-              <a:rPr lang="pt-BR" sz="2000" dirty="0">
-                <a:solidFill>
-                  <a:schemeClr val="tx1"/>
-                </a:solidFill>
-                <a:latin typeface="Times New Roman" panose="02020603050405020304" pitchFamily="18" charset="0"/>
-                <a:cs typeface="Times New Roman" panose="02020603050405020304" pitchFamily="18" charset="0"/>
-              </a:rPr>
-              <a:t>    </a:t>
-            </a:r>
-            <a:r>
-              <a:rPr lang="pt-BR" sz="2000" dirty="0" err="1">
-                <a:solidFill>
-                  <a:schemeClr val="tx1"/>
-                </a:solidFill>
-                <a:latin typeface="Times New Roman" panose="02020603050405020304" pitchFamily="18" charset="0"/>
-                <a:cs typeface="Times New Roman" panose="02020603050405020304" pitchFamily="18" charset="0"/>
-              </a:rPr>
-              <a:t>conn.</a:t>
-            </a:r>
-            <a:r>
-              <a:rPr lang="pt-BR" sz="2000" b="1" dirty="0" err="1">
-                <a:solidFill>
-                  <a:schemeClr val="tx1"/>
-                </a:solidFill>
-                <a:latin typeface="Times New Roman" panose="02020603050405020304" pitchFamily="18" charset="0"/>
-                <a:cs typeface="Times New Roman" panose="02020603050405020304" pitchFamily="18" charset="0"/>
-              </a:rPr>
-              <a:t>close</a:t>
-            </a:r>
-            <a:r>
-              <a:rPr lang="pt-BR" sz="2000" dirty="0">
-                <a:solidFill>
-                  <a:schemeClr val="tx1"/>
-                </a:solidFill>
-                <a:latin typeface="Times New Roman" panose="02020603050405020304" pitchFamily="18" charset="0"/>
-                <a:cs typeface="Times New Roman" panose="02020603050405020304" pitchFamily="18" charset="0"/>
-              </a:rPr>
-              <a:t>()</a:t>
-            </a:r>
-          </a:p>
-          <a:p>
-            <a:pPr marL="0" indent="0" algn="just">
-              <a:buNone/>
-            </a:pPr>
-            <a:r>
-              <a:rPr lang="pt-BR" sz="2000" dirty="0">
-                <a:solidFill>
-                  <a:schemeClr val="tx1"/>
-                </a:solidFill>
-                <a:latin typeface="Times New Roman" panose="02020603050405020304" pitchFamily="18" charset="0"/>
-                <a:cs typeface="Times New Roman" panose="02020603050405020304" pitchFamily="18" charset="0"/>
-              </a:rPr>
-              <a:t>    </a:t>
-            </a:r>
-            <a:r>
-              <a:rPr lang="pt-BR" sz="2000" b="1" dirty="0">
+              <a:rPr lang="pt-BR" sz="2400" b="1" dirty="0">
                 <a:solidFill>
                   <a:schemeClr val="tx1"/>
                 </a:solidFill>
@@ -8203,14 +8677,74 @@
               <a:t>print</a:t>
             </a:r>
             <a:r>
-              <a:rPr lang="pt-BR" sz="2000" dirty="0">
-                <a:solidFill>
-                  <a:schemeClr val="tx1"/>
-                </a:solidFill>
-                <a:latin typeface="Times New Roman" panose="02020603050405020304" pitchFamily="18" charset="0"/>
-                <a:cs typeface="Times New Roman" panose="02020603050405020304" pitchFamily="18" charset="0"/>
-              </a:rPr>
-              <a:t>("Conexão encerrada")</a:t>
+              <a:rPr lang="pt-BR" sz="2400" dirty="0">
+                <a:solidFill>
+                  <a:schemeClr val="tx1"/>
+                </a:solidFill>
+                <a:latin typeface="Times New Roman" panose="02020603050405020304" pitchFamily="18" charset="0"/>
+                <a:cs typeface="Times New Roman" panose="02020603050405020304" pitchFamily="18" charset="0"/>
+              </a:rPr>
+              <a:t>("</a:t>
+            </a:r>
+            <a:r>
+              <a:rPr lang="pt-BR" sz="2400" b="1" dirty="0">
+                <a:solidFill>
+                  <a:srgbClr val="0070C0"/>
+                </a:solidFill>
+                <a:latin typeface="Times New Roman" panose="02020603050405020304" pitchFamily="18" charset="0"/>
+                <a:cs typeface="Times New Roman" panose="02020603050405020304" pitchFamily="18" charset="0"/>
+              </a:rPr>
+              <a:t>conectado</a:t>
+            </a:r>
+            <a:r>
+              <a:rPr lang="pt-BR" sz="2400" dirty="0">
+                <a:solidFill>
+                  <a:schemeClr val="tx1"/>
+                </a:solidFill>
+                <a:latin typeface="Times New Roman" panose="02020603050405020304" pitchFamily="18" charset="0"/>
+                <a:cs typeface="Times New Roman" panose="02020603050405020304" pitchFamily="18" charset="0"/>
+              </a:rPr>
+              <a:t>") # print(</a:t>
+            </a:r>
+            <a:r>
+              <a:rPr lang="pt-BR" sz="2400" dirty="0" err="1">
+                <a:solidFill>
+                  <a:schemeClr val="tx1"/>
+                </a:solidFill>
+                <a:latin typeface="Times New Roman" panose="02020603050405020304" pitchFamily="18" charset="0"/>
+                <a:cs typeface="Times New Roman" panose="02020603050405020304" pitchFamily="18" charset="0"/>
+              </a:rPr>
+              <a:t>conn.get_server_info</a:t>
+            </a:r>
+            <a:r>
+              <a:rPr lang="pt-BR" sz="2400" dirty="0">
+                <a:solidFill>
+                  <a:schemeClr val="tx1"/>
+                </a:solidFill>
+                <a:latin typeface="Times New Roman" panose="02020603050405020304" pitchFamily="18" charset="0"/>
+                <a:cs typeface="Times New Roman" panose="02020603050405020304" pitchFamily="18" charset="0"/>
+              </a:rPr>
+              <a:t>()) (</a:t>
+            </a:r>
+            <a:r>
+              <a:rPr lang="pt-BR" sz="2400" b="1" dirty="0">
+                <a:solidFill>
+                  <a:srgbClr val="FF0000"/>
+                </a:solidFill>
+                <a:latin typeface="Times New Roman" panose="02020603050405020304" pitchFamily="18" charset="0"/>
+                <a:cs typeface="Times New Roman" panose="02020603050405020304" pitchFamily="18" charset="0"/>
+              </a:rPr>
+              <a:t>versão</a:t>
+            </a:r>
+            <a:r>
+              <a:rPr lang="pt-BR" sz="2400" dirty="0">
+                <a:solidFill>
+                  <a:schemeClr val="tx1"/>
+                </a:solidFill>
+                <a:latin typeface="Times New Roman" panose="02020603050405020304" pitchFamily="18" charset="0"/>
+                <a:cs typeface="Times New Roman" panose="02020603050405020304" pitchFamily="18" charset="0"/>
+              </a:rPr>
+              <a:t>)</a:t>
             </a:r>
           </a:p>
         </p:txBody>
@@ -8218,7 +8752,7 @@
     </p:spTree>
     <p:extLst>
       <p:ext uri="{BB962C8B-B14F-4D97-AF65-F5344CB8AC3E}">
-        <p14:creationId xmlns:p14="http://schemas.microsoft.com/office/powerpoint/2010/main" val="2794041733"/>
+        <p14:creationId xmlns:p14="http://schemas.microsoft.com/office/powerpoint/2010/main" val="606401857"/>
       </p:ext>
     </p:extLst>
   </p:cSld>
@@ -8275,7 +8809,7 @@
                   <a:srgbClr val="0070C0"/>
                 </a:solidFill>
               </a:rPr>
-              <a:t>Python – BANCO DE DADOS – CRUD READ</a:t>
+              <a:t>Python – BANCO DE DADOS - SELECT</a:t>
             </a:r>
           </a:p>
         </p:txBody>
@@ -8351,12 +8885,150 @@
               <a:buNone/>
             </a:pPr>
             <a:r>
+              <a:rPr lang="pt-BR" sz="2000" dirty="0" err="1">
+                <a:solidFill>
+                  <a:schemeClr val="tx1"/>
+                </a:solidFill>
+                <a:latin typeface="Times New Roman" panose="02020603050405020304" pitchFamily="18" charset="0"/>
+                <a:cs typeface="Times New Roman" panose="02020603050405020304" pitchFamily="18" charset="0"/>
+              </a:rPr>
+              <a:t>cursor.</a:t>
+            </a:r>
+            <a:r>
+              <a:rPr lang="pt-BR" sz="2000" b="1" dirty="0" err="1">
+                <a:solidFill>
+                  <a:schemeClr val="tx1"/>
+                </a:solidFill>
+                <a:latin typeface="Times New Roman" panose="02020603050405020304" pitchFamily="18" charset="0"/>
+                <a:cs typeface="Times New Roman" panose="02020603050405020304" pitchFamily="18" charset="0"/>
+              </a:rPr>
+              <a:t>execute</a:t>
+            </a:r>
+            <a:r>
               <a:rPr lang="pt-BR" sz="2000" dirty="0">
-                <a:latin typeface="Times New Roman" panose="02020603050405020304" pitchFamily="18" charset="0"/>
-                <a:cs typeface="Times New Roman" panose="02020603050405020304" pitchFamily="18" charset="0"/>
-              </a:rPr>
-              <a:t>nome = “pessoal”</a:t>
-            </a:r>
+                <a:solidFill>
+                  <a:schemeClr val="tx1"/>
+                </a:solidFill>
+                <a:latin typeface="Times New Roman" panose="02020603050405020304" pitchFamily="18" charset="0"/>
+                <a:cs typeface="Times New Roman" panose="02020603050405020304" pitchFamily="18" charset="0"/>
+              </a:rPr>
+              <a:t>("</a:t>
+            </a:r>
+            <a:r>
+              <a:rPr lang="pt-BR" sz="2000" b="1" dirty="0" err="1">
+                <a:solidFill>
+                  <a:schemeClr val="tx1"/>
+                </a:solidFill>
+                <a:latin typeface="Times New Roman" panose="02020603050405020304" pitchFamily="18" charset="0"/>
+                <a:cs typeface="Times New Roman" panose="02020603050405020304" pitchFamily="18" charset="0"/>
+              </a:rPr>
+              <a:t>select</a:t>
+            </a:r>
+            <a:r>
+              <a:rPr lang="pt-BR" sz="2000" dirty="0">
+                <a:solidFill>
+                  <a:schemeClr val="tx1"/>
+                </a:solidFill>
+                <a:latin typeface="Times New Roman" panose="02020603050405020304" pitchFamily="18" charset="0"/>
+                <a:cs typeface="Times New Roman" panose="02020603050405020304" pitchFamily="18" charset="0"/>
+              </a:rPr>
+              <a:t> </a:t>
+            </a:r>
+            <a:r>
+              <a:rPr lang="pt-BR" sz="2000" dirty="0" err="1">
+                <a:solidFill>
+                  <a:schemeClr val="tx1"/>
+                </a:solidFill>
+                <a:latin typeface="Times New Roman" panose="02020603050405020304" pitchFamily="18" charset="0"/>
+                <a:cs typeface="Times New Roman" panose="02020603050405020304" pitchFamily="18" charset="0"/>
+              </a:rPr>
+              <a:t>database</a:t>
+            </a:r>
+            <a:r>
+              <a:rPr lang="pt-BR" sz="2000" dirty="0">
+                <a:solidFill>
+                  <a:schemeClr val="tx1"/>
+                </a:solidFill>
+                <a:latin typeface="Times New Roman" panose="02020603050405020304" pitchFamily="18" charset="0"/>
+                <a:cs typeface="Times New Roman" panose="02020603050405020304" pitchFamily="18" charset="0"/>
+              </a:rPr>
+              <a:t>(); ")</a:t>
+            </a:r>
+          </a:p>
+          <a:p>
+            <a:pPr marL="0" indent="0" algn="just">
+              <a:buNone/>
+            </a:pPr>
+            <a:r>
+              <a:rPr lang="pt-BR" sz="2000" dirty="0">
+                <a:solidFill>
+                  <a:schemeClr val="tx1"/>
+                </a:solidFill>
+                <a:latin typeface="Times New Roman" panose="02020603050405020304" pitchFamily="18" charset="0"/>
+                <a:cs typeface="Times New Roman" panose="02020603050405020304" pitchFamily="18" charset="0"/>
+              </a:rPr>
+              <a:t>linha = </a:t>
+            </a:r>
+            <a:r>
+              <a:rPr lang="pt-BR" sz="2000" dirty="0" err="1">
+                <a:solidFill>
+                  <a:schemeClr val="tx1"/>
+                </a:solidFill>
+                <a:latin typeface="Times New Roman" panose="02020603050405020304" pitchFamily="18" charset="0"/>
+                <a:cs typeface="Times New Roman" panose="02020603050405020304" pitchFamily="18" charset="0"/>
+              </a:rPr>
+              <a:t>cursor.</a:t>
+            </a:r>
+            <a:r>
+              <a:rPr lang="pt-BR" sz="2000" b="1" dirty="0" err="1">
+                <a:solidFill>
+                  <a:srgbClr val="FF0000"/>
+                </a:solidFill>
+                <a:latin typeface="Times New Roman" panose="02020603050405020304" pitchFamily="18" charset="0"/>
+                <a:cs typeface="Times New Roman" panose="02020603050405020304" pitchFamily="18" charset="0"/>
+              </a:rPr>
+              <a:t>fetchone</a:t>
+            </a:r>
+            <a:r>
+              <a:rPr lang="pt-BR" sz="2000" dirty="0">
+                <a:solidFill>
+                  <a:schemeClr val="tx1"/>
+                </a:solidFill>
+                <a:latin typeface="Times New Roman" panose="02020603050405020304" pitchFamily="18" charset="0"/>
+                <a:cs typeface="Times New Roman" panose="02020603050405020304" pitchFamily="18" charset="0"/>
+              </a:rPr>
+              <a:t>()</a:t>
+            </a:r>
+          </a:p>
+          <a:p>
+            <a:pPr marL="0" indent="0" algn="just">
+              <a:buNone/>
+            </a:pPr>
+            <a:r>
+              <a:rPr lang="pt-BR" sz="2000" b="1" dirty="0">
+                <a:solidFill>
+                  <a:schemeClr val="tx1"/>
+                </a:solidFill>
+                <a:latin typeface="Times New Roman" panose="02020603050405020304" pitchFamily="18" charset="0"/>
+                <a:cs typeface="Times New Roman" panose="02020603050405020304" pitchFamily="18" charset="0"/>
+              </a:rPr>
+              <a:t>print</a:t>
+            </a:r>
+            <a:r>
+              <a:rPr lang="pt-BR" sz="2000" dirty="0">
+                <a:solidFill>
+                  <a:schemeClr val="tx1"/>
+                </a:solidFill>
+                <a:latin typeface="Times New Roman" panose="02020603050405020304" pitchFamily="18" charset="0"/>
+                <a:cs typeface="Times New Roman" panose="02020603050405020304" pitchFamily="18" charset="0"/>
+              </a:rPr>
+              <a:t>("conectado ao banco de dados: ", linha)</a:t>
+            </a:r>
+          </a:p>
+          <a:p>
+            <a:pPr marL="0" indent="0" algn="just">
+              <a:buNone/>
+            </a:pPr>
             <a:endParaRPr lang="pt-BR" sz="2000" dirty="0">
               <a:solidFill>
                 <a:schemeClr val="tx1"/>
@@ -8370,28 +9042,169 @@
               <a:buNone/>
             </a:pPr>
             <a:r>
+              <a:rPr lang="pt-BR" sz="2000" b="1" dirty="0" err="1">
+                <a:solidFill>
+                  <a:schemeClr val="tx1"/>
+                </a:solidFill>
+                <a:latin typeface="Times New Roman" panose="02020603050405020304" pitchFamily="18" charset="0"/>
+                <a:cs typeface="Times New Roman" panose="02020603050405020304" pitchFamily="18" charset="0"/>
+              </a:rPr>
+              <a:t>if</a:t>
+            </a:r>
+            <a:r>
+              <a:rPr lang="pt-BR" sz="2000" b="1" dirty="0">
+                <a:solidFill>
+                  <a:schemeClr val="tx1"/>
+                </a:solidFill>
+                <a:latin typeface="Times New Roman" panose="02020603050405020304" pitchFamily="18" charset="0"/>
+                <a:cs typeface="Times New Roman" panose="02020603050405020304" pitchFamily="18" charset="0"/>
+              </a:rPr>
+              <a:t> </a:t>
+            </a:r>
+            <a:r>
               <a:rPr lang="pt-BR" sz="2000" dirty="0" err="1">
-                <a:latin typeface="Times New Roman" panose="02020603050405020304" pitchFamily="18" charset="0"/>
-                <a:cs typeface="Times New Roman" panose="02020603050405020304" pitchFamily="18" charset="0"/>
-              </a:rPr>
-              <a:t>sql</a:t>
+                <a:solidFill>
+                  <a:schemeClr val="tx1"/>
+                </a:solidFill>
+                <a:latin typeface="Times New Roman" panose="02020603050405020304" pitchFamily="18" charset="0"/>
+                <a:cs typeface="Times New Roman" panose="02020603050405020304" pitchFamily="18" charset="0"/>
+              </a:rPr>
+              <a:t>conn.</a:t>
+            </a:r>
+            <a:r>
+              <a:rPr lang="pt-BR" sz="2000" b="1" dirty="0" err="1">
+                <a:solidFill>
+                  <a:srgbClr val="FF0000"/>
+                </a:solidFill>
+                <a:latin typeface="Times New Roman" panose="02020603050405020304" pitchFamily="18" charset="0"/>
+                <a:cs typeface="Times New Roman" panose="02020603050405020304" pitchFamily="18" charset="0"/>
+              </a:rPr>
+              <a:t>is_connected</a:t>
             </a:r>
             <a:r>
               <a:rPr lang="pt-BR" sz="2000" dirty="0">
-                <a:latin typeface="Times New Roman" panose="02020603050405020304" pitchFamily="18" charset="0"/>
-                <a:cs typeface="Times New Roman" panose="02020603050405020304" pitchFamily="18" charset="0"/>
-              </a:rPr>
-              <a:t> = </a:t>
+                <a:solidFill>
+                  <a:schemeClr val="tx1"/>
+                </a:solidFill>
+                <a:latin typeface="Times New Roman" panose="02020603050405020304" pitchFamily="18" charset="0"/>
+                <a:cs typeface="Times New Roman" panose="02020603050405020304" pitchFamily="18" charset="0"/>
+              </a:rPr>
+              <a:t>(): # testando se está conectado</a:t>
+            </a:r>
+          </a:p>
+          <a:p>
+            <a:pPr marL="0" indent="0" algn="just">
+              <a:buNone/>
+            </a:pPr>
+            <a:r>
+              <a:rPr lang="pt-BR" sz="2000" dirty="0">
+                <a:solidFill>
+                  <a:schemeClr val="tx1"/>
+                </a:solidFill>
+                <a:latin typeface="Times New Roman" panose="02020603050405020304" pitchFamily="18" charset="0"/>
+                <a:cs typeface="Times New Roman" panose="02020603050405020304" pitchFamily="18" charset="0"/>
+              </a:rPr>
+              <a:t>    </a:t>
+            </a:r>
+            <a:r>
+              <a:rPr lang="pt-BR" sz="2000" dirty="0" err="1">
+                <a:solidFill>
+                  <a:schemeClr val="tx1"/>
+                </a:solidFill>
+                <a:latin typeface="Times New Roman" panose="02020603050405020304" pitchFamily="18" charset="0"/>
+                <a:cs typeface="Times New Roman" panose="02020603050405020304" pitchFamily="18" charset="0"/>
+              </a:rPr>
+              <a:t>cursor.</a:t>
+            </a:r>
+            <a:r>
+              <a:rPr lang="pt-BR" sz="2000" b="1" dirty="0" err="1">
+                <a:solidFill>
+                  <a:schemeClr val="tx1"/>
+                </a:solidFill>
+                <a:latin typeface="Times New Roman" panose="02020603050405020304" pitchFamily="18" charset="0"/>
+                <a:cs typeface="Times New Roman" panose="02020603050405020304" pitchFamily="18" charset="0"/>
+              </a:rPr>
+              <a:t>close</a:t>
+            </a:r>
+            <a:r>
+              <a:rPr lang="pt-BR" sz="2000" dirty="0">
+                <a:solidFill>
+                  <a:schemeClr val="tx1"/>
+                </a:solidFill>
+                <a:latin typeface="Times New Roman" panose="02020603050405020304" pitchFamily="18" charset="0"/>
+                <a:cs typeface="Times New Roman" panose="02020603050405020304" pitchFamily="18" charset="0"/>
+              </a:rPr>
+              <a:t>()</a:t>
+            </a:r>
+          </a:p>
+          <a:p>
+            <a:pPr marL="0" indent="0" algn="just">
+              <a:buNone/>
+            </a:pPr>
+            <a:r>
+              <a:rPr lang="pt-BR" sz="2000" dirty="0">
+                <a:solidFill>
+                  <a:schemeClr val="tx1"/>
+                </a:solidFill>
+                <a:latin typeface="Times New Roman" panose="02020603050405020304" pitchFamily="18" charset="0"/>
+                <a:cs typeface="Times New Roman" panose="02020603050405020304" pitchFamily="18" charset="0"/>
+              </a:rPr>
+              <a:t>    </a:t>
+            </a:r>
+            <a:r>
+              <a:rPr lang="pt-BR" sz="2000" dirty="0" err="1">
+                <a:solidFill>
+                  <a:schemeClr val="tx1"/>
+                </a:solidFill>
+                <a:latin typeface="Times New Roman" panose="02020603050405020304" pitchFamily="18" charset="0"/>
+                <a:cs typeface="Times New Roman" panose="02020603050405020304" pitchFamily="18" charset="0"/>
+              </a:rPr>
+              <a:t>conn.</a:t>
+            </a:r>
+            <a:r>
+              <a:rPr lang="pt-BR" sz="2000" b="1" dirty="0" err="1">
+                <a:solidFill>
+                  <a:schemeClr val="tx1"/>
+                </a:solidFill>
+                <a:latin typeface="Times New Roman" panose="02020603050405020304" pitchFamily="18" charset="0"/>
+                <a:cs typeface="Times New Roman" panose="02020603050405020304" pitchFamily="18" charset="0"/>
+              </a:rPr>
+              <a:t>close</a:t>
+            </a:r>
+            <a:r>
+              <a:rPr lang="pt-BR" sz="2000" dirty="0">
+                <a:solidFill>
+                  <a:schemeClr val="tx1"/>
+                </a:solidFill>
+                <a:latin typeface="Times New Roman" panose="02020603050405020304" pitchFamily="18" charset="0"/>
+                <a:cs typeface="Times New Roman" panose="02020603050405020304" pitchFamily="18" charset="0"/>
+              </a:rPr>
+              <a:t>()</a:t>
+            </a:r>
+          </a:p>
+          <a:p>
+            <a:pPr marL="0" indent="0" algn="just">
+              <a:buNone/>
+            </a:pPr>
+            <a:r>
+              <a:rPr lang="pt-BR" sz="2000" dirty="0">
+                <a:solidFill>
+                  <a:schemeClr val="tx1"/>
+                </a:solidFill>
+                <a:latin typeface="Times New Roman" panose="02020603050405020304" pitchFamily="18" charset="0"/>
+                <a:cs typeface="Times New Roman" panose="02020603050405020304" pitchFamily="18" charset="0"/>
+              </a:rPr>
+              <a:t>    </a:t>
             </a:r>
             <a:r>
               <a:rPr lang="pt-BR" sz="2000" b="1" dirty="0">
                 <a:solidFill>
-                  <a:srgbClr val="FF0000"/>
-                </a:solidFill>
-                <a:latin typeface="Times New Roman" panose="02020603050405020304" pitchFamily="18" charset="0"/>
-                <a:cs typeface="Times New Roman" panose="02020603050405020304" pitchFamily="18" charset="0"/>
-              </a:rPr>
-              <a:t>f</a:t>
+                  <a:schemeClr val="tx1"/>
+                </a:solidFill>
+                <a:latin typeface="Times New Roman" panose="02020603050405020304" pitchFamily="18" charset="0"/>
+                <a:cs typeface="Times New Roman" panose="02020603050405020304" pitchFamily="18" charset="0"/>
+              </a:rPr>
+              <a:t>print</a:t>
             </a:r>
             <a:r>
               <a:rPr lang="pt-BR" sz="2000" dirty="0">
@@ -8401,154 +9214,7 @@
                 <a:latin typeface="Times New Roman" panose="02020603050405020304" pitchFamily="18" charset="0"/>
                 <a:cs typeface="Times New Roman" panose="02020603050405020304" pitchFamily="18" charset="0"/>
               </a:rPr>
-              <a:t> "</a:t>
-            </a:r>
-            <a:r>
-              <a:rPr lang="pt-BR" sz="2000" b="1" dirty="0" err="1">
-                <a:latin typeface="Times New Roman" panose="02020603050405020304" pitchFamily="18" charset="0"/>
-                <a:cs typeface="Times New Roman" panose="02020603050405020304" pitchFamily="18" charset="0"/>
-              </a:rPr>
-              <a:t>select</a:t>
-            </a:r>
-            <a:r>
-              <a:rPr lang="pt-BR" sz="2000" dirty="0">
-                <a:solidFill>
-                  <a:schemeClr val="tx1"/>
-                </a:solidFill>
-                <a:latin typeface="Times New Roman" panose="02020603050405020304" pitchFamily="18" charset="0"/>
-                <a:cs typeface="Times New Roman" panose="02020603050405020304" pitchFamily="18" charset="0"/>
-              </a:rPr>
-              <a:t> * </a:t>
-            </a:r>
-            <a:r>
-              <a:rPr lang="pt-BR" sz="2000" b="1" dirty="0" err="1">
-                <a:solidFill>
-                  <a:schemeClr val="tx1"/>
-                </a:solidFill>
-                <a:latin typeface="Times New Roman" panose="02020603050405020304" pitchFamily="18" charset="0"/>
-                <a:cs typeface="Times New Roman" panose="02020603050405020304" pitchFamily="18" charset="0"/>
-              </a:rPr>
-              <a:t>from</a:t>
-            </a:r>
-            <a:r>
-              <a:rPr lang="pt-BR" sz="2000" b="1" dirty="0">
-                <a:solidFill>
-                  <a:schemeClr val="tx1"/>
-                </a:solidFill>
-                <a:latin typeface="Times New Roman" panose="02020603050405020304" pitchFamily="18" charset="0"/>
-                <a:cs typeface="Times New Roman" panose="02020603050405020304" pitchFamily="18" charset="0"/>
-              </a:rPr>
-              <a:t> </a:t>
-            </a:r>
-            <a:r>
-              <a:rPr lang="pt-BR" sz="2000" dirty="0">
-                <a:solidFill>
-                  <a:schemeClr val="tx1"/>
-                </a:solidFill>
-                <a:latin typeface="Times New Roman" panose="02020603050405020304" pitchFamily="18" charset="0"/>
-                <a:cs typeface="Times New Roman" panose="02020603050405020304" pitchFamily="18" charset="0"/>
-              </a:rPr>
-              <a:t>departamento"</a:t>
-            </a:r>
-          </a:p>
-          <a:p>
-            <a:pPr marL="0" indent="0" algn="just">
-              <a:buNone/>
-            </a:pPr>
-            <a:r>
-              <a:rPr lang="pt-BR" sz="2000" dirty="0" err="1">
-                <a:solidFill>
-                  <a:schemeClr val="tx1"/>
-                </a:solidFill>
-                <a:latin typeface="Times New Roman" panose="02020603050405020304" pitchFamily="18" charset="0"/>
-                <a:cs typeface="Times New Roman" panose="02020603050405020304" pitchFamily="18" charset="0"/>
-              </a:rPr>
-              <a:t>cursor.</a:t>
-            </a:r>
-            <a:r>
-              <a:rPr lang="pt-BR" sz="2000" b="1" dirty="0" err="1">
-                <a:solidFill>
-                  <a:schemeClr val="tx1"/>
-                </a:solidFill>
-                <a:latin typeface="Times New Roman" panose="02020603050405020304" pitchFamily="18" charset="0"/>
-                <a:cs typeface="Times New Roman" panose="02020603050405020304" pitchFamily="18" charset="0"/>
-              </a:rPr>
-              <a:t>execute</a:t>
-            </a:r>
-            <a:r>
-              <a:rPr lang="pt-BR" sz="2000" dirty="0">
-                <a:solidFill>
-                  <a:schemeClr val="tx1"/>
-                </a:solidFill>
-                <a:latin typeface="Times New Roman" panose="02020603050405020304" pitchFamily="18" charset="0"/>
-                <a:cs typeface="Times New Roman" panose="02020603050405020304" pitchFamily="18" charset="0"/>
-              </a:rPr>
-              <a:t>(</a:t>
-            </a:r>
-            <a:r>
-              <a:rPr lang="pt-BR" sz="2000" dirty="0" err="1">
-                <a:solidFill>
-                  <a:schemeClr val="tx1"/>
-                </a:solidFill>
-                <a:latin typeface="Times New Roman" panose="02020603050405020304" pitchFamily="18" charset="0"/>
-                <a:cs typeface="Times New Roman" panose="02020603050405020304" pitchFamily="18" charset="0"/>
-              </a:rPr>
-              <a:t>sql</a:t>
-            </a:r>
-            <a:r>
-              <a:rPr lang="pt-BR" sz="2000" dirty="0">
-                <a:solidFill>
-                  <a:schemeClr val="tx1"/>
-                </a:solidFill>
-                <a:latin typeface="Times New Roman" panose="02020603050405020304" pitchFamily="18" charset="0"/>
-                <a:cs typeface="Times New Roman" panose="02020603050405020304" pitchFamily="18" charset="0"/>
-              </a:rPr>
-              <a:t>)</a:t>
-            </a:r>
-          </a:p>
-          <a:p>
-            <a:pPr marL="0" indent="0" algn="just">
-              <a:buNone/>
-            </a:pPr>
-            <a:r>
-              <a:rPr lang="pt-BR" sz="2000" dirty="0">
-                <a:solidFill>
-                  <a:schemeClr val="tx1"/>
-                </a:solidFill>
-                <a:latin typeface="Times New Roman" panose="02020603050405020304" pitchFamily="18" charset="0"/>
-                <a:cs typeface="Times New Roman" panose="02020603050405020304" pitchFamily="18" charset="0"/>
-              </a:rPr>
-              <a:t>linha = </a:t>
-            </a:r>
-            <a:r>
-              <a:rPr lang="pt-BR" sz="2000" dirty="0" err="1">
-                <a:solidFill>
-                  <a:schemeClr val="tx1"/>
-                </a:solidFill>
-                <a:latin typeface="Times New Roman" panose="02020603050405020304" pitchFamily="18" charset="0"/>
-                <a:cs typeface="Times New Roman" panose="02020603050405020304" pitchFamily="18" charset="0"/>
-              </a:rPr>
-              <a:t>cursor.</a:t>
-            </a:r>
-            <a:r>
-              <a:rPr lang="pt-BR" sz="2000" b="1" dirty="0" err="1">
-                <a:solidFill>
-                  <a:srgbClr val="FF0000"/>
-                </a:solidFill>
-                <a:latin typeface="Times New Roman" panose="02020603050405020304" pitchFamily="18" charset="0"/>
-                <a:cs typeface="Times New Roman" panose="02020603050405020304" pitchFamily="18" charset="0"/>
-              </a:rPr>
-              <a:t>fetchall</a:t>
-            </a:r>
-            <a:r>
-              <a:rPr lang="pt-BR" sz="2000" dirty="0">
-                <a:solidFill>
-                  <a:schemeClr val="tx1"/>
-                </a:solidFill>
-                <a:latin typeface="Times New Roman" panose="02020603050405020304" pitchFamily="18" charset="0"/>
-                <a:cs typeface="Times New Roman" panose="02020603050405020304" pitchFamily="18" charset="0"/>
-              </a:rPr>
-              <a:t>()</a:t>
+              <a:t>("Conexão encerrada")</a:t>
             </a:r>
           </a:p>
         </p:txBody>
@@ -8556,7 +9222,7 @@
     </p:spTree>
     <p:extLst>
       <p:ext uri="{BB962C8B-B14F-4D97-AF65-F5344CB8AC3E}">
-        <p14:creationId xmlns:p14="http://schemas.microsoft.com/office/powerpoint/2010/main" val="484425744"/>
+        <p14:creationId xmlns:p14="http://schemas.microsoft.com/office/powerpoint/2010/main" val="2794041733"/>
       </p:ext>
     </p:extLst>
   </p:cSld>
@@ -8613,7 +9279,7 @@
                   <a:srgbClr val="0070C0"/>
                 </a:solidFill>
               </a:rPr>
-              <a:t>Python – BANCO DE DADOS – CRUD INSERT</a:t>
+              <a:t>Python – BANCO DE DADOS – CRUD READ</a:t>
             </a:r>
           </a:p>
         </p:txBody>
@@ -8644,7 +9310,7 @@
               <a:buNone/>
             </a:pPr>
             <a:r>
-              <a:rPr lang="pt-BR" sz="2000" dirty="0">
+              <a:rPr lang="pt-BR" sz="2400" dirty="0">
                 <a:solidFill>
                   <a:schemeClr val="tx1"/>
                 </a:solidFill>
@@ -8654,7 +9320,7 @@
               <a:t>cursor = </a:t>
             </a:r>
             <a:r>
-              <a:rPr lang="pt-BR" sz="2000" dirty="0" err="1">
+              <a:rPr lang="pt-BR" sz="2400" dirty="0" err="1">
                 <a:solidFill>
                   <a:schemeClr val="tx1"/>
                 </a:solidFill>
@@ -8664,7 +9330,7 @@
               <a:t>conn.</a:t>
             </a:r>
             <a:r>
-              <a:rPr lang="pt-BR" sz="2000" b="1" dirty="0" err="1">
+              <a:rPr lang="pt-BR" sz="2400" b="1" dirty="0" err="1">
                 <a:solidFill>
                   <a:srgbClr val="FF0000"/>
                 </a:solidFill>
@@ -8674,7 +9340,7 @@
               <a:t>cursor</a:t>
             </a:r>
             <a:r>
-              <a:rPr lang="pt-BR" sz="2000" dirty="0">
+              <a:rPr lang="pt-BR" sz="2400" dirty="0">
                 <a:solidFill>
                   <a:schemeClr val="tx1"/>
                 </a:solidFill>
@@ -8688,14 +9354,102 @@
             <a:pPr marL="0" indent="0" algn="just">
               <a:buNone/>
             </a:pPr>
-            <a:r>
-              <a:rPr lang="pt-BR" sz="2000" dirty="0">
-                <a:latin typeface="Times New Roman" panose="02020603050405020304" pitchFamily="18" charset="0"/>
-                <a:cs typeface="Times New Roman" panose="02020603050405020304" pitchFamily="18" charset="0"/>
-              </a:rPr>
-              <a:t>nome = “pessoal”</a:t>
-            </a:r>
-            <a:endParaRPr lang="pt-BR" sz="2000" dirty="0">
+            <a:endParaRPr lang="pt-BR" sz="2400" dirty="0">
+              <a:latin typeface="Times New Roman" panose="02020603050405020304" pitchFamily="18" charset="0"/>
+              <a:cs typeface="Times New Roman" panose="02020603050405020304" pitchFamily="18" charset="0"/>
+            </a:endParaRPr>
+          </a:p>
+          <a:p>
+            <a:pPr marL="0" indent="0" algn="just">
+              <a:buNone/>
+            </a:pPr>
+            <a:r>
+              <a:rPr lang="pt-BR" sz="2400" dirty="0" err="1">
+                <a:latin typeface="Times New Roman" panose="02020603050405020304" pitchFamily="18" charset="0"/>
+                <a:cs typeface="Times New Roman" panose="02020603050405020304" pitchFamily="18" charset="0"/>
+              </a:rPr>
+              <a:t>sql</a:t>
+            </a:r>
+            <a:r>
+              <a:rPr lang="pt-BR" sz="2400" dirty="0">
+                <a:latin typeface="Times New Roman" panose="02020603050405020304" pitchFamily="18" charset="0"/>
+                <a:cs typeface="Times New Roman" panose="02020603050405020304" pitchFamily="18" charset="0"/>
+              </a:rPr>
+              <a:t> = </a:t>
+            </a:r>
+            <a:r>
+              <a:rPr lang="pt-BR" sz="2400" b="1" dirty="0">
+                <a:solidFill>
+                  <a:srgbClr val="FF0000"/>
+                </a:solidFill>
+                <a:latin typeface="Times New Roman" panose="02020603050405020304" pitchFamily="18" charset="0"/>
+                <a:cs typeface="Times New Roman" panose="02020603050405020304" pitchFamily="18" charset="0"/>
+              </a:rPr>
+              <a:t>f</a:t>
+            </a:r>
+            <a:r>
+              <a:rPr lang="pt-BR" sz="2400" dirty="0">
+                <a:solidFill>
+                  <a:schemeClr val="tx1"/>
+                </a:solidFill>
+                <a:latin typeface="Times New Roman" panose="02020603050405020304" pitchFamily="18" charset="0"/>
+                <a:cs typeface="Times New Roman" panose="02020603050405020304" pitchFamily="18" charset="0"/>
+              </a:rPr>
+              <a:t> "</a:t>
+            </a:r>
+            <a:r>
+              <a:rPr lang="pt-BR" sz="2400" b="1" dirty="0" err="1">
+                <a:latin typeface="Times New Roman" panose="02020603050405020304" pitchFamily="18" charset="0"/>
+                <a:cs typeface="Times New Roman" panose="02020603050405020304" pitchFamily="18" charset="0"/>
+              </a:rPr>
+              <a:t>select</a:t>
+            </a:r>
+            <a:r>
+              <a:rPr lang="pt-BR" sz="2400" dirty="0">
+                <a:solidFill>
+                  <a:schemeClr val="tx1"/>
+                </a:solidFill>
+                <a:latin typeface="Times New Roman" panose="02020603050405020304" pitchFamily="18" charset="0"/>
+                <a:cs typeface="Times New Roman" panose="02020603050405020304" pitchFamily="18" charset="0"/>
+              </a:rPr>
+              <a:t> * </a:t>
+            </a:r>
+            <a:r>
+              <a:rPr lang="pt-BR" sz="2400" b="1" dirty="0" err="1">
+                <a:solidFill>
+                  <a:schemeClr val="tx1"/>
+                </a:solidFill>
+                <a:latin typeface="Times New Roman" panose="02020603050405020304" pitchFamily="18" charset="0"/>
+                <a:cs typeface="Times New Roman" panose="02020603050405020304" pitchFamily="18" charset="0"/>
+              </a:rPr>
+              <a:t>from</a:t>
+            </a:r>
+            <a:r>
+              <a:rPr lang="pt-BR" sz="2400" b="1" dirty="0">
+                <a:solidFill>
+                  <a:schemeClr val="tx1"/>
+                </a:solidFill>
+                <a:latin typeface="Times New Roman" panose="02020603050405020304" pitchFamily="18" charset="0"/>
+                <a:cs typeface="Times New Roman" panose="02020603050405020304" pitchFamily="18" charset="0"/>
+              </a:rPr>
+              <a:t> </a:t>
+            </a:r>
+            <a:r>
+              <a:rPr lang="pt-BR" sz="2400" dirty="0">
+                <a:solidFill>
+                  <a:schemeClr val="tx1"/>
+                </a:solidFill>
+                <a:latin typeface="Times New Roman" panose="02020603050405020304" pitchFamily="18" charset="0"/>
+                <a:cs typeface="Times New Roman" panose="02020603050405020304" pitchFamily="18" charset="0"/>
+              </a:rPr>
+              <a:t>departamento"</a:t>
+            </a:r>
+          </a:p>
+          <a:p>
+            <a:pPr marL="0" indent="0" algn="just">
+              <a:buNone/>
+            </a:pPr>
+            <a:endParaRPr lang="pt-BR" sz="2400" dirty="0">
               <a:solidFill>
                 <a:schemeClr val="tx1"/>
               </a:solidFill>
@@ -8708,260 +9462,107 @@
               <a:buNone/>
             </a:pPr>
             <a:r>
-              <a:rPr lang="pt-BR" sz="2000" b="1" dirty="0" err="1">
+              <a:rPr lang="pt-BR" sz="2400" dirty="0" err="1">
+                <a:solidFill>
+                  <a:schemeClr val="tx1"/>
+                </a:solidFill>
+                <a:latin typeface="Times New Roman" panose="02020603050405020304" pitchFamily="18" charset="0"/>
+                <a:cs typeface="Times New Roman" panose="02020603050405020304" pitchFamily="18" charset="0"/>
+              </a:rPr>
+              <a:t>cursor.</a:t>
+            </a:r>
+            <a:r>
+              <a:rPr lang="pt-BR" sz="2400" b="1" dirty="0" err="1">
+                <a:solidFill>
+                  <a:schemeClr val="tx1"/>
+                </a:solidFill>
+                <a:latin typeface="Times New Roman" panose="02020603050405020304" pitchFamily="18" charset="0"/>
+                <a:cs typeface="Times New Roman" panose="02020603050405020304" pitchFamily="18" charset="0"/>
+              </a:rPr>
+              <a:t>execute</a:t>
+            </a:r>
+            <a:r>
+              <a:rPr lang="pt-BR" sz="2400" dirty="0">
+                <a:solidFill>
+                  <a:schemeClr val="tx1"/>
+                </a:solidFill>
+                <a:latin typeface="Times New Roman" panose="02020603050405020304" pitchFamily="18" charset="0"/>
+                <a:cs typeface="Times New Roman" panose="02020603050405020304" pitchFamily="18" charset="0"/>
+              </a:rPr>
+              <a:t>(</a:t>
+            </a:r>
+            <a:r>
+              <a:rPr lang="pt-BR" sz="2400" dirty="0" err="1">
+                <a:solidFill>
+                  <a:schemeClr val="tx1"/>
+                </a:solidFill>
                 <a:latin typeface="Times New Roman" panose="02020603050405020304" pitchFamily="18" charset="0"/>
                 <a:cs typeface="Times New Roman" panose="02020603050405020304" pitchFamily="18" charset="0"/>
               </a:rPr>
               <a:t>sql</a:t>
             </a:r>
             <a:r>
-              <a:rPr lang="pt-BR" sz="2000" dirty="0">
-                <a:latin typeface="Times New Roman" panose="02020603050405020304" pitchFamily="18" charset="0"/>
-                <a:cs typeface="Times New Roman" panose="02020603050405020304" pitchFamily="18" charset="0"/>
-              </a:rPr>
-              <a:t> = </a:t>
-            </a:r>
-            <a:r>
-              <a:rPr lang="pt-BR" sz="2000" b="1" dirty="0" err="1">
+              <a:rPr lang="pt-BR" sz="2400" dirty="0">
+                <a:solidFill>
+                  <a:schemeClr val="tx1"/>
+                </a:solidFill>
+                <a:latin typeface="Times New Roman" panose="02020603050405020304" pitchFamily="18" charset="0"/>
+                <a:cs typeface="Times New Roman" panose="02020603050405020304" pitchFamily="18" charset="0"/>
+              </a:rPr>
+              <a:t>)</a:t>
+            </a:r>
+          </a:p>
+          <a:p>
+            <a:pPr marL="0" indent="0" algn="just">
+              <a:buNone/>
+            </a:pPr>
+            <a:r>
+              <a:rPr lang="pt-BR" sz="2400" dirty="0">
+                <a:solidFill>
+                  <a:schemeClr val="tx1"/>
+                </a:solidFill>
+                <a:latin typeface="Times New Roman" panose="02020603050405020304" pitchFamily="18" charset="0"/>
+                <a:cs typeface="Times New Roman" panose="02020603050405020304" pitchFamily="18" charset="0"/>
+              </a:rPr>
+              <a:t>linha = </a:t>
+            </a:r>
+            <a:r>
+              <a:rPr lang="pt-BR" sz="2400" dirty="0" err="1">
+                <a:solidFill>
+                  <a:schemeClr val="tx1"/>
+                </a:solidFill>
+                <a:latin typeface="Times New Roman" panose="02020603050405020304" pitchFamily="18" charset="0"/>
+                <a:cs typeface="Times New Roman" panose="02020603050405020304" pitchFamily="18" charset="0"/>
+              </a:rPr>
+              <a:t>cursor.</a:t>
+            </a:r>
+            <a:r>
+              <a:rPr lang="pt-BR" sz="2400" b="1" dirty="0" err="1">
                 <a:solidFill>
                   <a:srgbClr val="FF0000"/>
                 </a:solidFill>
                 <a:latin typeface="Times New Roman" panose="02020603050405020304" pitchFamily="18" charset="0"/>
                 <a:cs typeface="Times New Roman" panose="02020603050405020304" pitchFamily="18" charset="0"/>
               </a:rPr>
-              <a:t>f</a:t>
-            </a:r>
-            <a:r>
-              <a:rPr lang="pt-BR" sz="2000" dirty="0" err="1">
-                <a:solidFill>
-                  <a:schemeClr val="tx1"/>
-                </a:solidFill>
-                <a:latin typeface="Times New Roman" panose="02020603050405020304" pitchFamily="18" charset="0"/>
-                <a:cs typeface="Times New Roman" panose="02020603050405020304" pitchFamily="18" charset="0"/>
-              </a:rPr>
-              <a:t>"</a:t>
-            </a:r>
-            <a:r>
-              <a:rPr lang="pt-BR" sz="2000" b="1" dirty="0" err="1">
-                <a:solidFill>
-                  <a:schemeClr val="tx1"/>
-                </a:solidFill>
-                <a:latin typeface="Times New Roman" panose="02020603050405020304" pitchFamily="18" charset="0"/>
-                <a:cs typeface="Times New Roman" panose="02020603050405020304" pitchFamily="18" charset="0"/>
-              </a:rPr>
-              <a:t>insert</a:t>
-            </a:r>
-            <a:r>
-              <a:rPr lang="pt-BR" sz="2000" dirty="0">
-                <a:solidFill>
-                  <a:schemeClr val="tx1"/>
-                </a:solidFill>
-                <a:latin typeface="Times New Roman" panose="02020603050405020304" pitchFamily="18" charset="0"/>
-                <a:cs typeface="Times New Roman" panose="02020603050405020304" pitchFamily="18" charset="0"/>
-              </a:rPr>
-              <a:t> </a:t>
-            </a:r>
-            <a:r>
-              <a:rPr lang="pt-BR" sz="2000" b="1" dirty="0" err="1">
-                <a:solidFill>
-                  <a:schemeClr val="tx1"/>
-                </a:solidFill>
-                <a:latin typeface="Times New Roman" panose="02020603050405020304" pitchFamily="18" charset="0"/>
-                <a:cs typeface="Times New Roman" panose="02020603050405020304" pitchFamily="18" charset="0"/>
-              </a:rPr>
-              <a:t>into</a:t>
-            </a:r>
-            <a:r>
-              <a:rPr lang="pt-BR" sz="2000" dirty="0">
-                <a:solidFill>
-                  <a:schemeClr val="tx1"/>
-                </a:solidFill>
-                <a:latin typeface="Times New Roman" panose="02020603050405020304" pitchFamily="18" charset="0"/>
-                <a:cs typeface="Times New Roman" panose="02020603050405020304" pitchFamily="18" charset="0"/>
-              </a:rPr>
-              <a:t> departamento (nome) </a:t>
-            </a:r>
-            <a:r>
-              <a:rPr lang="pt-BR" sz="2000" b="1" dirty="0" err="1">
-                <a:solidFill>
-                  <a:schemeClr val="tx1"/>
-                </a:solidFill>
-                <a:latin typeface="Times New Roman" panose="02020603050405020304" pitchFamily="18" charset="0"/>
-                <a:cs typeface="Times New Roman" panose="02020603050405020304" pitchFamily="18" charset="0"/>
-              </a:rPr>
-              <a:t>values</a:t>
-            </a:r>
-            <a:r>
-              <a:rPr lang="pt-BR" sz="2000" dirty="0">
-                <a:solidFill>
-                  <a:schemeClr val="tx1"/>
-                </a:solidFill>
-                <a:latin typeface="Times New Roman" panose="02020603050405020304" pitchFamily="18" charset="0"/>
-                <a:cs typeface="Times New Roman" panose="02020603050405020304" pitchFamily="18" charset="0"/>
-              </a:rPr>
-              <a:t> (</a:t>
-            </a:r>
-            <a:r>
-              <a:rPr lang="pt-BR" sz="2000" b="1" dirty="0">
-                <a:solidFill>
-                  <a:schemeClr val="tx1"/>
-                </a:solidFill>
-                <a:latin typeface="Times New Roman" panose="02020603050405020304" pitchFamily="18" charset="0"/>
-                <a:cs typeface="Times New Roman" panose="02020603050405020304" pitchFamily="18" charset="0"/>
-              </a:rPr>
-              <a:t>‘</a:t>
-            </a:r>
-            <a:r>
-              <a:rPr lang="pt-BR" sz="2000" dirty="0">
-                <a:solidFill>
-                  <a:schemeClr val="tx1"/>
-                </a:solidFill>
-                <a:latin typeface="Times New Roman" panose="02020603050405020304" pitchFamily="18" charset="0"/>
-                <a:cs typeface="Times New Roman" panose="02020603050405020304" pitchFamily="18" charset="0"/>
-              </a:rPr>
-              <a:t>{</a:t>
-            </a:r>
-            <a:r>
-              <a:rPr lang="pt-BR" sz="2000" dirty="0">
-                <a:latin typeface="Times New Roman" panose="02020603050405020304" pitchFamily="18" charset="0"/>
-                <a:cs typeface="Times New Roman" panose="02020603050405020304" pitchFamily="18" charset="0"/>
-              </a:rPr>
-              <a:t>nome</a:t>
-            </a:r>
-            <a:r>
-              <a:rPr lang="pt-BR" sz="2000" dirty="0">
-                <a:solidFill>
-                  <a:schemeClr val="tx1"/>
-                </a:solidFill>
-                <a:latin typeface="Times New Roman" panose="02020603050405020304" pitchFamily="18" charset="0"/>
-                <a:cs typeface="Times New Roman" panose="02020603050405020304" pitchFamily="18" charset="0"/>
-              </a:rPr>
-              <a:t>}’)"</a:t>
-            </a:r>
-          </a:p>
-          <a:p>
-            <a:pPr marL="0" indent="0" algn="just">
-              <a:buNone/>
-            </a:pPr>
-            <a:r>
-              <a:rPr lang="pt-BR" sz="2000" dirty="0" err="1">
-                <a:solidFill>
-                  <a:schemeClr val="tx1"/>
-                </a:solidFill>
-                <a:latin typeface="Times New Roman" panose="02020603050405020304" pitchFamily="18" charset="0"/>
-                <a:cs typeface="Times New Roman" panose="02020603050405020304" pitchFamily="18" charset="0"/>
-              </a:rPr>
-              <a:t>cursor.</a:t>
-            </a:r>
-            <a:r>
-              <a:rPr lang="pt-BR" sz="2000" b="1" dirty="0" err="1">
-                <a:solidFill>
-                  <a:schemeClr val="tx1"/>
-                </a:solidFill>
-                <a:latin typeface="Times New Roman" panose="02020603050405020304" pitchFamily="18" charset="0"/>
-                <a:cs typeface="Times New Roman" panose="02020603050405020304" pitchFamily="18" charset="0"/>
-              </a:rPr>
-              <a:t>execute</a:t>
-            </a:r>
-            <a:r>
-              <a:rPr lang="pt-BR" sz="2000" dirty="0">
-                <a:solidFill>
-                  <a:schemeClr val="tx1"/>
-                </a:solidFill>
-                <a:latin typeface="Times New Roman" panose="02020603050405020304" pitchFamily="18" charset="0"/>
-                <a:cs typeface="Times New Roman" panose="02020603050405020304" pitchFamily="18" charset="0"/>
-              </a:rPr>
-              <a:t>(</a:t>
-            </a:r>
-            <a:r>
-              <a:rPr lang="pt-BR" sz="2000" dirty="0" err="1">
-                <a:solidFill>
-                  <a:schemeClr val="tx1"/>
-                </a:solidFill>
-                <a:latin typeface="Times New Roman" panose="02020603050405020304" pitchFamily="18" charset="0"/>
-                <a:cs typeface="Times New Roman" panose="02020603050405020304" pitchFamily="18" charset="0"/>
-              </a:rPr>
-              <a:t>sql</a:t>
-            </a:r>
-            <a:r>
-              <a:rPr lang="pt-BR" sz="2000" dirty="0">
-                <a:solidFill>
-                  <a:schemeClr val="tx1"/>
-                </a:solidFill>
-                <a:latin typeface="Times New Roman" panose="02020603050405020304" pitchFamily="18" charset="0"/>
-                <a:cs typeface="Times New Roman" panose="02020603050405020304" pitchFamily="18" charset="0"/>
-              </a:rPr>
-              <a:t>)</a:t>
-            </a:r>
-          </a:p>
-          <a:p>
-            <a:pPr marL="0" indent="0" algn="just">
-              <a:buNone/>
-            </a:pPr>
-            <a:r>
-              <a:rPr lang="pt-BR" sz="2000" dirty="0" err="1">
-                <a:latin typeface="Times New Roman" panose="02020603050405020304" pitchFamily="18" charset="0"/>
-                <a:cs typeface="Times New Roman" panose="02020603050405020304" pitchFamily="18" charset="0"/>
-              </a:rPr>
-              <a:t>conn.</a:t>
-            </a:r>
-            <a:r>
-              <a:rPr lang="pt-BR" sz="2000" b="1" dirty="0" err="1">
-                <a:solidFill>
-                  <a:srgbClr val="FF0000"/>
-                </a:solidFill>
-                <a:latin typeface="Times New Roman" panose="02020603050405020304" pitchFamily="18" charset="0"/>
-                <a:cs typeface="Times New Roman" panose="02020603050405020304" pitchFamily="18" charset="0"/>
-              </a:rPr>
-              <a:t>commit</a:t>
-            </a:r>
-            <a:r>
-              <a:rPr lang="pt-BR" sz="2000" dirty="0">
-                <a:latin typeface="Times New Roman" panose="02020603050405020304" pitchFamily="18" charset="0"/>
-                <a:cs typeface="Times New Roman" panose="02020603050405020304" pitchFamily="18" charset="0"/>
-              </a:rPr>
-              <a:t>();</a:t>
-            </a:r>
-            <a:endParaRPr lang="pt-BR" sz="2000" dirty="0">
-              <a:solidFill>
-                <a:schemeClr val="tx1"/>
-              </a:solidFill>
-              <a:latin typeface="Times New Roman" panose="02020603050405020304" pitchFamily="18" charset="0"/>
-              <a:cs typeface="Times New Roman" panose="02020603050405020304" pitchFamily="18" charset="0"/>
-            </a:endParaRPr>
-          </a:p>
-          <a:p>
-            <a:pPr marL="0" indent="0" algn="just">
-              <a:buNone/>
-            </a:pPr>
-            <a:r>
-              <a:rPr lang="pt-BR" sz="2000" b="1" dirty="0">
-                <a:latin typeface="Times New Roman" panose="02020603050405020304" pitchFamily="18" charset="0"/>
-                <a:cs typeface="Times New Roman" panose="02020603050405020304" pitchFamily="18" charset="0"/>
-              </a:rPr>
-              <a:t>print</a:t>
-            </a:r>
-            <a:r>
-              <a:rPr lang="pt-BR" sz="2000" dirty="0">
-                <a:latin typeface="Times New Roman" panose="02020603050405020304" pitchFamily="18" charset="0"/>
-                <a:cs typeface="Times New Roman" panose="02020603050405020304" pitchFamily="18" charset="0"/>
-              </a:rPr>
-              <a:t>(“Inserido com sucesso”</a:t>
-            </a:r>
-            <a:endParaRPr lang="pt-BR" sz="2000" dirty="0">
-              <a:solidFill>
-                <a:schemeClr val="tx1"/>
-              </a:solidFill>
-              <a:latin typeface="Times New Roman" panose="02020603050405020304" pitchFamily="18" charset="0"/>
-              <a:cs typeface="Times New Roman" panose="02020603050405020304" pitchFamily="18" charset="0"/>
-            </a:endParaRPr>
+              <a:t>fetchall</a:t>
+            </a:r>
+            <a:r>
+              <a:rPr lang="pt-BR" sz="2400" dirty="0">
+                <a:solidFill>
+                  <a:schemeClr val="tx1"/>
+                </a:solidFill>
+                <a:latin typeface="Times New Roman" panose="02020603050405020304" pitchFamily="18" charset="0"/>
+                <a:cs typeface="Times New Roman" panose="02020603050405020304" pitchFamily="18" charset="0"/>
+              </a:rPr>
+              <a:t>()</a:t>
+            </a:r>
           </a:p>
         </p:txBody>
       </p:sp>
     </p:spTree>
     <p:extLst>
       <p:ext uri="{BB962C8B-B14F-4D97-AF65-F5344CB8AC3E}">
-        <p14:creationId xmlns:p14="http://schemas.microsoft.com/office/powerpoint/2010/main" val="3817461576"/>
+        <p14:creationId xmlns:p14="http://schemas.microsoft.com/office/powerpoint/2010/main" val="484425744"/>
       </p:ext>
     </p:extLst>
   </p:cSld>
@@ -9018,7 +9619,7 @@
                   <a:srgbClr val="0070C0"/>
                 </a:solidFill>
               </a:rPr>
-              <a:t>Python – BANCO DE DADOS – CRUD UPDATE</a:t>
+              <a:t>Python – BANCO DE DADOS – CRUD INSERT</a:t>
             </a:r>
           </a:p>
         </p:txBody>
@@ -9049,7 +9650,7 @@
               <a:buNone/>
             </a:pPr>
             <a:r>
-              <a:rPr lang="pt-BR" sz="2000" dirty="0">
+              <a:rPr lang="pt-BR" sz="2400" dirty="0">
                 <a:solidFill>
                   <a:schemeClr val="tx1"/>
                 </a:solidFill>
@@ -9059,7 +9660,7 @@
               <a:t>cursor = </a:t>
             </a:r>
             <a:r>
-              <a:rPr lang="pt-BR" sz="2000" dirty="0" err="1">
+              <a:rPr lang="pt-BR" sz="2400" dirty="0" err="1">
                 <a:solidFill>
                   <a:schemeClr val="tx1"/>
                 </a:solidFill>
@@ -9069,7 +9670,7 @@
               <a:t>conn.</a:t>
             </a:r>
             <a:r>
-              <a:rPr lang="pt-BR" sz="2000" b="1" dirty="0" err="1">
+              <a:rPr lang="pt-BR" sz="2400" b="1" dirty="0" err="1">
                 <a:solidFill>
                   <a:srgbClr val="FF0000"/>
                 </a:solidFill>
@@ -9079,7 +9680,7 @@
               <a:t>cursor</a:t>
             </a:r>
             <a:r>
-              <a:rPr lang="pt-BR" sz="2000" dirty="0">
+              <a:rPr lang="pt-BR" sz="2400" dirty="0">
                 <a:solidFill>
                   <a:schemeClr val="tx1"/>
                 </a:solidFill>
@@ -9094,13 +9695,27 @@
               <a:buNone/>
             </a:pPr>
             <a:r>
-              <a:rPr lang="pt-BR" sz="2000" dirty="0">
-                <a:latin typeface="Times New Roman" panose="02020603050405020304" pitchFamily="18" charset="0"/>
-                <a:cs typeface="Times New Roman" panose="02020603050405020304" pitchFamily="18" charset="0"/>
-              </a:rPr>
-              <a:t>id = 63</a:t>
-            </a:r>
-            <a:endParaRPr lang="pt-BR" sz="2000" dirty="0">
+              <a:rPr lang="pt-BR" sz="2400" dirty="0">
+                <a:latin typeface="Times New Roman" panose="02020603050405020304" pitchFamily="18" charset="0"/>
+                <a:cs typeface="Times New Roman" panose="02020603050405020304" pitchFamily="18" charset="0"/>
+              </a:rPr>
+              <a:t>nome = </a:t>
+            </a:r>
+            <a:r>
+              <a:rPr lang="pt-BR" sz="2400" b="1" dirty="0">
+                <a:latin typeface="Times New Roman" panose="02020603050405020304" pitchFamily="18" charset="0"/>
+                <a:cs typeface="Times New Roman" panose="02020603050405020304" pitchFamily="18" charset="0"/>
+              </a:rPr>
+              <a:t>input</a:t>
+            </a:r>
+            <a:r>
+              <a:rPr lang="pt-BR" sz="2400" dirty="0">
+                <a:latin typeface="Times New Roman" panose="02020603050405020304" pitchFamily="18" charset="0"/>
+                <a:cs typeface="Times New Roman" panose="02020603050405020304" pitchFamily="18" charset="0"/>
+              </a:rPr>
+              <a:t>(“Digite o nome:”)</a:t>
+            </a:r>
+            <a:endParaRPr lang="pt-BR" sz="2400" dirty="0">
               <a:solidFill>
                 <a:schemeClr val="tx1"/>
               </a:solidFill>
@@ -9113,210 +9728,142 @@
               <a:buNone/>
             </a:pPr>
             <a:r>
-              <a:rPr lang="pt-BR" sz="2000" dirty="0">
-                <a:latin typeface="Times New Roman" panose="02020603050405020304" pitchFamily="18" charset="0"/>
-                <a:cs typeface="Times New Roman" panose="02020603050405020304" pitchFamily="18" charset="0"/>
-              </a:rPr>
-              <a:t>nome = "recursos humanos"</a:t>
+              <a:rPr lang="pt-BR" sz="2400" b="1" dirty="0" err="1">
+                <a:latin typeface="Times New Roman" panose="02020603050405020304" pitchFamily="18" charset="0"/>
+                <a:cs typeface="Times New Roman" panose="02020603050405020304" pitchFamily="18" charset="0"/>
+              </a:rPr>
+              <a:t>sql</a:t>
+            </a:r>
+            <a:r>
+              <a:rPr lang="pt-BR" sz="2400" dirty="0">
+                <a:latin typeface="Times New Roman" panose="02020603050405020304" pitchFamily="18" charset="0"/>
+                <a:cs typeface="Times New Roman" panose="02020603050405020304" pitchFamily="18" charset="0"/>
+              </a:rPr>
+              <a:t> = </a:t>
+            </a:r>
+            <a:r>
+              <a:rPr lang="pt-BR" sz="2400" b="1" dirty="0" err="1">
+                <a:solidFill>
+                  <a:srgbClr val="FF0000"/>
+                </a:solidFill>
+                <a:latin typeface="Times New Roman" panose="02020603050405020304" pitchFamily="18" charset="0"/>
+                <a:cs typeface="Times New Roman" panose="02020603050405020304" pitchFamily="18" charset="0"/>
+              </a:rPr>
+              <a:t>f</a:t>
+            </a:r>
+            <a:r>
+              <a:rPr lang="pt-BR" sz="2400" dirty="0" err="1">
+                <a:solidFill>
+                  <a:schemeClr val="tx1"/>
+                </a:solidFill>
+                <a:latin typeface="Times New Roman" panose="02020603050405020304" pitchFamily="18" charset="0"/>
+                <a:cs typeface="Times New Roman" panose="02020603050405020304" pitchFamily="18" charset="0"/>
+              </a:rPr>
+              <a:t>"</a:t>
+            </a:r>
+            <a:r>
+              <a:rPr lang="pt-BR" sz="2400" b="1" dirty="0" err="1">
+                <a:solidFill>
+                  <a:schemeClr val="tx1"/>
+                </a:solidFill>
+                <a:latin typeface="Times New Roman" panose="02020603050405020304" pitchFamily="18" charset="0"/>
+                <a:cs typeface="Times New Roman" panose="02020603050405020304" pitchFamily="18" charset="0"/>
+              </a:rPr>
+              <a:t>insert</a:t>
+            </a:r>
+            <a:r>
+              <a:rPr lang="pt-BR" sz="2400" dirty="0">
+                <a:solidFill>
+                  <a:schemeClr val="tx1"/>
+                </a:solidFill>
+                <a:latin typeface="Times New Roman" panose="02020603050405020304" pitchFamily="18" charset="0"/>
+                <a:cs typeface="Times New Roman" panose="02020603050405020304" pitchFamily="18" charset="0"/>
+              </a:rPr>
+              <a:t> </a:t>
+            </a:r>
+            <a:r>
+              <a:rPr lang="pt-BR" sz="2400" b="1" dirty="0" err="1">
+                <a:solidFill>
+                  <a:schemeClr val="tx1"/>
+                </a:solidFill>
+                <a:latin typeface="Times New Roman" panose="02020603050405020304" pitchFamily="18" charset="0"/>
+                <a:cs typeface="Times New Roman" panose="02020603050405020304" pitchFamily="18" charset="0"/>
+              </a:rPr>
+              <a:t>into</a:t>
+            </a:r>
+            <a:r>
+              <a:rPr lang="pt-BR" sz="2400" dirty="0">
+                <a:solidFill>
+                  <a:schemeClr val="tx1"/>
+                </a:solidFill>
+                <a:latin typeface="Times New Roman" panose="02020603050405020304" pitchFamily="18" charset="0"/>
+                <a:cs typeface="Times New Roman" panose="02020603050405020304" pitchFamily="18" charset="0"/>
+              </a:rPr>
+              <a:t> departamento (nome) </a:t>
+            </a:r>
+            <a:r>
+              <a:rPr lang="pt-BR" sz="2400" b="1" dirty="0" err="1">
+                <a:solidFill>
+                  <a:schemeClr val="tx1"/>
+                </a:solidFill>
+                <a:latin typeface="Times New Roman" panose="02020603050405020304" pitchFamily="18" charset="0"/>
+                <a:cs typeface="Times New Roman" panose="02020603050405020304" pitchFamily="18" charset="0"/>
+              </a:rPr>
+              <a:t>values</a:t>
+            </a:r>
+            <a:r>
+              <a:rPr lang="pt-BR" sz="2400" dirty="0">
+                <a:solidFill>
+                  <a:schemeClr val="tx1"/>
+                </a:solidFill>
+                <a:latin typeface="Times New Roman" panose="02020603050405020304" pitchFamily="18" charset="0"/>
+                <a:cs typeface="Times New Roman" panose="02020603050405020304" pitchFamily="18" charset="0"/>
+              </a:rPr>
+              <a:t> (</a:t>
+            </a:r>
+            <a:r>
+              <a:rPr lang="pt-BR" sz="2400" b="1" dirty="0">
+                <a:solidFill>
+                  <a:schemeClr val="tx1"/>
+                </a:solidFill>
+                <a:latin typeface="Times New Roman" panose="02020603050405020304" pitchFamily="18" charset="0"/>
+                <a:cs typeface="Times New Roman" panose="02020603050405020304" pitchFamily="18" charset="0"/>
+              </a:rPr>
+              <a:t>‘</a:t>
+            </a:r>
+            <a:r>
+              <a:rPr lang="pt-BR" sz="2400" dirty="0">
+                <a:solidFill>
+                  <a:schemeClr val="tx1"/>
+                </a:solidFill>
+                <a:latin typeface="Times New Roman" panose="02020603050405020304" pitchFamily="18" charset="0"/>
+                <a:cs typeface="Times New Roman" panose="02020603050405020304" pitchFamily="18" charset="0"/>
+              </a:rPr>
+              <a:t>{</a:t>
+            </a:r>
+            <a:r>
+              <a:rPr lang="pt-BR" sz="2400" dirty="0">
+                <a:latin typeface="Times New Roman" panose="02020603050405020304" pitchFamily="18" charset="0"/>
+                <a:cs typeface="Times New Roman" panose="02020603050405020304" pitchFamily="18" charset="0"/>
+              </a:rPr>
+              <a:t>nome</a:t>
+            </a:r>
+            <a:r>
+              <a:rPr lang="pt-BR" sz="2400" dirty="0">
+                <a:solidFill>
+                  <a:schemeClr val="tx1"/>
+                </a:solidFill>
+                <a:latin typeface="Times New Roman" panose="02020603050405020304" pitchFamily="18" charset="0"/>
+                <a:cs typeface="Times New Roman" panose="02020603050405020304" pitchFamily="18" charset="0"/>
+              </a:rPr>
+              <a:t>}’)"</a:t>
             </a:r>
           </a:p>
           <a:p>
             <a:pPr marL="0" indent="0" algn="just">
               <a:buNone/>
             </a:pPr>
-            <a:r>
-              <a:rPr lang="pt-BR" sz="2000" dirty="0" err="1">
-                <a:latin typeface="Times New Roman" panose="02020603050405020304" pitchFamily="18" charset="0"/>
-                <a:cs typeface="Times New Roman" panose="02020603050405020304" pitchFamily="18" charset="0"/>
-              </a:rPr>
-              <a:t>sql</a:t>
-            </a:r>
-            <a:r>
-              <a:rPr lang="pt-BR" sz="2000" dirty="0">
-                <a:latin typeface="Times New Roman" panose="02020603050405020304" pitchFamily="18" charset="0"/>
-                <a:cs typeface="Times New Roman" panose="02020603050405020304" pitchFamily="18" charset="0"/>
-              </a:rPr>
-              <a:t> = </a:t>
-            </a:r>
-            <a:r>
-              <a:rPr lang="pt-BR" sz="2000" b="1" dirty="0" err="1">
-                <a:solidFill>
-                  <a:srgbClr val="FF0000"/>
-                </a:solidFill>
-                <a:latin typeface="Times New Roman" panose="02020603050405020304" pitchFamily="18" charset="0"/>
-                <a:cs typeface="Times New Roman" panose="02020603050405020304" pitchFamily="18" charset="0"/>
-              </a:rPr>
-              <a:t>f</a:t>
-            </a:r>
-            <a:r>
-              <a:rPr lang="pt-BR" sz="2000" dirty="0" err="1">
-                <a:latin typeface="Times New Roman" panose="02020603050405020304" pitchFamily="18" charset="0"/>
-                <a:cs typeface="Times New Roman" panose="02020603050405020304" pitchFamily="18" charset="0"/>
-              </a:rPr>
-              <a:t>"</a:t>
-            </a:r>
-            <a:r>
-              <a:rPr lang="pt-BR" sz="2000" b="1" dirty="0" err="1">
-                <a:latin typeface="Times New Roman" panose="02020603050405020304" pitchFamily="18" charset="0"/>
-                <a:cs typeface="Times New Roman" panose="02020603050405020304" pitchFamily="18" charset="0"/>
-              </a:rPr>
-              <a:t>update</a:t>
-            </a:r>
-            <a:r>
-              <a:rPr lang="pt-BR" sz="2000" dirty="0">
-                <a:latin typeface="Times New Roman" panose="02020603050405020304" pitchFamily="18" charset="0"/>
-                <a:cs typeface="Times New Roman" panose="02020603050405020304" pitchFamily="18" charset="0"/>
-              </a:rPr>
-              <a:t> </a:t>
-            </a:r>
-            <a:r>
-              <a:rPr lang="pt-BR" sz="2000" dirty="0" err="1">
-                <a:latin typeface="Times New Roman" panose="02020603050405020304" pitchFamily="18" charset="0"/>
-                <a:cs typeface="Times New Roman" panose="02020603050405020304" pitchFamily="18" charset="0"/>
-              </a:rPr>
-              <a:t>department</a:t>
-            </a:r>
-            <a:r>
-              <a:rPr lang="pt-BR" sz="2000" dirty="0">
-                <a:latin typeface="Times New Roman" panose="02020603050405020304" pitchFamily="18" charset="0"/>
-                <a:cs typeface="Times New Roman" panose="02020603050405020304" pitchFamily="18" charset="0"/>
-              </a:rPr>
-              <a:t> </a:t>
-            </a:r>
-            <a:r>
-              <a:rPr lang="pt-BR" sz="2000" b="1" dirty="0">
-                <a:latin typeface="Times New Roman" panose="02020603050405020304" pitchFamily="18" charset="0"/>
-                <a:cs typeface="Times New Roman" panose="02020603050405020304" pitchFamily="18" charset="0"/>
-              </a:rPr>
-              <a:t>set</a:t>
-            </a:r>
-            <a:r>
-              <a:rPr lang="pt-BR" sz="2000" dirty="0">
-                <a:latin typeface="Times New Roman" panose="02020603050405020304" pitchFamily="18" charset="0"/>
-                <a:cs typeface="Times New Roman" panose="02020603050405020304" pitchFamily="18" charset="0"/>
-              </a:rPr>
-              <a:t> </a:t>
-            </a:r>
-            <a:r>
-              <a:rPr lang="pt-BR" sz="2000" dirty="0" err="1">
-                <a:latin typeface="Times New Roman" panose="02020603050405020304" pitchFamily="18" charset="0"/>
-                <a:cs typeface="Times New Roman" panose="02020603050405020304" pitchFamily="18" charset="0"/>
-              </a:rPr>
-              <a:t>Name</a:t>
-            </a:r>
-            <a:r>
-              <a:rPr lang="pt-BR" sz="2000" dirty="0">
-                <a:latin typeface="Times New Roman" panose="02020603050405020304" pitchFamily="18" charset="0"/>
-                <a:cs typeface="Times New Roman" panose="02020603050405020304" pitchFamily="18" charset="0"/>
-              </a:rPr>
-              <a:t> = '{nome}' </a:t>
-            </a:r>
-            <a:r>
-              <a:rPr lang="pt-BR" sz="2000" b="1" dirty="0" err="1">
-                <a:latin typeface="Times New Roman" panose="02020603050405020304" pitchFamily="18" charset="0"/>
-                <a:cs typeface="Times New Roman" panose="02020603050405020304" pitchFamily="18" charset="0"/>
-              </a:rPr>
-              <a:t>where</a:t>
-            </a:r>
-            <a:r>
-              <a:rPr lang="pt-BR" sz="2000" dirty="0">
-                <a:latin typeface="Times New Roman" panose="02020603050405020304" pitchFamily="18" charset="0"/>
-                <a:cs typeface="Times New Roman" panose="02020603050405020304" pitchFamily="18" charset="0"/>
-              </a:rPr>
-              <a:t> Id = {id}"</a:t>
-            </a:r>
-          </a:p>
-          <a:p>
-            <a:pPr marL="0" indent="0" algn="just">
-              <a:buNone/>
-            </a:pPr>
-            <a:r>
-              <a:rPr lang="pt-BR" sz="2000" dirty="0" err="1">
-                <a:latin typeface="Times New Roman" panose="02020603050405020304" pitchFamily="18" charset="0"/>
-                <a:cs typeface="Times New Roman" panose="02020603050405020304" pitchFamily="18" charset="0"/>
-              </a:rPr>
-              <a:t>cursor.</a:t>
-            </a:r>
-            <a:r>
-              <a:rPr lang="pt-BR" sz="2000" b="1" dirty="0" err="1">
-                <a:solidFill>
-                  <a:srgbClr val="FF0000"/>
-                </a:solidFill>
-                <a:latin typeface="Times New Roman" panose="02020603050405020304" pitchFamily="18" charset="0"/>
-                <a:cs typeface="Times New Roman" panose="02020603050405020304" pitchFamily="18" charset="0"/>
-              </a:rPr>
-              <a:t>execute</a:t>
-            </a:r>
-            <a:r>
-              <a:rPr lang="pt-BR" sz="2000" dirty="0">
-                <a:latin typeface="Times New Roman" panose="02020603050405020304" pitchFamily="18" charset="0"/>
-                <a:cs typeface="Times New Roman" panose="02020603050405020304" pitchFamily="18" charset="0"/>
-              </a:rPr>
-              <a:t>(</a:t>
-            </a:r>
-            <a:r>
-              <a:rPr lang="pt-BR" sz="2000" dirty="0" err="1">
-                <a:latin typeface="Times New Roman" panose="02020603050405020304" pitchFamily="18" charset="0"/>
-                <a:cs typeface="Times New Roman" panose="02020603050405020304" pitchFamily="18" charset="0"/>
-              </a:rPr>
-              <a:t>sql</a:t>
-            </a:r>
-            <a:r>
-              <a:rPr lang="pt-BR" sz="2000" dirty="0">
-                <a:latin typeface="Times New Roman" panose="02020603050405020304" pitchFamily="18" charset="0"/>
-                <a:cs typeface="Times New Roman" panose="02020603050405020304" pitchFamily="18" charset="0"/>
-              </a:rPr>
-              <a:t>)</a:t>
-            </a:r>
-          </a:p>
-          <a:p>
-            <a:pPr marL="0" indent="0" algn="just">
-              <a:buNone/>
-            </a:pPr>
-            <a:r>
-              <a:rPr lang="pt-BR" sz="2000" dirty="0" err="1">
-                <a:latin typeface="Times New Roman" panose="02020603050405020304" pitchFamily="18" charset="0"/>
-                <a:cs typeface="Times New Roman" panose="02020603050405020304" pitchFamily="18" charset="0"/>
-              </a:rPr>
-              <a:t>conn.</a:t>
-            </a:r>
-            <a:r>
-              <a:rPr lang="pt-BR" sz="2000" b="1" dirty="0" err="1">
-                <a:solidFill>
-                  <a:srgbClr val="FF0000"/>
-                </a:solidFill>
-                <a:latin typeface="Times New Roman" panose="02020603050405020304" pitchFamily="18" charset="0"/>
-                <a:cs typeface="Times New Roman" panose="02020603050405020304" pitchFamily="18" charset="0"/>
-              </a:rPr>
-              <a:t>commit</a:t>
-            </a:r>
-            <a:r>
-              <a:rPr lang="pt-BR" sz="2000" dirty="0">
-                <a:latin typeface="Times New Roman" panose="02020603050405020304" pitchFamily="18" charset="0"/>
-                <a:cs typeface="Times New Roman" panose="02020603050405020304" pitchFamily="18" charset="0"/>
-              </a:rPr>
-              <a:t>()</a:t>
-            </a:r>
-          </a:p>
-          <a:p>
-            <a:pPr marL="0" indent="0" algn="just">
-              <a:buNone/>
-            </a:pPr>
-            <a:r>
-              <a:rPr lang="pt-BR" sz="2000" b="1" dirty="0">
-                <a:latin typeface="Times New Roman" panose="02020603050405020304" pitchFamily="18" charset="0"/>
-                <a:cs typeface="Times New Roman" panose="02020603050405020304" pitchFamily="18" charset="0"/>
-              </a:rPr>
-              <a:t>print</a:t>
-            </a:r>
-            <a:r>
-              <a:rPr lang="pt-BR" sz="2000" dirty="0">
-                <a:latin typeface="Times New Roman" panose="02020603050405020304" pitchFamily="18" charset="0"/>
-                <a:cs typeface="Times New Roman" panose="02020603050405020304" pitchFamily="18" charset="0"/>
-              </a:rPr>
-              <a:t>("Atualizado com sucesso")</a:t>
-            </a:r>
-            <a:endParaRPr lang="pt-BR" sz="2000" dirty="0">
+            <a:endParaRPr lang="pt-BR" sz="2400" dirty="0">
               <a:solidFill>
                 <a:schemeClr val="tx1"/>
               </a:solidFill>
@@ -9324,12 +9871,129 @@
               <a:cs typeface="Times New Roman" panose="02020603050405020304" pitchFamily="18" charset="0"/>
             </a:endParaRPr>
           </a:p>
+          <a:p>
+            <a:pPr marL="0" indent="0" algn="just">
+              <a:buNone/>
+            </a:pPr>
+            <a:r>
+              <a:rPr lang="pt-BR" sz="2400" dirty="0" err="1">
+                <a:solidFill>
+                  <a:schemeClr val="tx1"/>
+                </a:solidFill>
+                <a:latin typeface="Times New Roman" panose="02020603050405020304" pitchFamily="18" charset="0"/>
+                <a:cs typeface="Times New Roman" panose="02020603050405020304" pitchFamily="18" charset="0"/>
+              </a:rPr>
+              <a:t>cursor.</a:t>
+            </a:r>
+            <a:r>
+              <a:rPr lang="pt-BR" sz="2400" b="1" dirty="0" err="1">
+                <a:solidFill>
+                  <a:schemeClr val="tx1"/>
+                </a:solidFill>
+                <a:latin typeface="Times New Roman" panose="02020603050405020304" pitchFamily="18" charset="0"/>
+                <a:cs typeface="Times New Roman" panose="02020603050405020304" pitchFamily="18" charset="0"/>
+              </a:rPr>
+              <a:t>execute</a:t>
+            </a:r>
+            <a:r>
+              <a:rPr lang="pt-BR" sz="2400" dirty="0">
+                <a:solidFill>
+                  <a:schemeClr val="tx1"/>
+                </a:solidFill>
+                <a:latin typeface="Times New Roman" panose="02020603050405020304" pitchFamily="18" charset="0"/>
+                <a:cs typeface="Times New Roman" panose="02020603050405020304" pitchFamily="18" charset="0"/>
+              </a:rPr>
+              <a:t>(</a:t>
+            </a:r>
+            <a:r>
+              <a:rPr lang="pt-BR" sz="2400" dirty="0" err="1">
+                <a:solidFill>
+                  <a:schemeClr val="tx1"/>
+                </a:solidFill>
+                <a:latin typeface="Times New Roman" panose="02020603050405020304" pitchFamily="18" charset="0"/>
+                <a:cs typeface="Times New Roman" panose="02020603050405020304" pitchFamily="18" charset="0"/>
+              </a:rPr>
+              <a:t>sql</a:t>
+            </a:r>
+            <a:r>
+              <a:rPr lang="pt-BR" sz="2400" dirty="0">
+                <a:solidFill>
+                  <a:schemeClr val="tx1"/>
+                </a:solidFill>
+                <a:latin typeface="Times New Roman" panose="02020603050405020304" pitchFamily="18" charset="0"/>
+                <a:cs typeface="Times New Roman" panose="02020603050405020304" pitchFamily="18" charset="0"/>
+              </a:rPr>
+              <a:t>)</a:t>
+            </a:r>
+          </a:p>
+          <a:p>
+            <a:pPr marL="0" indent="0" algn="just">
+              <a:buNone/>
+            </a:pPr>
+            <a:r>
+              <a:rPr lang="pt-BR" sz="2400" dirty="0" err="1">
+                <a:latin typeface="Times New Roman" panose="02020603050405020304" pitchFamily="18" charset="0"/>
+                <a:cs typeface="Times New Roman" panose="02020603050405020304" pitchFamily="18" charset="0"/>
+              </a:rPr>
+              <a:t>conn.</a:t>
+            </a:r>
+            <a:r>
+              <a:rPr lang="pt-BR" sz="2400" b="1" dirty="0" err="1">
+                <a:solidFill>
+                  <a:srgbClr val="FF0000"/>
+                </a:solidFill>
+                <a:latin typeface="Times New Roman" panose="02020603050405020304" pitchFamily="18" charset="0"/>
+                <a:cs typeface="Times New Roman" panose="02020603050405020304" pitchFamily="18" charset="0"/>
+              </a:rPr>
+              <a:t>commit</a:t>
+            </a:r>
+            <a:r>
+              <a:rPr lang="pt-BR" sz="2400" dirty="0">
+                <a:latin typeface="Times New Roman" panose="02020603050405020304" pitchFamily="18" charset="0"/>
+                <a:cs typeface="Times New Roman" panose="02020603050405020304" pitchFamily="18" charset="0"/>
+              </a:rPr>
+              <a:t>();</a:t>
+            </a:r>
+            <a:endParaRPr lang="pt-BR" sz="2400" dirty="0">
+              <a:solidFill>
+                <a:schemeClr val="tx1"/>
+              </a:solidFill>
+              <a:latin typeface="Times New Roman" panose="02020603050405020304" pitchFamily="18" charset="0"/>
+              <a:cs typeface="Times New Roman" panose="02020603050405020304" pitchFamily="18" charset="0"/>
+            </a:endParaRPr>
+          </a:p>
+          <a:p>
+            <a:pPr marL="0" indent="0" algn="just">
+              <a:buNone/>
+            </a:pPr>
+            <a:r>
+              <a:rPr lang="pt-BR" sz="2400" b="1" dirty="0">
+                <a:latin typeface="Times New Roman" panose="02020603050405020304" pitchFamily="18" charset="0"/>
+                <a:cs typeface="Times New Roman" panose="02020603050405020304" pitchFamily="18" charset="0"/>
+              </a:rPr>
+              <a:t>print</a:t>
+            </a:r>
+            <a:r>
+              <a:rPr lang="pt-BR" sz="2400" dirty="0">
+                <a:latin typeface="Times New Roman" panose="02020603050405020304" pitchFamily="18" charset="0"/>
+                <a:cs typeface="Times New Roman" panose="02020603050405020304" pitchFamily="18" charset="0"/>
+              </a:rPr>
+              <a:t>(“Inserido com sucesso”</a:t>
+            </a:r>
+            <a:endParaRPr lang="pt-BR" sz="2400" dirty="0">
+              <a:solidFill>
+                <a:schemeClr val="tx1"/>
+              </a:solidFill>
+              <a:latin typeface="Times New Roman" panose="02020603050405020304" pitchFamily="18" charset="0"/>
+              <a:cs typeface="Times New Roman" panose="02020603050405020304" pitchFamily="18" charset="0"/>
+            </a:endParaRPr>
+          </a:p>
         </p:txBody>
       </p:sp>
     </p:spTree>
     <p:extLst>
       <p:ext uri="{BB962C8B-B14F-4D97-AF65-F5344CB8AC3E}">
-        <p14:creationId xmlns:p14="http://schemas.microsoft.com/office/powerpoint/2010/main" val="4197986306"/>
+        <p14:creationId xmlns:p14="http://schemas.microsoft.com/office/powerpoint/2010/main" val="3817461576"/>
       </p:ext>
     </p:extLst>
   </p:cSld>
@@ -9386,7 +10050,7 @@
                   <a:srgbClr val="0070C0"/>
                 </a:solidFill>
               </a:rPr>
-              <a:t>Python – BANCO DE DADOS – CRUD DELETE</a:t>
+              <a:t>Python – BANCO DE DADOS – CRUD UPDATE</a:t>
             </a:r>
           </a:p>
         </p:txBody>
@@ -9417,7 +10081,7 @@
               <a:buNone/>
             </a:pPr>
             <a:r>
-              <a:rPr lang="pt-BR" sz="2000" dirty="0">
+              <a:rPr lang="pt-BR" sz="2400" dirty="0">
                 <a:solidFill>
                   <a:schemeClr val="tx1"/>
                 </a:solidFill>
@@ -9427,7 +10091,7 @@
               <a:t>cursor = </a:t>
             </a:r>
             <a:r>
-              <a:rPr lang="pt-BR" sz="2000" dirty="0" err="1">
+              <a:rPr lang="pt-BR" sz="2400" dirty="0" err="1">
                 <a:solidFill>
                   <a:schemeClr val="tx1"/>
                 </a:solidFill>
@@ -9437,7 +10101,7 @@
               <a:t>conn.</a:t>
             </a:r>
             <a:r>
-              <a:rPr lang="pt-BR" sz="2000" b="1" dirty="0" err="1">
+              <a:rPr lang="pt-BR" sz="2400" b="1" dirty="0" err="1">
                 <a:solidFill>
                   <a:srgbClr val="FF0000"/>
                 </a:solidFill>
@@ -9447,7 +10111,7 @@
               <a:t>cursor</a:t>
             </a:r>
             <a:r>
-              <a:rPr lang="pt-BR" sz="2000" dirty="0">
+              <a:rPr lang="pt-BR" sz="2400" dirty="0">
                 <a:solidFill>
                   <a:schemeClr val="tx1"/>
                 </a:solidFill>
@@ -9462,13 +10126,13 @@
               <a:buNone/>
             </a:pPr>
             <a:r>
-              <a:rPr lang="pt-BR" sz="2000" dirty="0">
+              <a:rPr lang="pt-BR" sz="2400" dirty="0">
                 <a:latin typeface="Times New Roman" panose="02020603050405020304" pitchFamily="18" charset="0"/>
                 <a:cs typeface="Times New Roman" panose="02020603050405020304" pitchFamily="18" charset="0"/>
               </a:rPr>
               <a:t>id = 63</a:t>
             </a:r>
-            <a:endParaRPr lang="pt-BR" sz="2000" dirty="0">
+            <a:endParaRPr lang="pt-BR" sz="2400" dirty="0">
               <a:solidFill>
                 <a:schemeClr val="tx1"/>
               </a:solidFill>
@@ -9481,21 +10145,33 @@
               <a:buNone/>
             </a:pPr>
             <a:r>
-              <a:rPr lang="pt-BR" sz="2000" dirty="0" err="1">
+              <a:rPr lang="pt-BR" sz="2400" dirty="0">
+                <a:latin typeface="Times New Roman" panose="02020603050405020304" pitchFamily="18" charset="0"/>
+                <a:cs typeface="Times New Roman" panose="02020603050405020304" pitchFamily="18" charset="0"/>
+              </a:rPr>
+              <a:t>nome = "recursos humanos"</a:t>
+            </a:r>
+          </a:p>
+          <a:p>
+            <a:pPr marL="0" indent="0" algn="just">
+              <a:buNone/>
+            </a:pPr>
+            <a:r>
+              <a:rPr lang="pt-BR" sz="2400" dirty="0" err="1">
                 <a:latin typeface="Times New Roman" panose="02020603050405020304" pitchFamily="18" charset="0"/>
                 <a:cs typeface="Times New Roman" panose="02020603050405020304" pitchFamily="18" charset="0"/>
               </a:rPr>
               <a:t>sql</a:t>
             </a:r>
             <a:r>
-              <a:rPr lang="pt-BR" sz="2000" dirty="0">
+              <a:rPr lang="pt-BR" sz="2400" dirty="0">
                 <a:latin typeface="Times New Roman" panose="02020603050405020304" pitchFamily="18" charset="0"/>
                 <a:cs typeface="Times New Roman" panose="02020603050405020304" pitchFamily="18" charset="0"/>
               </a:rPr>
               <a:t> = </a:t>
             </a:r>
             <a:r>
-              <a:rPr lang="pt-BR" sz="2000" b="1" dirty="0" err="1">
+              <a:rPr lang="pt-BR" sz="2400" b="1" dirty="0" err="1">
                 <a:solidFill>
                   <a:srgbClr val="FF0000"/>
                 </a:solidFill>
@@ -9505,63 +10181,77 @@
               <a:t>f</a:t>
             </a:r>
             <a:r>
-              <a:rPr lang="pt-BR" sz="2000" dirty="0" err="1">
-                <a:latin typeface="Times New Roman" panose="02020603050405020304" pitchFamily="18" charset="0"/>
-                <a:cs typeface="Times New Roman" panose="02020603050405020304" pitchFamily="18" charset="0"/>
-              </a:rPr>
-              <a:t>“</a:t>
-            </a:r>
-            <a:r>
-              <a:rPr lang="pt-BR" sz="2000" b="1" dirty="0" err="1">
-                <a:latin typeface="Times New Roman" panose="02020603050405020304" pitchFamily="18" charset="0"/>
-                <a:cs typeface="Times New Roman" panose="02020603050405020304" pitchFamily="18" charset="0"/>
-              </a:rPr>
-              <a:t>delete</a:t>
-            </a:r>
-            <a:r>
-              <a:rPr lang="pt-BR" sz="2000" dirty="0">
+              <a:rPr lang="pt-BR" sz="2400" dirty="0" err="1">
+                <a:latin typeface="Times New Roman" panose="02020603050405020304" pitchFamily="18" charset="0"/>
+                <a:cs typeface="Times New Roman" panose="02020603050405020304" pitchFamily="18" charset="0"/>
+              </a:rPr>
+              <a:t>"</a:t>
+            </a:r>
+            <a:r>
+              <a:rPr lang="pt-BR" sz="2400" b="1" dirty="0" err="1">
+                <a:latin typeface="Times New Roman" panose="02020603050405020304" pitchFamily="18" charset="0"/>
+                <a:cs typeface="Times New Roman" panose="02020603050405020304" pitchFamily="18" charset="0"/>
+              </a:rPr>
+              <a:t>update</a:t>
+            </a:r>
+            <a:r>
+              <a:rPr lang="pt-BR" sz="2400" dirty="0">
                 <a:latin typeface="Times New Roman" panose="02020603050405020304" pitchFamily="18" charset="0"/>
                 <a:cs typeface="Times New Roman" panose="02020603050405020304" pitchFamily="18" charset="0"/>
               </a:rPr>
               <a:t> </a:t>
             </a:r>
             <a:r>
-              <a:rPr lang="pt-BR" sz="2000" b="1" dirty="0" err="1">
-                <a:latin typeface="Times New Roman" panose="02020603050405020304" pitchFamily="18" charset="0"/>
-                <a:cs typeface="Times New Roman" panose="02020603050405020304" pitchFamily="18" charset="0"/>
-              </a:rPr>
-              <a:t>from</a:t>
-            </a:r>
-            <a:r>
-              <a:rPr lang="pt-BR" sz="2000" b="1" dirty="0">
+              <a:rPr lang="pt-BR" sz="2400" dirty="0" err="1">
+                <a:latin typeface="Times New Roman" panose="02020603050405020304" pitchFamily="18" charset="0"/>
+                <a:cs typeface="Times New Roman" panose="02020603050405020304" pitchFamily="18" charset="0"/>
+              </a:rPr>
+              <a:t>department</a:t>
+            </a:r>
+            <a:r>
+              <a:rPr lang="pt-BR" sz="2400" dirty="0">
                 <a:latin typeface="Times New Roman" panose="02020603050405020304" pitchFamily="18" charset="0"/>
                 <a:cs typeface="Times New Roman" panose="02020603050405020304" pitchFamily="18" charset="0"/>
               </a:rPr>
               <a:t> </a:t>
             </a:r>
             <a:r>
-              <a:rPr lang="pt-BR" sz="2000" dirty="0" err="1">
-                <a:latin typeface="Times New Roman" panose="02020603050405020304" pitchFamily="18" charset="0"/>
-                <a:cs typeface="Times New Roman" panose="02020603050405020304" pitchFamily="18" charset="0"/>
-              </a:rPr>
-              <a:t>department</a:t>
-            </a:r>
-            <a:r>
-              <a:rPr lang="pt-BR" sz="2000" dirty="0">
+              <a:rPr lang="pt-BR" sz="2400" b="1" dirty="0">
+                <a:latin typeface="Times New Roman" panose="02020603050405020304" pitchFamily="18" charset="0"/>
+                <a:cs typeface="Times New Roman" panose="02020603050405020304" pitchFamily="18" charset="0"/>
+              </a:rPr>
+              <a:t>set</a:t>
+            </a:r>
+            <a:r>
+              <a:rPr lang="pt-BR" sz="2400" dirty="0">
                 <a:latin typeface="Times New Roman" panose="02020603050405020304" pitchFamily="18" charset="0"/>
                 <a:cs typeface="Times New Roman" panose="02020603050405020304" pitchFamily="18" charset="0"/>
               </a:rPr>
               <a:t> </a:t>
             </a:r>
             <a:r>
-              <a:rPr lang="pt-BR" sz="2000" b="1" dirty="0" err="1">
+              <a:rPr lang="pt-BR" sz="2400" dirty="0" err="1">
+                <a:latin typeface="Times New Roman" panose="02020603050405020304" pitchFamily="18" charset="0"/>
+                <a:cs typeface="Times New Roman" panose="02020603050405020304" pitchFamily="18" charset="0"/>
+              </a:rPr>
+              <a:t>Name</a:t>
+            </a:r>
+            <a:r>
+              <a:rPr lang="pt-BR" sz="2400" dirty="0">
+                <a:latin typeface="Times New Roman" panose="02020603050405020304" pitchFamily="18" charset="0"/>
+                <a:cs typeface="Times New Roman" panose="02020603050405020304" pitchFamily="18" charset="0"/>
+              </a:rPr>
+              <a:t> = '{nome}' </a:t>
+            </a:r>
+            <a:r>
+              <a:rPr lang="pt-BR" sz="2400" b="1" dirty="0" err="1">
                 <a:latin typeface="Times New Roman" panose="02020603050405020304" pitchFamily="18" charset="0"/>
                 <a:cs typeface="Times New Roman" panose="02020603050405020304" pitchFamily="18" charset="0"/>
               </a:rPr>
               <a:t>where</a:t>
             </a:r>
             <a:r>
-              <a:rPr lang="pt-BR" sz="2000" dirty="0">
+              <a:rPr lang="pt-BR" sz="2400" dirty="0">
                 <a:latin typeface="Times New Roman" panose="02020603050405020304" pitchFamily="18" charset="0"/>
                 <a:cs typeface="Times New Roman" panose="02020603050405020304" pitchFamily="18" charset="0"/>
               </a:rPr>
@@ -9572,15 +10262,24 @@
             <a:pPr marL="0" indent="0" algn="just">
               <a:buNone/>
             </a:pPr>
-            <a:r>
-              <a:rPr lang="pt-BR" sz="2000" dirty="0" err="1">
+            <a:endParaRPr lang="pt-BR" sz="2400" dirty="0">
+              <a:latin typeface="Times New Roman" panose="02020603050405020304" pitchFamily="18" charset="0"/>
+              <a:cs typeface="Times New Roman" panose="02020603050405020304" pitchFamily="18" charset="0"/>
+            </a:endParaRPr>
+          </a:p>
+          <a:p>
+            <a:pPr marL="0" indent="0" algn="just">
+              <a:buNone/>
+            </a:pPr>
+            <a:r>
+              <a:rPr lang="pt-BR" sz="2400" dirty="0" err="1">
                 <a:latin typeface="Times New Roman" panose="02020603050405020304" pitchFamily="18" charset="0"/>
                 <a:cs typeface="Times New Roman" panose="02020603050405020304" pitchFamily="18" charset="0"/>
               </a:rPr>
               <a:t>cursor.</a:t>
             </a:r>
             <a:r>
-              <a:rPr lang="pt-BR" sz="2000" b="1" dirty="0" err="1">
+              <a:rPr lang="pt-BR" sz="2400" b="1" dirty="0" err="1">
                 <a:solidFill>
                   <a:srgbClr val="FF0000"/>
                 </a:solidFill>
@@ -9590,21 +10289,21 @@
               <a:t>execute</a:t>
             </a:r>
             <a:r>
-              <a:rPr lang="pt-BR" sz="2000" dirty="0">
+              <a:rPr lang="pt-BR" sz="2400" dirty="0">
                 <a:latin typeface="Times New Roman" panose="02020603050405020304" pitchFamily="18" charset="0"/>
                 <a:cs typeface="Times New Roman" panose="02020603050405020304" pitchFamily="18" charset="0"/>
               </a:rPr>
               <a:t>(</a:t>
             </a:r>
             <a:r>
-              <a:rPr lang="pt-BR" sz="2000" dirty="0" err="1">
+              <a:rPr lang="pt-BR" sz="2400" dirty="0" err="1">
                 <a:latin typeface="Times New Roman" panose="02020603050405020304" pitchFamily="18" charset="0"/>
                 <a:cs typeface="Times New Roman" panose="02020603050405020304" pitchFamily="18" charset="0"/>
               </a:rPr>
               <a:t>sql</a:t>
             </a:r>
             <a:r>
-              <a:rPr lang="pt-BR" sz="2000" dirty="0">
+              <a:rPr lang="pt-BR" sz="2400" dirty="0">
                 <a:latin typeface="Times New Roman" panose="02020603050405020304" pitchFamily="18" charset="0"/>
                 <a:cs typeface="Times New Roman" panose="02020603050405020304" pitchFamily="18" charset="0"/>
               </a:rPr>
@@ -9616,14 +10315,14 @@
               <a:buNone/>
             </a:pPr>
             <a:r>
-              <a:rPr lang="pt-BR" sz="2000" dirty="0" err="1">
+              <a:rPr lang="pt-BR" sz="2400" dirty="0" err="1">
                 <a:latin typeface="Times New Roman" panose="02020603050405020304" pitchFamily="18" charset="0"/>
                 <a:cs typeface="Times New Roman" panose="02020603050405020304" pitchFamily="18" charset="0"/>
               </a:rPr>
               <a:t>conn.</a:t>
             </a:r>
             <a:r>
-              <a:rPr lang="pt-BR" sz="2000" b="1" dirty="0" err="1">
+              <a:rPr lang="pt-BR" sz="2400" b="1" dirty="0" err="1">
                 <a:solidFill>
                   <a:srgbClr val="FF0000"/>
                 </a:solidFill>
@@ -9633,7 +10332,7 @@
               <a:t>commit</a:t>
             </a:r>
             <a:r>
-              <a:rPr lang="pt-BR" sz="2000" dirty="0">
+              <a:rPr lang="pt-BR" sz="2400" dirty="0">
                 <a:latin typeface="Times New Roman" panose="02020603050405020304" pitchFamily="18" charset="0"/>
                 <a:cs typeface="Times New Roman" panose="02020603050405020304" pitchFamily="18" charset="0"/>
               </a:rPr>
@@ -9645,20 +10344,20 @@
               <a:buNone/>
             </a:pPr>
             <a:r>
-              <a:rPr lang="pt-BR" sz="2000" b="1" dirty="0">
+              <a:rPr lang="pt-BR" sz="2400" b="1" dirty="0">
                 <a:latin typeface="Times New Roman" panose="02020603050405020304" pitchFamily="18" charset="0"/>
                 <a:cs typeface="Times New Roman" panose="02020603050405020304" pitchFamily="18" charset="0"/>
               </a:rPr>
               <a:t>print</a:t>
             </a:r>
             <a:r>
-              <a:rPr lang="pt-BR" sz="2000" dirty="0">
-                <a:latin typeface="Times New Roman" panose="02020603050405020304" pitchFamily="18" charset="0"/>
-                <a:cs typeface="Times New Roman" panose="02020603050405020304" pitchFamily="18" charset="0"/>
-              </a:rPr>
-              <a:t>(“Excluído com sucesso")</a:t>
-            </a:r>
-            <a:endParaRPr lang="pt-BR" sz="2000" dirty="0">
+              <a:rPr lang="pt-BR" sz="2400" dirty="0">
+                <a:latin typeface="Times New Roman" panose="02020603050405020304" pitchFamily="18" charset="0"/>
+                <a:cs typeface="Times New Roman" panose="02020603050405020304" pitchFamily="18" charset="0"/>
+              </a:rPr>
+              <a:t>("Atualizado com sucesso")</a:t>
+            </a:r>
+            <a:endParaRPr lang="pt-BR" sz="2400" dirty="0">
               <a:solidFill>
                 <a:schemeClr val="tx1"/>
               </a:solidFill>
@@ -9671,7 +10370,7 @@
     </p:spTree>
     <p:extLst>
       <p:ext uri="{BB962C8B-B14F-4D97-AF65-F5344CB8AC3E}">
-        <p14:creationId xmlns:p14="http://schemas.microsoft.com/office/powerpoint/2010/main" val="4223033648"/>
+        <p14:creationId xmlns:p14="http://schemas.microsoft.com/office/powerpoint/2010/main" val="4197986306"/>
       </p:ext>
     </p:extLst>
   </p:cSld>

--- a/01 Classes/Aula 12, 13 Programação Python - Banco de Dados.pptx
+++ b/01 Classes/Aula 12, 13 Programação Python - Banco de Dados.pptx
@@ -5,24 +5,25 @@
     <p:sldMasterId id="2147483671" r:id="rId1"/>
   </p:sldMasterIdLst>
   <p:notesMasterIdLst>
-    <p:notesMasterId r:id="rId17"/>
+    <p:notesMasterId r:id="rId18"/>
   </p:notesMasterIdLst>
   <p:sldIdLst>
     <p:sldId id="256" r:id="rId2"/>
     <p:sldId id="291" r:id="rId3"/>
     <p:sldId id="331" r:id="rId4"/>
     <p:sldId id="338" r:id="rId5"/>
-    <p:sldId id="344" r:id="rId6"/>
-    <p:sldId id="339" r:id="rId7"/>
-    <p:sldId id="340" r:id="rId8"/>
-    <p:sldId id="341" r:id="rId9"/>
-    <p:sldId id="342" r:id="rId10"/>
-    <p:sldId id="343" r:id="rId11"/>
-    <p:sldId id="323" r:id="rId12"/>
-    <p:sldId id="333" r:id="rId13"/>
-    <p:sldId id="334" r:id="rId14"/>
-    <p:sldId id="337" r:id="rId15"/>
-    <p:sldId id="309" r:id="rId16"/>
+    <p:sldId id="345" r:id="rId6"/>
+    <p:sldId id="344" r:id="rId7"/>
+    <p:sldId id="339" r:id="rId8"/>
+    <p:sldId id="340" r:id="rId9"/>
+    <p:sldId id="341" r:id="rId10"/>
+    <p:sldId id="342" r:id="rId11"/>
+    <p:sldId id="343" r:id="rId12"/>
+    <p:sldId id="323" r:id="rId13"/>
+    <p:sldId id="333" r:id="rId14"/>
+    <p:sldId id="334" r:id="rId15"/>
+    <p:sldId id="337" r:id="rId16"/>
+    <p:sldId id="309" r:id="rId17"/>
   </p:sldIdLst>
   <p:sldSz cx="9144000" cy="5143500" type="screen16x9"/>
   <p:notesSz cx="6858000" cy="9144000"/>
@@ -437,7 +438,7 @@
     </p:spTree>
     <p:extLst>
       <p:ext uri="{BB962C8B-B14F-4D97-AF65-F5344CB8AC3E}">
-        <p14:creationId xmlns:p14="http://schemas.microsoft.com/office/powerpoint/2010/main" val="585304384"/>
+        <p14:creationId xmlns:p14="http://schemas.microsoft.com/office/powerpoint/2010/main" val="2709569597"/>
       </p:ext>
     </p:extLst>
   </p:cSld>
@@ -503,6 +504,72 @@
     </p:spTree>
     <p:extLst>
       <p:ext uri="{BB962C8B-B14F-4D97-AF65-F5344CB8AC3E}">
+        <p14:creationId xmlns:p14="http://schemas.microsoft.com/office/powerpoint/2010/main" val="585304384"/>
+      </p:ext>
+    </p:extLst>
+  </p:cSld>
+  <p:clrMapOvr>
+    <a:masterClrMapping/>
+  </p:clrMapOvr>
+</p:notes>
+</file>
+
+<file path=ppt/notesSlides/notesSlide12.xml><?xml version="1.0" encoding="utf-8"?>
+<p:notes xmlns:a="http://schemas.openxmlformats.org/drawingml/2006/main" xmlns:r="http://schemas.openxmlformats.org/officeDocument/2006/relationships" xmlns:p="http://schemas.openxmlformats.org/presentationml/2006/main">
+  <p:cSld>
+    <p:spTree>
+      <p:nvGrpSpPr>
+        <p:cNvPr id="1" name=""/>
+        <p:cNvGrpSpPr/>
+        <p:nvPr/>
+      </p:nvGrpSpPr>
+      <p:grpSpPr>
+        <a:xfrm>
+          <a:off x="0" y="0"/>
+          <a:ext cx="0" cy="0"/>
+          <a:chOff x="0" y="0"/>
+          <a:chExt cx="0" cy="0"/>
+        </a:xfrm>
+      </p:grpSpPr>
+      <p:sp>
+        <p:nvSpPr>
+          <p:cNvPr id="2" name="Espaço Reservado para Imagem de Slide 1"/>
+          <p:cNvSpPr>
+            <a:spLocks noGrp="1" noRot="1" noChangeAspect="1"/>
+          </p:cNvSpPr>
+          <p:nvPr>
+            <p:ph type="sldImg"/>
+          </p:nvPr>
+        </p:nvSpPr>
+        <p:spPr>
+          <a:xfrm>
+            <a:off x="381000" y="685800"/>
+            <a:ext cx="6096000" cy="3429000"/>
+          </a:xfrm>
+        </p:spPr>
+      </p:sp>
+      <p:sp>
+        <p:nvSpPr>
+          <p:cNvPr id="3" name="Espaço Reservado para Anotações 2"/>
+          <p:cNvSpPr>
+            <a:spLocks noGrp="1"/>
+          </p:cNvSpPr>
+          <p:nvPr>
+            <p:ph type="body" idx="1"/>
+          </p:nvPr>
+        </p:nvSpPr>
+        <p:spPr/>
+        <p:txBody>
+          <a:bodyPr/>
+          <a:lstStyle/>
+          <a:p>
+            <a:endParaRPr lang="pt-BR" dirty="0"/>
+          </a:p>
+        </p:txBody>
+      </p:sp>
+    </p:spTree>
+    <p:extLst>
+      <p:ext uri="{BB962C8B-B14F-4D97-AF65-F5344CB8AC3E}">
         <p14:creationId xmlns:p14="http://schemas.microsoft.com/office/powerpoint/2010/main" val="2296249050"/>
       </p:ext>
     </p:extLst>
@@ -513,7 +580,7 @@
 </p:notes>
 </file>
 
-<file path=ppt/notesSlides/notesSlide12.xml><?xml version="1.0" encoding="utf-8"?>
+<file path=ppt/notesSlides/notesSlide13.xml><?xml version="1.0" encoding="utf-8"?>
 <p:notes xmlns:a="http://schemas.openxmlformats.org/drawingml/2006/main" xmlns:r="http://schemas.openxmlformats.org/officeDocument/2006/relationships" xmlns:p="http://schemas.openxmlformats.org/presentationml/2006/main">
   <p:cSld>
     <p:spTree>
@@ -701,7 +768,7 @@
     </p:spTree>
     <p:extLst>
       <p:ext uri="{BB962C8B-B14F-4D97-AF65-F5344CB8AC3E}">
-        <p14:creationId xmlns:p14="http://schemas.microsoft.com/office/powerpoint/2010/main" val="2874280149"/>
+        <p14:creationId xmlns:p14="http://schemas.microsoft.com/office/powerpoint/2010/main" val="2155634644"/>
       </p:ext>
     </p:extLst>
   </p:cSld>
@@ -767,7 +834,7 @@
     </p:spTree>
     <p:extLst>
       <p:ext uri="{BB962C8B-B14F-4D97-AF65-F5344CB8AC3E}">
-        <p14:creationId xmlns:p14="http://schemas.microsoft.com/office/powerpoint/2010/main" val="3253851464"/>
+        <p14:creationId xmlns:p14="http://schemas.microsoft.com/office/powerpoint/2010/main" val="2874280149"/>
       </p:ext>
     </p:extLst>
   </p:cSld>
@@ -833,7 +900,7 @@
     </p:spTree>
     <p:extLst>
       <p:ext uri="{BB962C8B-B14F-4D97-AF65-F5344CB8AC3E}">
-        <p14:creationId xmlns:p14="http://schemas.microsoft.com/office/powerpoint/2010/main" val="355499387"/>
+        <p14:creationId xmlns:p14="http://schemas.microsoft.com/office/powerpoint/2010/main" val="3253851464"/>
       </p:ext>
     </p:extLst>
   </p:cSld>
@@ -899,7 +966,7 @@
     </p:spTree>
     <p:extLst>
       <p:ext uri="{BB962C8B-B14F-4D97-AF65-F5344CB8AC3E}">
-        <p14:creationId xmlns:p14="http://schemas.microsoft.com/office/powerpoint/2010/main" val="152022818"/>
+        <p14:creationId xmlns:p14="http://schemas.microsoft.com/office/powerpoint/2010/main" val="355499387"/>
       </p:ext>
     </p:extLst>
   </p:cSld>
@@ -965,7 +1032,7 @@
     </p:spTree>
     <p:extLst>
       <p:ext uri="{BB962C8B-B14F-4D97-AF65-F5344CB8AC3E}">
-        <p14:creationId xmlns:p14="http://schemas.microsoft.com/office/powerpoint/2010/main" val="103641948"/>
+        <p14:creationId xmlns:p14="http://schemas.microsoft.com/office/powerpoint/2010/main" val="152022818"/>
       </p:ext>
     </p:extLst>
   </p:cSld>
@@ -1031,7 +1098,7 @@
     </p:spTree>
     <p:extLst>
       <p:ext uri="{BB962C8B-B14F-4D97-AF65-F5344CB8AC3E}">
-        <p14:creationId xmlns:p14="http://schemas.microsoft.com/office/powerpoint/2010/main" val="1104284737"/>
+        <p14:creationId xmlns:p14="http://schemas.microsoft.com/office/powerpoint/2010/main" val="103641948"/>
       </p:ext>
     </p:extLst>
   </p:cSld>
@@ -1097,7 +1164,7 @@
     </p:spTree>
     <p:extLst>
       <p:ext uri="{BB962C8B-B14F-4D97-AF65-F5344CB8AC3E}">
-        <p14:creationId xmlns:p14="http://schemas.microsoft.com/office/powerpoint/2010/main" val="2709569597"/>
+        <p14:creationId xmlns:p14="http://schemas.microsoft.com/office/powerpoint/2010/main" val="1104284737"/>
       </p:ext>
     </p:extLst>
   </p:cSld>
@@ -1246,7 +1313,7 @@
           <a:p>
             <a:fld id="{48A87A34-81AB-432B-8DAE-1953F412C126}" type="datetimeFigureOut">
               <a:rPr lang="en-US" smtClean="0"/>
-              <a:t>5/28/2022</a:t>
+              <a:t>6/7/2022</a:t>
             </a:fld>
             <a:endParaRPr lang="en-US" dirty="0"/>
           </a:p>
@@ -1457,7 +1524,7 @@
           <a:p>
             <a:fld id="{48A87A34-81AB-432B-8DAE-1953F412C126}" type="datetimeFigureOut">
               <a:rPr lang="en-US" smtClean="0"/>
-              <a:t>5/28/2022</a:t>
+              <a:t>6/7/2022</a:t>
             </a:fld>
             <a:endParaRPr lang="en-US" dirty="0"/>
           </a:p>
@@ -1672,7 +1739,7 @@
           <a:p>
             <a:fld id="{48A87A34-81AB-432B-8DAE-1953F412C126}" type="datetimeFigureOut">
               <a:rPr lang="en-US" smtClean="0"/>
-              <a:t>5/28/2022</a:t>
+              <a:t>6/7/2022</a:t>
             </a:fld>
             <a:endParaRPr lang="en-US" dirty="0"/>
           </a:p>
@@ -2040,7 +2107,7 @@
           <a:p>
             <a:fld id="{48A87A34-81AB-432B-8DAE-1953F412C126}" type="datetimeFigureOut">
               <a:rPr lang="en-US" smtClean="0"/>
-              <a:t>5/28/2022</a:t>
+              <a:t>6/7/2022</a:t>
             </a:fld>
             <a:endParaRPr lang="en-US" dirty="0"/>
           </a:p>
@@ -2319,7 +2386,7 @@
           <a:p>
             <a:fld id="{48A87A34-81AB-432B-8DAE-1953F412C126}" type="datetimeFigureOut">
               <a:rPr lang="en-US" smtClean="0"/>
-              <a:t>5/28/2022</a:t>
+              <a:t>6/7/2022</a:t>
             </a:fld>
             <a:endParaRPr lang="en-US" dirty="0"/>
           </a:p>
@@ -2587,7 +2654,7 @@
           <a:p>
             <a:fld id="{48A87A34-81AB-432B-8DAE-1953F412C126}" type="datetimeFigureOut">
               <a:rPr lang="en-US" smtClean="0"/>
-              <a:t>5/28/2022</a:t>
+              <a:t>6/7/2022</a:t>
             </a:fld>
             <a:endParaRPr lang="en-US" dirty="0"/>
           </a:p>
@@ -3003,7 +3070,7 @@
           <a:p>
             <a:fld id="{48A87A34-81AB-432B-8DAE-1953F412C126}" type="datetimeFigureOut">
               <a:rPr lang="en-US" smtClean="0"/>
-              <a:t>5/28/2022</a:t>
+              <a:t>6/7/2022</a:t>
             </a:fld>
             <a:endParaRPr lang="en-US" dirty="0"/>
           </a:p>
@@ -3152,7 +3219,7 @@
           <a:p>
             <a:fld id="{48A87A34-81AB-432B-8DAE-1953F412C126}" type="datetimeFigureOut">
               <a:rPr lang="en-US" smtClean="0"/>
-              <a:t>5/28/2022</a:t>
+              <a:t>6/7/2022</a:t>
             </a:fld>
             <a:endParaRPr lang="en-US" dirty="0"/>
           </a:p>
@@ -3278,7 +3345,7 @@
           <a:p>
             <a:fld id="{48A87A34-81AB-432B-8DAE-1953F412C126}" type="datetimeFigureOut">
               <a:rPr lang="en-US" smtClean="0"/>
-              <a:t>5/28/2022</a:t>
+              <a:t>6/7/2022</a:t>
             </a:fld>
             <a:endParaRPr lang="en-US" dirty="0"/>
           </a:p>
@@ -3529,7 +3596,7 @@
           <a:p>
             <a:fld id="{48A87A34-81AB-432B-8DAE-1953F412C126}" type="datetimeFigureOut">
               <a:rPr lang="en-US" smtClean="0"/>
-              <a:t>5/28/2022</a:t>
+              <a:t>6/7/2022</a:t>
             </a:fld>
             <a:endParaRPr lang="en-US" dirty="0"/>
           </a:p>
@@ -3975,7 +4042,7 @@
             <a:fld id="{48A87A34-81AB-432B-8DAE-1953F412C126}" type="datetimeFigureOut">
               <a:rPr lang="en-US" smtClean="0"/>
               <a:pPr/>
-              <a:t>5/28/2022</a:t>
+              <a:t>6/7/2022</a:t>
             </a:fld>
             <a:endParaRPr lang="en-US" dirty="0"/>
           </a:p>
@@ -4303,7 +4370,7 @@
             <a:fld id="{48A87A34-81AB-432B-8DAE-1953F412C126}" type="datetimeFigureOut">
               <a:rPr lang="en-US" smtClean="0"/>
               <a:pPr/>
-              <a:t>5/28/2022</a:t>
+              <a:t>6/7/2022</a:t>
             </a:fld>
             <a:endParaRPr lang="en-US" dirty="0"/>
           </a:p>
@@ -5374,7 +5441,7 @@
                   <a:srgbClr val="0070C0"/>
                 </a:solidFill>
               </a:rPr>
-              <a:t>Python – BANCO DE DADOS – CRUD DELETE</a:t>
+              <a:t>Python – BANCO DE DADOS – CRUD UPDATE</a:t>
             </a:r>
           </a:p>
         </p:txBody>
@@ -5469,6 +5536,18 @@
               <a:buNone/>
             </a:pPr>
             <a:r>
+              <a:rPr lang="pt-BR" sz="2400" dirty="0">
+                <a:latin typeface="Times New Roman" panose="02020603050405020304" pitchFamily="18" charset="0"/>
+                <a:cs typeface="Times New Roman" panose="02020603050405020304" pitchFamily="18" charset="0"/>
+              </a:rPr>
+              <a:t>nome = "recursos humanos"</a:t>
+            </a:r>
+          </a:p>
+          <a:p>
+            <a:pPr marL="0" indent="0" algn="just">
+              <a:buNone/>
+            </a:pPr>
+            <a:r>
               <a:rPr lang="pt-BR" sz="2400" dirty="0" err="1">
                 <a:latin typeface="Times New Roman" panose="02020603050405020304" pitchFamily="18" charset="0"/>
                 <a:cs typeface="Times New Roman" panose="02020603050405020304" pitchFamily="18" charset="0"/>
@@ -5497,14 +5576,14 @@
                 <a:latin typeface="Times New Roman" panose="02020603050405020304" pitchFamily="18" charset="0"/>
                 <a:cs typeface="Times New Roman" panose="02020603050405020304" pitchFamily="18" charset="0"/>
               </a:rPr>
-              <a:t>“</a:t>
+              <a:t>"</a:t>
             </a:r>
             <a:r>
               <a:rPr lang="pt-BR" sz="2400" b="1" dirty="0" err="1">
                 <a:latin typeface="Times New Roman" panose="02020603050405020304" pitchFamily="18" charset="0"/>
                 <a:cs typeface="Times New Roman" panose="02020603050405020304" pitchFamily="18" charset="0"/>
               </a:rPr>
-              <a:t>delete</a:t>
+              <a:t>update</a:t>
             </a:r>
             <a:r>
               <a:rPr lang="pt-BR" sz="2400" dirty="0">
@@ -5514,239 +5593,160 @@
               <a:t> </a:t>
             </a:r>
             <a:r>
+              <a:rPr lang="pt-BR" sz="2400" dirty="0" err="1">
+                <a:latin typeface="Times New Roman" panose="02020603050405020304" pitchFamily="18" charset="0"/>
+                <a:cs typeface="Times New Roman" panose="02020603050405020304" pitchFamily="18" charset="0"/>
+              </a:rPr>
+              <a:t>department</a:t>
+            </a:r>
+            <a:r>
+              <a:rPr lang="pt-BR" sz="2400" dirty="0">
+                <a:latin typeface="Times New Roman" panose="02020603050405020304" pitchFamily="18" charset="0"/>
+                <a:cs typeface="Times New Roman" panose="02020603050405020304" pitchFamily="18" charset="0"/>
+              </a:rPr>
+              <a:t> </a:t>
+            </a:r>
+            <a:r>
+              <a:rPr lang="pt-BR" sz="2400" b="1" dirty="0">
+                <a:latin typeface="Times New Roman" panose="02020603050405020304" pitchFamily="18" charset="0"/>
+                <a:cs typeface="Times New Roman" panose="02020603050405020304" pitchFamily="18" charset="0"/>
+              </a:rPr>
+              <a:t>set</a:t>
+            </a:r>
+            <a:r>
+              <a:rPr lang="pt-BR" sz="2400" dirty="0">
+                <a:latin typeface="Times New Roman" panose="02020603050405020304" pitchFamily="18" charset="0"/>
+                <a:cs typeface="Times New Roman" panose="02020603050405020304" pitchFamily="18" charset="0"/>
+              </a:rPr>
+              <a:t> </a:t>
+            </a:r>
+            <a:r>
+              <a:rPr lang="pt-BR" sz="2400" dirty="0" err="1">
+                <a:latin typeface="Times New Roman" panose="02020603050405020304" pitchFamily="18" charset="0"/>
+                <a:cs typeface="Times New Roman" panose="02020603050405020304" pitchFamily="18" charset="0"/>
+              </a:rPr>
+              <a:t>Name</a:t>
+            </a:r>
+            <a:r>
+              <a:rPr lang="pt-BR" sz="2400" dirty="0">
+                <a:latin typeface="Times New Roman" panose="02020603050405020304" pitchFamily="18" charset="0"/>
+                <a:cs typeface="Times New Roman" panose="02020603050405020304" pitchFamily="18" charset="0"/>
+              </a:rPr>
+              <a:t> = '{nome}' </a:t>
+            </a:r>
+            <a:r>
               <a:rPr lang="pt-BR" sz="2400" b="1" dirty="0" err="1">
                 <a:latin typeface="Times New Roman" panose="02020603050405020304" pitchFamily="18" charset="0"/>
                 <a:cs typeface="Times New Roman" panose="02020603050405020304" pitchFamily="18" charset="0"/>
               </a:rPr>
-              <a:t>from</a:t>
-            </a:r>
+              <a:t>where</a:t>
+            </a:r>
+            <a:r>
+              <a:rPr lang="pt-BR" sz="2400" dirty="0">
+                <a:latin typeface="Times New Roman" panose="02020603050405020304" pitchFamily="18" charset="0"/>
+                <a:cs typeface="Times New Roman" panose="02020603050405020304" pitchFamily="18" charset="0"/>
+              </a:rPr>
+              <a:t> Id = {id}"</a:t>
+            </a:r>
+          </a:p>
+          <a:p>
+            <a:pPr marL="0" indent="0" algn="just">
+              <a:buNone/>
+            </a:pPr>
+            <a:endParaRPr lang="pt-BR" sz="2400" dirty="0">
+              <a:latin typeface="Times New Roman" panose="02020603050405020304" pitchFamily="18" charset="0"/>
+              <a:cs typeface="Times New Roman" panose="02020603050405020304" pitchFamily="18" charset="0"/>
+            </a:endParaRPr>
+          </a:p>
+          <a:p>
+            <a:pPr marL="0" indent="0" algn="just">
+              <a:buNone/>
+            </a:pPr>
+            <a:r>
+              <a:rPr lang="pt-BR" sz="2400" dirty="0" err="1">
+                <a:latin typeface="Times New Roman" panose="02020603050405020304" pitchFamily="18" charset="0"/>
+                <a:cs typeface="Times New Roman" panose="02020603050405020304" pitchFamily="18" charset="0"/>
+              </a:rPr>
+              <a:t>cursor.</a:t>
+            </a:r>
+            <a:r>
+              <a:rPr lang="pt-BR" sz="2400" b="1" dirty="0" err="1">
+                <a:solidFill>
+                  <a:srgbClr val="FF0000"/>
+                </a:solidFill>
+                <a:latin typeface="Times New Roman" panose="02020603050405020304" pitchFamily="18" charset="0"/>
+                <a:cs typeface="Times New Roman" panose="02020603050405020304" pitchFamily="18" charset="0"/>
+              </a:rPr>
+              <a:t>execute</a:t>
+            </a:r>
+            <a:r>
+              <a:rPr lang="pt-BR" sz="2400" dirty="0">
+                <a:latin typeface="Times New Roman" panose="02020603050405020304" pitchFamily="18" charset="0"/>
+                <a:cs typeface="Times New Roman" panose="02020603050405020304" pitchFamily="18" charset="0"/>
+              </a:rPr>
+              <a:t>(</a:t>
+            </a:r>
+            <a:r>
+              <a:rPr lang="pt-BR" sz="2400" dirty="0" err="1">
+                <a:latin typeface="Times New Roman" panose="02020603050405020304" pitchFamily="18" charset="0"/>
+                <a:cs typeface="Times New Roman" panose="02020603050405020304" pitchFamily="18" charset="0"/>
+              </a:rPr>
+              <a:t>sql</a:t>
+            </a:r>
+            <a:r>
+              <a:rPr lang="pt-BR" sz="2400" dirty="0">
+                <a:latin typeface="Times New Roman" panose="02020603050405020304" pitchFamily="18" charset="0"/>
+                <a:cs typeface="Times New Roman" panose="02020603050405020304" pitchFamily="18" charset="0"/>
+              </a:rPr>
+              <a:t>)</a:t>
+            </a:r>
+          </a:p>
+          <a:p>
+            <a:pPr marL="0" indent="0" algn="just">
+              <a:buNone/>
+            </a:pPr>
+            <a:r>
+              <a:rPr lang="pt-BR" sz="2400" dirty="0" err="1">
+                <a:latin typeface="Times New Roman" panose="02020603050405020304" pitchFamily="18" charset="0"/>
+                <a:cs typeface="Times New Roman" panose="02020603050405020304" pitchFamily="18" charset="0"/>
+              </a:rPr>
+              <a:t>conn.</a:t>
+            </a:r>
+            <a:r>
+              <a:rPr lang="pt-BR" sz="2400" b="1" dirty="0" err="1">
+                <a:solidFill>
+                  <a:srgbClr val="FF0000"/>
+                </a:solidFill>
+                <a:latin typeface="Times New Roman" panose="02020603050405020304" pitchFamily="18" charset="0"/>
+                <a:cs typeface="Times New Roman" panose="02020603050405020304" pitchFamily="18" charset="0"/>
+              </a:rPr>
+              <a:t>commit</a:t>
+            </a:r>
+            <a:r>
+              <a:rPr lang="pt-BR" sz="2400" dirty="0">
+                <a:latin typeface="Times New Roman" panose="02020603050405020304" pitchFamily="18" charset="0"/>
+                <a:cs typeface="Times New Roman" panose="02020603050405020304" pitchFamily="18" charset="0"/>
+              </a:rPr>
+              <a:t>()</a:t>
+            </a:r>
+          </a:p>
+          <a:p>
+            <a:pPr marL="0" indent="0" algn="just">
+              <a:buNone/>
+            </a:pPr>
             <a:r>
               <a:rPr lang="pt-BR" sz="2400" b="1" dirty="0">
                 <a:latin typeface="Times New Roman" panose="02020603050405020304" pitchFamily="18" charset="0"/>
                 <a:cs typeface="Times New Roman" panose="02020603050405020304" pitchFamily="18" charset="0"/>
               </a:rPr>
-              <a:t> </a:t>
-            </a:r>
-            <a:r>
-              <a:rPr lang="pt-BR" sz="2400" dirty="0" err="1">
-                <a:latin typeface="Times New Roman" panose="02020603050405020304" pitchFamily="18" charset="0"/>
-                <a:cs typeface="Times New Roman" panose="02020603050405020304" pitchFamily="18" charset="0"/>
-              </a:rPr>
-              <a:t>department</a:t>
+              <a:t>print</a:t>
             </a:r>
             <a:r>
               <a:rPr lang="pt-BR" sz="2400" dirty="0">
                 <a:latin typeface="Times New Roman" panose="02020603050405020304" pitchFamily="18" charset="0"/>
                 <a:cs typeface="Times New Roman" panose="02020603050405020304" pitchFamily="18" charset="0"/>
               </a:rPr>
-              <a:t> </a:t>
-            </a:r>
-            <a:r>
-              <a:rPr lang="pt-BR" sz="2400" b="1" dirty="0" err="1">
-                <a:latin typeface="Times New Roman" panose="02020603050405020304" pitchFamily="18" charset="0"/>
-                <a:cs typeface="Times New Roman" panose="02020603050405020304" pitchFamily="18" charset="0"/>
-              </a:rPr>
-              <a:t>where</a:t>
-            </a:r>
-            <a:r>
-              <a:rPr lang="pt-BR" sz="2400" dirty="0">
-                <a:latin typeface="Times New Roman" panose="02020603050405020304" pitchFamily="18" charset="0"/>
-                <a:cs typeface="Times New Roman" panose="02020603050405020304" pitchFamily="18" charset="0"/>
-              </a:rPr>
-              <a:t> Id = {id}"</a:t>
-            </a:r>
-          </a:p>
-          <a:p>
-            <a:pPr marL="0" indent="0" algn="just">
-              <a:buNone/>
-            </a:pPr>
-            <a:r>
-              <a:rPr lang="pt-BR" sz="2400" dirty="0" err="1">
-                <a:latin typeface="Times New Roman" panose="02020603050405020304" pitchFamily="18" charset="0"/>
-                <a:cs typeface="Times New Roman" panose="02020603050405020304" pitchFamily="18" charset="0"/>
-              </a:rPr>
-              <a:t>cursor.</a:t>
-            </a:r>
-            <a:r>
-              <a:rPr lang="pt-BR" sz="2400" b="1" dirty="0" err="1">
-                <a:solidFill>
-                  <a:srgbClr val="FF0000"/>
-                </a:solidFill>
-                <a:latin typeface="Times New Roman" panose="02020603050405020304" pitchFamily="18" charset="0"/>
-                <a:cs typeface="Times New Roman" panose="02020603050405020304" pitchFamily="18" charset="0"/>
-              </a:rPr>
-              <a:t>execute</a:t>
-            </a:r>
-            <a:r>
-              <a:rPr lang="pt-BR" sz="2400" dirty="0">
-                <a:latin typeface="Times New Roman" panose="02020603050405020304" pitchFamily="18" charset="0"/>
-                <a:cs typeface="Times New Roman" panose="02020603050405020304" pitchFamily="18" charset="0"/>
-              </a:rPr>
-              <a:t>(</a:t>
-            </a:r>
-            <a:r>
-              <a:rPr lang="pt-BR" sz="2400" dirty="0" err="1">
-                <a:latin typeface="Times New Roman" panose="02020603050405020304" pitchFamily="18" charset="0"/>
-                <a:cs typeface="Times New Roman" panose="02020603050405020304" pitchFamily="18" charset="0"/>
-              </a:rPr>
-              <a:t>sql</a:t>
-            </a:r>
-            <a:r>
-              <a:rPr lang="pt-BR" sz="2400" dirty="0">
-                <a:latin typeface="Times New Roman" panose="02020603050405020304" pitchFamily="18" charset="0"/>
-                <a:cs typeface="Times New Roman" panose="02020603050405020304" pitchFamily="18" charset="0"/>
-              </a:rPr>
-              <a:t>)</a:t>
-            </a:r>
-          </a:p>
-          <a:p>
-            <a:pPr marL="0" indent="0" algn="just">
-              <a:buNone/>
-            </a:pPr>
-            <a:r>
-              <a:rPr lang="pt-BR" sz="2400" dirty="0">
-                <a:latin typeface="Times New Roman" panose="02020603050405020304" pitchFamily="18" charset="0"/>
-                <a:cs typeface="Times New Roman" panose="02020603050405020304" pitchFamily="18" charset="0"/>
-              </a:rPr>
-              <a:t>linha = </a:t>
-            </a:r>
-            <a:r>
-              <a:rPr lang="pt-BR" sz="2400" dirty="0" err="1">
-                <a:solidFill>
-                  <a:schemeClr val="tx1"/>
-                </a:solidFill>
-                <a:latin typeface="Times New Roman" panose="02020603050405020304" pitchFamily="18" charset="0"/>
-                <a:cs typeface="Times New Roman" panose="02020603050405020304" pitchFamily="18" charset="0"/>
-              </a:rPr>
-              <a:t>cursor.</a:t>
-            </a:r>
-            <a:r>
-              <a:rPr lang="pt-BR" sz="2400" b="1" dirty="0" err="1">
-                <a:solidFill>
-                  <a:srgbClr val="FF0000"/>
-                </a:solidFill>
-                <a:latin typeface="Times New Roman" panose="02020603050405020304" pitchFamily="18" charset="0"/>
-                <a:cs typeface="Times New Roman" panose="02020603050405020304" pitchFamily="18" charset="0"/>
-              </a:rPr>
-              <a:t>fetchone</a:t>
-            </a:r>
-            <a:r>
-              <a:rPr lang="pt-BR" sz="2400" dirty="0">
-                <a:solidFill>
-                  <a:schemeClr val="tx1"/>
-                </a:solidFill>
-                <a:latin typeface="Times New Roman" panose="02020603050405020304" pitchFamily="18" charset="0"/>
-                <a:cs typeface="Times New Roman" panose="02020603050405020304" pitchFamily="18" charset="0"/>
-              </a:rPr>
-              <a:t>()</a:t>
-            </a:r>
-          </a:p>
-          <a:p>
-            <a:pPr marL="0" indent="0" algn="just">
-              <a:buNone/>
-            </a:pPr>
-            <a:r>
-              <a:rPr lang="pt-BR" sz="2400" dirty="0" err="1">
-                <a:latin typeface="Times New Roman" panose="02020603050405020304" pitchFamily="18" charset="0"/>
-                <a:cs typeface="Times New Roman" panose="02020603050405020304" pitchFamily="18" charset="0"/>
-              </a:rPr>
-              <a:t>if</a:t>
-            </a:r>
-            <a:r>
-              <a:rPr lang="pt-BR" sz="2400" dirty="0">
-                <a:latin typeface="Times New Roman" panose="02020603050405020304" pitchFamily="18" charset="0"/>
-                <a:cs typeface="Times New Roman" panose="02020603050405020304" pitchFamily="18" charset="0"/>
-              </a:rPr>
-              <a:t> (linha != </a:t>
-            </a:r>
-            <a:r>
-              <a:rPr lang="pt-BR" sz="2400" dirty="0" err="1">
-                <a:latin typeface="Times New Roman" panose="02020603050405020304" pitchFamily="18" charset="0"/>
-                <a:cs typeface="Times New Roman" panose="02020603050405020304" pitchFamily="18" charset="0"/>
-              </a:rPr>
-              <a:t>None</a:t>
-            </a:r>
-            <a:r>
-              <a:rPr lang="pt-BR" sz="2400" dirty="0">
-                <a:latin typeface="Times New Roman" panose="02020603050405020304" pitchFamily="18" charset="0"/>
-                <a:cs typeface="Times New Roman" panose="02020603050405020304" pitchFamily="18" charset="0"/>
-              </a:rPr>
-              <a:t>): # ou </a:t>
-            </a:r>
-            <a:r>
-              <a:rPr lang="pt-BR" sz="2400" b="1" dirty="0" err="1">
-                <a:solidFill>
-                  <a:srgbClr val="FF0000"/>
-                </a:solidFill>
-                <a:latin typeface="Times New Roman" panose="02020603050405020304" pitchFamily="18" charset="0"/>
-                <a:cs typeface="Times New Roman" panose="02020603050405020304" pitchFamily="18" charset="0"/>
-              </a:rPr>
-              <a:t>linha.rowcount</a:t>
-            </a:r>
-            <a:r>
-              <a:rPr lang="pt-BR" sz="2400" b="1" dirty="0">
-                <a:solidFill>
-                  <a:srgbClr val="FF0000"/>
-                </a:solidFill>
-                <a:latin typeface="Times New Roman" panose="02020603050405020304" pitchFamily="18" charset="0"/>
-                <a:cs typeface="Times New Roman" panose="02020603050405020304" pitchFamily="18" charset="0"/>
-              </a:rPr>
-              <a:t> &gt; 0:</a:t>
-            </a:r>
-          </a:p>
-          <a:p>
-            <a:pPr marL="0" indent="0" algn="just">
-              <a:buNone/>
-            </a:pPr>
-            <a:r>
-              <a:rPr lang="pt-BR" sz="2400" dirty="0">
-                <a:latin typeface="Times New Roman" panose="02020603050405020304" pitchFamily="18" charset="0"/>
-                <a:cs typeface="Times New Roman" panose="02020603050405020304" pitchFamily="18" charset="0"/>
-              </a:rPr>
-              <a:t>    </a:t>
-            </a:r>
-            <a:r>
-              <a:rPr lang="pt-BR" sz="2400" dirty="0" err="1">
-                <a:latin typeface="Times New Roman" panose="02020603050405020304" pitchFamily="18" charset="0"/>
-                <a:cs typeface="Times New Roman" panose="02020603050405020304" pitchFamily="18" charset="0"/>
-              </a:rPr>
-              <a:t>conn.</a:t>
-            </a:r>
-            <a:r>
-              <a:rPr lang="pt-BR" sz="2400" b="1" dirty="0" err="1">
-                <a:solidFill>
-                  <a:srgbClr val="FF0000"/>
-                </a:solidFill>
-                <a:latin typeface="Times New Roman" panose="02020603050405020304" pitchFamily="18" charset="0"/>
-                <a:cs typeface="Times New Roman" panose="02020603050405020304" pitchFamily="18" charset="0"/>
-              </a:rPr>
-              <a:t>commit</a:t>
-            </a:r>
-            <a:r>
-              <a:rPr lang="pt-BR" sz="2400" dirty="0">
-                <a:latin typeface="Times New Roman" panose="02020603050405020304" pitchFamily="18" charset="0"/>
-                <a:cs typeface="Times New Roman" panose="02020603050405020304" pitchFamily="18" charset="0"/>
-              </a:rPr>
-              <a:t>()</a:t>
-            </a:r>
-          </a:p>
-          <a:p>
-            <a:pPr marL="0" indent="0" algn="just">
-              <a:buNone/>
-            </a:pPr>
-            <a:r>
-              <a:rPr lang="pt-BR" sz="2400" b="1" dirty="0">
-                <a:latin typeface="Times New Roman" panose="02020603050405020304" pitchFamily="18" charset="0"/>
-                <a:cs typeface="Times New Roman" panose="02020603050405020304" pitchFamily="18" charset="0"/>
-              </a:rPr>
-              <a:t>    print</a:t>
-            </a:r>
-            <a:r>
-              <a:rPr lang="pt-BR" sz="2400" dirty="0">
-                <a:latin typeface="Times New Roman" panose="02020603050405020304" pitchFamily="18" charset="0"/>
-                <a:cs typeface="Times New Roman" panose="02020603050405020304" pitchFamily="18" charset="0"/>
-              </a:rPr>
-              <a:t>(“Excluído com sucesso")</a:t>
+              <a:t>("Atualizado com sucesso")</a:t>
             </a:r>
             <a:endParaRPr lang="pt-BR" sz="2400" dirty="0">
               <a:solidFill>
@@ -5761,7 +5761,7 @@
     </p:spTree>
     <p:extLst>
       <p:ext uri="{BB962C8B-B14F-4D97-AF65-F5344CB8AC3E}">
-        <p14:creationId xmlns:p14="http://schemas.microsoft.com/office/powerpoint/2010/main" val="4223033648"/>
+        <p14:creationId xmlns:p14="http://schemas.microsoft.com/office/powerpoint/2010/main" val="4197986306"/>
       </p:ext>
     </p:extLst>
   </p:cSld>
@@ -5799,42 +5799,27 @@
             <p:ph type="title"/>
           </p:nvPr>
         </p:nvSpPr>
-        <p:spPr/>
+        <p:spPr>
+          <a:xfrm>
+            <a:off x="237995" y="265188"/>
+            <a:ext cx="8763140" cy="596760"/>
+          </a:xfrm>
+        </p:spPr>
         <p:txBody>
           <a:bodyPr>
             <a:normAutofit/>
           </a:bodyPr>
           <a:lstStyle/>
           <a:p>
-            <a:r>
-              <a:rPr lang="en-US" b="1" dirty="0" err="1">
+            <a:pPr algn="ctr"/>
+            <a:r>
+              <a:rPr lang="en-US" b="1" dirty="0">
                 <a:solidFill>
                   <a:srgbClr val="0070C0"/>
                 </a:solidFill>
               </a:rPr>
-              <a:t>Leitura</a:t>
-            </a:r>
-            <a:r>
-              <a:rPr lang="en-US" b="1" dirty="0">
-                <a:solidFill>
-                  <a:srgbClr val="0070C0"/>
-                </a:solidFill>
-              </a:rPr>
-              <a:t> </a:t>
-            </a:r>
-            <a:r>
-              <a:rPr lang="en-US" b="1" dirty="0" err="1">
-                <a:solidFill>
-                  <a:srgbClr val="0070C0"/>
-                </a:solidFill>
-              </a:rPr>
-              <a:t>Específica</a:t>
-            </a:r>
-            <a:endParaRPr lang="en-US" b="1" dirty="0">
-              <a:solidFill>
-                <a:srgbClr val="0070C0"/>
-              </a:solidFill>
-            </a:endParaRPr>
+              <a:t>Python – BANCO DE DADOS – CRUD DELETE</a:t>
+            </a:r>
           </a:p>
         </p:txBody>
       </p:sp>
@@ -5850,8 +5835,8 @@
         </p:nvSpPr>
         <p:spPr>
           <a:xfrm>
-            <a:off x="142865" y="1200151"/>
-            <a:ext cx="8865056" cy="3394472"/>
+            <a:off x="142865" y="836895"/>
+            <a:ext cx="8865056" cy="4160989"/>
           </a:xfrm>
         </p:spPr>
         <p:txBody>
@@ -5863,51 +5848,61 @@
             <a:pPr marL="0" indent="0" algn="just">
               <a:buNone/>
             </a:pPr>
-            <a:endParaRPr lang="pt-BR" dirty="0">
-              <a:latin typeface="Times New Roman" panose="02020603050405020304" pitchFamily="18" charset="0"/>
-              <a:cs typeface="Times New Roman" panose="02020603050405020304" pitchFamily="18" charset="0"/>
-            </a:endParaRPr>
+            <a:r>
+              <a:rPr lang="pt-BR" sz="2400" dirty="0">
+                <a:solidFill>
+                  <a:schemeClr val="tx1"/>
+                </a:solidFill>
+                <a:latin typeface="Times New Roman" panose="02020603050405020304" pitchFamily="18" charset="0"/>
+                <a:cs typeface="Times New Roman" panose="02020603050405020304" pitchFamily="18" charset="0"/>
+              </a:rPr>
+              <a:t>cursor = </a:t>
+            </a:r>
+            <a:r>
+              <a:rPr lang="pt-BR" sz="2400" dirty="0" err="1">
+                <a:solidFill>
+                  <a:schemeClr val="tx1"/>
+                </a:solidFill>
+                <a:latin typeface="Times New Roman" panose="02020603050405020304" pitchFamily="18" charset="0"/>
+                <a:cs typeface="Times New Roman" panose="02020603050405020304" pitchFamily="18" charset="0"/>
+              </a:rPr>
+              <a:t>conn.</a:t>
+            </a:r>
+            <a:r>
+              <a:rPr lang="pt-BR" sz="2400" b="1" dirty="0" err="1">
+                <a:solidFill>
+                  <a:srgbClr val="FF0000"/>
+                </a:solidFill>
+                <a:latin typeface="Times New Roman" panose="02020603050405020304" pitchFamily="18" charset="0"/>
+                <a:cs typeface="Times New Roman" panose="02020603050405020304" pitchFamily="18" charset="0"/>
+              </a:rPr>
+              <a:t>cursor</a:t>
+            </a:r>
+            <a:r>
+              <a:rPr lang="pt-BR" sz="2400" dirty="0">
+                <a:solidFill>
+                  <a:schemeClr val="tx1"/>
+                </a:solidFill>
+                <a:latin typeface="Times New Roman" panose="02020603050405020304" pitchFamily="18" charset="0"/>
+                <a:cs typeface="Times New Roman" panose="02020603050405020304" pitchFamily="18" charset="0"/>
+              </a:rPr>
+              <a:t>()</a:t>
+            </a:r>
           </a:p>
           <a:p>
             <a:pPr marL="0" indent="0" algn="just">
               <a:buNone/>
             </a:pPr>
-            <a:endParaRPr lang="pt-BR" dirty="0">
-              <a:latin typeface="Times New Roman" panose="02020603050405020304" pitchFamily="18" charset="0"/>
-              <a:cs typeface="Times New Roman" panose="02020603050405020304" pitchFamily="18" charset="0"/>
-            </a:endParaRPr>
-          </a:p>
-          <a:p>
-            <a:pPr marL="0" indent="0" algn="just">
-              <a:buNone/>
-            </a:pPr>
-            <a:r>
-              <a:rPr lang="pt-BR" dirty="0">
-                <a:latin typeface="Times New Roman" panose="02020603050405020304" pitchFamily="18" charset="0"/>
-                <a:cs typeface="Times New Roman" panose="02020603050405020304" pitchFamily="18" charset="0"/>
-              </a:rPr>
-              <a:t>[1] Site: </a:t>
-            </a:r>
-            <a:r>
-              <a:rPr lang="pt-BR" dirty="0">
-                <a:solidFill>
-                  <a:srgbClr val="0070C0"/>
-                </a:solidFill>
-                <a:latin typeface="Times New Roman" panose="02020603050405020304" pitchFamily="18" charset="0"/>
-                <a:cs typeface="Times New Roman" panose="02020603050405020304" pitchFamily="18" charset="0"/>
-                <a:hlinkClick r:id="rId3">
-                  <a:extLst>
-                    <a:ext uri="{A12FA001-AC4F-418D-AE19-62706E023703}">
-                      <ahyp:hlinkClr xmlns:ahyp="http://schemas.microsoft.com/office/drawing/2018/hyperlinkcolor" val="tx"/>
-                    </a:ext>
-                  </a:extLst>
-                </a:hlinkClick>
-              </a:rPr>
-              <a:t>https://www.w3schools.com/sql/default.asp</a:t>
-            </a:r>
-            <a:endParaRPr lang="pt-BR" dirty="0">
+            <a:r>
+              <a:rPr lang="pt-BR" sz="2400" dirty="0">
+                <a:latin typeface="Times New Roman" panose="02020603050405020304" pitchFamily="18" charset="0"/>
+                <a:cs typeface="Times New Roman" panose="02020603050405020304" pitchFamily="18" charset="0"/>
+              </a:rPr>
+              <a:t>id = 63</a:t>
+            </a:r>
+            <a:endParaRPr lang="pt-BR" sz="2400" dirty="0">
               <a:solidFill>
-                <a:srgbClr val="0070C0"/>
+                <a:schemeClr val="tx1"/>
               </a:solidFill>
               <a:latin typeface="Times New Roman" panose="02020603050405020304" pitchFamily="18" charset="0"/>
               <a:cs typeface="Times New Roman" panose="02020603050405020304" pitchFamily="18" charset="0"/>
@@ -5918,57 +5913,299 @@
               <a:buNone/>
             </a:pPr>
             <a:r>
-              <a:rPr lang="pt-BR" dirty="0">
-                <a:solidFill>
-                  <a:srgbClr val="0070C0"/>
-                </a:solidFill>
-                <a:latin typeface="Times New Roman" panose="02020603050405020304" pitchFamily="18" charset="0"/>
-                <a:cs typeface="Times New Roman" panose="02020603050405020304" pitchFamily="18" charset="0"/>
-              </a:rPr>
-              <a:t> 	      </a:t>
-            </a:r>
-            <a:r>
-              <a:rPr lang="pt-BR" dirty="0">
-                <a:solidFill>
-                  <a:srgbClr val="0070C0"/>
-                </a:solidFill>
-                <a:latin typeface="Times New Roman" panose="02020603050405020304" pitchFamily="18" charset="0"/>
-                <a:cs typeface="Times New Roman" panose="02020603050405020304" pitchFamily="18" charset="0"/>
-                <a:hlinkClick r:id="rId4">
-                  <a:extLst>
-                    <a:ext uri="{A12FA001-AC4F-418D-AE19-62706E023703}">
-                      <ahyp:hlinkClr xmlns:ahyp="http://schemas.microsoft.com/office/drawing/2018/hyperlinkcolor" val="tx"/>
-                    </a:ext>
-                  </a:extLst>
-                </a:hlinkClick>
-              </a:rPr>
-              <a:t>https://www.w3schools.com/sql/sql_intro.asp</a:t>
-            </a:r>
-            <a:endParaRPr lang="pt-BR" dirty="0">
+              <a:rPr lang="pt-BR" sz="2400" dirty="0" err="1">
+                <a:latin typeface="Times New Roman" panose="02020603050405020304" pitchFamily="18" charset="0"/>
+                <a:cs typeface="Times New Roman" panose="02020603050405020304" pitchFamily="18" charset="0"/>
+              </a:rPr>
+              <a:t>sql</a:t>
+            </a:r>
+            <a:r>
+              <a:rPr lang="pt-BR" sz="2400" dirty="0">
+                <a:latin typeface="Times New Roman" panose="02020603050405020304" pitchFamily="18" charset="0"/>
+                <a:cs typeface="Times New Roman" panose="02020603050405020304" pitchFamily="18" charset="0"/>
+              </a:rPr>
+              <a:t> = </a:t>
+            </a:r>
+            <a:r>
+              <a:rPr lang="pt-BR" sz="2400" b="1" dirty="0" err="1">
+                <a:solidFill>
+                  <a:srgbClr val="FF0000"/>
+                </a:solidFill>
+                <a:latin typeface="Times New Roman" panose="02020603050405020304" pitchFamily="18" charset="0"/>
+                <a:cs typeface="Times New Roman" panose="02020603050405020304" pitchFamily="18" charset="0"/>
+              </a:rPr>
+              <a:t>f</a:t>
+            </a:r>
+            <a:r>
+              <a:rPr lang="pt-BR" sz="2400" dirty="0" err="1">
+                <a:latin typeface="Times New Roman" panose="02020603050405020304" pitchFamily="18" charset="0"/>
+                <a:cs typeface="Times New Roman" panose="02020603050405020304" pitchFamily="18" charset="0"/>
+              </a:rPr>
+              <a:t>“</a:t>
+            </a:r>
+            <a:r>
+              <a:rPr lang="pt-BR" sz="2400" b="1" dirty="0" err="1">
+                <a:latin typeface="Times New Roman" panose="02020603050405020304" pitchFamily="18" charset="0"/>
+                <a:cs typeface="Times New Roman" panose="02020603050405020304" pitchFamily="18" charset="0"/>
+              </a:rPr>
+              <a:t>delete</a:t>
+            </a:r>
+            <a:r>
+              <a:rPr lang="pt-BR" sz="2400" dirty="0">
+                <a:latin typeface="Times New Roman" panose="02020603050405020304" pitchFamily="18" charset="0"/>
+                <a:cs typeface="Times New Roman" panose="02020603050405020304" pitchFamily="18" charset="0"/>
+              </a:rPr>
+              <a:t> </a:t>
+            </a:r>
+            <a:r>
+              <a:rPr lang="pt-BR" sz="2400" b="1" dirty="0" err="1">
+                <a:latin typeface="Times New Roman" panose="02020603050405020304" pitchFamily="18" charset="0"/>
+                <a:cs typeface="Times New Roman" panose="02020603050405020304" pitchFamily="18" charset="0"/>
+              </a:rPr>
+              <a:t>from</a:t>
+            </a:r>
+            <a:r>
+              <a:rPr lang="pt-BR" sz="2400" b="1" dirty="0">
+                <a:latin typeface="Times New Roman" panose="02020603050405020304" pitchFamily="18" charset="0"/>
+                <a:cs typeface="Times New Roman" panose="02020603050405020304" pitchFamily="18" charset="0"/>
+              </a:rPr>
+              <a:t> </a:t>
+            </a:r>
+            <a:r>
+              <a:rPr lang="pt-BR" sz="2400" dirty="0" err="1">
+                <a:latin typeface="Times New Roman" panose="02020603050405020304" pitchFamily="18" charset="0"/>
+                <a:cs typeface="Times New Roman" panose="02020603050405020304" pitchFamily="18" charset="0"/>
+              </a:rPr>
+              <a:t>department</a:t>
+            </a:r>
+            <a:r>
+              <a:rPr lang="pt-BR" sz="2400" dirty="0">
+                <a:latin typeface="Times New Roman" panose="02020603050405020304" pitchFamily="18" charset="0"/>
+                <a:cs typeface="Times New Roman" panose="02020603050405020304" pitchFamily="18" charset="0"/>
+              </a:rPr>
+              <a:t> </a:t>
+            </a:r>
+            <a:r>
+              <a:rPr lang="pt-BR" sz="2400" b="1" dirty="0" err="1">
+                <a:latin typeface="Times New Roman" panose="02020603050405020304" pitchFamily="18" charset="0"/>
+                <a:cs typeface="Times New Roman" panose="02020603050405020304" pitchFamily="18" charset="0"/>
+              </a:rPr>
+              <a:t>where</a:t>
+            </a:r>
+            <a:r>
+              <a:rPr lang="pt-BR" sz="2400" dirty="0">
+                <a:latin typeface="Times New Roman" panose="02020603050405020304" pitchFamily="18" charset="0"/>
+                <a:cs typeface="Times New Roman" panose="02020603050405020304" pitchFamily="18" charset="0"/>
+              </a:rPr>
+              <a:t> Id = {id}"</a:t>
+            </a:r>
+          </a:p>
+          <a:p>
+            <a:pPr marL="0" indent="0" algn="just">
+              <a:buNone/>
+            </a:pPr>
+            <a:r>
+              <a:rPr lang="pt-BR" sz="2400" dirty="0" err="1">
+                <a:latin typeface="Times New Roman" panose="02020603050405020304" pitchFamily="18" charset="0"/>
+                <a:cs typeface="Times New Roman" panose="02020603050405020304" pitchFamily="18" charset="0"/>
+              </a:rPr>
+              <a:t>cursor.</a:t>
+            </a:r>
+            <a:r>
+              <a:rPr lang="pt-BR" sz="2400" b="1" dirty="0" err="1">
+                <a:solidFill>
+                  <a:srgbClr val="FF0000"/>
+                </a:solidFill>
+                <a:latin typeface="Times New Roman" panose="02020603050405020304" pitchFamily="18" charset="0"/>
+                <a:cs typeface="Times New Roman" panose="02020603050405020304" pitchFamily="18" charset="0"/>
+              </a:rPr>
+              <a:t>execute</a:t>
+            </a:r>
+            <a:r>
+              <a:rPr lang="pt-BR" sz="2400" dirty="0">
+                <a:latin typeface="Times New Roman" panose="02020603050405020304" pitchFamily="18" charset="0"/>
+                <a:cs typeface="Times New Roman" panose="02020603050405020304" pitchFamily="18" charset="0"/>
+              </a:rPr>
+              <a:t>(</a:t>
+            </a:r>
+            <a:r>
+              <a:rPr lang="pt-BR" sz="2400" dirty="0" err="1">
+                <a:latin typeface="Times New Roman" panose="02020603050405020304" pitchFamily="18" charset="0"/>
+                <a:cs typeface="Times New Roman" panose="02020603050405020304" pitchFamily="18" charset="0"/>
+              </a:rPr>
+              <a:t>sql</a:t>
+            </a:r>
+            <a:r>
+              <a:rPr lang="pt-BR" sz="2400" dirty="0">
+                <a:latin typeface="Times New Roman" panose="02020603050405020304" pitchFamily="18" charset="0"/>
+                <a:cs typeface="Times New Roman" panose="02020603050405020304" pitchFamily="18" charset="0"/>
+              </a:rPr>
+              <a:t>)</a:t>
+            </a:r>
+          </a:p>
+          <a:p>
+            <a:pPr marL="0" indent="0" algn="just">
+              <a:buNone/>
+            </a:pPr>
+            <a:r>
+              <a:rPr lang="pt-BR" sz="2400" dirty="0">
+                <a:latin typeface="Times New Roman" panose="02020603050405020304" pitchFamily="18" charset="0"/>
+                <a:cs typeface="Times New Roman" panose="02020603050405020304" pitchFamily="18" charset="0"/>
+              </a:rPr>
+              <a:t>linha = </a:t>
+            </a:r>
+            <a:r>
+              <a:rPr lang="pt-BR" sz="2400" dirty="0" err="1">
+                <a:solidFill>
+                  <a:schemeClr val="tx1"/>
+                </a:solidFill>
+                <a:latin typeface="Times New Roman" panose="02020603050405020304" pitchFamily="18" charset="0"/>
+                <a:cs typeface="Times New Roman" panose="02020603050405020304" pitchFamily="18" charset="0"/>
+              </a:rPr>
+              <a:t>cursor.</a:t>
+            </a:r>
+            <a:r>
+              <a:rPr lang="pt-BR" sz="2400" b="1" dirty="0" err="1">
+                <a:solidFill>
+                  <a:srgbClr val="FF0000"/>
+                </a:solidFill>
+                <a:latin typeface="Times New Roman" panose="02020603050405020304" pitchFamily="18" charset="0"/>
+                <a:cs typeface="Times New Roman" panose="02020603050405020304" pitchFamily="18" charset="0"/>
+              </a:rPr>
+              <a:t>fetchone</a:t>
+            </a:r>
+            <a:r>
+              <a:rPr lang="pt-BR" sz="2400" dirty="0">
+                <a:solidFill>
+                  <a:schemeClr val="tx1"/>
+                </a:solidFill>
+                <a:latin typeface="Times New Roman" panose="02020603050405020304" pitchFamily="18" charset="0"/>
+                <a:cs typeface="Times New Roman" panose="02020603050405020304" pitchFamily="18" charset="0"/>
+              </a:rPr>
+              <a:t>()</a:t>
+            </a:r>
+          </a:p>
+          <a:p>
+            <a:pPr marL="0" indent="0" algn="just">
+              <a:buNone/>
+            </a:pPr>
+            <a:r>
+              <a:rPr lang="pt-BR" sz="2400" dirty="0" err="1">
+                <a:latin typeface="Times New Roman" panose="02020603050405020304" pitchFamily="18" charset="0"/>
+                <a:cs typeface="Times New Roman" panose="02020603050405020304" pitchFamily="18" charset="0"/>
+              </a:rPr>
+              <a:t>if</a:t>
+            </a:r>
+            <a:r>
+              <a:rPr lang="pt-BR" sz="2400" dirty="0">
+                <a:latin typeface="Times New Roman" panose="02020603050405020304" pitchFamily="18" charset="0"/>
+                <a:cs typeface="Times New Roman" panose="02020603050405020304" pitchFamily="18" charset="0"/>
+              </a:rPr>
+              <a:t> (linha != </a:t>
+            </a:r>
+            <a:r>
+              <a:rPr lang="pt-BR" sz="2400" dirty="0" err="1">
+                <a:latin typeface="Times New Roman" panose="02020603050405020304" pitchFamily="18" charset="0"/>
+                <a:cs typeface="Times New Roman" panose="02020603050405020304" pitchFamily="18" charset="0"/>
+              </a:rPr>
+              <a:t>None</a:t>
+            </a:r>
+            <a:r>
+              <a:rPr lang="pt-BR" sz="2400" dirty="0">
+                <a:latin typeface="Times New Roman" panose="02020603050405020304" pitchFamily="18" charset="0"/>
+                <a:cs typeface="Times New Roman" panose="02020603050405020304" pitchFamily="18" charset="0"/>
+              </a:rPr>
+              <a:t>): # ou </a:t>
+            </a:r>
+            <a:r>
+              <a:rPr lang="pt-BR" sz="2400" b="1" dirty="0" err="1">
+                <a:solidFill>
+                  <a:srgbClr val="FF0000"/>
+                </a:solidFill>
+                <a:latin typeface="Times New Roman" panose="02020603050405020304" pitchFamily="18" charset="0"/>
+                <a:cs typeface="Times New Roman" panose="02020603050405020304" pitchFamily="18" charset="0"/>
+              </a:rPr>
+              <a:t>linha.rowcount</a:t>
+            </a:r>
+            <a:r>
+              <a:rPr lang="pt-BR" sz="2400" b="1" dirty="0">
+                <a:solidFill>
+                  <a:srgbClr val="FF0000"/>
+                </a:solidFill>
+                <a:latin typeface="Times New Roman" panose="02020603050405020304" pitchFamily="18" charset="0"/>
+                <a:cs typeface="Times New Roman" panose="02020603050405020304" pitchFamily="18" charset="0"/>
+              </a:rPr>
+              <a:t> &gt; 0:</a:t>
+            </a:r>
+          </a:p>
+          <a:p>
+            <a:pPr marL="0" indent="0" algn="just">
+              <a:buNone/>
+            </a:pPr>
+            <a:r>
+              <a:rPr lang="pt-BR" sz="2400" dirty="0">
+                <a:latin typeface="Times New Roman" panose="02020603050405020304" pitchFamily="18" charset="0"/>
+                <a:cs typeface="Times New Roman" panose="02020603050405020304" pitchFamily="18" charset="0"/>
+              </a:rPr>
+              <a:t>    </a:t>
+            </a:r>
+            <a:r>
+              <a:rPr lang="pt-BR" sz="2400" dirty="0" err="1">
+                <a:latin typeface="Times New Roman" panose="02020603050405020304" pitchFamily="18" charset="0"/>
+                <a:cs typeface="Times New Roman" panose="02020603050405020304" pitchFamily="18" charset="0"/>
+              </a:rPr>
+              <a:t>conn.</a:t>
+            </a:r>
+            <a:r>
+              <a:rPr lang="pt-BR" sz="2400" b="1" dirty="0" err="1">
+                <a:solidFill>
+                  <a:srgbClr val="FF0000"/>
+                </a:solidFill>
+                <a:latin typeface="Times New Roman" panose="02020603050405020304" pitchFamily="18" charset="0"/>
+                <a:cs typeface="Times New Roman" panose="02020603050405020304" pitchFamily="18" charset="0"/>
+              </a:rPr>
+              <a:t>commit</a:t>
+            </a:r>
+            <a:r>
+              <a:rPr lang="pt-BR" sz="2400" dirty="0">
+                <a:latin typeface="Times New Roman" panose="02020603050405020304" pitchFamily="18" charset="0"/>
+                <a:cs typeface="Times New Roman" panose="02020603050405020304" pitchFamily="18" charset="0"/>
+              </a:rPr>
+              <a:t>()</a:t>
+            </a:r>
+          </a:p>
+          <a:p>
+            <a:pPr marL="0" indent="0" algn="just">
+              <a:buNone/>
+            </a:pPr>
+            <a:r>
+              <a:rPr lang="pt-BR" sz="2400" b="1" dirty="0">
+                <a:latin typeface="Times New Roman" panose="02020603050405020304" pitchFamily="18" charset="0"/>
+                <a:cs typeface="Times New Roman" panose="02020603050405020304" pitchFamily="18" charset="0"/>
+              </a:rPr>
+              <a:t>    print</a:t>
+            </a:r>
+            <a:r>
+              <a:rPr lang="pt-BR" sz="2400" dirty="0">
+                <a:latin typeface="Times New Roman" panose="02020603050405020304" pitchFamily="18" charset="0"/>
+                <a:cs typeface="Times New Roman" panose="02020603050405020304" pitchFamily="18" charset="0"/>
+              </a:rPr>
+              <a:t>(“Excluído com sucesso")</a:t>
+            </a:r>
+            <a:endParaRPr lang="pt-BR" sz="2400" dirty="0">
               <a:solidFill>
-                <a:srgbClr val="0070C0"/>
+                <a:schemeClr val="tx1"/>
               </a:solidFill>
               <a:latin typeface="Times New Roman" panose="02020603050405020304" pitchFamily="18" charset="0"/>
               <a:cs typeface="Times New Roman" panose="02020603050405020304" pitchFamily="18" charset="0"/>
             </a:endParaRPr>
           </a:p>
-          <a:p>
-            <a:pPr marL="0" indent="0" algn="just">
-              <a:buNone/>
-            </a:pPr>
-            <a:endParaRPr lang="pt-BR" dirty="0">
-              <a:solidFill>
-                <a:srgbClr val="0070C0"/>
-              </a:solidFill>
-              <a:latin typeface="Calibri" panose="020F0502020204030204" pitchFamily="34" charset="0"/>
-            </a:endParaRPr>
-          </a:p>
         </p:txBody>
       </p:sp>
     </p:spTree>
     <p:extLst>
       <p:ext uri="{BB962C8B-B14F-4D97-AF65-F5344CB8AC3E}">
-        <p14:creationId xmlns:p14="http://schemas.microsoft.com/office/powerpoint/2010/main" val="2747596967"/>
+        <p14:creationId xmlns:p14="http://schemas.microsoft.com/office/powerpoint/2010/main" val="4223033648"/>
       </p:ext>
     </p:extLst>
   </p:cSld>
@@ -6019,7 +6256,7 @@
                   <a:srgbClr val="0070C0"/>
                 </a:solidFill>
               </a:rPr>
-              <a:t>Aprenda</a:t>
+              <a:t>Leitura</a:t>
             </a:r>
             <a:r>
               <a:rPr lang="en-US" b="1" dirty="0">
@@ -6027,8 +6264,21 @@
                   <a:srgbClr val="0070C0"/>
                 </a:solidFill>
               </a:rPr>
-              <a:t>+</a:t>
-            </a:r>
+              <a:t> </a:t>
+            </a:r>
+            <a:r>
+              <a:rPr lang="en-US" b="1" dirty="0" err="1">
+                <a:solidFill>
+                  <a:srgbClr val="0070C0"/>
+                </a:solidFill>
+              </a:rPr>
+              <a:t>Específica</a:t>
+            </a:r>
+            <a:endParaRPr lang="en-US" b="1" dirty="0">
+              <a:solidFill>
+                <a:srgbClr val="0070C0"/>
+              </a:solidFill>
+            </a:endParaRPr>
           </a:p>
         </p:txBody>
       </p:sp>
@@ -6057,7 +6307,7 @@
             <a:pPr marL="0" indent="0" algn="just">
               <a:buNone/>
             </a:pPr>
-            <a:endParaRPr lang="pt-BR" sz="2000" dirty="0">
+            <a:endParaRPr lang="pt-BR" dirty="0">
               <a:latin typeface="Times New Roman" panose="02020603050405020304" pitchFamily="18" charset="0"/>
               <a:cs typeface="Times New Roman" panose="02020603050405020304" pitchFamily="18" charset="0"/>
             </a:endParaRPr>
@@ -6066,7 +6316,7 @@
             <a:pPr marL="0" indent="0" algn="just">
               <a:buNone/>
             </a:pPr>
-            <a:endParaRPr lang="pt-BR" sz="2000" dirty="0">
+            <a:endParaRPr lang="pt-BR" dirty="0">
               <a:latin typeface="Times New Roman" panose="02020603050405020304" pitchFamily="18" charset="0"/>
               <a:cs typeface="Times New Roman" panose="02020603050405020304" pitchFamily="18" charset="0"/>
             </a:endParaRPr>
@@ -6076,21 +6326,33 @@
               <a:buNone/>
             </a:pPr>
             <a:r>
-              <a:rPr lang="pt-BR" sz="2000" dirty="0">
-                <a:latin typeface="Times New Roman" panose="02020603050405020304" pitchFamily="18" charset="0"/>
-                <a:cs typeface="Times New Roman" panose="02020603050405020304" pitchFamily="18" charset="0"/>
-              </a:rPr>
-              <a:t>[2] </a:t>
-            </a:r>
-            <a:r>
-              <a:rPr lang="pt-BR" sz="2000" dirty="0">
-                <a:latin typeface="Times New Roman" panose="02020603050405020304" pitchFamily="18" charset="0"/>
-                <a:cs typeface="Times New Roman" panose="02020603050405020304" pitchFamily="18" charset="0"/>
-                <a:hlinkClick r:id="rId3"/>
-              </a:rPr>
-              <a:t>https://www.youtube.com/watch?v=FXlixv8Ieoc</a:t>
-            </a:r>
-            <a:endParaRPr lang="pt-BR" sz="2000" dirty="0">
+              <a:rPr lang="pt-BR" dirty="0">
+                <a:latin typeface="Times New Roman" panose="02020603050405020304" pitchFamily="18" charset="0"/>
+                <a:cs typeface="Times New Roman" panose="02020603050405020304" pitchFamily="18" charset="0"/>
+              </a:rPr>
+              <a:t>[1] Site: </a:t>
+            </a:r>
+            <a:r>
+              <a:rPr lang="pt-BR" dirty="0">
+                <a:solidFill>
+                  <a:srgbClr val="0070C0"/>
+                </a:solidFill>
+                <a:latin typeface="Times New Roman" panose="02020603050405020304" pitchFamily="18" charset="0"/>
+                <a:cs typeface="Times New Roman" panose="02020603050405020304" pitchFamily="18" charset="0"/>
+                <a:hlinkClick r:id="rId3">
+                  <a:extLst>
+                    <a:ext uri="{A12FA001-AC4F-418D-AE19-62706E023703}">
+                      <ahyp:hlinkClr xmlns:ahyp="http://schemas.microsoft.com/office/drawing/2018/hyperlinkcolor" val="tx"/>
+                    </a:ext>
+                  </a:extLst>
+                </a:hlinkClick>
+              </a:rPr>
+              <a:t>https://www.w3schools.com/sql/default.asp</a:t>
+            </a:r>
+            <a:endParaRPr lang="pt-BR" dirty="0">
+              <a:solidFill>
+                <a:srgbClr val="0070C0"/>
+              </a:solidFill>
               <a:latin typeface="Times New Roman" panose="02020603050405020304" pitchFamily="18" charset="0"/>
               <a:cs typeface="Times New Roman" panose="02020603050405020304" pitchFamily="18" charset="0"/>
             </a:endParaRPr>
@@ -6099,7 +6361,49 @@
             <a:pPr marL="0" indent="0" algn="just">
               <a:buNone/>
             </a:pPr>
-            <a:endParaRPr lang="pt-BR" sz="2000" dirty="0">
+            <a:r>
+              <a:rPr lang="pt-BR" dirty="0">
+                <a:solidFill>
+                  <a:srgbClr val="0070C0"/>
+                </a:solidFill>
+                <a:latin typeface="Times New Roman" panose="02020603050405020304" pitchFamily="18" charset="0"/>
+                <a:cs typeface="Times New Roman" panose="02020603050405020304" pitchFamily="18" charset="0"/>
+              </a:rPr>
+              <a:t> 	      </a:t>
+            </a:r>
+            <a:r>
+              <a:rPr lang="pt-BR" dirty="0">
+                <a:solidFill>
+                  <a:srgbClr val="0070C0"/>
+                </a:solidFill>
+                <a:latin typeface="Times New Roman" panose="02020603050405020304" pitchFamily="18" charset="0"/>
+                <a:cs typeface="Times New Roman" panose="02020603050405020304" pitchFamily="18" charset="0"/>
+                <a:hlinkClick r:id="rId4">
+                  <a:extLst>
+                    <a:ext uri="{A12FA001-AC4F-418D-AE19-62706E023703}">
+                      <ahyp:hlinkClr xmlns:ahyp="http://schemas.microsoft.com/office/drawing/2018/hyperlinkcolor" val="tx"/>
+                    </a:ext>
+                  </a:extLst>
+                </a:hlinkClick>
+              </a:rPr>
+              <a:t>https://www.w3schools.com/sql/sql_intro.asp</a:t>
+            </a:r>
+            <a:endParaRPr lang="pt-BR" dirty="0">
+              <a:solidFill>
+                <a:srgbClr val="0070C0"/>
+              </a:solidFill>
+              <a:latin typeface="Times New Roman" panose="02020603050405020304" pitchFamily="18" charset="0"/>
+              <a:cs typeface="Times New Roman" panose="02020603050405020304" pitchFamily="18" charset="0"/>
+            </a:endParaRPr>
+          </a:p>
+          <a:p>
+            <a:pPr marL="0" indent="0" algn="just">
+              <a:buNone/>
+            </a:pPr>
+            <a:endParaRPr lang="pt-BR" dirty="0">
+              <a:solidFill>
+                <a:srgbClr val="0070C0"/>
+              </a:solidFill>
               <a:latin typeface="Calibri" panose="020F0502020204030204" pitchFamily="34" charset="0"/>
             </a:endParaRPr>
           </a:p>
@@ -6108,7 +6412,7 @@
     </p:spTree>
     <p:extLst>
       <p:ext uri="{BB962C8B-B14F-4D97-AF65-F5344CB8AC3E}">
-        <p14:creationId xmlns:p14="http://schemas.microsoft.com/office/powerpoint/2010/main" val="3680270425"/>
+        <p14:creationId xmlns:p14="http://schemas.microsoft.com/office/powerpoint/2010/main" val="2747596967"/>
       </p:ext>
     </p:extLst>
   </p:cSld>
@@ -6159,7 +6463,7 @@
                   <a:srgbClr val="0070C0"/>
                 </a:solidFill>
               </a:rPr>
-              <a:t>Dinâmica</a:t>
+              <a:t>Aprenda</a:t>
             </a:r>
             <a:r>
               <a:rPr lang="en-US" b="1" dirty="0">
@@ -6167,21 +6471,8 @@
                   <a:srgbClr val="0070C0"/>
                 </a:solidFill>
               </a:rPr>
-              <a:t>/</a:t>
-            </a:r>
-            <a:r>
-              <a:rPr lang="en-US" b="1" dirty="0" err="1">
-                <a:solidFill>
-                  <a:srgbClr val="0070C0"/>
-                </a:solidFill>
-              </a:rPr>
-              <a:t>Atividades</a:t>
-            </a:r>
-            <a:endParaRPr lang="en-US" b="1" dirty="0">
-              <a:solidFill>
-                <a:srgbClr val="0070C0"/>
-              </a:solidFill>
-            </a:endParaRPr>
+              <a:t>+</a:t>
+            </a:r>
           </a:p>
         </p:txBody>
       </p:sp>
@@ -6197,8 +6488,8 @@
         </p:nvSpPr>
         <p:spPr>
           <a:xfrm>
-            <a:off x="139472" y="1063230"/>
-            <a:ext cx="8865056" cy="3606305"/>
+            <a:off x="142865" y="1200151"/>
+            <a:ext cx="8865056" cy="3394472"/>
           </a:xfrm>
         </p:spPr>
         <p:txBody>
@@ -6207,72 +6498,19 @@
           </a:bodyPr>
           <a:lstStyle/>
           <a:p>
-            <a:pPr algn="just">
-              <a:buFontTx/>
-              <a:buChar char="-"/>
+            <a:pPr marL="0" indent="0" algn="just">
+              <a:buNone/>
             </a:pPr>
-            <a:r>
-              <a:rPr lang="pt-BR" b="1" dirty="0">
-                <a:latin typeface="Times New Roman" panose="02020603050405020304" pitchFamily="18" charset="0"/>
-                <a:cs typeface="Times New Roman" panose="02020603050405020304" pitchFamily="18" charset="0"/>
-              </a:rPr>
-              <a:t>Exercícios de Fixação</a:t>
-            </a:r>
-          </a:p>
-          <a:p>
-            <a:pPr marL="0" indent="0" algn="just">
-              <a:buNone/>
-            </a:pPr>
-            <a:r>
-              <a:rPr lang="pt-BR" dirty="0">
-                <a:latin typeface="Times New Roman" panose="02020603050405020304" pitchFamily="18" charset="0"/>
-                <a:cs typeface="Times New Roman" panose="02020603050405020304" pitchFamily="18" charset="0"/>
-              </a:rPr>
-              <a:t>	Desafios em Sala de Aula.</a:t>
-            </a:r>
-          </a:p>
-          <a:p>
-            <a:pPr marL="0" indent="0" algn="just">
-              <a:buNone/>
-            </a:pPr>
-            <a:endParaRPr lang="pt-BR" dirty="0">
+            <a:endParaRPr lang="pt-BR" sz="2000" dirty="0">
               <a:latin typeface="Times New Roman" panose="02020603050405020304" pitchFamily="18" charset="0"/>
               <a:cs typeface="Times New Roman" panose="02020603050405020304" pitchFamily="18" charset="0"/>
             </a:endParaRPr>
           </a:p>
           <a:p>
-            <a:pPr algn="just">
-              <a:buFontTx/>
-              <a:buChar char="-"/>
+            <a:pPr marL="0" indent="0" algn="just">
+              <a:buNone/>
             </a:pPr>
-            <a:r>
-              <a:rPr lang="pt-BR" b="1" dirty="0">
-                <a:solidFill>
-                  <a:srgbClr val="FF0000"/>
-                </a:solidFill>
-                <a:latin typeface="Times New Roman" panose="02020603050405020304" pitchFamily="18" charset="0"/>
-                <a:cs typeface="Times New Roman" panose="02020603050405020304" pitchFamily="18" charset="0"/>
-              </a:rPr>
-              <a:t>Atividade (domínio – livre escolha)</a:t>
-            </a:r>
-          </a:p>
-          <a:p>
-            <a:pPr marL="0" indent="0" algn="just">
-              <a:buNone/>
-            </a:pPr>
-            <a:r>
-              <a:rPr lang="pt-BR" dirty="0">
-                <a:latin typeface="Times New Roman" panose="02020603050405020304" pitchFamily="18" charset="0"/>
-                <a:cs typeface="Times New Roman" panose="02020603050405020304" pitchFamily="18" charset="0"/>
-              </a:rPr>
-              <a:t>	Criar uma app, implementando um CRUD.</a:t>
-            </a:r>
-          </a:p>
-          <a:p>
-            <a:pPr marL="0" indent="0" algn="just">
-              <a:buNone/>
-            </a:pPr>
-            <a:endParaRPr lang="pt-BR" dirty="0">
+            <a:endParaRPr lang="pt-BR" sz="2000" dirty="0">
               <a:latin typeface="Times New Roman" panose="02020603050405020304" pitchFamily="18" charset="0"/>
               <a:cs typeface="Times New Roman" panose="02020603050405020304" pitchFamily="18" charset="0"/>
             </a:endParaRPr>
@@ -6281,17 +6519,40 @@
             <a:pPr marL="0" indent="0" algn="just">
               <a:buNone/>
             </a:pPr>
-            <a:endParaRPr lang="pt-BR" dirty="0">
+            <a:r>
+              <a:rPr lang="pt-BR" sz="2000" dirty="0">
+                <a:latin typeface="Times New Roman" panose="02020603050405020304" pitchFamily="18" charset="0"/>
+                <a:cs typeface="Times New Roman" panose="02020603050405020304" pitchFamily="18" charset="0"/>
+              </a:rPr>
+              <a:t>[2] </a:t>
+            </a:r>
+            <a:r>
+              <a:rPr lang="pt-BR" sz="2000" dirty="0">
+                <a:latin typeface="Times New Roman" panose="02020603050405020304" pitchFamily="18" charset="0"/>
+                <a:cs typeface="Times New Roman" panose="02020603050405020304" pitchFamily="18" charset="0"/>
+                <a:hlinkClick r:id="rId3"/>
+              </a:rPr>
+              <a:t>https://www.youtube.com/watch?v=FXlixv8Ieoc</a:t>
+            </a:r>
+            <a:endParaRPr lang="pt-BR" sz="2000" dirty="0">
               <a:latin typeface="Times New Roman" panose="02020603050405020304" pitchFamily="18" charset="0"/>
               <a:cs typeface="Times New Roman" panose="02020603050405020304" pitchFamily="18" charset="0"/>
             </a:endParaRPr>
           </a:p>
+          <a:p>
+            <a:pPr marL="0" indent="0" algn="just">
+              <a:buNone/>
+            </a:pPr>
+            <a:endParaRPr lang="pt-BR" sz="2000" dirty="0">
+              <a:latin typeface="Calibri" panose="020F0502020204030204" pitchFamily="34" charset="0"/>
+            </a:endParaRPr>
+          </a:p>
         </p:txBody>
       </p:sp>
     </p:spTree>
     <p:extLst>
       <p:ext uri="{BB962C8B-B14F-4D97-AF65-F5344CB8AC3E}">
-        <p14:creationId xmlns:p14="http://schemas.microsoft.com/office/powerpoint/2010/main" val="2470652989"/>
+        <p14:creationId xmlns:p14="http://schemas.microsoft.com/office/powerpoint/2010/main" val="3680270425"/>
       </p:ext>
     </p:extLst>
   </p:cSld>
@@ -6342,6 +6603,189 @@
                   <a:srgbClr val="0070C0"/>
                 </a:solidFill>
               </a:rPr>
+              <a:t>Dinâmica</a:t>
+            </a:r>
+            <a:r>
+              <a:rPr lang="en-US" b="1" dirty="0">
+                <a:solidFill>
+                  <a:srgbClr val="0070C0"/>
+                </a:solidFill>
+              </a:rPr>
+              <a:t>/</a:t>
+            </a:r>
+            <a:r>
+              <a:rPr lang="en-US" b="1" dirty="0" err="1">
+                <a:solidFill>
+                  <a:srgbClr val="0070C0"/>
+                </a:solidFill>
+              </a:rPr>
+              <a:t>Atividades</a:t>
+            </a:r>
+            <a:endParaRPr lang="en-US" b="1" dirty="0">
+              <a:solidFill>
+                <a:srgbClr val="0070C0"/>
+              </a:solidFill>
+            </a:endParaRPr>
+          </a:p>
+        </p:txBody>
+      </p:sp>
+      <p:sp>
+        <p:nvSpPr>
+          <p:cNvPr id="8" name="Text Placeholder 2"/>
+          <p:cNvSpPr>
+            <a:spLocks noGrp="1"/>
+          </p:cNvSpPr>
+          <p:nvPr>
+            <p:ph type="body" sz="half" idx="1"/>
+          </p:nvPr>
+        </p:nvSpPr>
+        <p:spPr>
+          <a:xfrm>
+            <a:off x="139472" y="1063230"/>
+            <a:ext cx="8865056" cy="3606305"/>
+          </a:xfrm>
+        </p:spPr>
+        <p:txBody>
+          <a:bodyPr>
+            <a:noAutofit/>
+          </a:bodyPr>
+          <a:lstStyle/>
+          <a:p>
+            <a:pPr algn="just">
+              <a:buFontTx/>
+              <a:buChar char="-"/>
+            </a:pPr>
+            <a:r>
+              <a:rPr lang="pt-BR" b="1" dirty="0">
+                <a:latin typeface="Times New Roman" panose="02020603050405020304" pitchFamily="18" charset="0"/>
+                <a:cs typeface="Times New Roman" panose="02020603050405020304" pitchFamily="18" charset="0"/>
+              </a:rPr>
+              <a:t>Exercícios de Fixação</a:t>
+            </a:r>
+          </a:p>
+          <a:p>
+            <a:pPr marL="0" indent="0" algn="just">
+              <a:buNone/>
+            </a:pPr>
+            <a:r>
+              <a:rPr lang="pt-BR" dirty="0">
+                <a:latin typeface="Times New Roman" panose="02020603050405020304" pitchFamily="18" charset="0"/>
+                <a:cs typeface="Times New Roman" panose="02020603050405020304" pitchFamily="18" charset="0"/>
+              </a:rPr>
+              <a:t>	Desafios em Sala de Aula.</a:t>
+            </a:r>
+          </a:p>
+          <a:p>
+            <a:pPr marL="0" indent="0" algn="just">
+              <a:buNone/>
+            </a:pPr>
+            <a:endParaRPr lang="pt-BR" dirty="0">
+              <a:latin typeface="Times New Roman" panose="02020603050405020304" pitchFamily="18" charset="0"/>
+              <a:cs typeface="Times New Roman" panose="02020603050405020304" pitchFamily="18" charset="0"/>
+            </a:endParaRPr>
+          </a:p>
+          <a:p>
+            <a:pPr algn="just">
+              <a:buFontTx/>
+              <a:buChar char="-"/>
+            </a:pPr>
+            <a:r>
+              <a:rPr lang="pt-BR" b="1" dirty="0">
+                <a:solidFill>
+                  <a:srgbClr val="FF0000"/>
+                </a:solidFill>
+                <a:latin typeface="Times New Roman" panose="02020603050405020304" pitchFamily="18" charset="0"/>
+                <a:cs typeface="Times New Roman" panose="02020603050405020304" pitchFamily="18" charset="0"/>
+              </a:rPr>
+              <a:t>Atividade (domínio – livre escolha)</a:t>
+            </a:r>
+          </a:p>
+          <a:p>
+            <a:pPr marL="0" indent="0" algn="just">
+              <a:buNone/>
+            </a:pPr>
+            <a:r>
+              <a:rPr lang="pt-BR" dirty="0">
+                <a:latin typeface="Times New Roman" panose="02020603050405020304" pitchFamily="18" charset="0"/>
+                <a:cs typeface="Times New Roman" panose="02020603050405020304" pitchFamily="18" charset="0"/>
+              </a:rPr>
+              <a:t>	Criar uma app, implementando um CRUD.</a:t>
+            </a:r>
+          </a:p>
+          <a:p>
+            <a:pPr marL="0" indent="0" algn="just">
+              <a:buNone/>
+            </a:pPr>
+            <a:endParaRPr lang="pt-BR" dirty="0">
+              <a:latin typeface="Times New Roman" panose="02020603050405020304" pitchFamily="18" charset="0"/>
+              <a:cs typeface="Times New Roman" panose="02020603050405020304" pitchFamily="18" charset="0"/>
+            </a:endParaRPr>
+          </a:p>
+          <a:p>
+            <a:pPr marL="0" indent="0" algn="just">
+              <a:buNone/>
+            </a:pPr>
+            <a:endParaRPr lang="pt-BR" dirty="0">
+              <a:latin typeface="Times New Roman" panose="02020603050405020304" pitchFamily="18" charset="0"/>
+              <a:cs typeface="Times New Roman" panose="02020603050405020304" pitchFamily="18" charset="0"/>
+            </a:endParaRPr>
+          </a:p>
+        </p:txBody>
+      </p:sp>
+    </p:spTree>
+    <p:extLst>
+      <p:ext uri="{BB962C8B-B14F-4D97-AF65-F5344CB8AC3E}">
+        <p14:creationId xmlns:p14="http://schemas.microsoft.com/office/powerpoint/2010/main" val="2470652989"/>
+      </p:ext>
+    </p:extLst>
+  </p:cSld>
+  <p:clrMapOvr>
+    <a:masterClrMapping/>
+  </p:clrMapOvr>
+  <p:transition spd="med"/>
+</p:sld>
+</file>
+
+<file path=ppt/slides/slide15.xml><?xml version="1.0" encoding="utf-8"?>
+<p:sld xmlns:a="http://schemas.openxmlformats.org/drawingml/2006/main" xmlns:r="http://schemas.openxmlformats.org/officeDocument/2006/relationships" xmlns:p="http://schemas.openxmlformats.org/presentationml/2006/main">
+  <p:cSld>
+    <p:spTree>
+      <p:nvGrpSpPr>
+        <p:cNvPr id="1" name=""/>
+        <p:cNvGrpSpPr/>
+        <p:nvPr/>
+      </p:nvGrpSpPr>
+      <p:grpSpPr>
+        <a:xfrm>
+          <a:off x="0" y="0"/>
+          <a:ext cx="0" cy="0"/>
+          <a:chOff x="0" y="0"/>
+          <a:chExt cx="0" cy="0"/>
+        </a:xfrm>
+      </p:grpSpPr>
+      <p:sp>
+        <p:nvSpPr>
+          <p:cNvPr id="6" name="Title 1"/>
+          <p:cNvSpPr>
+            <a:spLocks noGrp="1"/>
+          </p:cNvSpPr>
+          <p:nvPr>
+            <p:ph type="title"/>
+          </p:nvPr>
+        </p:nvSpPr>
+        <p:spPr/>
+        <p:txBody>
+          <a:bodyPr>
+            <a:normAutofit/>
+          </a:bodyPr>
+          <a:lstStyle/>
+          <a:p>
+            <a:r>
+              <a:rPr lang="en-US" b="1" dirty="0" err="1">
+                <a:solidFill>
+                  <a:srgbClr val="0070C0"/>
+                </a:solidFill>
+              </a:rPr>
               <a:t>Referências</a:t>
             </a:r>
             <a:r>
@@ -6470,7 +6914,7 @@
 </p:sld>
 </file>
 
-<file path=ppt/slides/slide15.xml><?xml version="1.0" encoding="utf-8"?>
+<file path=ppt/slides/slide16.xml><?xml version="1.0" encoding="utf-8"?>
 <p:sld xmlns:a="http://schemas.openxmlformats.org/drawingml/2006/main" xmlns:r="http://schemas.openxmlformats.org/officeDocument/2006/relationships" xmlns:p="http://schemas.openxmlformats.org/presentationml/2006/main">
   <p:cSld>
     <p:spTree>
@@ -7771,7 +8215,23 @@
                   <a:srgbClr val="0070C0"/>
                 </a:solidFill>
               </a:rPr>
-              <a:t>Python – INSTALAÇÃO DRIVER BD</a:t>
+              <a:t>Python – INSTALAÇÃO </a:t>
+            </a:r>
+            <a:r>
+              <a:rPr lang="en-US" b="1" dirty="0" err="1">
+                <a:solidFill>
+                  <a:srgbClr val="0070C0"/>
+                </a:solidFill>
+              </a:rPr>
+              <a:t>PyTHON</a:t>
+            </a:r>
+            <a:r>
+              <a:rPr lang="en-US" b="1" dirty="0">
+                <a:solidFill>
+                  <a:srgbClr val="0070C0"/>
+                </a:solidFill>
+              </a:rPr>
+              <a:t>/PIP</a:t>
             </a:r>
           </a:p>
         </p:txBody>
@@ -7801,67 +8261,7 @@
             <a:pPr marL="0" indent="0" algn="just">
               <a:buNone/>
             </a:pPr>
-            <a:r>
-              <a:rPr lang="pt-BR" sz="2000" dirty="0">
-                <a:solidFill>
-                  <a:schemeClr val="tx1"/>
-                </a:solidFill>
-                <a:latin typeface="Times New Roman" panose="02020603050405020304" pitchFamily="18" charset="0"/>
-                <a:cs typeface="Times New Roman" panose="02020603050405020304" pitchFamily="18" charset="0"/>
-              </a:rPr>
-              <a:t>Instalar o </a:t>
-            </a:r>
-            <a:r>
-              <a:rPr lang="pt-BR" sz="2000" b="1" dirty="0">
-                <a:solidFill>
-                  <a:schemeClr val="tx1"/>
-                </a:solidFill>
-                <a:latin typeface="Times New Roman" panose="02020603050405020304" pitchFamily="18" charset="0"/>
-                <a:cs typeface="Times New Roman" panose="02020603050405020304" pitchFamily="18" charset="0"/>
-              </a:rPr>
-              <a:t>conector do MySQL</a:t>
-            </a:r>
-            <a:r>
-              <a:rPr lang="pt-BR" sz="2000" dirty="0">
-                <a:solidFill>
-                  <a:schemeClr val="tx1"/>
-                </a:solidFill>
-                <a:latin typeface="Times New Roman" panose="02020603050405020304" pitchFamily="18" charset="0"/>
-                <a:cs typeface="Times New Roman" panose="02020603050405020304" pitchFamily="18" charset="0"/>
-              </a:rPr>
-              <a:t> Python, </a:t>
-            </a:r>
-            <a:r>
-              <a:rPr lang="pt-BR" sz="2000" b="1" dirty="0" err="1">
-                <a:solidFill>
-                  <a:srgbClr val="FF0000"/>
-                </a:solidFill>
-                <a:latin typeface="Times New Roman" panose="02020603050405020304" pitchFamily="18" charset="0"/>
-                <a:cs typeface="Times New Roman" panose="02020603050405020304" pitchFamily="18" charset="0"/>
-              </a:rPr>
-              <a:t>mysql</a:t>
-            </a:r>
-            <a:r>
-              <a:rPr lang="pt-BR" sz="2000" b="1" dirty="0">
-                <a:solidFill>
-                  <a:srgbClr val="FF0000"/>
-                </a:solidFill>
-                <a:latin typeface="Times New Roman" panose="02020603050405020304" pitchFamily="18" charset="0"/>
-                <a:cs typeface="Times New Roman" panose="02020603050405020304" pitchFamily="18" charset="0"/>
-              </a:rPr>
-              <a:t>-conector-</a:t>
-            </a:r>
-            <a:r>
-              <a:rPr lang="pt-BR" sz="2000" b="1" dirty="0" err="1">
-                <a:solidFill>
-                  <a:srgbClr val="FF0000"/>
-                </a:solidFill>
-                <a:latin typeface="Times New Roman" panose="02020603050405020304" pitchFamily="18" charset="0"/>
-                <a:cs typeface="Times New Roman" panose="02020603050405020304" pitchFamily="18" charset="0"/>
-              </a:rPr>
-              <a:t>python</a:t>
-            </a:r>
-            <a:endParaRPr lang="pt-BR" sz="2000" dirty="0">
+            <a:endParaRPr lang="pt-BR" sz="2400" dirty="0">
               <a:solidFill>
                 <a:schemeClr val="tx1"/>
               </a:solidFill>
@@ -7873,7 +8273,18 @@
             <a:pPr marL="0" indent="0" algn="just">
               <a:buNone/>
             </a:pPr>
-            <a:endParaRPr lang="pt-BR" sz="2000" dirty="0">
+            <a:r>
+              <a:rPr lang="pt-BR" sz="2400" b="1" dirty="0">
+                <a:solidFill>
+                  <a:schemeClr val="tx1"/>
+                </a:solidFill>
+                <a:latin typeface="Times New Roman" panose="02020603050405020304" pitchFamily="18" charset="0"/>
+                <a:cs typeface="Times New Roman" panose="02020603050405020304" pitchFamily="18" charset="0"/>
+                <a:hlinkClick r:id="rId3"/>
+              </a:rPr>
+              <a:t>https://www.python.org/downloads/</a:t>
+            </a:r>
+            <a:endParaRPr lang="pt-BR" sz="2400" b="1" dirty="0">
               <a:solidFill>
                 <a:schemeClr val="tx1"/>
               </a:solidFill>
@@ -7882,334 +8293,83 @@
             </a:endParaRPr>
           </a:p>
           <a:p>
-            <a:pPr marL="457200" indent="-457200" algn="just">
-              <a:buAutoNum type="arabicPeriod"/>
+            <a:pPr marL="0" indent="0" algn="just">
+              <a:buNone/>
             </a:pPr>
-            <a:r>
-              <a:rPr lang="pt-BR" sz="2000" b="1" dirty="0" err="1">
-                <a:latin typeface="Times New Roman" panose="02020603050405020304" pitchFamily="18" charset="0"/>
-                <a:cs typeface="Times New Roman" panose="02020603050405020304" pitchFamily="18" charset="0"/>
-              </a:rPr>
-              <a:t>Cmd</a:t>
-            </a:r>
-            <a:r>
-              <a:rPr lang="pt-BR" sz="2000" b="1" dirty="0">
-                <a:latin typeface="Times New Roman" panose="02020603050405020304" pitchFamily="18" charset="0"/>
-                <a:cs typeface="Times New Roman" panose="02020603050405020304" pitchFamily="18" charset="0"/>
-              </a:rPr>
-              <a:t> Shell (</a:t>
-            </a:r>
-            <a:r>
-              <a:rPr lang="pt-BR" sz="2000" b="1" dirty="0" err="1">
-                <a:latin typeface="Times New Roman" panose="02020603050405020304" pitchFamily="18" charset="0"/>
-                <a:cs typeface="Times New Roman" panose="02020603050405020304" pitchFamily="18" charset="0"/>
-              </a:rPr>
-              <a:t>Atuailzar</a:t>
-            </a:r>
-            <a:r>
-              <a:rPr lang="pt-BR" sz="2000" b="1" dirty="0">
-                <a:latin typeface="Times New Roman" panose="02020603050405020304" pitchFamily="18" charset="0"/>
-                <a:cs typeface="Times New Roman" panose="02020603050405020304" pitchFamily="18" charset="0"/>
-              </a:rPr>
-              <a:t> versão do Python, </a:t>
-            </a:r>
-            <a:r>
-              <a:rPr lang="pt-BR" sz="2000" b="1" dirty="0">
-                <a:solidFill>
-                  <a:srgbClr val="0070C0"/>
-                </a:solidFill>
-                <a:latin typeface="Times New Roman" panose="02020603050405020304" pitchFamily="18" charset="0"/>
-                <a:cs typeface="Times New Roman" panose="02020603050405020304" pitchFamily="18" charset="0"/>
-                <a:hlinkClick r:id="rId3">
-                  <a:extLst>
-                    <a:ext uri="{A12FA001-AC4F-418D-AE19-62706E023703}">
-                      <ahyp:hlinkClr xmlns:ahyp="http://schemas.microsoft.com/office/drawing/2018/hyperlinkcolor" val="tx"/>
-                    </a:ext>
-                  </a:extLst>
-                </a:hlinkClick>
-              </a:rPr>
-              <a:t>www.python.org</a:t>
-            </a:r>
-            <a:r>
-              <a:rPr lang="pt-BR" sz="2000" b="1" dirty="0">
-                <a:latin typeface="Times New Roman" panose="02020603050405020304" pitchFamily="18" charset="0"/>
-                <a:cs typeface="Times New Roman" panose="02020603050405020304" pitchFamily="18" charset="0"/>
-              </a:rPr>
-              <a:t> )</a:t>
-            </a:r>
-          </a:p>
-          <a:p>
-            <a:pPr marL="1076325" lvl="1" indent="-457200" algn="just">
-              <a:buAutoNum type="arabicPeriod"/>
-            </a:pPr>
-            <a:r>
-              <a:rPr lang="pt-BR" sz="2000" b="1" dirty="0" err="1">
-                <a:solidFill>
-                  <a:srgbClr val="0070C0"/>
-                </a:solidFill>
-                <a:latin typeface="Times New Roman" panose="02020603050405020304" pitchFamily="18" charset="0"/>
-                <a:cs typeface="Times New Roman" panose="02020603050405020304" pitchFamily="18" charset="0"/>
-              </a:rPr>
-              <a:t>pip</a:t>
-            </a:r>
-            <a:r>
-              <a:rPr lang="pt-BR" sz="2000" b="1" dirty="0">
-                <a:solidFill>
-                  <a:srgbClr val="0070C0"/>
-                </a:solidFill>
-                <a:latin typeface="Times New Roman" panose="02020603050405020304" pitchFamily="18" charset="0"/>
-                <a:cs typeface="Times New Roman" panose="02020603050405020304" pitchFamily="18" charset="0"/>
-              </a:rPr>
-              <a:t> </a:t>
-            </a:r>
-            <a:r>
-              <a:rPr lang="pt-BR" sz="2000" b="1" dirty="0" err="1">
-                <a:solidFill>
-                  <a:srgbClr val="0070C0"/>
-                </a:solidFill>
-                <a:latin typeface="Times New Roman" panose="02020603050405020304" pitchFamily="18" charset="0"/>
-                <a:cs typeface="Times New Roman" panose="02020603050405020304" pitchFamily="18" charset="0"/>
-              </a:rPr>
-              <a:t>install</a:t>
-            </a:r>
-            <a:r>
-              <a:rPr lang="pt-BR" sz="2000" b="1" dirty="0">
-                <a:latin typeface="Times New Roman" panose="02020603050405020304" pitchFamily="18" charset="0"/>
-                <a:cs typeface="Times New Roman" panose="02020603050405020304" pitchFamily="18" charset="0"/>
-              </a:rPr>
-              <a:t> </a:t>
-            </a:r>
-            <a:r>
-              <a:rPr lang="pt-BR" sz="2000" b="1" dirty="0" err="1">
-                <a:solidFill>
-                  <a:srgbClr val="FF0000"/>
-                </a:solidFill>
-                <a:latin typeface="Times New Roman" panose="02020603050405020304" pitchFamily="18" charset="0"/>
-                <a:cs typeface="Times New Roman" panose="02020603050405020304" pitchFamily="18" charset="0"/>
-              </a:rPr>
-              <a:t>mysql</a:t>
-            </a:r>
-            <a:r>
-              <a:rPr lang="pt-BR" sz="2000" b="1" dirty="0">
-                <a:solidFill>
-                  <a:srgbClr val="FF0000"/>
-                </a:solidFill>
-                <a:latin typeface="Times New Roman" panose="02020603050405020304" pitchFamily="18" charset="0"/>
-                <a:cs typeface="Times New Roman" panose="02020603050405020304" pitchFamily="18" charset="0"/>
-              </a:rPr>
-              <a:t>-conector-</a:t>
-            </a:r>
-            <a:r>
-              <a:rPr lang="pt-BR" sz="2000" b="1" dirty="0" err="1">
-                <a:solidFill>
-                  <a:srgbClr val="FF0000"/>
-                </a:solidFill>
-                <a:latin typeface="Times New Roman" panose="02020603050405020304" pitchFamily="18" charset="0"/>
-                <a:cs typeface="Times New Roman" panose="02020603050405020304" pitchFamily="18" charset="0"/>
-              </a:rPr>
-              <a:t>python</a:t>
-            </a:r>
-            <a:r>
-              <a:rPr lang="pt-BR" sz="2000" b="1" dirty="0">
-                <a:solidFill>
-                  <a:srgbClr val="FF0000"/>
-                </a:solidFill>
-                <a:latin typeface="Times New Roman" panose="02020603050405020304" pitchFamily="18" charset="0"/>
-                <a:cs typeface="Times New Roman" panose="02020603050405020304" pitchFamily="18" charset="0"/>
-              </a:rPr>
-              <a:t>  	OU</a:t>
-            </a:r>
-          </a:p>
-          <a:p>
-            <a:pPr marL="457200" indent="-457200" algn="just">
-              <a:buAutoNum type="arabicPeriod"/>
-            </a:pPr>
-            <a:r>
-              <a:rPr lang="pt-BR" sz="2000" b="1" dirty="0">
-                <a:latin typeface="Times New Roman" panose="02020603050405020304" pitchFamily="18" charset="0"/>
-                <a:cs typeface="Times New Roman" panose="02020603050405020304" pitchFamily="18" charset="0"/>
-              </a:rPr>
-              <a:t>Instalar no </a:t>
-            </a:r>
-            <a:r>
-              <a:rPr lang="pt-BR" sz="2000" b="1" dirty="0" err="1">
-                <a:latin typeface="Times New Roman" panose="02020603050405020304" pitchFamily="18" charset="0"/>
-                <a:cs typeface="Times New Roman" panose="02020603050405020304" pitchFamily="18" charset="0"/>
-              </a:rPr>
-              <a:t>VSCode</a:t>
-            </a:r>
-            <a:endParaRPr lang="pt-BR" sz="2000" b="1" dirty="0">
-              <a:latin typeface="Times New Roman" panose="02020603050405020304" pitchFamily="18" charset="0"/>
-              <a:cs typeface="Times New Roman" panose="02020603050405020304" pitchFamily="18" charset="0"/>
-            </a:endParaRPr>
-          </a:p>
-          <a:p>
-            <a:pPr marL="1076325" lvl="1" indent="-457200" algn="just">
-              <a:buAutoNum type="arabicPeriod"/>
-            </a:pPr>
-            <a:r>
-              <a:rPr lang="pt-BR" sz="2000" b="1" dirty="0">
-                <a:solidFill>
-                  <a:srgbClr val="FF0000"/>
-                </a:solidFill>
-                <a:latin typeface="Times New Roman" panose="02020603050405020304" pitchFamily="18" charset="0"/>
-                <a:cs typeface="Times New Roman" panose="02020603050405020304" pitchFamily="18" charset="0"/>
-              </a:rPr>
-              <a:t>Extensão </a:t>
-            </a:r>
-            <a:r>
-              <a:rPr lang="pt-BR" sz="2000" b="1" dirty="0" err="1">
-                <a:solidFill>
-                  <a:srgbClr val="FF0000"/>
-                </a:solidFill>
-                <a:latin typeface="Times New Roman" panose="02020603050405020304" pitchFamily="18" charset="0"/>
-                <a:cs typeface="Times New Roman" panose="02020603050405020304" pitchFamily="18" charset="0"/>
-              </a:rPr>
-              <a:t>SQLTolls</a:t>
-            </a:r>
-            <a:r>
-              <a:rPr lang="pt-BR" sz="2000" b="1" dirty="0">
-                <a:solidFill>
-                  <a:srgbClr val="FF0000"/>
-                </a:solidFill>
-                <a:latin typeface="Times New Roman" panose="02020603050405020304" pitchFamily="18" charset="0"/>
-                <a:cs typeface="Times New Roman" panose="02020603050405020304" pitchFamily="18" charset="0"/>
-              </a:rPr>
-              <a:t>; Python </a:t>
-            </a:r>
-            <a:r>
-              <a:rPr lang="pt-BR" sz="2000" b="1" dirty="0" err="1">
-                <a:solidFill>
-                  <a:srgbClr val="FF0000"/>
-                </a:solidFill>
-                <a:latin typeface="Times New Roman" panose="02020603050405020304" pitchFamily="18" charset="0"/>
-                <a:cs typeface="Times New Roman" panose="02020603050405020304" pitchFamily="18" charset="0"/>
-              </a:rPr>
-              <a:t>IntelliSense</a:t>
-            </a:r>
-            <a:r>
-              <a:rPr lang="pt-BR" sz="2000" b="1" dirty="0">
-                <a:solidFill>
-                  <a:srgbClr val="FF0000"/>
-                </a:solidFill>
-                <a:latin typeface="Times New Roman" panose="02020603050405020304" pitchFamily="18" charset="0"/>
-                <a:cs typeface="Times New Roman" panose="02020603050405020304" pitchFamily="18" charset="0"/>
-              </a:rPr>
-              <a:t>; Python for </a:t>
-            </a:r>
-            <a:r>
-              <a:rPr lang="pt-BR" sz="2000" b="1" dirty="0" err="1">
-                <a:solidFill>
-                  <a:srgbClr val="FF0000"/>
-                </a:solidFill>
-                <a:latin typeface="Times New Roman" panose="02020603050405020304" pitchFamily="18" charset="0"/>
-                <a:cs typeface="Times New Roman" panose="02020603050405020304" pitchFamily="18" charset="0"/>
-              </a:rPr>
-              <a:t>VSCode</a:t>
-            </a:r>
-            <a:endParaRPr lang="pt-BR" sz="2000" b="1" dirty="0">
+            <a:endParaRPr lang="pt-BR" sz="2400" dirty="0">
               <a:solidFill>
-                <a:srgbClr val="FF0000"/>
+                <a:schemeClr val="tx1"/>
               </a:solidFill>
               <a:latin typeface="Times New Roman" panose="02020603050405020304" pitchFamily="18" charset="0"/>
               <a:cs typeface="Times New Roman" panose="02020603050405020304" pitchFamily="18" charset="0"/>
             </a:endParaRPr>
           </a:p>
           <a:p>
-            <a:pPr marL="1076325" lvl="1" indent="-457200" algn="just">
-              <a:buAutoNum type="arabicPeriod"/>
+            <a:pPr marL="0" indent="0" algn="just">
+              <a:buNone/>
             </a:pPr>
             <a:r>
-              <a:rPr lang="pt-BR" sz="2000" b="1" dirty="0">
-                <a:solidFill>
-                  <a:srgbClr val="FF0000"/>
-                </a:solidFill>
-                <a:latin typeface="Times New Roman" panose="02020603050405020304" pitchFamily="18" charset="0"/>
-                <a:cs typeface="Times New Roman" panose="02020603050405020304" pitchFamily="18" charset="0"/>
-              </a:rPr>
-              <a:t>No arquivo </a:t>
-            </a:r>
-            <a:r>
-              <a:rPr lang="pt-BR" sz="2000" b="1" dirty="0" err="1">
-                <a:solidFill>
-                  <a:srgbClr val="FF0000"/>
-                </a:solidFill>
-                <a:latin typeface="Times New Roman" panose="02020603050405020304" pitchFamily="18" charset="0"/>
-                <a:cs typeface="Times New Roman" panose="02020603050405020304" pitchFamily="18" charset="0"/>
-              </a:rPr>
-              <a:t>settings.json</a:t>
-            </a:r>
-            <a:r>
-              <a:rPr lang="pt-BR" sz="2000" b="1" dirty="0">
-                <a:solidFill>
-                  <a:srgbClr val="FF0000"/>
-                </a:solidFill>
-                <a:latin typeface="Times New Roman" panose="02020603050405020304" pitchFamily="18" charset="0"/>
-                <a:cs typeface="Times New Roman" panose="02020603050405020304" pitchFamily="18" charset="0"/>
-              </a:rPr>
-              <a:t> (Incluir)</a:t>
-            </a:r>
-          </a:p>
-          <a:p>
-            <a:pPr marL="1520190" lvl="2" indent="-457200" algn="just">
-              <a:buAutoNum type="arabicPeriod"/>
+              <a:rPr lang="pt-BR" sz="2400" b="1" dirty="0">
+                <a:latin typeface="Times New Roman" panose="02020603050405020304" pitchFamily="18" charset="0"/>
+                <a:cs typeface="Times New Roman" panose="02020603050405020304" pitchFamily="18" charset="0"/>
+              </a:rPr>
+              <a:t>Nota</a:t>
+            </a:r>
+            <a:r>
+              <a:rPr lang="pt-BR" sz="2400" dirty="0">
+                <a:latin typeface="Times New Roman" panose="02020603050405020304" pitchFamily="18" charset="0"/>
+                <a:cs typeface="Times New Roman" panose="02020603050405020304" pitchFamily="18" charset="0"/>
+              </a:rPr>
+              <a:t>: Adicionar/Verificar variáveis de ambiente, path Python. </a:t>
+            </a:r>
+            <a:endParaRPr lang="pt-BR" sz="2400" dirty="0">
+              <a:solidFill>
+                <a:schemeClr val="tx1"/>
+              </a:solidFill>
+              <a:latin typeface="Times New Roman" panose="02020603050405020304" pitchFamily="18" charset="0"/>
+              <a:cs typeface="Times New Roman" panose="02020603050405020304" pitchFamily="18" charset="0"/>
+            </a:endParaRPr>
+          </a:p>
+          <a:p>
+            <a:pPr marL="0" indent="0" algn="just">
+              <a:buNone/>
             </a:pPr>
-            <a:r>
-              <a:rPr lang="pt-BR" sz="2000" b="1" dirty="0">
-                <a:solidFill>
-                  <a:schemeClr val="tx1"/>
-                </a:solidFill>
-                <a:latin typeface="Times New Roman" panose="02020603050405020304" pitchFamily="18" charset="0"/>
-                <a:cs typeface="Times New Roman" panose="02020603050405020304" pitchFamily="18" charset="0"/>
-              </a:rPr>
-              <a:t>, "</a:t>
-            </a:r>
-            <a:r>
-              <a:rPr lang="pt-BR" sz="2000" b="1" dirty="0" err="1">
-                <a:solidFill>
-                  <a:schemeClr val="tx1"/>
-                </a:solidFill>
-                <a:latin typeface="Times New Roman" panose="02020603050405020304" pitchFamily="18" charset="0"/>
-                <a:cs typeface="Times New Roman" panose="02020603050405020304" pitchFamily="18" charset="0"/>
-              </a:rPr>
-              <a:t>python.pythonPath</a:t>
-            </a:r>
-            <a:r>
-              <a:rPr lang="pt-BR" sz="2000" b="1" dirty="0">
-                <a:solidFill>
-                  <a:schemeClr val="tx1"/>
-                </a:solidFill>
-                <a:latin typeface="Times New Roman" panose="02020603050405020304" pitchFamily="18" charset="0"/>
-                <a:cs typeface="Times New Roman" panose="02020603050405020304" pitchFamily="18" charset="0"/>
-              </a:rPr>
-              <a:t>": "C:\\Program Files (x86)\\Microsoft Visual Studio\\</a:t>
-            </a:r>
-            <a:r>
-              <a:rPr lang="pt-BR" sz="2000" b="1" dirty="0" err="1">
-                <a:solidFill>
-                  <a:schemeClr val="tx1"/>
-                </a:solidFill>
-                <a:latin typeface="Times New Roman" panose="02020603050405020304" pitchFamily="18" charset="0"/>
-                <a:cs typeface="Times New Roman" panose="02020603050405020304" pitchFamily="18" charset="0"/>
-              </a:rPr>
-              <a:t>Shared</a:t>
-            </a:r>
-            <a:r>
-              <a:rPr lang="pt-BR" sz="2000" b="1" dirty="0">
-                <a:solidFill>
-                  <a:schemeClr val="tx1"/>
-                </a:solidFill>
-                <a:latin typeface="Times New Roman" panose="02020603050405020304" pitchFamily="18" charset="0"/>
-                <a:cs typeface="Times New Roman" panose="02020603050405020304" pitchFamily="18" charset="0"/>
-              </a:rPr>
-              <a:t>\\Python37_64\\python.exe"</a:t>
-            </a:r>
-          </a:p>
-          <a:p>
-            <a:pPr marL="1520190" lvl="2" indent="-457200" algn="just">
-              <a:buAutoNum type="arabicPeriod"/>
+            <a:endParaRPr lang="pt-BR" sz="2400" dirty="0">
+              <a:solidFill>
+                <a:schemeClr val="tx1"/>
+              </a:solidFill>
+              <a:latin typeface="Times New Roman" panose="02020603050405020304" pitchFamily="18" charset="0"/>
+              <a:cs typeface="Times New Roman" panose="02020603050405020304" pitchFamily="18" charset="0"/>
+            </a:endParaRPr>
+          </a:p>
+          <a:p>
+            <a:pPr marL="0" indent="0" algn="just">
+              <a:buNone/>
             </a:pPr>
-            <a:endParaRPr lang="pt-BR" sz="2000" b="1" dirty="0">
+            <a:r>
+              <a:rPr lang="pt-BR" sz="2400" b="1" dirty="0">
+                <a:solidFill>
+                  <a:schemeClr val="tx1"/>
+                </a:solidFill>
+                <a:latin typeface="Times New Roman" panose="02020603050405020304" pitchFamily="18" charset="0"/>
+                <a:cs typeface="Times New Roman" panose="02020603050405020304" pitchFamily="18" charset="0"/>
+                <a:hlinkClick r:id="rId4"/>
+              </a:rPr>
+              <a:t>https://pip.pypa.io/en/stable/installation/</a:t>
+            </a:r>
+            <a:endParaRPr lang="pt-BR" sz="2400" b="1" dirty="0">
+              <a:solidFill>
+                <a:schemeClr val="tx1"/>
+              </a:solidFill>
+              <a:latin typeface="Times New Roman" panose="02020603050405020304" pitchFamily="18" charset="0"/>
+              <a:cs typeface="Times New Roman" panose="02020603050405020304" pitchFamily="18" charset="0"/>
+            </a:endParaRPr>
+          </a:p>
+          <a:p>
+            <a:pPr marL="0" indent="0" algn="just">
+              <a:buNone/>
+            </a:pPr>
+            <a:endParaRPr lang="pt-BR" sz="2400" dirty="0">
               <a:solidFill>
                 <a:schemeClr val="tx1"/>
               </a:solidFill>
@@ -8279,21 +8439,8 @@
                   <a:srgbClr val="0070C0"/>
                 </a:solidFill>
               </a:rPr>
-              <a:t>Python – BANCO DE DADOS - </a:t>
-            </a:r>
-            <a:r>
-              <a:rPr lang="en-US" b="1" dirty="0" err="1">
-                <a:solidFill>
-                  <a:srgbClr val="0070C0"/>
-                </a:solidFill>
-              </a:rPr>
-              <a:t>Conexão</a:t>
-            </a:r>
-            <a:endParaRPr lang="en-US" b="1" dirty="0">
-              <a:solidFill>
-                <a:srgbClr val="0070C0"/>
-              </a:solidFill>
-            </a:endParaRPr>
+              <a:t>Python – INSTALAÇÃO DRIVER BD</a:t>
+            </a:r>
           </a:p>
         </p:txBody>
       </p:sp>
@@ -8323,19 +8470,148 @@
               <a:buNone/>
             </a:pPr>
             <a:r>
-              <a:rPr lang="pt-BR" sz="2400" b="1" dirty="0" err="1">
-                <a:solidFill>
-                  <a:schemeClr val="tx1"/>
-                </a:solidFill>
-                <a:latin typeface="Times New Roman" panose="02020603050405020304" pitchFamily="18" charset="0"/>
-                <a:cs typeface="Times New Roman" panose="02020603050405020304" pitchFamily="18" charset="0"/>
-              </a:rPr>
-              <a:t>import</a:t>
-            </a:r>
-            <a:r>
-              <a:rPr lang="pt-BR" sz="2400" dirty="0">
-                <a:solidFill>
-                  <a:schemeClr val="tx1"/>
+              <a:rPr lang="pt-BR" sz="2000" dirty="0">
+                <a:solidFill>
+                  <a:schemeClr val="tx1"/>
+                </a:solidFill>
+                <a:latin typeface="Times New Roman" panose="02020603050405020304" pitchFamily="18" charset="0"/>
+                <a:cs typeface="Times New Roman" panose="02020603050405020304" pitchFamily="18" charset="0"/>
+              </a:rPr>
+              <a:t>Instalar o </a:t>
+            </a:r>
+            <a:r>
+              <a:rPr lang="pt-BR" sz="2000" b="1" dirty="0">
+                <a:solidFill>
+                  <a:schemeClr val="tx1"/>
+                </a:solidFill>
+                <a:latin typeface="Times New Roman" panose="02020603050405020304" pitchFamily="18" charset="0"/>
+                <a:cs typeface="Times New Roman" panose="02020603050405020304" pitchFamily="18" charset="0"/>
+              </a:rPr>
+              <a:t>conector do MySQL</a:t>
+            </a:r>
+            <a:r>
+              <a:rPr lang="pt-BR" sz="2000" dirty="0">
+                <a:solidFill>
+                  <a:schemeClr val="tx1"/>
+                </a:solidFill>
+                <a:latin typeface="Times New Roman" panose="02020603050405020304" pitchFamily="18" charset="0"/>
+                <a:cs typeface="Times New Roman" panose="02020603050405020304" pitchFamily="18" charset="0"/>
+              </a:rPr>
+              <a:t> Python, </a:t>
+            </a:r>
+            <a:r>
+              <a:rPr lang="pt-BR" sz="2000" b="1" dirty="0" err="1">
+                <a:solidFill>
+                  <a:srgbClr val="FF0000"/>
+                </a:solidFill>
+                <a:latin typeface="Times New Roman" panose="02020603050405020304" pitchFamily="18" charset="0"/>
+                <a:cs typeface="Times New Roman" panose="02020603050405020304" pitchFamily="18" charset="0"/>
+              </a:rPr>
+              <a:t>mysql</a:t>
+            </a:r>
+            <a:r>
+              <a:rPr lang="pt-BR" sz="2000" b="1" dirty="0">
+                <a:solidFill>
+                  <a:srgbClr val="FF0000"/>
+                </a:solidFill>
+                <a:latin typeface="Times New Roman" panose="02020603050405020304" pitchFamily="18" charset="0"/>
+                <a:cs typeface="Times New Roman" panose="02020603050405020304" pitchFamily="18" charset="0"/>
+              </a:rPr>
+              <a:t>-conector-</a:t>
+            </a:r>
+            <a:r>
+              <a:rPr lang="pt-BR" sz="2000" b="1" dirty="0" err="1">
+                <a:solidFill>
+                  <a:srgbClr val="FF0000"/>
+                </a:solidFill>
+                <a:latin typeface="Times New Roman" panose="02020603050405020304" pitchFamily="18" charset="0"/>
+                <a:cs typeface="Times New Roman" panose="02020603050405020304" pitchFamily="18" charset="0"/>
+              </a:rPr>
+              <a:t>python</a:t>
+            </a:r>
+            <a:endParaRPr lang="pt-BR" sz="2000" dirty="0">
+              <a:solidFill>
+                <a:schemeClr val="tx1"/>
+              </a:solidFill>
+              <a:latin typeface="Times New Roman" panose="02020603050405020304" pitchFamily="18" charset="0"/>
+              <a:cs typeface="Times New Roman" panose="02020603050405020304" pitchFamily="18" charset="0"/>
+            </a:endParaRPr>
+          </a:p>
+          <a:p>
+            <a:pPr marL="457200" indent="-457200" algn="just">
+              <a:buAutoNum type="arabicPeriod"/>
+            </a:pPr>
+            <a:r>
+              <a:rPr lang="pt-BR" sz="2000" b="1" dirty="0" err="1">
+                <a:latin typeface="Times New Roman" panose="02020603050405020304" pitchFamily="18" charset="0"/>
+                <a:cs typeface="Times New Roman" panose="02020603050405020304" pitchFamily="18" charset="0"/>
+              </a:rPr>
+              <a:t>Cmd</a:t>
+            </a:r>
+            <a:r>
+              <a:rPr lang="pt-BR" sz="2000" b="1" dirty="0">
+                <a:latin typeface="Times New Roman" panose="02020603050405020304" pitchFamily="18" charset="0"/>
+                <a:cs typeface="Times New Roman" panose="02020603050405020304" pitchFamily="18" charset="0"/>
+              </a:rPr>
+              <a:t> Shell (</a:t>
+            </a:r>
+            <a:r>
+              <a:rPr lang="pt-BR" sz="2000" b="1" dirty="0" err="1">
+                <a:latin typeface="Times New Roman" panose="02020603050405020304" pitchFamily="18" charset="0"/>
+                <a:cs typeface="Times New Roman" panose="02020603050405020304" pitchFamily="18" charset="0"/>
+              </a:rPr>
+              <a:t>Atuailzar</a:t>
+            </a:r>
+            <a:r>
+              <a:rPr lang="pt-BR" sz="2000" b="1" dirty="0">
+                <a:latin typeface="Times New Roman" panose="02020603050405020304" pitchFamily="18" charset="0"/>
+                <a:cs typeface="Times New Roman" panose="02020603050405020304" pitchFamily="18" charset="0"/>
+              </a:rPr>
+              <a:t> versão do Python, </a:t>
+            </a:r>
+            <a:r>
+              <a:rPr lang="pt-BR" sz="2000" b="1" dirty="0">
+                <a:solidFill>
+                  <a:srgbClr val="0070C0"/>
+                </a:solidFill>
+                <a:latin typeface="Times New Roman" panose="02020603050405020304" pitchFamily="18" charset="0"/>
+                <a:cs typeface="Times New Roman" panose="02020603050405020304" pitchFamily="18" charset="0"/>
+                <a:hlinkClick r:id="rId3">
+                  <a:extLst>
+                    <a:ext uri="{A12FA001-AC4F-418D-AE19-62706E023703}">
+                      <ahyp:hlinkClr xmlns:ahyp="http://schemas.microsoft.com/office/drawing/2018/hyperlinkcolor" val="tx"/>
+                    </a:ext>
+                  </a:extLst>
+                </a:hlinkClick>
+              </a:rPr>
+              <a:t>www.python.org</a:t>
+            </a:r>
+            <a:r>
+              <a:rPr lang="pt-BR" sz="2000" b="1" dirty="0">
+                <a:latin typeface="Times New Roman" panose="02020603050405020304" pitchFamily="18" charset="0"/>
+                <a:cs typeface="Times New Roman" panose="02020603050405020304" pitchFamily="18" charset="0"/>
+              </a:rPr>
+              <a:t> )</a:t>
+            </a:r>
+          </a:p>
+          <a:p>
+            <a:pPr marL="1076325" lvl="1" indent="-457200" algn="just">
+              <a:buAutoNum type="arabicPeriod"/>
+            </a:pPr>
+            <a:r>
+              <a:rPr lang="pt-BR" sz="2000" b="1" dirty="0" err="1">
+                <a:solidFill>
+                  <a:srgbClr val="0070C0"/>
+                </a:solidFill>
+                <a:latin typeface="Times New Roman" panose="02020603050405020304" pitchFamily="18" charset="0"/>
+                <a:cs typeface="Times New Roman" panose="02020603050405020304" pitchFamily="18" charset="0"/>
+              </a:rPr>
+              <a:t>pip</a:t>
+            </a:r>
+            <a:r>
+              <a:rPr lang="pt-BR" sz="2000" b="1" dirty="0">
+                <a:solidFill>
+                  <a:srgbClr val="0070C0"/>
                 </a:solidFill>
                 <a:latin typeface="Times New Roman" panose="02020603050405020304" pitchFamily="18" charset="0"/>
                 <a:cs typeface="Times New Roman" panose="02020603050405020304" pitchFamily="18" charset="0"/>
@@ -8343,16 +8619,151 @@
               <a:t> </a:t>
             </a:r>
             <a:r>
-              <a:rPr lang="pt-BR" sz="2400" b="1" dirty="0" err="1">
+              <a:rPr lang="pt-BR" sz="2000" b="1" dirty="0" err="1">
+                <a:solidFill>
+                  <a:srgbClr val="0070C0"/>
+                </a:solidFill>
+                <a:latin typeface="Times New Roman" panose="02020603050405020304" pitchFamily="18" charset="0"/>
+                <a:cs typeface="Times New Roman" panose="02020603050405020304" pitchFamily="18" charset="0"/>
+              </a:rPr>
+              <a:t>install</a:t>
+            </a:r>
+            <a:r>
+              <a:rPr lang="pt-BR" sz="2000" b="1" dirty="0">
+                <a:latin typeface="Times New Roman" panose="02020603050405020304" pitchFamily="18" charset="0"/>
+                <a:cs typeface="Times New Roman" panose="02020603050405020304" pitchFamily="18" charset="0"/>
+              </a:rPr>
+              <a:t> </a:t>
+            </a:r>
+            <a:r>
+              <a:rPr lang="pt-BR" sz="2000" b="1" dirty="0" err="1">
                 <a:solidFill>
                   <a:srgbClr val="FF0000"/>
                 </a:solidFill>
                 <a:latin typeface="Times New Roman" panose="02020603050405020304" pitchFamily="18" charset="0"/>
                 <a:cs typeface="Times New Roman" panose="02020603050405020304" pitchFamily="18" charset="0"/>
               </a:rPr>
-              <a:t>mysql.connector</a:t>
-            </a:r>
-            <a:endParaRPr lang="pt-BR" sz="2400" b="1" dirty="0">
+              <a:t>mysql</a:t>
+            </a:r>
+            <a:r>
+              <a:rPr lang="pt-BR" sz="2000" b="1" dirty="0">
+                <a:solidFill>
+                  <a:srgbClr val="FF0000"/>
+                </a:solidFill>
+                <a:latin typeface="Times New Roman" panose="02020603050405020304" pitchFamily="18" charset="0"/>
+                <a:cs typeface="Times New Roman" panose="02020603050405020304" pitchFamily="18" charset="0"/>
+              </a:rPr>
+              <a:t>-conector-</a:t>
+            </a:r>
+            <a:r>
+              <a:rPr lang="pt-BR" sz="2000" b="1" dirty="0" err="1">
+                <a:solidFill>
+                  <a:srgbClr val="FF0000"/>
+                </a:solidFill>
+                <a:latin typeface="Times New Roman" panose="02020603050405020304" pitchFamily="18" charset="0"/>
+                <a:cs typeface="Times New Roman" panose="02020603050405020304" pitchFamily="18" charset="0"/>
+              </a:rPr>
+              <a:t>python</a:t>
+            </a:r>
+            <a:r>
+              <a:rPr lang="pt-BR" sz="2000" b="1" dirty="0">
+                <a:solidFill>
+                  <a:srgbClr val="FF0000"/>
+                </a:solidFill>
+                <a:latin typeface="Times New Roman" panose="02020603050405020304" pitchFamily="18" charset="0"/>
+                <a:cs typeface="Times New Roman" panose="02020603050405020304" pitchFamily="18" charset="0"/>
+              </a:rPr>
+              <a:t>  	OU</a:t>
+            </a:r>
+          </a:p>
+          <a:p>
+            <a:pPr marL="457200" indent="-457200" algn="just">
+              <a:buAutoNum type="arabicPeriod"/>
+            </a:pPr>
+            <a:r>
+              <a:rPr lang="pt-BR" sz="2000" b="1" dirty="0">
+                <a:latin typeface="Times New Roman" panose="02020603050405020304" pitchFamily="18" charset="0"/>
+                <a:cs typeface="Times New Roman" panose="02020603050405020304" pitchFamily="18" charset="0"/>
+              </a:rPr>
+              <a:t>Instalar no </a:t>
+            </a:r>
+            <a:r>
+              <a:rPr lang="pt-BR" sz="2000" b="1" dirty="0" err="1">
+                <a:latin typeface="Times New Roman" panose="02020603050405020304" pitchFamily="18" charset="0"/>
+                <a:cs typeface="Times New Roman" panose="02020603050405020304" pitchFamily="18" charset="0"/>
+              </a:rPr>
+              <a:t>VSCode</a:t>
+            </a:r>
+            <a:endParaRPr lang="pt-BR" sz="2000" b="1" dirty="0">
+              <a:latin typeface="Times New Roman" panose="02020603050405020304" pitchFamily="18" charset="0"/>
+              <a:cs typeface="Times New Roman" panose="02020603050405020304" pitchFamily="18" charset="0"/>
+            </a:endParaRPr>
+          </a:p>
+          <a:p>
+            <a:pPr marL="1076325" lvl="1" indent="-457200" algn="just">
+              <a:buAutoNum type="arabicPeriod"/>
+            </a:pPr>
+            <a:r>
+              <a:rPr lang="pt-BR" sz="2000" b="1" dirty="0">
+                <a:solidFill>
+                  <a:srgbClr val="FF0000"/>
+                </a:solidFill>
+                <a:latin typeface="Times New Roman" panose="02020603050405020304" pitchFamily="18" charset="0"/>
+                <a:cs typeface="Times New Roman" panose="02020603050405020304" pitchFamily="18" charset="0"/>
+              </a:rPr>
+              <a:t>Extensão </a:t>
+            </a:r>
+            <a:r>
+              <a:rPr lang="pt-BR" sz="2000" b="1" dirty="0" err="1">
+                <a:solidFill>
+                  <a:srgbClr val="FF0000"/>
+                </a:solidFill>
+                <a:latin typeface="Times New Roman" panose="02020603050405020304" pitchFamily="18" charset="0"/>
+                <a:cs typeface="Times New Roman" panose="02020603050405020304" pitchFamily="18" charset="0"/>
+              </a:rPr>
+              <a:t>SQLTolls</a:t>
+            </a:r>
+            <a:r>
+              <a:rPr lang="pt-BR" sz="2000" b="1" dirty="0">
+                <a:solidFill>
+                  <a:srgbClr val="FF0000"/>
+                </a:solidFill>
+                <a:latin typeface="Times New Roman" panose="02020603050405020304" pitchFamily="18" charset="0"/>
+                <a:cs typeface="Times New Roman" panose="02020603050405020304" pitchFamily="18" charset="0"/>
+              </a:rPr>
+              <a:t>; Python </a:t>
+            </a:r>
+            <a:r>
+              <a:rPr lang="pt-BR" sz="2000" b="1" dirty="0" err="1">
+                <a:solidFill>
+                  <a:srgbClr val="FF0000"/>
+                </a:solidFill>
+                <a:latin typeface="Times New Roman" panose="02020603050405020304" pitchFamily="18" charset="0"/>
+                <a:cs typeface="Times New Roman" panose="02020603050405020304" pitchFamily="18" charset="0"/>
+              </a:rPr>
+              <a:t>IntelliSense</a:t>
+            </a:r>
+            <a:r>
+              <a:rPr lang="pt-BR" sz="2000" b="1" dirty="0">
+                <a:solidFill>
+                  <a:srgbClr val="FF0000"/>
+                </a:solidFill>
+                <a:latin typeface="Times New Roman" panose="02020603050405020304" pitchFamily="18" charset="0"/>
+                <a:cs typeface="Times New Roman" panose="02020603050405020304" pitchFamily="18" charset="0"/>
+              </a:rPr>
+              <a:t>; Python for </a:t>
+            </a:r>
+            <a:r>
+              <a:rPr lang="pt-BR" sz="2000" b="1" dirty="0" err="1">
+                <a:solidFill>
+                  <a:srgbClr val="FF0000"/>
+                </a:solidFill>
+                <a:latin typeface="Times New Roman" panose="02020603050405020304" pitchFamily="18" charset="0"/>
+                <a:cs typeface="Times New Roman" panose="02020603050405020304" pitchFamily="18" charset="0"/>
+              </a:rPr>
+              <a:t>VSCode</a:t>
+            </a:r>
+            <a:endParaRPr lang="pt-BR" sz="2000" b="1" dirty="0">
               <a:solidFill>
                 <a:srgbClr val="FF0000"/>
               </a:solidFill>
@@ -8361,10 +8772,110 @@
             </a:endParaRPr>
           </a:p>
           <a:p>
-            <a:pPr marL="0" indent="0" algn="just">
-              <a:buNone/>
+            <a:pPr marL="1076325" lvl="1" indent="-457200" algn="just">
+              <a:buAutoNum type="arabicPeriod"/>
             </a:pPr>
-            <a:endParaRPr lang="pt-BR" sz="2400" dirty="0">
+            <a:r>
+              <a:rPr lang="pt-BR" sz="2000" b="1" dirty="0">
+                <a:solidFill>
+                  <a:srgbClr val="FF0000"/>
+                </a:solidFill>
+                <a:latin typeface="Times New Roman" panose="02020603050405020304" pitchFamily="18" charset="0"/>
+                <a:cs typeface="Times New Roman" panose="02020603050405020304" pitchFamily="18" charset="0"/>
+              </a:rPr>
+              <a:t>No arquivo </a:t>
+            </a:r>
+            <a:r>
+              <a:rPr lang="pt-BR" sz="2000" b="1" dirty="0" err="1">
+                <a:solidFill>
+                  <a:srgbClr val="FF0000"/>
+                </a:solidFill>
+                <a:latin typeface="Times New Roman" panose="02020603050405020304" pitchFamily="18" charset="0"/>
+                <a:cs typeface="Times New Roman" panose="02020603050405020304" pitchFamily="18" charset="0"/>
+              </a:rPr>
+              <a:t>settings.json</a:t>
+            </a:r>
+            <a:r>
+              <a:rPr lang="pt-BR" sz="2000" b="1" dirty="0">
+                <a:solidFill>
+                  <a:srgbClr val="FF0000"/>
+                </a:solidFill>
+                <a:latin typeface="Times New Roman" panose="02020603050405020304" pitchFamily="18" charset="0"/>
+                <a:cs typeface="Times New Roman" panose="02020603050405020304" pitchFamily="18" charset="0"/>
+              </a:rPr>
+              <a:t> (Incluir)</a:t>
+            </a:r>
+          </a:p>
+          <a:p>
+            <a:pPr marL="1520190" lvl="2" indent="-457200" algn="just">
+              <a:buAutoNum type="arabicPeriod"/>
+            </a:pPr>
+            <a:r>
+              <a:rPr lang="pt-BR" sz="2000" b="1" dirty="0">
+                <a:solidFill>
+                  <a:srgbClr val="FF0000"/>
+                </a:solidFill>
+                <a:latin typeface="Times New Roman" panose="02020603050405020304" pitchFamily="18" charset="0"/>
+                <a:cs typeface="Times New Roman" panose="02020603050405020304" pitchFamily="18" charset="0"/>
+              </a:rPr>
+              <a:t>,</a:t>
+            </a:r>
+            <a:r>
+              <a:rPr lang="pt-BR" sz="2000" b="1" dirty="0">
+                <a:solidFill>
+                  <a:schemeClr val="tx1"/>
+                </a:solidFill>
+                <a:latin typeface="Times New Roman" panose="02020603050405020304" pitchFamily="18" charset="0"/>
+                <a:cs typeface="Times New Roman" panose="02020603050405020304" pitchFamily="18" charset="0"/>
+              </a:rPr>
+              <a:t> "</a:t>
+            </a:r>
+            <a:r>
+              <a:rPr lang="pt-BR" sz="2000" b="1" dirty="0" err="1">
+                <a:solidFill>
+                  <a:schemeClr val="tx1"/>
+                </a:solidFill>
+                <a:latin typeface="Times New Roman" panose="02020603050405020304" pitchFamily="18" charset="0"/>
+                <a:cs typeface="Times New Roman" panose="02020603050405020304" pitchFamily="18" charset="0"/>
+              </a:rPr>
+              <a:t>python.pythonPath</a:t>
+            </a:r>
+            <a:r>
+              <a:rPr lang="pt-BR" sz="2000" b="1" dirty="0">
+                <a:solidFill>
+                  <a:schemeClr val="tx1"/>
+                </a:solidFill>
+                <a:latin typeface="Times New Roman" panose="02020603050405020304" pitchFamily="18" charset="0"/>
+                <a:cs typeface="Times New Roman" panose="02020603050405020304" pitchFamily="18" charset="0"/>
+              </a:rPr>
+              <a:t>": "C:\\Program Files (x86)\\Microsoft Visual Studio\\</a:t>
+            </a:r>
+            <a:r>
+              <a:rPr lang="pt-BR" sz="2000" b="1" dirty="0" err="1">
+                <a:solidFill>
+                  <a:schemeClr val="tx1"/>
+                </a:solidFill>
+                <a:latin typeface="Times New Roman" panose="02020603050405020304" pitchFamily="18" charset="0"/>
+                <a:cs typeface="Times New Roman" panose="02020603050405020304" pitchFamily="18" charset="0"/>
+              </a:rPr>
+              <a:t>Shared</a:t>
+            </a:r>
+            <a:r>
+              <a:rPr lang="pt-BR" sz="2000" b="1" dirty="0">
+                <a:solidFill>
+                  <a:schemeClr val="tx1"/>
+                </a:solidFill>
+                <a:latin typeface="Times New Roman" panose="02020603050405020304" pitchFamily="18" charset="0"/>
+                <a:cs typeface="Times New Roman" panose="02020603050405020304" pitchFamily="18" charset="0"/>
+              </a:rPr>
+              <a:t>\\Python37_64\\python.exe"</a:t>
+            </a:r>
+          </a:p>
+          <a:p>
+            <a:pPr marL="1520190" lvl="2" indent="-457200" algn="just">
+              <a:buAutoNum type="arabicPeriod"/>
+            </a:pPr>
+            <a:endParaRPr lang="pt-BR" sz="2000" b="1" dirty="0">
               <a:solidFill>
                 <a:schemeClr val="tx1"/>
               </a:solidFill>
@@ -8372,387 +8883,12 @@
               <a:cs typeface="Times New Roman" panose="02020603050405020304" pitchFamily="18" charset="0"/>
             </a:endParaRPr>
           </a:p>
-          <a:p>
-            <a:pPr marL="0" indent="0" algn="just">
-              <a:buNone/>
-            </a:pPr>
-            <a:r>
-              <a:rPr lang="pt-BR" sz="2400" dirty="0">
-                <a:solidFill>
-                  <a:schemeClr val="tx1"/>
-                </a:solidFill>
-                <a:latin typeface="Times New Roman" panose="02020603050405020304" pitchFamily="18" charset="0"/>
-                <a:cs typeface="Times New Roman" panose="02020603050405020304" pitchFamily="18" charset="0"/>
-              </a:rPr>
-              <a:t># </a:t>
-            </a:r>
-            <a:r>
-              <a:rPr lang="pt-BR" sz="2400" b="1" dirty="0">
-                <a:solidFill>
-                  <a:schemeClr val="tx1"/>
-                </a:solidFill>
-                <a:latin typeface="Times New Roman" panose="02020603050405020304" pitchFamily="18" charset="0"/>
-                <a:cs typeface="Times New Roman" panose="02020603050405020304" pitchFamily="18" charset="0"/>
-              </a:rPr>
-              <a:t>Objeto de conexão</a:t>
-            </a:r>
-          </a:p>
-          <a:p>
-            <a:pPr marL="0" indent="0" algn="just">
-              <a:buNone/>
-            </a:pPr>
-            <a:r>
-              <a:rPr lang="pt-BR" sz="2400" dirty="0" err="1">
-                <a:solidFill>
-                  <a:schemeClr val="tx1"/>
-                </a:solidFill>
-                <a:latin typeface="Times New Roman" panose="02020603050405020304" pitchFamily="18" charset="0"/>
-                <a:cs typeface="Times New Roman" panose="02020603050405020304" pitchFamily="18" charset="0"/>
-              </a:rPr>
-              <a:t>conn</a:t>
-            </a:r>
-            <a:r>
-              <a:rPr lang="pt-BR" sz="2400" dirty="0">
-                <a:solidFill>
-                  <a:schemeClr val="tx1"/>
-                </a:solidFill>
-                <a:latin typeface="Times New Roman" panose="02020603050405020304" pitchFamily="18" charset="0"/>
-                <a:cs typeface="Times New Roman" panose="02020603050405020304" pitchFamily="18" charset="0"/>
-              </a:rPr>
-              <a:t> = </a:t>
-            </a:r>
-            <a:r>
-              <a:rPr lang="pt-BR" sz="2400" b="1" dirty="0" err="1">
-                <a:solidFill>
-                  <a:srgbClr val="FF0000"/>
-                </a:solidFill>
-                <a:latin typeface="Times New Roman" panose="02020603050405020304" pitchFamily="18" charset="0"/>
-                <a:cs typeface="Times New Roman" panose="02020603050405020304" pitchFamily="18" charset="0"/>
-              </a:rPr>
-              <a:t>mysql.connector.connect</a:t>
-            </a:r>
-            <a:r>
-              <a:rPr lang="pt-BR" sz="2400" dirty="0">
-                <a:solidFill>
-                  <a:schemeClr val="tx1"/>
-                </a:solidFill>
-                <a:latin typeface="Times New Roman" panose="02020603050405020304" pitchFamily="18" charset="0"/>
-                <a:cs typeface="Times New Roman" panose="02020603050405020304" pitchFamily="18" charset="0"/>
-              </a:rPr>
-              <a:t>(</a:t>
-            </a:r>
-          </a:p>
-          <a:p>
-            <a:pPr marL="0" indent="0" algn="just">
-              <a:buNone/>
-            </a:pPr>
-            <a:r>
-              <a:rPr lang="pt-BR" sz="2400" dirty="0">
-                <a:solidFill>
-                  <a:schemeClr val="tx1"/>
-                </a:solidFill>
-                <a:latin typeface="Times New Roman" panose="02020603050405020304" pitchFamily="18" charset="0"/>
-                <a:cs typeface="Times New Roman" panose="02020603050405020304" pitchFamily="18" charset="0"/>
-              </a:rPr>
-              <a:t>    </a:t>
-            </a:r>
-            <a:r>
-              <a:rPr lang="pt-BR" sz="2400" b="1" dirty="0">
-                <a:solidFill>
-                  <a:schemeClr val="tx1"/>
-                </a:solidFill>
-                <a:latin typeface="Times New Roman" panose="02020603050405020304" pitchFamily="18" charset="0"/>
-                <a:cs typeface="Times New Roman" panose="02020603050405020304" pitchFamily="18" charset="0"/>
-              </a:rPr>
-              <a:t>host</a:t>
-            </a:r>
-            <a:r>
-              <a:rPr lang="pt-BR" sz="2400" dirty="0">
-                <a:solidFill>
-                  <a:schemeClr val="tx1"/>
-                </a:solidFill>
-                <a:latin typeface="Times New Roman" panose="02020603050405020304" pitchFamily="18" charset="0"/>
-                <a:cs typeface="Times New Roman" panose="02020603050405020304" pitchFamily="18" charset="0"/>
-              </a:rPr>
-              <a:t>="</a:t>
-            </a:r>
-            <a:r>
-              <a:rPr lang="pt-BR" sz="2400" dirty="0" err="1">
-                <a:solidFill>
-                  <a:schemeClr val="tx1"/>
-                </a:solidFill>
-                <a:latin typeface="Times New Roman" panose="02020603050405020304" pitchFamily="18" charset="0"/>
-                <a:cs typeface="Times New Roman" panose="02020603050405020304" pitchFamily="18" charset="0"/>
-              </a:rPr>
-              <a:t>localhost</a:t>
-            </a:r>
-            <a:r>
-              <a:rPr lang="pt-BR" sz="2400" dirty="0">
-                <a:solidFill>
-                  <a:schemeClr val="tx1"/>
-                </a:solidFill>
-                <a:latin typeface="Times New Roman" panose="02020603050405020304" pitchFamily="18" charset="0"/>
-                <a:cs typeface="Times New Roman" panose="02020603050405020304" pitchFamily="18" charset="0"/>
-              </a:rPr>
-              <a:t>", </a:t>
-            </a:r>
-            <a:r>
-              <a:rPr lang="pt-BR" sz="2400" b="1" dirty="0" err="1">
-                <a:solidFill>
-                  <a:schemeClr val="tx1"/>
-                </a:solidFill>
-                <a:latin typeface="Times New Roman" panose="02020603050405020304" pitchFamily="18" charset="0"/>
-                <a:cs typeface="Times New Roman" panose="02020603050405020304" pitchFamily="18" charset="0"/>
-              </a:rPr>
-              <a:t>database</a:t>
-            </a:r>
-            <a:r>
-              <a:rPr lang="pt-BR" sz="2400" dirty="0">
-                <a:solidFill>
-                  <a:schemeClr val="tx1"/>
-                </a:solidFill>
-                <a:latin typeface="Times New Roman" panose="02020603050405020304" pitchFamily="18" charset="0"/>
-                <a:cs typeface="Times New Roman" panose="02020603050405020304" pitchFamily="18" charset="0"/>
-              </a:rPr>
-              <a:t>="</a:t>
-            </a:r>
-            <a:r>
-              <a:rPr lang="pt-BR" sz="2400" dirty="0" err="1">
-                <a:solidFill>
-                  <a:schemeClr val="tx1"/>
-                </a:solidFill>
-                <a:latin typeface="Times New Roman" panose="02020603050405020304" pitchFamily="18" charset="0"/>
-                <a:cs typeface="Times New Roman" panose="02020603050405020304" pitchFamily="18" charset="0"/>
-              </a:rPr>
-              <a:t>coursejdbc</a:t>
-            </a:r>
-            <a:r>
-              <a:rPr lang="pt-BR" sz="2400" dirty="0">
-                <a:solidFill>
-                  <a:schemeClr val="tx1"/>
-                </a:solidFill>
-                <a:latin typeface="Times New Roman" panose="02020603050405020304" pitchFamily="18" charset="0"/>
-                <a:cs typeface="Times New Roman" panose="02020603050405020304" pitchFamily="18" charset="0"/>
-              </a:rPr>
-              <a:t>", </a:t>
-            </a:r>
-            <a:r>
-              <a:rPr lang="pt-BR" sz="2400" b="1" dirty="0" err="1">
-                <a:solidFill>
-                  <a:schemeClr val="tx1"/>
-                </a:solidFill>
-                <a:latin typeface="Times New Roman" panose="02020603050405020304" pitchFamily="18" charset="0"/>
-                <a:cs typeface="Times New Roman" panose="02020603050405020304" pitchFamily="18" charset="0"/>
-              </a:rPr>
-              <a:t>user</a:t>
-            </a:r>
-            <a:r>
-              <a:rPr lang="pt-BR" sz="2400" dirty="0">
-                <a:solidFill>
-                  <a:schemeClr val="tx1"/>
-                </a:solidFill>
-                <a:latin typeface="Times New Roman" panose="02020603050405020304" pitchFamily="18" charset="0"/>
-                <a:cs typeface="Times New Roman" panose="02020603050405020304" pitchFamily="18" charset="0"/>
-              </a:rPr>
-              <a:t>="</a:t>
-            </a:r>
-            <a:r>
-              <a:rPr lang="pt-BR" sz="2400" dirty="0" err="1">
-                <a:solidFill>
-                  <a:schemeClr val="tx1"/>
-                </a:solidFill>
-                <a:latin typeface="Times New Roman" panose="02020603050405020304" pitchFamily="18" charset="0"/>
-                <a:cs typeface="Times New Roman" panose="02020603050405020304" pitchFamily="18" charset="0"/>
-              </a:rPr>
-              <a:t>developer</a:t>
-            </a:r>
-            <a:r>
-              <a:rPr lang="pt-BR" sz="2400" dirty="0">
-                <a:solidFill>
-                  <a:schemeClr val="tx1"/>
-                </a:solidFill>
-                <a:latin typeface="Times New Roman" panose="02020603050405020304" pitchFamily="18" charset="0"/>
-                <a:cs typeface="Times New Roman" panose="02020603050405020304" pitchFamily="18" charset="0"/>
-              </a:rPr>
-              <a:t>", </a:t>
-            </a:r>
-            <a:r>
-              <a:rPr lang="pt-BR" sz="2400" b="1" dirty="0" err="1">
-                <a:solidFill>
-                  <a:schemeClr val="tx1"/>
-                </a:solidFill>
-                <a:latin typeface="Times New Roman" panose="02020603050405020304" pitchFamily="18" charset="0"/>
-                <a:cs typeface="Times New Roman" panose="02020603050405020304" pitchFamily="18" charset="0"/>
-              </a:rPr>
-              <a:t>password</a:t>
-            </a:r>
-            <a:r>
-              <a:rPr lang="pt-BR" sz="2400" dirty="0">
-                <a:solidFill>
-                  <a:schemeClr val="tx1"/>
-                </a:solidFill>
-                <a:latin typeface="Times New Roman" panose="02020603050405020304" pitchFamily="18" charset="0"/>
-                <a:cs typeface="Times New Roman" panose="02020603050405020304" pitchFamily="18" charset="0"/>
-              </a:rPr>
-              <a:t>="12")</a:t>
-            </a:r>
-          </a:p>
-          <a:p>
-            <a:pPr marL="0" indent="0" algn="just">
-              <a:buNone/>
-            </a:pPr>
-            <a:r>
-              <a:rPr lang="pt-BR" sz="2400" b="1" dirty="0" err="1">
-                <a:solidFill>
-                  <a:schemeClr val="tx1"/>
-                </a:solidFill>
-                <a:latin typeface="Times New Roman" panose="02020603050405020304" pitchFamily="18" charset="0"/>
-                <a:cs typeface="Times New Roman" panose="02020603050405020304" pitchFamily="18" charset="0"/>
-              </a:rPr>
-              <a:t>if</a:t>
-            </a:r>
-            <a:r>
-              <a:rPr lang="pt-BR" sz="2400" dirty="0">
-                <a:solidFill>
-                  <a:schemeClr val="tx1"/>
-                </a:solidFill>
-                <a:latin typeface="Times New Roman" panose="02020603050405020304" pitchFamily="18" charset="0"/>
-                <a:cs typeface="Times New Roman" panose="02020603050405020304" pitchFamily="18" charset="0"/>
-              </a:rPr>
-              <a:t> </a:t>
-            </a:r>
-            <a:r>
-              <a:rPr lang="pt-BR" sz="2400" dirty="0" err="1">
-                <a:solidFill>
-                  <a:schemeClr val="tx1"/>
-                </a:solidFill>
-                <a:latin typeface="Times New Roman" panose="02020603050405020304" pitchFamily="18" charset="0"/>
-                <a:cs typeface="Times New Roman" panose="02020603050405020304" pitchFamily="18" charset="0"/>
-              </a:rPr>
-              <a:t>conn.</a:t>
-            </a:r>
-            <a:r>
-              <a:rPr lang="pt-BR" sz="2400" b="1" dirty="0" err="1">
-                <a:solidFill>
-                  <a:srgbClr val="FF0000"/>
-                </a:solidFill>
-                <a:latin typeface="Times New Roman" panose="02020603050405020304" pitchFamily="18" charset="0"/>
-                <a:cs typeface="Times New Roman" panose="02020603050405020304" pitchFamily="18" charset="0"/>
-              </a:rPr>
-              <a:t>is_connected</a:t>
-            </a:r>
-            <a:r>
-              <a:rPr lang="pt-BR" sz="2400" dirty="0">
-                <a:solidFill>
-                  <a:schemeClr val="tx1"/>
-                </a:solidFill>
-                <a:latin typeface="Times New Roman" panose="02020603050405020304" pitchFamily="18" charset="0"/>
-                <a:cs typeface="Times New Roman" panose="02020603050405020304" pitchFamily="18" charset="0"/>
-              </a:rPr>
-              <a:t>():</a:t>
-            </a:r>
-          </a:p>
-          <a:p>
-            <a:pPr marL="0" indent="0" algn="just">
-              <a:buNone/>
-            </a:pPr>
-            <a:r>
-              <a:rPr lang="pt-BR" sz="2400" dirty="0">
-                <a:solidFill>
-                  <a:schemeClr val="tx1"/>
-                </a:solidFill>
-                <a:latin typeface="Times New Roman" panose="02020603050405020304" pitchFamily="18" charset="0"/>
-                <a:cs typeface="Times New Roman" panose="02020603050405020304" pitchFamily="18" charset="0"/>
-              </a:rPr>
-              <a:t>    </a:t>
-            </a:r>
-            <a:r>
-              <a:rPr lang="pt-BR" sz="2400" b="1" dirty="0">
-                <a:solidFill>
-                  <a:schemeClr val="tx1"/>
-                </a:solidFill>
-                <a:latin typeface="Times New Roman" panose="02020603050405020304" pitchFamily="18" charset="0"/>
-                <a:cs typeface="Times New Roman" panose="02020603050405020304" pitchFamily="18" charset="0"/>
-              </a:rPr>
-              <a:t>print</a:t>
-            </a:r>
-            <a:r>
-              <a:rPr lang="pt-BR" sz="2400" dirty="0">
-                <a:solidFill>
-                  <a:schemeClr val="tx1"/>
-                </a:solidFill>
-                <a:latin typeface="Times New Roman" panose="02020603050405020304" pitchFamily="18" charset="0"/>
-                <a:cs typeface="Times New Roman" panose="02020603050405020304" pitchFamily="18" charset="0"/>
-              </a:rPr>
-              <a:t>("</a:t>
-            </a:r>
-            <a:r>
-              <a:rPr lang="pt-BR" sz="2400" b="1" dirty="0">
-                <a:solidFill>
-                  <a:srgbClr val="0070C0"/>
-                </a:solidFill>
-                <a:latin typeface="Times New Roman" panose="02020603050405020304" pitchFamily="18" charset="0"/>
-                <a:cs typeface="Times New Roman" panose="02020603050405020304" pitchFamily="18" charset="0"/>
-              </a:rPr>
-              <a:t>conectado</a:t>
-            </a:r>
-            <a:r>
-              <a:rPr lang="pt-BR" sz="2400" dirty="0">
-                <a:solidFill>
-                  <a:schemeClr val="tx1"/>
-                </a:solidFill>
-                <a:latin typeface="Times New Roman" panose="02020603050405020304" pitchFamily="18" charset="0"/>
-                <a:cs typeface="Times New Roman" panose="02020603050405020304" pitchFamily="18" charset="0"/>
-              </a:rPr>
-              <a:t>") # print(</a:t>
-            </a:r>
-            <a:r>
-              <a:rPr lang="pt-BR" sz="2400" dirty="0" err="1">
-                <a:solidFill>
-                  <a:schemeClr val="tx1"/>
-                </a:solidFill>
-                <a:latin typeface="Times New Roman" panose="02020603050405020304" pitchFamily="18" charset="0"/>
-                <a:cs typeface="Times New Roman" panose="02020603050405020304" pitchFamily="18" charset="0"/>
-              </a:rPr>
-              <a:t>conn.get_server_info</a:t>
-            </a:r>
-            <a:r>
-              <a:rPr lang="pt-BR" sz="2400" dirty="0">
-                <a:solidFill>
-                  <a:schemeClr val="tx1"/>
-                </a:solidFill>
-                <a:latin typeface="Times New Roman" panose="02020603050405020304" pitchFamily="18" charset="0"/>
-                <a:cs typeface="Times New Roman" panose="02020603050405020304" pitchFamily="18" charset="0"/>
-              </a:rPr>
-              <a:t>()) (</a:t>
-            </a:r>
-            <a:r>
-              <a:rPr lang="pt-BR" sz="2400" b="1" dirty="0">
-                <a:solidFill>
-                  <a:srgbClr val="FF0000"/>
-                </a:solidFill>
-                <a:latin typeface="Times New Roman" panose="02020603050405020304" pitchFamily="18" charset="0"/>
-                <a:cs typeface="Times New Roman" panose="02020603050405020304" pitchFamily="18" charset="0"/>
-              </a:rPr>
-              <a:t>versão</a:t>
-            </a:r>
-            <a:r>
-              <a:rPr lang="pt-BR" sz="2400" dirty="0">
-                <a:solidFill>
-                  <a:schemeClr val="tx1"/>
-                </a:solidFill>
-                <a:latin typeface="Times New Roman" panose="02020603050405020304" pitchFamily="18" charset="0"/>
-                <a:cs typeface="Times New Roman" panose="02020603050405020304" pitchFamily="18" charset="0"/>
-              </a:rPr>
-              <a:t>)</a:t>
-            </a:r>
-          </a:p>
         </p:txBody>
       </p:sp>
     </p:spTree>
     <p:extLst>
       <p:ext uri="{BB962C8B-B14F-4D97-AF65-F5344CB8AC3E}">
-        <p14:creationId xmlns:p14="http://schemas.microsoft.com/office/powerpoint/2010/main" val="606401857"/>
+        <p14:creationId xmlns:p14="http://schemas.microsoft.com/office/powerpoint/2010/main" val="2133797546"/>
       </p:ext>
     </p:extLst>
   </p:cSld>
@@ -8809,8 +8945,21 @@
                   <a:srgbClr val="0070C0"/>
                 </a:solidFill>
               </a:rPr>
-              <a:t>Python – BANCO DE DADOS - SELECT</a:t>
-            </a:r>
+              <a:t>Python – BANCO DE DADOS - </a:t>
+            </a:r>
+            <a:r>
+              <a:rPr lang="en-US" b="1" dirty="0" err="1">
+                <a:solidFill>
+                  <a:srgbClr val="0070C0"/>
+                </a:solidFill>
+              </a:rPr>
+              <a:t>Conexão</a:t>
+            </a:r>
+            <a:endParaRPr lang="en-US" b="1" dirty="0">
+              <a:solidFill>
+                <a:srgbClr val="0070C0"/>
+              </a:solidFill>
+            </a:endParaRPr>
           </a:p>
         </p:txBody>
       </p:sp>
@@ -8840,196 +8989,48 @@
               <a:buNone/>
             </a:pPr>
             <a:r>
-              <a:rPr lang="pt-BR" sz="2000" dirty="0">
-                <a:solidFill>
-                  <a:schemeClr val="tx1"/>
-                </a:solidFill>
-                <a:latin typeface="Times New Roman" panose="02020603050405020304" pitchFamily="18" charset="0"/>
-                <a:cs typeface="Times New Roman" panose="02020603050405020304" pitchFamily="18" charset="0"/>
-              </a:rPr>
-              <a:t>cursor = </a:t>
-            </a:r>
-            <a:r>
-              <a:rPr lang="pt-BR" sz="2000" dirty="0" err="1">
-                <a:solidFill>
-                  <a:schemeClr val="tx1"/>
-                </a:solidFill>
-                <a:latin typeface="Times New Roman" panose="02020603050405020304" pitchFamily="18" charset="0"/>
-                <a:cs typeface="Times New Roman" panose="02020603050405020304" pitchFamily="18" charset="0"/>
-              </a:rPr>
-              <a:t>conn.</a:t>
-            </a:r>
-            <a:r>
-              <a:rPr lang="pt-BR" sz="2000" b="1" dirty="0" err="1">
+              <a:rPr lang="pt-BR" sz="2400" b="1" dirty="0" err="1">
+                <a:solidFill>
+                  <a:schemeClr val="tx1"/>
+                </a:solidFill>
+                <a:latin typeface="Times New Roman" panose="02020603050405020304" pitchFamily="18" charset="0"/>
+                <a:cs typeface="Times New Roman" panose="02020603050405020304" pitchFamily="18" charset="0"/>
+              </a:rPr>
+              <a:t>import</a:t>
+            </a:r>
+            <a:r>
+              <a:rPr lang="pt-BR" sz="2400" dirty="0">
+                <a:solidFill>
+                  <a:schemeClr val="tx1"/>
+                </a:solidFill>
+                <a:latin typeface="Times New Roman" panose="02020603050405020304" pitchFamily="18" charset="0"/>
+                <a:cs typeface="Times New Roman" panose="02020603050405020304" pitchFamily="18" charset="0"/>
+              </a:rPr>
+              <a:t> </a:t>
+            </a:r>
+            <a:r>
+              <a:rPr lang="pt-BR" sz="2400" b="1" dirty="0" err="1">
                 <a:solidFill>
                   <a:srgbClr val="FF0000"/>
                 </a:solidFill>
                 <a:latin typeface="Times New Roman" panose="02020603050405020304" pitchFamily="18" charset="0"/>
                 <a:cs typeface="Times New Roman" panose="02020603050405020304" pitchFamily="18" charset="0"/>
               </a:rPr>
-              <a:t>cursor</a:t>
-            </a:r>
-            <a:r>
-              <a:rPr lang="pt-BR" sz="2000" dirty="0">
-                <a:solidFill>
-                  <a:schemeClr val="tx1"/>
-                </a:solidFill>
-                <a:latin typeface="Times New Roman" panose="02020603050405020304" pitchFamily="18" charset="0"/>
-                <a:cs typeface="Times New Roman" panose="02020603050405020304" pitchFamily="18" charset="0"/>
-              </a:rPr>
-              <a:t>()</a:t>
-            </a:r>
+              <a:t>mysql.connector</a:t>
+            </a:r>
+            <a:endParaRPr lang="pt-BR" sz="2400" b="1" dirty="0">
+              <a:solidFill>
+                <a:srgbClr val="FF0000"/>
+              </a:solidFill>
+              <a:latin typeface="Times New Roman" panose="02020603050405020304" pitchFamily="18" charset="0"/>
+              <a:cs typeface="Times New Roman" panose="02020603050405020304" pitchFamily="18" charset="0"/>
+            </a:endParaRPr>
           </a:p>
           <a:p>
             <a:pPr marL="0" indent="0" algn="just">
               <a:buNone/>
             </a:pPr>
-            <a:r>
-              <a:rPr lang="pt-BR" sz="2000" dirty="0" err="1">
-                <a:solidFill>
-                  <a:schemeClr val="tx1"/>
-                </a:solidFill>
-                <a:latin typeface="Times New Roman" panose="02020603050405020304" pitchFamily="18" charset="0"/>
-                <a:cs typeface="Times New Roman" panose="02020603050405020304" pitchFamily="18" charset="0"/>
-              </a:rPr>
-              <a:t>cursor.</a:t>
-            </a:r>
-            <a:r>
-              <a:rPr lang="pt-BR" sz="2000" b="1" dirty="0" err="1">
-                <a:solidFill>
-                  <a:schemeClr val="tx1"/>
-                </a:solidFill>
-                <a:latin typeface="Times New Roman" panose="02020603050405020304" pitchFamily="18" charset="0"/>
-                <a:cs typeface="Times New Roman" panose="02020603050405020304" pitchFamily="18" charset="0"/>
-              </a:rPr>
-              <a:t>execute</a:t>
-            </a:r>
-            <a:r>
-              <a:rPr lang="pt-BR" sz="2000" dirty="0">
-                <a:solidFill>
-                  <a:schemeClr val="tx1"/>
-                </a:solidFill>
-                <a:latin typeface="Times New Roman" panose="02020603050405020304" pitchFamily="18" charset="0"/>
-                <a:cs typeface="Times New Roman" panose="02020603050405020304" pitchFamily="18" charset="0"/>
-              </a:rPr>
-              <a:t>("</a:t>
-            </a:r>
-            <a:r>
-              <a:rPr lang="pt-BR" sz="2000" b="1" dirty="0" err="1">
-                <a:solidFill>
-                  <a:schemeClr val="tx1"/>
-                </a:solidFill>
-                <a:latin typeface="Times New Roman" panose="02020603050405020304" pitchFamily="18" charset="0"/>
-                <a:cs typeface="Times New Roman" panose="02020603050405020304" pitchFamily="18" charset="0"/>
-              </a:rPr>
-              <a:t>select</a:t>
-            </a:r>
-            <a:r>
-              <a:rPr lang="pt-BR" sz="2000" dirty="0">
-                <a:solidFill>
-                  <a:schemeClr val="tx1"/>
-                </a:solidFill>
-                <a:latin typeface="Times New Roman" panose="02020603050405020304" pitchFamily="18" charset="0"/>
-                <a:cs typeface="Times New Roman" panose="02020603050405020304" pitchFamily="18" charset="0"/>
-              </a:rPr>
-              <a:t> </a:t>
-            </a:r>
-            <a:r>
-              <a:rPr lang="pt-BR" sz="2000" dirty="0" err="1">
-                <a:solidFill>
-                  <a:schemeClr val="tx1"/>
-                </a:solidFill>
-                <a:latin typeface="Times New Roman" panose="02020603050405020304" pitchFamily="18" charset="0"/>
-                <a:cs typeface="Times New Roman" panose="02020603050405020304" pitchFamily="18" charset="0"/>
-              </a:rPr>
-              <a:t>database</a:t>
-            </a:r>
-            <a:r>
-              <a:rPr lang="pt-BR" sz="2000" dirty="0">
-                <a:solidFill>
-                  <a:schemeClr val="tx1"/>
-                </a:solidFill>
-                <a:latin typeface="Times New Roman" panose="02020603050405020304" pitchFamily="18" charset="0"/>
-                <a:cs typeface="Times New Roman" panose="02020603050405020304" pitchFamily="18" charset="0"/>
-              </a:rPr>
-              <a:t>(); ")</a:t>
-            </a:r>
-          </a:p>
-          <a:p>
-            <a:pPr marL="0" indent="0" algn="just">
-              <a:buNone/>
-            </a:pPr>
-            <a:r>
-              <a:rPr lang="pt-BR" sz="2000" dirty="0">
-                <a:solidFill>
-                  <a:schemeClr val="tx1"/>
-                </a:solidFill>
-                <a:latin typeface="Times New Roman" panose="02020603050405020304" pitchFamily="18" charset="0"/>
-                <a:cs typeface="Times New Roman" panose="02020603050405020304" pitchFamily="18" charset="0"/>
-              </a:rPr>
-              <a:t>linha = </a:t>
-            </a:r>
-            <a:r>
-              <a:rPr lang="pt-BR" sz="2000" dirty="0" err="1">
-                <a:solidFill>
-                  <a:schemeClr val="tx1"/>
-                </a:solidFill>
-                <a:latin typeface="Times New Roman" panose="02020603050405020304" pitchFamily="18" charset="0"/>
-                <a:cs typeface="Times New Roman" panose="02020603050405020304" pitchFamily="18" charset="0"/>
-              </a:rPr>
-              <a:t>cursor.</a:t>
-            </a:r>
-            <a:r>
-              <a:rPr lang="pt-BR" sz="2000" b="1" dirty="0" err="1">
-                <a:solidFill>
-                  <a:srgbClr val="FF0000"/>
-                </a:solidFill>
-                <a:latin typeface="Times New Roman" panose="02020603050405020304" pitchFamily="18" charset="0"/>
-                <a:cs typeface="Times New Roman" panose="02020603050405020304" pitchFamily="18" charset="0"/>
-              </a:rPr>
-              <a:t>fetchone</a:t>
-            </a:r>
-            <a:r>
-              <a:rPr lang="pt-BR" sz="2000" dirty="0">
-                <a:solidFill>
-                  <a:schemeClr val="tx1"/>
-                </a:solidFill>
-                <a:latin typeface="Times New Roman" panose="02020603050405020304" pitchFamily="18" charset="0"/>
-                <a:cs typeface="Times New Roman" panose="02020603050405020304" pitchFamily="18" charset="0"/>
-              </a:rPr>
-              <a:t>()</a:t>
-            </a:r>
-          </a:p>
-          <a:p>
-            <a:pPr marL="0" indent="0" algn="just">
-              <a:buNone/>
-            </a:pPr>
-            <a:r>
-              <a:rPr lang="pt-BR" sz="2000" b="1" dirty="0">
-                <a:solidFill>
-                  <a:schemeClr val="tx1"/>
-                </a:solidFill>
-                <a:latin typeface="Times New Roman" panose="02020603050405020304" pitchFamily="18" charset="0"/>
-                <a:cs typeface="Times New Roman" panose="02020603050405020304" pitchFamily="18" charset="0"/>
-              </a:rPr>
-              <a:t>print</a:t>
-            </a:r>
-            <a:r>
-              <a:rPr lang="pt-BR" sz="2000" dirty="0">
-                <a:solidFill>
-                  <a:schemeClr val="tx1"/>
-                </a:solidFill>
-                <a:latin typeface="Times New Roman" panose="02020603050405020304" pitchFamily="18" charset="0"/>
-                <a:cs typeface="Times New Roman" panose="02020603050405020304" pitchFamily="18" charset="0"/>
-              </a:rPr>
-              <a:t>("conectado ao banco de dados: ", linha)</a:t>
-            </a:r>
-          </a:p>
-          <a:p>
-            <a:pPr marL="0" indent="0" algn="just">
-              <a:buNone/>
-            </a:pPr>
-            <a:endParaRPr lang="pt-BR" sz="2000" dirty="0">
+            <a:endParaRPr lang="pt-BR" sz="2400" dirty="0">
               <a:solidFill>
                 <a:schemeClr val="tx1"/>
               </a:solidFill>
@@ -9042,7 +9043,232 @@
               <a:buNone/>
             </a:pPr>
             <a:r>
-              <a:rPr lang="pt-BR" sz="2000" b="1" dirty="0" err="1">
+              <a:rPr lang="pt-BR" sz="2400" dirty="0">
+                <a:solidFill>
+                  <a:schemeClr val="tx1"/>
+                </a:solidFill>
+                <a:latin typeface="Times New Roman" panose="02020603050405020304" pitchFamily="18" charset="0"/>
+                <a:cs typeface="Times New Roman" panose="02020603050405020304" pitchFamily="18" charset="0"/>
+              </a:rPr>
+              <a:t># </a:t>
+            </a:r>
+            <a:r>
+              <a:rPr lang="pt-BR" sz="2400" b="1" dirty="0">
+                <a:solidFill>
+                  <a:schemeClr val="tx1"/>
+                </a:solidFill>
+                <a:latin typeface="Times New Roman" panose="02020603050405020304" pitchFamily="18" charset="0"/>
+                <a:cs typeface="Times New Roman" panose="02020603050405020304" pitchFamily="18" charset="0"/>
+              </a:rPr>
+              <a:t>Objeto de conexão</a:t>
+            </a:r>
+          </a:p>
+          <a:p>
+            <a:pPr marL="0" indent="0" algn="just">
+              <a:buNone/>
+            </a:pPr>
+            <a:r>
+              <a:rPr lang="pt-BR" sz="2400" dirty="0" err="1">
+                <a:solidFill>
+                  <a:schemeClr val="tx1"/>
+                </a:solidFill>
+                <a:latin typeface="Times New Roman" panose="02020603050405020304" pitchFamily="18" charset="0"/>
+                <a:cs typeface="Times New Roman" panose="02020603050405020304" pitchFamily="18" charset="0"/>
+              </a:rPr>
+              <a:t>conn</a:t>
+            </a:r>
+            <a:r>
+              <a:rPr lang="pt-BR" sz="2400" dirty="0">
+                <a:solidFill>
+                  <a:schemeClr val="tx1"/>
+                </a:solidFill>
+                <a:latin typeface="Times New Roman" panose="02020603050405020304" pitchFamily="18" charset="0"/>
+                <a:cs typeface="Times New Roman" panose="02020603050405020304" pitchFamily="18" charset="0"/>
+              </a:rPr>
+              <a:t> = </a:t>
+            </a:r>
+            <a:r>
+              <a:rPr lang="pt-BR" sz="2400" b="1" dirty="0" err="1">
+                <a:solidFill>
+                  <a:srgbClr val="FF0000"/>
+                </a:solidFill>
+                <a:latin typeface="Times New Roman" panose="02020603050405020304" pitchFamily="18" charset="0"/>
+                <a:cs typeface="Times New Roman" panose="02020603050405020304" pitchFamily="18" charset="0"/>
+              </a:rPr>
+              <a:t>mysql.connector.connect</a:t>
+            </a:r>
+            <a:r>
+              <a:rPr lang="pt-BR" sz="2400" dirty="0">
+                <a:solidFill>
+                  <a:schemeClr val="tx1"/>
+                </a:solidFill>
+                <a:latin typeface="Times New Roman" panose="02020603050405020304" pitchFamily="18" charset="0"/>
+                <a:cs typeface="Times New Roman" panose="02020603050405020304" pitchFamily="18" charset="0"/>
+              </a:rPr>
+              <a:t>(</a:t>
+            </a:r>
+          </a:p>
+          <a:p>
+            <a:pPr marL="0" indent="0" algn="just">
+              <a:buNone/>
+            </a:pPr>
+            <a:r>
+              <a:rPr lang="pt-BR" sz="2400" dirty="0">
+                <a:solidFill>
+                  <a:schemeClr val="tx1"/>
+                </a:solidFill>
+                <a:latin typeface="Times New Roman" panose="02020603050405020304" pitchFamily="18" charset="0"/>
+                <a:cs typeface="Times New Roman" panose="02020603050405020304" pitchFamily="18" charset="0"/>
+              </a:rPr>
+              <a:t>    </a:t>
+            </a:r>
+            <a:r>
+              <a:rPr lang="pt-BR" sz="2400" b="1" dirty="0">
+                <a:solidFill>
+                  <a:schemeClr val="tx1"/>
+                </a:solidFill>
+                <a:latin typeface="Times New Roman" panose="02020603050405020304" pitchFamily="18" charset="0"/>
+                <a:cs typeface="Times New Roman" panose="02020603050405020304" pitchFamily="18" charset="0"/>
+              </a:rPr>
+              <a:t>host</a:t>
+            </a:r>
+            <a:r>
+              <a:rPr lang="pt-BR" sz="2400" dirty="0">
+                <a:solidFill>
+                  <a:schemeClr val="tx1"/>
+                </a:solidFill>
+                <a:latin typeface="Times New Roman" panose="02020603050405020304" pitchFamily="18" charset="0"/>
+                <a:cs typeface="Times New Roman" panose="02020603050405020304" pitchFamily="18" charset="0"/>
+              </a:rPr>
+              <a:t>="</a:t>
+            </a:r>
+            <a:r>
+              <a:rPr lang="pt-BR" sz="2400" dirty="0" err="1">
+                <a:solidFill>
+                  <a:schemeClr val="tx1"/>
+                </a:solidFill>
+                <a:latin typeface="Times New Roman" panose="02020603050405020304" pitchFamily="18" charset="0"/>
+                <a:cs typeface="Times New Roman" panose="02020603050405020304" pitchFamily="18" charset="0"/>
+              </a:rPr>
+              <a:t>localhost</a:t>
+            </a:r>
+            <a:r>
+              <a:rPr lang="pt-BR" sz="2400" dirty="0">
+                <a:solidFill>
+                  <a:schemeClr val="tx1"/>
+                </a:solidFill>
+                <a:latin typeface="Times New Roman" panose="02020603050405020304" pitchFamily="18" charset="0"/>
+                <a:cs typeface="Times New Roman" panose="02020603050405020304" pitchFamily="18" charset="0"/>
+              </a:rPr>
+              <a:t>", </a:t>
+            </a:r>
+            <a:r>
+              <a:rPr lang="pt-BR" sz="2400" b="1" dirty="0" err="1">
+                <a:solidFill>
+                  <a:schemeClr val="tx1"/>
+                </a:solidFill>
+                <a:latin typeface="Times New Roman" panose="02020603050405020304" pitchFamily="18" charset="0"/>
+                <a:cs typeface="Times New Roman" panose="02020603050405020304" pitchFamily="18" charset="0"/>
+              </a:rPr>
+              <a:t>database</a:t>
+            </a:r>
+            <a:r>
+              <a:rPr lang="pt-BR" sz="2400" dirty="0">
+                <a:solidFill>
+                  <a:schemeClr val="tx1"/>
+                </a:solidFill>
+                <a:latin typeface="Times New Roman" panose="02020603050405020304" pitchFamily="18" charset="0"/>
+                <a:cs typeface="Times New Roman" panose="02020603050405020304" pitchFamily="18" charset="0"/>
+              </a:rPr>
+              <a:t>="</a:t>
+            </a:r>
+            <a:r>
+              <a:rPr lang="pt-BR" sz="2400" dirty="0" err="1">
+                <a:solidFill>
+                  <a:schemeClr val="tx1"/>
+                </a:solidFill>
+                <a:latin typeface="Times New Roman" panose="02020603050405020304" pitchFamily="18" charset="0"/>
+                <a:cs typeface="Times New Roman" panose="02020603050405020304" pitchFamily="18" charset="0"/>
+              </a:rPr>
+              <a:t>coursejdbc</a:t>
+            </a:r>
+            <a:r>
+              <a:rPr lang="pt-BR" sz="2400" dirty="0">
+                <a:solidFill>
+                  <a:schemeClr val="tx1"/>
+                </a:solidFill>
+                <a:latin typeface="Times New Roman" panose="02020603050405020304" pitchFamily="18" charset="0"/>
+                <a:cs typeface="Times New Roman" panose="02020603050405020304" pitchFamily="18" charset="0"/>
+              </a:rPr>
+              <a:t>", </a:t>
+            </a:r>
+            <a:r>
+              <a:rPr lang="pt-BR" sz="2400" b="1" dirty="0" err="1">
+                <a:solidFill>
+                  <a:schemeClr val="tx1"/>
+                </a:solidFill>
+                <a:latin typeface="Times New Roman" panose="02020603050405020304" pitchFamily="18" charset="0"/>
+                <a:cs typeface="Times New Roman" panose="02020603050405020304" pitchFamily="18" charset="0"/>
+              </a:rPr>
+              <a:t>user</a:t>
+            </a:r>
+            <a:r>
+              <a:rPr lang="pt-BR" sz="2400" dirty="0">
+                <a:solidFill>
+                  <a:schemeClr val="tx1"/>
+                </a:solidFill>
+                <a:latin typeface="Times New Roman" panose="02020603050405020304" pitchFamily="18" charset="0"/>
+                <a:cs typeface="Times New Roman" panose="02020603050405020304" pitchFamily="18" charset="0"/>
+              </a:rPr>
+              <a:t>="</a:t>
+            </a:r>
+            <a:r>
+              <a:rPr lang="pt-BR" sz="2400" dirty="0" err="1">
+                <a:solidFill>
+                  <a:schemeClr val="tx1"/>
+                </a:solidFill>
+                <a:latin typeface="Times New Roman" panose="02020603050405020304" pitchFamily="18" charset="0"/>
+                <a:cs typeface="Times New Roman" panose="02020603050405020304" pitchFamily="18" charset="0"/>
+              </a:rPr>
+              <a:t>developer</a:t>
+            </a:r>
+            <a:r>
+              <a:rPr lang="pt-BR" sz="2400" dirty="0">
+                <a:solidFill>
+                  <a:schemeClr val="tx1"/>
+                </a:solidFill>
+                <a:latin typeface="Times New Roman" panose="02020603050405020304" pitchFamily="18" charset="0"/>
+                <a:cs typeface="Times New Roman" panose="02020603050405020304" pitchFamily="18" charset="0"/>
+              </a:rPr>
+              <a:t>", </a:t>
+            </a:r>
+            <a:r>
+              <a:rPr lang="pt-BR" sz="2400" b="1" dirty="0" err="1">
+                <a:solidFill>
+                  <a:schemeClr val="tx1"/>
+                </a:solidFill>
+                <a:latin typeface="Times New Roman" panose="02020603050405020304" pitchFamily="18" charset="0"/>
+                <a:cs typeface="Times New Roman" panose="02020603050405020304" pitchFamily="18" charset="0"/>
+              </a:rPr>
+              <a:t>password</a:t>
+            </a:r>
+            <a:r>
+              <a:rPr lang="pt-BR" sz="2400" dirty="0">
+                <a:solidFill>
+                  <a:schemeClr val="tx1"/>
+                </a:solidFill>
+                <a:latin typeface="Times New Roman" panose="02020603050405020304" pitchFamily="18" charset="0"/>
+                <a:cs typeface="Times New Roman" panose="02020603050405020304" pitchFamily="18" charset="0"/>
+              </a:rPr>
+              <a:t>="12")</a:t>
+            </a:r>
+          </a:p>
+          <a:p>
+            <a:pPr marL="0" indent="0" algn="just">
+              <a:buNone/>
+            </a:pPr>
+            <a:r>
+              <a:rPr lang="pt-BR" sz="2400" b="1" dirty="0" err="1">
                 <a:solidFill>
                   <a:schemeClr val="tx1"/>
                 </a:solidFill>
@@ -9052,7 +9278,7 @@
               <a:t>if</a:t>
             </a:r>
             <a:r>
-              <a:rPr lang="pt-BR" sz="2000" b="1" dirty="0">
+              <a:rPr lang="pt-BR" sz="2400" dirty="0">
                 <a:solidFill>
                   <a:schemeClr val="tx1"/>
                 </a:solidFill>
@@ -9062,7 +9288,7 @@
               <a:t> </a:t>
             </a:r>
             <a:r>
-              <a:rPr lang="pt-BR" sz="2000" dirty="0" err="1">
+              <a:rPr lang="pt-BR" sz="2400" dirty="0" err="1">
                 <a:solidFill>
                   <a:schemeClr val="tx1"/>
                 </a:solidFill>
@@ -9072,7 +9298,7 @@
               <a:t>conn.</a:t>
             </a:r>
             <a:r>
-              <a:rPr lang="pt-BR" sz="2000" b="1" dirty="0" err="1">
+              <a:rPr lang="pt-BR" sz="2400" b="1" dirty="0" err="1">
                 <a:solidFill>
                   <a:srgbClr val="FF0000"/>
                 </a:solidFill>
@@ -9082,14 +9308,14 @@
               <a:t>is_connected</a:t>
             </a:r>
             <a:r>
-              <a:rPr lang="pt-BR" sz="2000" dirty="0">
-                <a:solidFill>
-                  <a:schemeClr val="tx1"/>
-                </a:solidFill>
-                <a:latin typeface="Times New Roman" panose="02020603050405020304" pitchFamily="18" charset="0"/>
-                <a:cs typeface="Times New Roman" panose="02020603050405020304" pitchFamily="18" charset="0"/>
-              </a:rPr>
-              <a:t>(): # testando se está conectado</a:t>
+              <a:rPr lang="pt-BR" sz="2400" dirty="0">
+                <a:solidFill>
+                  <a:schemeClr val="tx1"/>
+                </a:solidFill>
+                <a:latin typeface="Times New Roman" panose="02020603050405020304" pitchFamily="18" charset="0"/>
+                <a:cs typeface="Times New Roman" panose="02020603050405020304" pitchFamily="18" charset="0"/>
+              </a:rPr>
+              <a:t>():</a:t>
             </a:r>
           </a:p>
           <a:p>
@@ -9097,7 +9323,7 @@
               <a:buNone/>
             </a:pPr>
             <a:r>
-              <a:rPr lang="pt-BR" sz="2000" dirty="0">
+              <a:rPr lang="pt-BR" sz="2400" dirty="0">
                 <a:solidFill>
                   <a:schemeClr val="tx1"/>
                 </a:solidFill>
@@ -9107,97 +9333,7 @@
               <a:t>    </a:t>
             </a:r>
             <a:r>
-              <a:rPr lang="pt-BR" sz="2000" dirty="0" err="1">
-                <a:solidFill>
-                  <a:schemeClr val="tx1"/>
-                </a:solidFill>
-                <a:latin typeface="Times New Roman" panose="02020603050405020304" pitchFamily="18" charset="0"/>
-                <a:cs typeface="Times New Roman" panose="02020603050405020304" pitchFamily="18" charset="0"/>
-              </a:rPr>
-              <a:t>cursor.</a:t>
-            </a:r>
-            <a:r>
-              <a:rPr lang="pt-BR" sz="2000" b="1" dirty="0" err="1">
-                <a:solidFill>
-                  <a:schemeClr val="tx1"/>
-                </a:solidFill>
-                <a:latin typeface="Times New Roman" panose="02020603050405020304" pitchFamily="18" charset="0"/>
-                <a:cs typeface="Times New Roman" panose="02020603050405020304" pitchFamily="18" charset="0"/>
-              </a:rPr>
-              <a:t>close</a:t>
-            </a:r>
-            <a:r>
-              <a:rPr lang="pt-BR" sz="2000" dirty="0">
-                <a:solidFill>
-                  <a:schemeClr val="tx1"/>
-                </a:solidFill>
-                <a:latin typeface="Times New Roman" panose="02020603050405020304" pitchFamily="18" charset="0"/>
-                <a:cs typeface="Times New Roman" panose="02020603050405020304" pitchFamily="18" charset="0"/>
-              </a:rPr>
-              <a:t>()</a:t>
-            </a:r>
-          </a:p>
-          <a:p>
-            <a:pPr marL="0" indent="0" algn="just">
-              <a:buNone/>
-            </a:pPr>
-            <a:r>
-              <a:rPr lang="pt-BR" sz="2000" dirty="0">
-                <a:solidFill>
-                  <a:schemeClr val="tx1"/>
-                </a:solidFill>
-                <a:latin typeface="Times New Roman" panose="02020603050405020304" pitchFamily="18" charset="0"/>
-                <a:cs typeface="Times New Roman" panose="02020603050405020304" pitchFamily="18" charset="0"/>
-              </a:rPr>
-              <a:t>    </a:t>
-            </a:r>
-            <a:r>
-              <a:rPr lang="pt-BR" sz="2000" dirty="0" err="1">
-                <a:solidFill>
-                  <a:schemeClr val="tx1"/>
-                </a:solidFill>
-                <a:latin typeface="Times New Roman" panose="02020603050405020304" pitchFamily="18" charset="0"/>
-                <a:cs typeface="Times New Roman" panose="02020603050405020304" pitchFamily="18" charset="0"/>
-              </a:rPr>
-              <a:t>conn.</a:t>
-            </a:r>
-            <a:r>
-              <a:rPr lang="pt-BR" sz="2000" b="1" dirty="0" err="1">
-                <a:solidFill>
-                  <a:schemeClr val="tx1"/>
-                </a:solidFill>
-                <a:latin typeface="Times New Roman" panose="02020603050405020304" pitchFamily="18" charset="0"/>
-                <a:cs typeface="Times New Roman" panose="02020603050405020304" pitchFamily="18" charset="0"/>
-              </a:rPr>
-              <a:t>close</a:t>
-            </a:r>
-            <a:r>
-              <a:rPr lang="pt-BR" sz="2000" dirty="0">
-                <a:solidFill>
-                  <a:schemeClr val="tx1"/>
-                </a:solidFill>
-                <a:latin typeface="Times New Roman" panose="02020603050405020304" pitchFamily="18" charset="0"/>
-                <a:cs typeface="Times New Roman" panose="02020603050405020304" pitchFamily="18" charset="0"/>
-              </a:rPr>
-              <a:t>()</a:t>
-            </a:r>
-          </a:p>
-          <a:p>
-            <a:pPr marL="0" indent="0" algn="just">
-              <a:buNone/>
-            </a:pPr>
-            <a:r>
-              <a:rPr lang="pt-BR" sz="2000" dirty="0">
-                <a:solidFill>
-                  <a:schemeClr val="tx1"/>
-                </a:solidFill>
-                <a:latin typeface="Times New Roman" panose="02020603050405020304" pitchFamily="18" charset="0"/>
-                <a:cs typeface="Times New Roman" panose="02020603050405020304" pitchFamily="18" charset="0"/>
-              </a:rPr>
-              <a:t>    </a:t>
-            </a:r>
-            <a:r>
-              <a:rPr lang="pt-BR" sz="2000" b="1" dirty="0">
+              <a:rPr lang="pt-BR" sz="2400" b="1" dirty="0">
                 <a:solidFill>
                   <a:schemeClr val="tx1"/>
                 </a:solidFill>
@@ -9207,14 +9343,74 @@
               <a:t>print</a:t>
             </a:r>
             <a:r>
-              <a:rPr lang="pt-BR" sz="2000" dirty="0">
-                <a:solidFill>
-                  <a:schemeClr val="tx1"/>
-                </a:solidFill>
-                <a:latin typeface="Times New Roman" panose="02020603050405020304" pitchFamily="18" charset="0"/>
-                <a:cs typeface="Times New Roman" panose="02020603050405020304" pitchFamily="18" charset="0"/>
-              </a:rPr>
-              <a:t>("Conexão encerrada")</a:t>
+              <a:rPr lang="pt-BR" sz="2400" dirty="0">
+                <a:solidFill>
+                  <a:schemeClr val="tx1"/>
+                </a:solidFill>
+                <a:latin typeface="Times New Roman" panose="02020603050405020304" pitchFamily="18" charset="0"/>
+                <a:cs typeface="Times New Roman" panose="02020603050405020304" pitchFamily="18" charset="0"/>
+              </a:rPr>
+              <a:t>("</a:t>
+            </a:r>
+            <a:r>
+              <a:rPr lang="pt-BR" sz="2400" b="1" dirty="0">
+                <a:solidFill>
+                  <a:srgbClr val="0070C0"/>
+                </a:solidFill>
+                <a:latin typeface="Times New Roman" panose="02020603050405020304" pitchFamily="18" charset="0"/>
+                <a:cs typeface="Times New Roman" panose="02020603050405020304" pitchFamily="18" charset="0"/>
+              </a:rPr>
+              <a:t>conectado</a:t>
+            </a:r>
+            <a:r>
+              <a:rPr lang="pt-BR" sz="2400" dirty="0">
+                <a:solidFill>
+                  <a:schemeClr val="tx1"/>
+                </a:solidFill>
+                <a:latin typeface="Times New Roman" panose="02020603050405020304" pitchFamily="18" charset="0"/>
+                <a:cs typeface="Times New Roman" panose="02020603050405020304" pitchFamily="18" charset="0"/>
+              </a:rPr>
+              <a:t>") # print(</a:t>
+            </a:r>
+            <a:r>
+              <a:rPr lang="pt-BR" sz="2400" dirty="0" err="1">
+                <a:solidFill>
+                  <a:schemeClr val="tx1"/>
+                </a:solidFill>
+                <a:latin typeface="Times New Roman" panose="02020603050405020304" pitchFamily="18" charset="0"/>
+                <a:cs typeface="Times New Roman" panose="02020603050405020304" pitchFamily="18" charset="0"/>
+              </a:rPr>
+              <a:t>conn.get_server_info</a:t>
+            </a:r>
+            <a:r>
+              <a:rPr lang="pt-BR" sz="2400" dirty="0">
+                <a:solidFill>
+                  <a:schemeClr val="tx1"/>
+                </a:solidFill>
+                <a:latin typeface="Times New Roman" panose="02020603050405020304" pitchFamily="18" charset="0"/>
+                <a:cs typeface="Times New Roman" panose="02020603050405020304" pitchFamily="18" charset="0"/>
+              </a:rPr>
+              <a:t>()) (</a:t>
+            </a:r>
+            <a:r>
+              <a:rPr lang="pt-BR" sz="2400" b="1" dirty="0">
+                <a:solidFill>
+                  <a:srgbClr val="FF0000"/>
+                </a:solidFill>
+                <a:latin typeface="Times New Roman" panose="02020603050405020304" pitchFamily="18" charset="0"/>
+                <a:cs typeface="Times New Roman" panose="02020603050405020304" pitchFamily="18" charset="0"/>
+              </a:rPr>
+              <a:t>versão</a:t>
+            </a:r>
+            <a:r>
+              <a:rPr lang="pt-BR" sz="2400" dirty="0">
+                <a:solidFill>
+                  <a:schemeClr val="tx1"/>
+                </a:solidFill>
+                <a:latin typeface="Times New Roman" panose="02020603050405020304" pitchFamily="18" charset="0"/>
+                <a:cs typeface="Times New Roman" panose="02020603050405020304" pitchFamily="18" charset="0"/>
+              </a:rPr>
+              <a:t>)</a:t>
             </a:r>
           </a:p>
         </p:txBody>
@@ -9222,7 +9418,7 @@
     </p:spTree>
     <p:extLst>
       <p:ext uri="{BB962C8B-B14F-4D97-AF65-F5344CB8AC3E}">
-        <p14:creationId xmlns:p14="http://schemas.microsoft.com/office/powerpoint/2010/main" val="2794041733"/>
+        <p14:creationId xmlns:p14="http://schemas.microsoft.com/office/powerpoint/2010/main" val="606401857"/>
       </p:ext>
     </p:extLst>
   </p:cSld>
@@ -9279,7 +9475,7 @@
                   <a:srgbClr val="0070C0"/>
                 </a:solidFill>
               </a:rPr>
-              <a:t>Python – BANCO DE DADOS – CRUD READ</a:t>
+              <a:t>Python – BANCO DE DADOS - SELECT</a:t>
             </a:r>
           </a:p>
         </p:txBody>
@@ -9310,7 +9506,7 @@
               <a:buNone/>
             </a:pPr>
             <a:r>
-              <a:rPr lang="pt-BR" sz="2400" dirty="0">
+              <a:rPr lang="pt-BR" sz="2000" dirty="0">
                 <a:solidFill>
                   <a:schemeClr val="tx1"/>
                 </a:solidFill>
@@ -9320,7 +9516,7 @@
               <a:t>cursor = </a:t>
             </a:r>
             <a:r>
-              <a:rPr lang="pt-BR" sz="2400" dirty="0" err="1">
+              <a:rPr lang="pt-BR" sz="2000" dirty="0" err="1">
                 <a:solidFill>
                   <a:schemeClr val="tx1"/>
                 </a:solidFill>
@@ -9330,7 +9526,7 @@
               <a:t>conn.</a:t>
             </a:r>
             <a:r>
-              <a:rPr lang="pt-BR" sz="2400" b="1" dirty="0" err="1">
+              <a:rPr lang="pt-BR" sz="2000" b="1" dirty="0" err="1">
                 <a:solidFill>
                   <a:srgbClr val="FF0000"/>
                 </a:solidFill>
@@ -9340,7 +9536,7 @@
               <a:t>cursor</a:t>
             </a:r>
             <a:r>
-              <a:rPr lang="pt-BR" sz="2400" dirty="0">
+              <a:rPr lang="pt-BR" sz="2000" dirty="0">
                 <a:solidFill>
                   <a:schemeClr val="tx1"/>
                 </a:solidFill>
@@ -9354,102 +9550,152 @@
             <a:pPr marL="0" indent="0" algn="just">
               <a:buNone/>
             </a:pPr>
-            <a:endParaRPr lang="pt-BR" sz="2400" dirty="0">
-              <a:latin typeface="Times New Roman" panose="02020603050405020304" pitchFamily="18" charset="0"/>
-              <a:cs typeface="Times New Roman" panose="02020603050405020304" pitchFamily="18" charset="0"/>
-            </a:endParaRPr>
+            <a:r>
+              <a:rPr lang="pt-BR" sz="2000" dirty="0" err="1">
+                <a:solidFill>
+                  <a:schemeClr val="tx1"/>
+                </a:solidFill>
+                <a:latin typeface="Times New Roman" panose="02020603050405020304" pitchFamily="18" charset="0"/>
+                <a:cs typeface="Times New Roman" panose="02020603050405020304" pitchFamily="18" charset="0"/>
+              </a:rPr>
+              <a:t>cursor.</a:t>
+            </a:r>
+            <a:r>
+              <a:rPr lang="pt-BR" sz="2000" b="1" dirty="0" err="1">
+                <a:solidFill>
+                  <a:schemeClr val="tx1"/>
+                </a:solidFill>
+                <a:latin typeface="Times New Roman" panose="02020603050405020304" pitchFamily="18" charset="0"/>
+                <a:cs typeface="Times New Roman" panose="02020603050405020304" pitchFamily="18" charset="0"/>
+              </a:rPr>
+              <a:t>execute</a:t>
+            </a:r>
+            <a:r>
+              <a:rPr lang="pt-BR" sz="2000" dirty="0">
+                <a:solidFill>
+                  <a:schemeClr val="tx1"/>
+                </a:solidFill>
+                <a:latin typeface="Times New Roman" panose="02020603050405020304" pitchFamily="18" charset="0"/>
+                <a:cs typeface="Times New Roman" panose="02020603050405020304" pitchFamily="18" charset="0"/>
+              </a:rPr>
+              <a:t>("</a:t>
+            </a:r>
+            <a:r>
+              <a:rPr lang="pt-BR" sz="2000" b="1" dirty="0" err="1">
+                <a:solidFill>
+                  <a:schemeClr val="tx1"/>
+                </a:solidFill>
+                <a:latin typeface="Times New Roman" panose="02020603050405020304" pitchFamily="18" charset="0"/>
+                <a:cs typeface="Times New Roman" panose="02020603050405020304" pitchFamily="18" charset="0"/>
+              </a:rPr>
+              <a:t>select</a:t>
+            </a:r>
+            <a:r>
+              <a:rPr lang="pt-BR" sz="2000" dirty="0">
+                <a:solidFill>
+                  <a:schemeClr val="tx1"/>
+                </a:solidFill>
+                <a:latin typeface="Times New Roman" panose="02020603050405020304" pitchFamily="18" charset="0"/>
+                <a:cs typeface="Times New Roman" panose="02020603050405020304" pitchFamily="18" charset="0"/>
+              </a:rPr>
+              <a:t> </a:t>
+            </a:r>
+            <a:r>
+              <a:rPr lang="pt-BR" sz="2000" dirty="0" err="1">
+                <a:solidFill>
+                  <a:schemeClr val="tx1"/>
+                </a:solidFill>
+                <a:latin typeface="Times New Roman" panose="02020603050405020304" pitchFamily="18" charset="0"/>
+                <a:cs typeface="Times New Roman" panose="02020603050405020304" pitchFamily="18" charset="0"/>
+              </a:rPr>
+              <a:t>database</a:t>
+            </a:r>
+            <a:r>
+              <a:rPr lang="pt-BR" sz="2000" dirty="0">
+                <a:solidFill>
+                  <a:schemeClr val="tx1"/>
+                </a:solidFill>
+                <a:latin typeface="Times New Roman" panose="02020603050405020304" pitchFamily="18" charset="0"/>
+                <a:cs typeface="Times New Roman" panose="02020603050405020304" pitchFamily="18" charset="0"/>
+              </a:rPr>
+              <a:t>(); ")</a:t>
+            </a:r>
           </a:p>
           <a:p>
             <a:pPr marL="0" indent="0" algn="just">
               <a:buNone/>
             </a:pPr>
             <a:r>
-              <a:rPr lang="pt-BR" sz="2400" dirty="0" err="1">
-                <a:latin typeface="Times New Roman" panose="02020603050405020304" pitchFamily="18" charset="0"/>
-                <a:cs typeface="Times New Roman" panose="02020603050405020304" pitchFamily="18" charset="0"/>
-              </a:rPr>
-              <a:t>sql</a:t>
-            </a:r>
-            <a:r>
-              <a:rPr lang="pt-BR" sz="2400" dirty="0">
-                <a:latin typeface="Times New Roman" panose="02020603050405020304" pitchFamily="18" charset="0"/>
-                <a:cs typeface="Times New Roman" panose="02020603050405020304" pitchFamily="18" charset="0"/>
-              </a:rPr>
-              <a:t> = </a:t>
-            </a:r>
-            <a:r>
-              <a:rPr lang="pt-BR" sz="2400" b="1" dirty="0">
+              <a:rPr lang="pt-BR" sz="2000" dirty="0">
+                <a:solidFill>
+                  <a:schemeClr val="tx1"/>
+                </a:solidFill>
+                <a:latin typeface="Times New Roman" panose="02020603050405020304" pitchFamily="18" charset="0"/>
+                <a:cs typeface="Times New Roman" panose="02020603050405020304" pitchFamily="18" charset="0"/>
+              </a:rPr>
+              <a:t>linha = </a:t>
+            </a:r>
+            <a:r>
+              <a:rPr lang="pt-BR" sz="2000" dirty="0" err="1">
+                <a:solidFill>
+                  <a:schemeClr val="tx1"/>
+                </a:solidFill>
+                <a:latin typeface="Times New Roman" panose="02020603050405020304" pitchFamily="18" charset="0"/>
+                <a:cs typeface="Times New Roman" panose="02020603050405020304" pitchFamily="18" charset="0"/>
+              </a:rPr>
+              <a:t>cursor.</a:t>
+            </a:r>
+            <a:r>
+              <a:rPr lang="pt-BR" sz="2000" b="1" dirty="0" err="1">
                 <a:solidFill>
                   <a:srgbClr val="FF0000"/>
                 </a:solidFill>
                 <a:latin typeface="Times New Roman" panose="02020603050405020304" pitchFamily="18" charset="0"/>
                 <a:cs typeface="Times New Roman" panose="02020603050405020304" pitchFamily="18" charset="0"/>
               </a:rPr>
-              <a:t>f</a:t>
-            </a:r>
-            <a:r>
-              <a:rPr lang="pt-BR" sz="2400" dirty="0">
-                <a:solidFill>
-                  <a:schemeClr val="tx1"/>
-                </a:solidFill>
-                <a:latin typeface="Times New Roman" panose="02020603050405020304" pitchFamily="18" charset="0"/>
-                <a:cs typeface="Times New Roman" panose="02020603050405020304" pitchFamily="18" charset="0"/>
-              </a:rPr>
-              <a:t> "</a:t>
-            </a:r>
-            <a:r>
-              <a:rPr lang="pt-BR" sz="2400" b="1" dirty="0" err="1">
-                <a:latin typeface="Times New Roman" panose="02020603050405020304" pitchFamily="18" charset="0"/>
-                <a:cs typeface="Times New Roman" panose="02020603050405020304" pitchFamily="18" charset="0"/>
-              </a:rPr>
-              <a:t>select</a:t>
-            </a:r>
-            <a:r>
-              <a:rPr lang="pt-BR" sz="2400" dirty="0">
-                <a:solidFill>
-                  <a:schemeClr val="tx1"/>
-                </a:solidFill>
-                <a:latin typeface="Times New Roman" panose="02020603050405020304" pitchFamily="18" charset="0"/>
-                <a:cs typeface="Times New Roman" panose="02020603050405020304" pitchFamily="18" charset="0"/>
-              </a:rPr>
-              <a:t> * </a:t>
-            </a:r>
-            <a:r>
-              <a:rPr lang="pt-BR" sz="2400" b="1" dirty="0" err="1">
-                <a:solidFill>
-                  <a:schemeClr val="tx1"/>
-                </a:solidFill>
-                <a:latin typeface="Times New Roman" panose="02020603050405020304" pitchFamily="18" charset="0"/>
-                <a:cs typeface="Times New Roman" panose="02020603050405020304" pitchFamily="18" charset="0"/>
-              </a:rPr>
-              <a:t>from</a:t>
-            </a:r>
-            <a:r>
-              <a:rPr lang="pt-BR" sz="2400" b="1" dirty="0">
-                <a:solidFill>
-                  <a:schemeClr val="tx1"/>
-                </a:solidFill>
-                <a:latin typeface="Times New Roman" panose="02020603050405020304" pitchFamily="18" charset="0"/>
-                <a:cs typeface="Times New Roman" panose="02020603050405020304" pitchFamily="18" charset="0"/>
-              </a:rPr>
-              <a:t> </a:t>
-            </a:r>
-            <a:r>
-              <a:rPr lang="pt-BR" sz="2400" dirty="0">
-                <a:solidFill>
-                  <a:schemeClr val="tx1"/>
-                </a:solidFill>
-                <a:latin typeface="Times New Roman" panose="02020603050405020304" pitchFamily="18" charset="0"/>
-                <a:cs typeface="Times New Roman" panose="02020603050405020304" pitchFamily="18" charset="0"/>
-              </a:rPr>
-              <a:t>departamento"</a:t>
+              <a:t>fetchone</a:t>
+            </a:r>
+            <a:r>
+              <a:rPr lang="pt-BR" sz="2000" dirty="0">
+                <a:solidFill>
+                  <a:schemeClr val="tx1"/>
+                </a:solidFill>
+                <a:latin typeface="Times New Roman" panose="02020603050405020304" pitchFamily="18" charset="0"/>
+                <a:cs typeface="Times New Roman" panose="02020603050405020304" pitchFamily="18" charset="0"/>
+              </a:rPr>
+              <a:t>()</a:t>
             </a:r>
           </a:p>
           <a:p>
             <a:pPr marL="0" indent="0" algn="just">
               <a:buNone/>
             </a:pPr>
-            <a:endParaRPr lang="pt-BR" sz="2400" dirty="0">
+            <a:r>
+              <a:rPr lang="pt-BR" sz="2000" b="1" dirty="0">
+                <a:solidFill>
+                  <a:schemeClr val="tx1"/>
+                </a:solidFill>
+                <a:latin typeface="Times New Roman" panose="02020603050405020304" pitchFamily="18" charset="0"/>
+                <a:cs typeface="Times New Roman" panose="02020603050405020304" pitchFamily="18" charset="0"/>
+              </a:rPr>
+              <a:t>print</a:t>
+            </a:r>
+            <a:r>
+              <a:rPr lang="pt-BR" sz="2000" dirty="0">
+                <a:solidFill>
+                  <a:schemeClr val="tx1"/>
+                </a:solidFill>
+                <a:latin typeface="Times New Roman" panose="02020603050405020304" pitchFamily="18" charset="0"/>
+                <a:cs typeface="Times New Roman" panose="02020603050405020304" pitchFamily="18" charset="0"/>
+              </a:rPr>
+              <a:t>("conectado ao banco de dados: ", linha)</a:t>
+            </a:r>
+          </a:p>
+          <a:p>
+            <a:pPr marL="0" indent="0" algn="just">
+              <a:buNone/>
+            </a:pPr>
+            <a:endParaRPr lang="pt-BR" sz="2000" dirty="0">
               <a:solidFill>
                 <a:schemeClr val="tx1"/>
               </a:solidFill>
@@ -9462,7 +9708,72 @@
               <a:buNone/>
             </a:pPr>
             <a:r>
-              <a:rPr lang="pt-BR" sz="2400" dirty="0" err="1">
+              <a:rPr lang="pt-BR" sz="2000" b="1" dirty="0" err="1">
+                <a:solidFill>
+                  <a:schemeClr val="tx1"/>
+                </a:solidFill>
+                <a:latin typeface="Times New Roman" panose="02020603050405020304" pitchFamily="18" charset="0"/>
+                <a:cs typeface="Times New Roman" panose="02020603050405020304" pitchFamily="18" charset="0"/>
+              </a:rPr>
+              <a:t>if</a:t>
+            </a:r>
+            <a:r>
+              <a:rPr lang="pt-BR" sz="2000" b="1" dirty="0">
+                <a:solidFill>
+                  <a:schemeClr val="tx1"/>
+                </a:solidFill>
+                <a:latin typeface="Times New Roman" panose="02020603050405020304" pitchFamily="18" charset="0"/>
+                <a:cs typeface="Times New Roman" panose="02020603050405020304" pitchFamily="18" charset="0"/>
+              </a:rPr>
+              <a:t> </a:t>
+            </a:r>
+            <a:r>
+              <a:rPr lang="pt-BR" sz="2000" dirty="0" err="1">
+                <a:solidFill>
+                  <a:schemeClr val="tx1"/>
+                </a:solidFill>
+                <a:latin typeface="Times New Roman" panose="02020603050405020304" pitchFamily="18" charset="0"/>
+                <a:cs typeface="Times New Roman" panose="02020603050405020304" pitchFamily="18" charset="0"/>
+              </a:rPr>
+              <a:t>conn.</a:t>
+            </a:r>
+            <a:r>
+              <a:rPr lang="pt-BR" sz="2000" b="1" dirty="0" err="1">
+                <a:solidFill>
+                  <a:srgbClr val="FF0000"/>
+                </a:solidFill>
+                <a:latin typeface="Times New Roman" panose="02020603050405020304" pitchFamily="18" charset="0"/>
+                <a:cs typeface="Times New Roman" panose="02020603050405020304" pitchFamily="18" charset="0"/>
+              </a:rPr>
+              <a:t>is_connected</a:t>
+            </a:r>
+            <a:r>
+              <a:rPr lang="pt-BR" sz="2000" dirty="0">
+                <a:solidFill>
+                  <a:schemeClr val="tx1"/>
+                </a:solidFill>
+                <a:latin typeface="Times New Roman" panose="02020603050405020304" pitchFamily="18" charset="0"/>
+                <a:cs typeface="Times New Roman" panose="02020603050405020304" pitchFamily="18" charset="0"/>
+              </a:rPr>
+              <a:t>(): # testando se está conectado</a:t>
+            </a:r>
+          </a:p>
+          <a:p>
+            <a:pPr marL="0" indent="0" algn="just">
+              <a:buNone/>
+            </a:pPr>
+            <a:r>
+              <a:rPr lang="pt-BR" sz="2000" dirty="0">
+                <a:solidFill>
+                  <a:schemeClr val="tx1"/>
+                </a:solidFill>
+                <a:latin typeface="Times New Roman" panose="02020603050405020304" pitchFamily="18" charset="0"/>
+                <a:cs typeface="Times New Roman" panose="02020603050405020304" pitchFamily="18" charset="0"/>
+              </a:rPr>
+              <a:t>    </a:t>
+            </a:r>
+            <a:r>
+              <a:rPr lang="pt-BR" sz="2000" dirty="0" err="1">
                 <a:solidFill>
                   <a:schemeClr val="tx1"/>
                 </a:solidFill>
@@ -9472,44 +9783,24 @@
               <a:t>cursor.</a:t>
             </a:r>
             <a:r>
-              <a:rPr lang="pt-BR" sz="2400" b="1" dirty="0" err="1">
-                <a:solidFill>
-                  <a:schemeClr val="tx1"/>
-                </a:solidFill>
-                <a:latin typeface="Times New Roman" panose="02020603050405020304" pitchFamily="18" charset="0"/>
-                <a:cs typeface="Times New Roman" panose="02020603050405020304" pitchFamily="18" charset="0"/>
-              </a:rPr>
-              <a:t>execute</a:t>
-            </a:r>
-            <a:r>
-              <a:rPr lang="pt-BR" sz="2400" dirty="0">
-                <a:solidFill>
-                  <a:schemeClr val="tx1"/>
-                </a:solidFill>
-                <a:latin typeface="Times New Roman" panose="02020603050405020304" pitchFamily="18" charset="0"/>
-                <a:cs typeface="Times New Roman" panose="02020603050405020304" pitchFamily="18" charset="0"/>
-              </a:rPr>
-              <a:t>(</a:t>
-            </a:r>
-            <a:r>
-              <a:rPr lang="pt-BR" sz="2400" dirty="0" err="1">
-                <a:solidFill>
-                  <a:schemeClr val="tx1"/>
-                </a:solidFill>
-                <a:latin typeface="Times New Roman" panose="02020603050405020304" pitchFamily="18" charset="0"/>
-                <a:cs typeface="Times New Roman" panose="02020603050405020304" pitchFamily="18" charset="0"/>
-              </a:rPr>
-              <a:t>sql</a:t>
-            </a:r>
-            <a:r>
-              <a:rPr lang="pt-BR" sz="2400" dirty="0">
-                <a:solidFill>
-                  <a:schemeClr val="tx1"/>
-                </a:solidFill>
-                <a:latin typeface="Times New Roman" panose="02020603050405020304" pitchFamily="18" charset="0"/>
-                <a:cs typeface="Times New Roman" panose="02020603050405020304" pitchFamily="18" charset="0"/>
-              </a:rPr>
-              <a:t>)</a:t>
+              <a:rPr lang="pt-BR" sz="2000" b="1" dirty="0" err="1">
+                <a:solidFill>
+                  <a:schemeClr val="tx1"/>
+                </a:solidFill>
+                <a:latin typeface="Times New Roman" panose="02020603050405020304" pitchFamily="18" charset="0"/>
+                <a:cs typeface="Times New Roman" panose="02020603050405020304" pitchFamily="18" charset="0"/>
+              </a:rPr>
+              <a:t>close</a:t>
+            </a:r>
+            <a:r>
+              <a:rPr lang="pt-BR" sz="2000" dirty="0">
+                <a:solidFill>
+                  <a:schemeClr val="tx1"/>
+                </a:solidFill>
+                <a:latin typeface="Times New Roman" panose="02020603050405020304" pitchFamily="18" charset="0"/>
+                <a:cs typeface="Times New Roman" panose="02020603050405020304" pitchFamily="18" charset="0"/>
+              </a:rPr>
+              <a:t>()</a:t>
             </a:r>
           </a:p>
           <a:p>
@@ -9517,37 +9808,37 @@
               <a:buNone/>
             </a:pPr>
             <a:r>
-              <a:rPr lang="pt-BR" sz="2400" dirty="0">
-                <a:solidFill>
-                  <a:schemeClr val="tx1"/>
-                </a:solidFill>
-                <a:latin typeface="Times New Roman" panose="02020603050405020304" pitchFamily="18" charset="0"/>
-                <a:cs typeface="Times New Roman" panose="02020603050405020304" pitchFamily="18" charset="0"/>
-              </a:rPr>
-              <a:t>linha = </a:t>
-            </a:r>
-            <a:r>
-              <a:rPr lang="pt-BR" sz="2400" dirty="0" err="1">
-                <a:solidFill>
-                  <a:schemeClr val="tx1"/>
-                </a:solidFill>
-                <a:latin typeface="Times New Roman" panose="02020603050405020304" pitchFamily="18" charset="0"/>
-                <a:cs typeface="Times New Roman" panose="02020603050405020304" pitchFamily="18" charset="0"/>
-              </a:rPr>
-              <a:t>cursor.</a:t>
-            </a:r>
-            <a:r>
-              <a:rPr lang="pt-BR" sz="2400" b="1" dirty="0" err="1">
-                <a:solidFill>
-                  <a:srgbClr val="FF0000"/>
-                </a:solidFill>
-                <a:latin typeface="Times New Roman" panose="02020603050405020304" pitchFamily="18" charset="0"/>
-                <a:cs typeface="Times New Roman" panose="02020603050405020304" pitchFamily="18" charset="0"/>
-              </a:rPr>
-              <a:t>fetchall</a:t>
-            </a:r>
-            <a:r>
-              <a:rPr lang="pt-BR" sz="2400" dirty="0">
+              <a:rPr lang="pt-BR" sz="2000" dirty="0">
+                <a:solidFill>
+                  <a:schemeClr val="tx1"/>
+                </a:solidFill>
+                <a:latin typeface="Times New Roman" panose="02020603050405020304" pitchFamily="18" charset="0"/>
+                <a:cs typeface="Times New Roman" panose="02020603050405020304" pitchFamily="18" charset="0"/>
+              </a:rPr>
+              <a:t>    </a:t>
+            </a:r>
+            <a:r>
+              <a:rPr lang="pt-BR" sz="2000" dirty="0" err="1">
+                <a:solidFill>
+                  <a:schemeClr val="tx1"/>
+                </a:solidFill>
+                <a:latin typeface="Times New Roman" panose="02020603050405020304" pitchFamily="18" charset="0"/>
+                <a:cs typeface="Times New Roman" panose="02020603050405020304" pitchFamily="18" charset="0"/>
+              </a:rPr>
+              <a:t>conn.</a:t>
+            </a:r>
+            <a:r>
+              <a:rPr lang="pt-BR" sz="2000" b="1" dirty="0" err="1">
+                <a:solidFill>
+                  <a:schemeClr val="tx1"/>
+                </a:solidFill>
+                <a:latin typeface="Times New Roman" panose="02020603050405020304" pitchFamily="18" charset="0"/>
+                <a:cs typeface="Times New Roman" panose="02020603050405020304" pitchFamily="18" charset="0"/>
+              </a:rPr>
+              <a:t>close</a:t>
+            </a:r>
+            <a:r>
+              <a:rPr lang="pt-BR" sz="2000" dirty="0">
                 <a:solidFill>
                   <a:schemeClr val="tx1"/>
                 </a:solidFill>
@@ -9555,6 +9846,41 @@
                 <a:cs typeface="Times New Roman" panose="02020603050405020304" pitchFamily="18" charset="0"/>
               </a:rPr>
               <a:t>()</a:t>
+            </a:r>
+          </a:p>
+          <a:p>
+            <a:pPr marL="0" indent="0" algn="just">
+              <a:buNone/>
+            </a:pPr>
+            <a:r>
+              <a:rPr lang="pt-BR" sz="2000" dirty="0">
+                <a:solidFill>
+                  <a:schemeClr val="tx1"/>
+                </a:solidFill>
+                <a:latin typeface="Times New Roman" panose="02020603050405020304" pitchFamily="18" charset="0"/>
+                <a:cs typeface="Times New Roman" panose="02020603050405020304" pitchFamily="18" charset="0"/>
+              </a:rPr>
+              <a:t>    </a:t>
+            </a:r>
+            <a:r>
+              <a:rPr lang="pt-BR" sz="2000" b="1" dirty="0">
+                <a:solidFill>
+                  <a:schemeClr val="tx1"/>
+                </a:solidFill>
+                <a:latin typeface="Times New Roman" panose="02020603050405020304" pitchFamily="18" charset="0"/>
+                <a:cs typeface="Times New Roman" panose="02020603050405020304" pitchFamily="18" charset="0"/>
+              </a:rPr>
+              <a:t>print</a:t>
+            </a:r>
+            <a:r>
+              <a:rPr lang="pt-BR" sz="2000" dirty="0">
+                <a:solidFill>
+                  <a:schemeClr val="tx1"/>
+                </a:solidFill>
+                <a:latin typeface="Times New Roman" panose="02020603050405020304" pitchFamily="18" charset="0"/>
+                <a:cs typeface="Times New Roman" panose="02020603050405020304" pitchFamily="18" charset="0"/>
+              </a:rPr>
+              <a:t>("Conexão encerrada")</a:t>
             </a:r>
           </a:p>
         </p:txBody>
@@ -9562,7 +9888,7 @@
     </p:spTree>
     <p:extLst>
       <p:ext uri="{BB962C8B-B14F-4D97-AF65-F5344CB8AC3E}">
-        <p14:creationId xmlns:p14="http://schemas.microsoft.com/office/powerpoint/2010/main" val="484425744"/>
+        <p14:creationId xmlns:p14="http://schemas.microsoft.com/office/powerpoint/2010/main" val="2794041733"/>
       </p:ext>
     </p:extLst>
   </p:cSld>
@@ -9619,7 +9945,7 @@
                   <a:srgbClr val="0070C0"/>
                 </a:solidFill>
               </a:rPr>
-              <a:t>Python – BANCO DE DADOS – CRUD INSERT</a:t>
+              <a:t>Python – BANCO DE DADOS – CRUD READ</a:t>
             </a:r>
           </a:p>
         </p:txBody>
@@ -9694,31 +10020,7 @@
             <a:pPr marL="0" indent="0" algn="just">
               <a:buNone/>
             </a:pPr>
-            <a:r>
-              <a:rPr lang="pt-BR" sz="2400" dirty="0">
-                <a:latin typeface="Times New Roman" panose="02020603050405020304" pitchFamily="18" charset="0"/>
-                <a:cs typeface="Times New Roman" panose="02020603050405020304" pitchFamily="18" charset="0"/>
-              </a:rPr>
-              <a:t>nome = </a:t>
-            </a:r>
-            <a:r>
-              <a:rPr lang="pt-BR" sz="2400" b="1" dirty="0">
-                <a:latin typeface="Times New Roman" panose="02020603050405020304" pitchFamily="18" charset="0"/>
-                <a:cs typeface="Times New Roman" panose="02020603050405020304" pitchFamily="18" charset="0"/>
-              </a:rPr>
-              <a:t>input</a:t>
-            </a:r>
-            <a:r>
-              <a:rPr lang="pt-BR" sz="2400" dirty="0">
-                <a:latin typeface="Times New Roman" panose="02020603050405020304" pitchFamily="18" charset="0"/>
-                <a:cs typeface="Times New Roman" panose="02020603050405020304" pitchFamily="18" charset="0"/>
-              </a:rPr>
-              <a:t>(“Digite o nome:”)</a:t>
-            </a:r>
             <a:endParaRPr lang="pt-BR" sz="2400" dirty="0">
-              <a:solidFill>
-                <a:schemeClr val="tx1"/>
-              </a:solidFill>
               <a:latin typeface="Times New Roman" panose="02020603050405020304" pitchFamily="18" charset="0"/>
               <a:cs typeface="Times New Roman" panose="02020603050405020304" pitchFamily="18" charset="0"/>
             </a:endParaRPr>
@@ -9728,48 +10030,75 @@
               <a:buNone/>
             </a:pPr>
             <a:r>
+              <a:rPr lang="pt-BR" sz="2400" dirty="0" err="1">
+                <a:latin typeface="Times New Roman" panose="02020603050405020304" pitchFamily="18" charset="0"/>
+                <a:cs typeface="Times New Roman" panose="02020603050405020304" pitchFamily="18" charset="0"/>
+              </a:rPr>
+              <a:t>sql</a:t>
+            </a:r>
+            <a:r>
+              <a:rPr lang="pt-BR" sz="2400" dirty="0">
+                <a:latin typeface="Times New Roman" panose="02020603050405020304" pitchFamily="18" charset="0"/>
+                <a:cs typeface="Times New Roman" panose="02020603050405020304" pitchFamily="18" charset="0"/>
+              </a:rPr>
+              <a:t> = </a:t>
+            </a:r>
+            <a:r>
+              <a:rPr lang="pt-BR" sz="2400" b="1" dirty="0">
+                <a:solidFill>
+                  <a:srgbClr val="FF0000"/>
+                </a:solidFill>
+                <a:latin typeface="Times New Roman" panose="02020603050405020304" pitchFamily="18" charset="0"/>
+                <a:cs typeface="Times New Roman" panose="02020603050405020304" pitchFamily="18" charset="0"/>
+              </a:rPr>
+              <a:t>f</a:t>
+            </a:r>
+            <a:r>
+              <a:rPr lang="pt-BR" sz="2400" dirty="0">
+                <a:solidFill>
+                  <a:schemeClr val="tx1"/>
+                </a:solidFill>
+                <a:latin typeface="Times New Roman" panose="02020603050405020304" pitchFamily="18" charset="0"/>
+                <a:cs typeface="Times New Roman" panose="02020603050405020304" pitchFamily="18" charset="0"/>
+              </a:rPr>
+              <a:t> "</a:t>
+            </a:r>
+            <a:r>
               <a:rPr lang="pt-BR" sz="2400" b="1" dirty="0" err="1">
                 <a:latin typeface="Times New Roman" panose="02020603050405020304" pitchFamily="18" charset="0"/>
                 <a:cs typeface="Times New Roman" panose="02020603050405020304" pitchFamily="18" charset="0"/>
               </a:rPr>
-              <a:t>sql</a:t>
+              <a:t>select</a:t>
             </a:r>
             <a:r>
               <a:rPr lang="pt-BR" sz="2400" dirty="0">
-                <a:latin typeface="Times New Roman" panose="02020603050405020304" pitchFamily="18" charset="0"/>
-                <a:cs typeface="Times New Roman" panose="02020603050405020304" pitchFamily="18" charset="0"/>
-              </a:rPr>
-              <a:t> = </a:t>
+                <a:solidFill>
+                  <a:schemeClr val="tx1"/>
+                </a:solidFill>
+                <a:latin typeface="Times New Roman" panose="02020603050405020304" pitchFamily="18" charset="0"/>
+                <a:cs typeface="Times New Roman" panose="02020603050405020304" pitchFamily="18" charset="0"/>
+              </a:rPr>
+              <a:t> * </a:t>
             </a:r>
             <a:r>
               <a:rPr lang="pt-BR" sz="2400" b="1" dirty="0" err="1">
                 <a:solidFill>
-                  <a:srgbClr val="FF0000"/>
-                </a:solidFill>
-                <a:latin typeface="Times New Roman" panose="02020603050405020304" pitchFamily="18" charset="0"/>
-                <a:cs typeface="Times New Roman" panose="02020603050405020304" pitchFamily="18" charset="0"/>
-              </a:rPr>
-              <a:t>f</a:t>
-            </a:r>
-            <a:r>
-              <a:rPr lang="pt-BR" sz="2400" dirty="0" err="1">
-                <a:solidFill>
-                  <a:schemeClr val="tx1"/>
-                </a:solidFill>
-                <a:latin typeface="Times New Roman" panose="02020603050405020304" pitchFamily="18" charset="0"/>
-                <a:cs typeface="Times New Roman" panose="02020603050405020304" pitchFamily="18" charset="0"/>
-              </a:rPr>
-              <a:t>"</a:t>
-            </a:r>
-            <a:r>
-              <a:rPr lang="pt-BR" sz="2400" b="1" dirty="0" err="1">
-                <a:solidFill>
-                  <a:schemeClr val="tx1"/>
-                </a:solidFill>
-                <a:latin typeface="Times New Roman" panose="02020603050405020304" pitchFamily="18" charset="0"/>
-                <a:cs typeface="Times New Roman" panose="02020603050405020304" pitchFamily="18" charset="0"/>
-              </a:rPr>
-              <a:t>insert</a:t>
+                  <a:schemeClr val="tx1"/>
+                </a:solidFill>
+                <a:latin typeface="Times New Roman" panose="02020603050405020304" pitchFamily="18" charset="0"/>
+                <a:cs typeface="Times New Roman" panose="02020603050405020304" pitchFamily="18" charset="0"/>
+              </a:rPr>
+              <a:t>from</a:t>
+            </a:r>
+            <a:r>
+              <a:rPr lang="pt-BR" sz="2400" b="1" dirty="0">
+                <a:solidFill>
+                  <a:schemeClr val="tx1"/>
+                </a:solidFill>
+                <a:latin typeface="Times New Roman" panose="02020603050405020304" pitchFamily="18" charset="0"/>
+                <a:cs typeface="Times New Roman" panose="02020603050405020304" pitchFamily="18" charset="0"/>
+              </a:rPr>
+              <a:t> </a:t>
             </a:r>
             <a:r>
               <a:rPr lang="pt-BR" sz="2400" dirty="0">
@@ -9779,84 +10108,7 @@
                 <a:latin typeface="Times New Roman" panose="02020603050405020304" pitchFamily="18" charset="0"/>
                 <a:cs typeface="Times New Roman" panose="02020603050405020304" pitchFamily="18" charset="0"/>
               </a:rPr>
-              <a:t> </a:t>
-            </a:r>
-            <a:r>
-              <a:rPr lang="pt-BR" sz="2400" b="1" dirty="0" err="1">
-                <a:solidFill>
-                  <a:schemeClr val="tx1"/>
-                </a:solidFill>
-                <a:latin typeface="Times New Roman" panose="02020603050405020304" pitchFamily="18" charset="0"/>
-                <a:cs typeface="Times New Roman" panose="02020603050405020304" pitchFamily="18" charset="0"/>
-              </a:rPr>
-              <a:t>into</a:t>
-            </a:r>
-            <a:r>
-              <a:rPr lang="pt-BR" sz="2400" dirty="0">
-                <a:solidFill>
-                  <a:schemeClr val="tx1"/>
-                </a:solidFill>
-                <a:latin typeface="Times New Roman" panose="02020603050405020304" pitchFamily="18" charset="0"/>
-                <a:cs typeface="Times New Roman" panose="02020603050405020304" pitchFamily="18" charset="0"/>
-              </a:rPr>
-              <a:t> departamento (nome) </a:t>
-            </a:r>
-            <a:r>
-              <a:rPr lang="pt-BR" sz="2400" b="1" dirty="0" err="1">
-                <a:solidFill>
-                  <a:schemeClr val="tx1"/>
-                </a:solidFill>
-                <a:latin typeface="Times New Roman" panose="02020603050405020304" pitchFamily="18" charset="0"/>
-                <a:cs typeface="Times New Roman" panose="02020603050405020304" pitchFamily="18" charset="0"/>
-              </a:rPr>
-              <a:t>values</a:t>
-            </a:r>
-            <a:r>
-              <a:rPr lang="pt-BR" sz="2400" dirty="0">
-                <a:solidFill>
-                  <a:schemeClr val="tx1"/>
-                </a:solidFill>
-                <a:latin typeface="Times New Roman" panose="02020603050405020304" pitchFamily="18" charset="0"/>
-                <a:cs typeface="Times New Roman" panose="02020603050405020304" pitchFamily="18" charset="0"/>
-              </a:rPr>
-              <a:t> (</a:t>
-            </a:r>
-            <a:r>
-              <a:rPr lang="pt-BR" sz="2400" b="1" dirty="0">
-                <a:solidFill>
-                  <a:schemeClr val="tx1"/>
-                </a:solidFill>
-                <a:latin typeface="Times New Roman" panose="02020603050405020304" pitchFamily="18" charset="0"/>
-                <a:cs typeface="Times New Roman" panose="02020603050405020304" pitchFamily="18" charset="0"/>
-              </a:rPr>
-              <a:t>‘</a:t>
-            </a:r>
-            <a:r>
-              <a:rPr lang="pt-BR" sz="2400" dirty="0">
-                <a:solidFill>
-                  <a:schemeClr val="tx1"/>
-                </a:solidFill>
-                <a:latin typeface="Times New Roman" panose="02020603050405020304" pitchFamily="18" charset="0"/>
-                <a:cs typeface="Times New Roman" panose="02020603050405020304" pitchFamily="18" charset="0"/>
-              </a:rPr>
-              <a:t>{</a:t>
-            </a:r>
-            <a:r>
-              <a:rPr lang="pt-BR" sz="2400" dirty="0">
-                <a:latin typeface="Times New Roman" panose="02020603050405020304" pitchFamily="18" charset="0"/>
-                <a:cs typeface="Times New Roman" panose="02020603050405020304" pitchFamily="18" charset="0"/>
-              </a:rPr>
-              <a:t>nome</a:t>
-            </a:r>
-            <a:r>
-              <a:rPr lang="pt-BR" sz="2400" dirty="0">
-                <a:solidFill>
-                  <a:schemeClr val="tx1"/>
-                </a:solidFill>
-                <a:latin typeface="Times New Roman" panose="02020603050405020304" pitchFamily="18" charset="0"/>
-                <a:cs typeface="Times New Roman" panose="02020603050405020304" pitchFamily="18" charset="0"/>
-              </a:rPr>
-              <a:t>}’)"</a:t>
+              <a:t>departamento"</a:t>
             </a:r>
           </a:p>
           <a:p>
@@ -9931,11 +10183,24 @@
               <a:buNone/>
             </a:pPr>
             <a:r>
+              <a:rPr lang="pt-BR" sz="2400" dirty="0">
+                <a:solidFill>
+                  <a:schemeClr val="tx1"/>
+                </a:solidFill>
+                <a:latin typeface="Times New Roman" panose="02020603050405020304" pitchFamily="18" charset="0"/>
+                <a:cs typeface="Times New Roman" panose="02020603050405020304" pitchFamily="18" charset="0"/>
+              </a:rPr>
+              <a:t>linha = </a:t>
+            </a:r>
+            <a:r>
               <a:rPr lang="pt-BR" sz="2400" dirty="0" err="1">
-                <a:latin typeface="Times New Roman" panose="02020603050405020304" pitchFamily="18" charset="0"/>
-                <a:cs typeface="Times New Roman" panose="02020603050405020304" pitchFamily="18" charset="0"/>
-              </a:rPr>
-              <a:t>conn.</a:t>
+                <a:solidFill>
+                  <a:schemeClr val="tx1"/>
+                </a:solidFill>
+                <a:latin typeface="Times New Roman" panose="02020603050405020304" pitchFamily="18" charset="0"/>
+                <a:cs typeface="Times New Roman" panose="02020603050405020304" pitchFamily="18" charset="0"/>
+              </a:rPr>
+              <a:t>cursor.</a:t>
             </a:r>
             <a:r>
               <a:rPr lang="pt-BR" sz="2400" b="1" dirty="0" err="1">
@@ -9945,55 +10210,25 @@
                 <a:latin typeface="Times New Roman" panose="02020603050405020304" pitchFamily="18" charset="0"/>
                 <a:cs typeface="Times New Roman" panose="02020603050405020304" pitchFamily="18" charset="0"/>
               </a:rPr>
-              <a:t>commit</a:t>
+              <a:t>fetchall</a:t>
             </a:r>
             <a:r>
               <a:rPr lang="pt-BR" sz="2400" dirty="0">
-                <a:latin typeface="Times New Roman" panose="02020603050405020304" pitchFamily="18" charset="0"/>
-                <a:cs typeface="Times New Roman" panose="02020603050405020304" pitchFamily="18" charset="0"/>
-              </a:rPr>
-              <a:t>();</a:t>
-            </a:r>
-            <a:endParaRPr lang="pt-BR" sz="2400" dirty="0">
-              <a:solidFill>
-                <a:schemeClr val="tx1"/>
-              </a:solidFill>
-              <a:latin typeface="Times New Roman" panose="02020603050405020304" pitchFamily="18" charset="0"/>
-              <a:cs typeface="Times New Roman" panose="02020603050405020304" pitchFamily="18" charset="0"/>
-            </a:endParaRPr>
-          </a:p>
-          <a:p>
-            <a:pPr marL="0" indent="0" algn="just">
-              <a:buNone/>
-            </a:pPr>
-            <a:r>
-              <a:rPr lang="pt-BR" sz="2400" b="1" dirty="0">
-                <a:latin typeface="Times New Roman" panose="02020603050405020304" pitchFamily="18" charset="0"/>
-                <a:cs typeface="Times New Roman" panose="02020603050405020304" pitchFamily="18" charset="0"/>
-              </a:rPr>
-              <a:t>print</a:t>
-            </a:r>
-            <a:r>
-              <a:rPr lang="pt-BR" sz="2400" dirty="0">
-                <a:latin typeface="Times New Roman" panose="02020603050405020304" pitchFamily="18" charset="0"/>
-                <a:cs typeface="Times New Roman" panose="02020603050405020304" pitchFamily="18" charset="0"/>
-              </a:rPr>
-              <a:t>(“Inserido com sucesso”</a:t>
-            </a:r>
-            <a:endParaRPr lang="pt-BR" sz="2400" dirty="0">
-              <a:solidFill>
-                <a:schemeClr val="tx1"/>
-              </a:solidFill>
-              <a:latin typeface="Times New Roman" panose="02020603050405020304" pitchFamily="18" charset="0"/>
-              <a:cs typeface="Times New Roman" panose="02020603050405020304" pitchFamily="18" charset="0"/>
-            </a:endParaRPr>
+                <a:solidFill>
+                  <a:schemeClr val="tx1"/>
+                </a:solidFill>
+                <a:latin typeface="Times New Roman" panose="02020603050405020304" pitchFamily="18" charset="0"/>
+                <a:cs typeface="Times New Roman" panose="02020603050405020304" pitchFamily="18" charset="0"/>
+              </a:rPr>
+              <a:t>()</a:t>
+            </a:r>
           </a:p>
         </p:txBody>
       </p:sp>
     </p:spTree>
     <p:extLst>
       <p:ext uri="{BB962C8B-B14F-4D97-AF65-F5344CB8AC3E}">
-        <p14:creationId xmlns:p14="http://schemas.microsoft.com/office/powerpoint/2010/main" val="3817461576"/>
+        <p14:creationId xmlns:p14="http://schemas.microsoft.com/office/powerpoint/2010/main" val="484425744"/>
       </p:ext>
     </p:extLst>
   </p:cSld>
@@ -10050,7 +10285,7 @@
                   <a:srgbClr val="0070C0"/>
                 </a:solidFill>
               </a:rPr>
-              <a:t>Python – BANCO DE DADOS – CRUD UPDATE</a:t>
+              <a:t>Python – BANCO DE DADOS – CRUD INSERT</a:t>
             </a:r>
           </a:p>
         </p:txBody>
@@ -10130,7 +10365,21 @@
                 <a:latin typeface="Times New Roman" panose="02020603050405020304" pitchFamily="18" charset="0"/>
                 <a:cs typeface="Times New Roman" panose="02020603050405020304" pitchFamily="18" charset="0"/>
               </a:rPr>
-              <a:t>id = 63</a:t>
+              <a:t>nome = </a:t>
+            </a:r>
+            <a:r>
+              <a:rPr lang="pt-BR" sz="2400" b="1" dirty="0">
+                <a:latin typeface="Times New Roman" panose="02020603050405020304" pitchFamily="18" charset="0"/>
+                <a:cs typeface="Times New Roman" panose="02020603050405020304" pitchFamily="18" charset="0"/>
+              </a:rPr>
+              <a:t>input</a:t>
+            </a:r>
+            <a:r>
+              <a:rPr lang="pt-BR" sz="2400" dirty="0">
+                <a:latin typeface="Times New Roman" panose="02020603050405020304" pitchFamily="18" charset="0"/>
+                <a:cs typeface="Times New Roman" panose="02020603050405020304" pitchFamily="18" charset="0"/>
+              </a:rPr>
+              <a:t>(“Digite o nome:”)</a:t>
             </a:r>
             <a:endParaRPr lang="pt-BR" sz="2400" dirty="0">
               <a:solidFill>
@@ -10145,218 +10394,141 @@
               <a:buNone/>
             </a:pPr>
             <a:r>
+              <a:rPr lang="pt-BR" sz="2400" b="1" dirty="0" err="1">
+                <a:latin typeface="Times New Roman" panose="02020603050405020304" pitchFamily="18" charset="0"/>
+                <a:cs typeface="Times New Roman" panose="02020603050405020304" pitchFamily="18" charset="0"/>
+              </a:rPr>
+              <a:t>sql</a:t>
+            </a:r>
+            <a:r>
               <a:rPr lang="pt-BR" sz="2400" dirty="0">
                 <a:latin typeface="Times New Roman" panose="02020603050405020304" pitchFamily="18" charset="0"/>
                 <a:cs typeface="Times New Roman" panose="02020603050405020304" pitchFamily="18" charset="0"/>
               </a:rPr>
-              <a:t>nome = "recursos humanos"</a:t>
+              <a:t> = </a:t>
+            </a:r>
+            <a:r>
+              <a:rPr lang="pt-BR" sz="2400" b="1" dirty="0" err="1">
+                <a:solidFill>
+                  <a:srgbClr val="FF0000"/>
+                </a:solidFill>
+                <a:latin typeface="Times New Roman" panose="02020603050405020304" pitchFamily="18" charset="0"/>
+                <a:cs typeface="Times New Roman" panose="02020603050405020304" pitchFamily="18" charset="0"/>
+              </a:rPr>
+              <a:t>f</a:t>
+            </a:r>
+            <a:r>
+              <a:rPr lang="pt-BR" sz="2400" dirty="0" err="1">
+                <a:solidFill>
+                  <a:schemeClr val="tx1"/>
+                </a:solidFill>
+                <a:latin typeface="Times New Roman" panose="02020603050405020304" pitchFamily="18" charset="0"/>
+                <a:cs typeface="Times New Roman" panose="02020603050405020304" pitchFamily="18" charset="0"/>
+              </a:rPr>
+              <a:t>"</a:t>
+            </a:r>
+            <a:r>
+              <a:rPr lang="pt-BR" sz="2400" b="1" dirty="0" err="1">
+                <a:solidFill>
+                  <a:schemeClr val="tx1"/>
+                </a:solidFill>
+                <a:latin typeface="Times New Roman" panose="02020603050405020304" pitchFamily="18" charset="0"/>
+                <a:cs typeface="Times New Roman" panose="02020603050405020304" pitchFamily="18" charset="0"/>
+              </a:rPr>
+              <a:t>insert</a:t>
+            </a:r>
+            <a:r>
+              <a:rPr lang="pt-BR" sz="2400" dirty="0">
+                <a:solidFill>
+                  <a:schemeClr val="tx1"/>
+                </a:solidFill>
+                <a:latin typeface="Times New Roman" panose="02020603050405020304" pitchFamily="18" charset="0"/>
+                <a:cs typeface="Times New Roman" panose="02020603050405020304" pitchFamily="18" charset="0"/>
+              </a:rPr>
+              <a:t> </a:t>
+            </a:r>
+            <a:r>
+              <a:rPr lang="pt-BR" sz="2400" b="1" dirty="0" err="1">
+                <a:solidFill>
+                  <a:schemeClr val="tx1"/>
+                </a:solidFill>
+                <a:latin typeface="Times New Roman" panose="02020603050405020304" pitchFamily="18" charset="0"/>
+                <a:cs typeface="Times New Roman" panose="02020603050405020304" pitchFamily="18" charset="0"/>
+              </a:rPr>
+              <a:t>into</a:t>
+            </a:r>
+            <a:r>
+              <a:rPr lang="pt-BR" sz="2400" dirty="0">
+                <a:solidFill>
+                  <a:schemeClr val="tx1"/>
+                </a:solidFill>
+                <a:latin typeface="Times New Roman" panose="02020603050405020304" pitchFamily="18" charset="0"/>
+                <a:cs typeface="Times New Roman" panose="02020603050405020304" pitchFamily="18" charset="0"/>
+              </a:rPr>
+              <a:t> departamento (nome) </a:t>
+            </a:r>
+            <a:r>
+              <a:rPr lang="pt-BR" sz="2400" b="1" dirty="0" err="1">
+                <a:solidFill>
+                  <a:schemeClr val="tx1"/>
+                </a:solidFill>
+                <a:latin typeface="Times New Roman" panose="02020603050405020304" pitchFamily="18" charset="0"/>
+                <a:cs typeface="Times New Roman" panose="02020603050405020304" pitchFamily="18" charset="0"/>
+              </a:rPr>
+              <a:t>values</a:t>
+            </a:r>
+            <a:r>
+              <a:rPr lang="pt-BR" sz="2400" dirty="0">
+                <a:solidFill>
+                  <a:schemeClr val="tx1"/>
+                </a:solidFill>
+                <a:latin typeface="Times New Roman" panose="02020603050405020304" pitchFamily="18" charset="0"/>
+                <a:cs typeface="Times New Roman" panose="02020603050405020304" pitchFamily="18" charset="0"/>
+              </a:rPr>
+              <a:t> (</a:t>
+            </a:r>
+            <a:r>
+              <a:rPr lang="pt-BR" sz="2400" b="1" dirty="0">
+                <a:solidFill>
+                  <a:schemeClr val="tx1"/>
+                </a:solidFill>
+                <a:latin typeface="Times New Roman" panose="02020603050405020304" pitchFamily="18" charset="0"/>
+                <a:cs typeface="Times New Roman" panose="02020603050405020304" pitchFamily="18" charset="0"/>
+              </a:rPr>
+              <a:t>‘</a:t>
+            </a:r>
+            <a:r>
+              <a:rPr lang="pt-BR" sz="2400" dirty="0">
+                <a:solidFill>
+                  <a:schemeClr val="tx1"/>
+                </a:solidFill>
+                <a:latin typeface="Times New Roman" panose="02020603050405020304" pitchFamily="18" charset="0"/>
+                <a:cs typeface="Times New Roman" panose="02020603050405020304" pitchFamily="18" charset="0"/>
+              </a:rPr>
+              <a:t>{</a:t>
+            </a:r>
+            <a:r>
+              <a:rPr lang="pt-BR" sz="2400" dirty="0">
+                <a:latin typeface="Times New Roman" panose="02020603050405020304" pitchFamily="18" charset="0"/>
+                <a:cs typeface="Times New Roman" panose="02020603050405020304" pitchFamily="18" charset="0"/>
+              </a:rPr>
+              <a:t>nome</a:t>
+            </a:r>
+            <a:r>
+              <a:rPr lang="pt-BR" sz="2400" dirty="0">
+                <a:solidFill>
+                  <a:schemeClr val="tx1"/>
+                </a:solidFill>
+                <a:latin typeface="Times New Roman" panose="02020603050405020304" pitchFamily="18" charset="0"/>
+                <a:cs typeface="Times New Roman" panose="02020603050405020304" pitchFamily="18" charset="0"/>
+              </a:rPr>
+              <a:t>}’)"</a:t>
             </a:r>
           </a:p>
           <a:p>
             <a:pPr marL="0" indent="0" algn="just">
               <a:buNone/>
             </a:pPr>
-            <a:r>
-              <a:rPr lang="pt-BR" sz="2400" dirty="0" err="1">
-                <a:latin typeface="Times New Roman" panose="02020603050405020304" pitchFamily="18" charset="0"/>
-                <a:cs typeface="Times New Roman" panose="02020603050405020304" pitchFamily="18" charset="0"/>
-              </a:rPr>
-              <a:t>sql</a:t>
-            </a:r>
-            <a:r>
-              <a:rPr lang="pt-BR" sz="2400" dirty="0">
-                <a:latin typeface="Times New Roman" panose="02020603050405020304" pitchFamily="18" charset="0"/>
-                <a:cs typeface="Times New Roman" panose="02020603050405020304" pitchFamily="18" charset="0"/>
-              </a:rPr>
-              <a:t> = </a:t>
-            </a:r>
-            <a:r>
-              <a:rPr lang="pt-BR" sz="2400" b="1" dirty="0" err="1">
-                <a:solidFill>
-                  <a:srgbClr val="FF0000"/>
-                </a:solidFill>
-                <a:latin typeface="Times New Roman" panose="02020603050405020304" pitchFamily="18" charset="0"/>
-                <a:cs typeface="Times New Roman" panose="02020603050405020304" pitchFamily="18" charset="0"/>
-              </a:rPr>
-              <a:t>f</a:t>
-            </a:r>
-            <a:r>
-              <a:rPr lang="pt-BR" sz="2400" dirty="0" err="1">
-                <a:latin typeface="Times New Roman" panose="02020603050405020304" pitchFamily="18" charset="0"/>
-                <a:cs typeface="Times New Roman" panose="02020603050405020304" pitchFamily="18" charset="0"/>
-              </a:rPr>
-              <a:t>"</a:t>
-            </a:r>
-            <a:r>
-              <a:rPr lang="pt-BR" sz="2400" b="1" dirty="0" err="1">
-                <a:latin typeface="Times New Roman" panose="02020603050405020304" pitchFamily="18" charset="0"/>
-                <a:cs typeface="Times New Roman" panose="02020603050405020304" pitchFamily="18" charset="0"/>
-              </a:rPr>
-              <a:t>update</a:t>
-            </a:r>
-            <a:r>
-              <a:rPr lang="pt-BR" sz="2400" dirty="0">
-                <a:latin typeface="Times New Roman" panose="02020603050405020304" pitchFamily="18" charset="0"/>
-                <a:cs typeface="Times New Roman" panose="02020603050405020304" pitchFamily="18" charset="0"/>
-              </a:rPr>
-              <a:t> </a:t>
-            </a:r>
-            <a:r>
-              <a:rPr lang="pt-BR" sz="2400" dirty="0" err="1">
-                <a:latin typeface="Times New Roman" panose="02020603050405020304" pitchFamily="18" charset="0"/>
-                <a:cs typeface="Times New Roman" panose="02020603050405020304" pitchFamily="18" charset="0"/>
-              </a:rPr>
-              <a:t>department</a:t>
-            </a:r>
-            <a:r>
-              <a:rPr lang="pt-BR" sz="2400" dirty="0">
-                <a:latin typeface="Times New Roman" panose="02020603050405020304" pitchFamily="18" charset="0"/>
-                <a:cs typeface="Times New Roman" panose="02020603050405020304" pitchFamily="18" charset="0"/>
-              </a:rPr>
-              <a:t> </a:t>
-            </a:r>
-            <a:r>
-              <a:rPr lang="pt-BR" sz="2400" b="1" dirty="0">
-                <a:latin typeface="Times New Roman" panose="02020603050405020304" pitchFamily="18" charset="0"/>
-                <a:cs typeface="Times New Roman" panose="02020603050405020304" pitchFamily="18" charset="0"/>
-              </a:rPr>
-              <a:t>set</a:t>
-            </a:r>
-            <a:r>
-              <a:rPr lang="pt-BR" sz="2400" dirty="0">
-                <a:latin typeface="Times New Roman" panose="02020603050405020304" pitchFamily="18" charset="0"/>
-                <a:cs typeface="Times New Roman" panose="02020603050405020304" pitchFamily="18" charset="0"/>
-              </a:rPr>
-              <a:t> </a:t>
-            </a:r>
-            <a:r>
-              <a:rPr lang="pt-BR" sz="2400" dirty="0" err="1">
-                <a:latin typeface="Times New Roman" panose="02020603050405020304" pitchFamily="18" charset="0"/>
-                <a:cs typeface="Times New Roman" panose="02020603050405020304" pitchFamily="18" charset="0"/>
-              </a:rPr>
-              <a:t>Name</a:t>
-            </a:r>
-            <a:r>
-              <a:rPr lang="pt-BR" sz="2400" dirty="0">
-                <a:latin typeface="Times New Roman" panose="02020603050405020304" pitchFamily="18" charset="0"/>
-                <a:cs typeface="Times New Roman" panose="02020603050405020304" pitchFamily="18" charset="0"/>
-              </a:rPr>
-              <a:t> = '{nome}' </a:t>
-            </a:r>
-            <a:r>
-              <a:rPr lang="pt-BR" sz="2400" b="1" dirty="0" err="1">
-                <a:latin typeface="Times New Roman" panose="02020603050405020304" pitchFamily="18" charset="0"/>
-                <a:cs typeface="Times New Roman" panose="02020603050405020304" pitchFamily="18" charset="0"/>
-              </a:rPr>
-              <a:t>where</a:t>
-            </a:r>
-            <a:r>
-              <a:rPr lang="pt-BR" sz="2400" dirty="0">
-                <a:latin typeface="Times New Roman" panose="02020603050405020304" pitchFamily="18" charset="0"/>
-                <a:cs typeface="Times New Roman" panose="02020603050405020304" pitchFamily="18" charset="0"/>
-              </a:rPr>
-              <a:t> Id = {id}"</a:t>
-            </a:r>
-          </a:p>
-          <a:p>
-            <a:pPr marL="0" indent="0" algn="just">
-              <a:buNone/>
-            </a:pPr>
-            <a:endParaRPr lang="pt-BR" sz="2400" dirty="0">
-              <a:latin typeface="Times New Roman" panose="02020603050405020304" pitchFamily="18" charset="0"/>
-              <a:cs typeface="Times New Roman" panose="02020603050405020304" pitchFamily="18" charset="0"/>
-            </a:endParaRPr>
-          </a:p>
-          <a:p>
-            <a:pPr marL="0" indent="0" algn="just">
-              <a:buNone/>
-            </a:pPr>
-            <a:r>
-              <a:rPr lang="pt-BR" sz="2400" dirty="0" err="1">
-                <a:latin typeface="Times New Roman" panose="02020603050405020304" pitchFamily="18" charset="0"/>
-                <a:cs typeface="Times New Roman" panose="02020603050405020304" pitchFamily="18" charset="0"/>
-              </a:rPr>
-              <a:t>cursor.</a:t>
-            </a:r>
-            <a:r>
-              <a:rPr lang="pt-BR" sz="2400" b="1" dirty="0" err="1">
-                <a:solidFill>
-                  <a:srgbClr val="FF0000"/>
-                </a:solidFill>
-                <a:latin typeface="Times New Roman" panose="02020603050405020304" pitchFamily="18" charset="0"/>
-                <a:cs typeface="Times New Roman" panose="02020603050405020304" pitchFamily="18" charset="0"/>
-              </a:rPr>
-              <a:t>execute</a:t>
-            </a:r>
-            <a:r>
-              <a:rPr lang="pt-BR" sz="2400" dirty="0">
-                <a:latin typeface="Times New Roman" panose="02020603050405020304" pitchFamily="18" charset="0"/>
-                <a:cs typeface="Times New Roman" panose="02020603050405020304" pitchFamily="18" charset="0"/>
-              </a:rPr>
-              <a:t>(</a:t>
-            </a:r>
-            <a:r>
-              <a:rPr lang="pt-BR" sz="2400" dirty="0" err="1">
-                <a:latin typeface="Times New Roman" panose="02020603050405020304" pitchFamily="18" charset="0"/>
-                <a:cs typeface="Times New Roman" panose="02020603050405020304" pitchFamily="18" charset="0"/>
-              </a:rPr>
-              <a:t>sql</a:t>
-            </a:r>
-            <a:r>
-              <a:rPr lang="pt-BR" sz="2400" dirty="0">
-                <a:latin typeface="Times New Roman" panose="02020603050405020304" pitchFamily="18" charset="0"/>
-                <a:cs typeface="Times New Roman" panose="02020603050405020304" pitchFamily="18" charset="0"/>
-              </a:rPr>
-              <a:t>)</a:t>
-            </a:r>
-          </a:p>
-          <a:p>
-            <a:pPr marL="0" indent="0" algn="just">
-              <a:buNone/>
-            </a:pPr>
-            <a:r>
-              <a:rPr lang="pt-BR" sz="2400" dirty="0" err="1">
-                <a:latin typeface="Times New Roman" panose="02020603050405020304" pitchFamily="18" charset="0"/>
-                <a:cs typeface="Times New Roman" panose="02020603050405020304" pitchFamily="18" charset="0"/>
-              </a:rPr>
-              <a:t>conn.</a:t>
-            </a:r>
-            <a:r>
-              <a:rPr lang="pt-BR" sz="2400" b="1" dirty="0" err="1">
-                <a:solidFill>
-                  <a:srgbClr val="FF0000"/>
-                </a:solidFill>
-                <a:latin typeface="Times New Roman" panose="02020603050405020304" pitchFamily="18" charset="0"/>
-                <a:cs typeface="Times New Roman" panose="02020603050405020304" pitchFamily="18" charset="0"/>
-              </a:rPr>
-              <a:t>commit</a:t>
-            </a:r>
-            <a:r>
-              <a:rPr lang="pt-BR" sz="2400" dirty="0">
-                <a:latin typeface="Times New Roman" panose="02020603050405020304" pitchFamily="18" charset="0"/>
-                <a:cs typeface="Times New Roman" panose="02020603050405020304" pitchFamily="18" charset="0"/>
-              </a:rPr>
-              <a:t>()</a:t>
-            </a:r>
-          </a:p>
-          <a:p>
-            <a:pPr marL="0" indent="0" algn="just">
-              <a:buNone/>
-            </a:pPr>
-            <a:r>
-              <a:rPr lang="pt-BR" sz="2400" b="1" dirty="0">
-                <a:latin typeface="Times New Roman" panose="02020603050405020304" pitchFamily="18" charset="0"/>
-                <a:cs typeface="Times New Roman" panose="02020603050405020304" pitchFamily="18" charset="0"/>
-              </a:rPr>
-              <a:t>print</a:t>
-            </a:r>
-            <a:r>
-              <a:rPr lang="pt-BR" sz="2400" dirty="0">
-                <a:latin typeface="Times New Roman" panose="02020603050405020304" pitchFamily="18" charset="0"/>
-                <a:cs typeface="Times New Roman" panose="02020603050405020304" pitchFamily="18" charset="0"/>
-              </a:rPr>
-              <a:t>("Atualizado com sucesso")</a:t>
-            </a:r>
             <a:endParaRPr lang="pt-BR" sz="2400" dirty="0">
               <a:solidFill>
                 <a:schemeClr val="tx1"/>
@@ -10365,12 +10537,129 @@
               <a:cs typeface="Times New Roman" panose="02020603050405020304" pitchFamily="18" charset="0"/>
             </a:endParaRPr>
           </a:p>
+          <a:p>
+            <a:pPr marL="0" indent="0" algn="just">
+              <a:buNone/>
+            </a:pPr>
+            <a:r>
+              <a:rPr lang="pt-BR" sz="2400" dirty="0" err="1">
+                <a:solidFill>
+                  <a:schemeClr val="tx1"/>
+                </a:solidFill>
+                <a:latin typeface="Times New Roman" panose="02020603050405020304" pitchFamily="18" charset="0"/>
+                <a:cs typeface="Times New Roman" panose="02020603050405020304" pitchFamily="18" charset="0"/>
+              </a:rPr>
+              <a:t>cursor.</a:t>
+            </a:r>
+            <a:r>
+              <a:rPr lang="pt-BR" sz="2400" b="1" dirty="0" err="1">
+                <a:solidFill>
+                  <a:schemeClr val="tx1"/>
+                </a:solidFill>
+                <a:latin typeface="Times New Roman" panose="02020603050405020304" pitchFamily="18" charset="0"/>
+                <a:cs typeface="Times New Roman" panose="02020603050405020304" pitchFamily="18" charset="0"/>
+              </a:rPr>
+              <a:t>execute</a:t>
+            </a:r>
+            <a:r>
+              <a:rPr lang="pt-BR" sz="2400" dirty="0">
+                <a:solidFill>
+                  <a:schemeClr val="tx1"/>
+                </a:solidFill>
+                <a:latin typeface="Times New Roman" panose="02020603050405020304" pitchFamily="18" charset="0"/>
+                <a:cs typeface="Times New Roman" panose="02020603050405020304" pitchFamily="18" charset="0"/>
+              </a:rPr>
+              <a:t>(</a:t>
+            </a:r>
+            <a:r>
+              <a:rPr lang="pt-BR" sz="2400" dirty="0" err="1">
+                <a:solidFill>
+                  <a:schemeClr val="tx1"/>
+                </a:solidFill>
+                <a:latin typeface="Times New Roman" panose="02020603050405020304" pitchFamily="18" charset="0"/>
+                <a:cs typeface="Times New Roman" panose="02020603050405020304" pitchFamily="18" charset="0"/>
+              </a:rPr>
+              <a:t>sql</a:t>
+            </a:r>
+            <a:r>
+              <a:rPr lang="pt-BR" sz="2400" dirty="0">
+                <a:solidFill>
+                  <a:schemeClr val="tx1"/>
+                </a:solidFill>
+                <a:latin typeface="Times New Roman" panose="02020603050405020304" pitchFamily="18" charset="0"/>
+                <a:cs typeface="Times New Roman" panose="02020603050405020304" pitchFamily="18" charset="0"/>
+              </a:rPr>
+              <a:t>)</a:t>
+            </a:r>
+          </a:p>
+          <a:p>
+            <a:pPr marL="0" indent="0" algn="just">
+              <a:buNone/>
+            </a:pPr>
+            <a:r>
+              <a:rPr lang="pt-BR" sz="2400" dirty="0" err="1">
+                <a:latin typeface="Times New Roman" panose="02020603050405020304" pitchFamily="18" charset="0"/>
+                <a:cs typeface="Times New Roman" panose="02020603050405020304" pitchFamily="18" charset="0"/>
+              </a:rPr>
+              <a:t>conn.</a:t>
+            </a:r>
+            <a:r>
+              <a:rPr lang="pt-BR" sz="2400" b="1" dirty="0" err="1">
+                <a:solidFill>
+                  <a:srgbClr val="FF0000"/>
+                </a:solidFill>
+                <a:latin typeface="Times New Roman" panose="02020603050405020304" pitchFamily="18" charset="0"/>
+                <a:cs typeface="Times New Roman" panose="02020603050405020304" pitchFamily="18" charset="0"/>
+              </a:rPr>
+              <a:t>commit</a:t>
+            </a:r>
+            <a:r>
+              <a:rPr lang="pt-BR" sz="2400" dirty="0">
+                <a:latin typeface="Times New Roman" panose="02020603050405020304" pitchFamily="18" charset="0"/>
+                <a:cs typeface="Times New Roman" panose="02020603050405020304" pitchFamily="18" charset="0"/>
+              </a:rPr>
+              <a:t>();</a:t>
+            </a:r>
+            <a:endParaRPr lang="pt-BR" sz="2400" dirty="0">
+              <a:solidFill>
+                <a:schemeClr val="tx1"/>
+              </a:solidFill>
+              <a:latin typeface="Times New Roman" panose="02020603050405020304" pitchFamily="18" charset="0"/>
+              <a:cs typeface="Times New Roman" panose="02020603050405020304" pitchFamily="18" charset="0"/>
+            </a:endParaRPr>
+          </a:p>
+          <a:p>
+            <a:pPr marL="0" indent="0" algn="just">
+              <a:buNone/>
+            </a:pPr>
+            <a:r>
+              <a:rPr lang="pt-BR" sz="2400" b="1" dirty="0">
+                <a:latin typeface="Times New Roman" panose="02020603050405020304" pitchFamily="18" charset="0"/>
+                <a:cs typeface="Times New Roman" panose="02020603050405020304" pitchFamily="18" charset="0"/>
+              </a:rPr>
+              <a:t>print</a:t>
+            </a:r>
+            <a:r>
+              <a:rPr lang="pt-BR" sz="2400" dirty="0">
+                <a:latin typeface="Times New Roman" panose="02020603050405020304" pitchFamily="18" charset="0"/>
+                <a:cs typeface="Times New Roman" panose="02020603050405020304" pitchFamily="18" charset="0"/>
+              </a:rPr>
+              <a:t>(“Inserido com sucesso”</a:t>
+            </a:r>
+            <a:endParaRPr lang="pt-BR" sz="2400" dirty="0">
+              <a:solidFill>
+                <a:schemeClr val="tx1"/>
+              </a:solidFill>
+              <a:latin typeface="Times New Roman" panose="02020603050405020304" pitchFamily="18" charset="0"/>
+              <a:cs typeface="Times New Roman" panose="02020603050405020304" pitchFamily="18" charset="0"/>
+            </a:endParaRPr>
+          </a:p>
         </p:txBody>
       </p:sp>
     </p:spTree>
     <p:extLst>
       <p:ext uri="{BB962C8B-B14F-4D97-AF65-F5344CB8AC3E}">
-        <p14:creationId xmlns:p14="http://schemas.microsoft.com/office/powerpoint/2010/main" val="4197986306"/>
+        <p14:creationId xmlns:p14="http://schemas.microsoft.com/office/powerpoint/2010/main" val="3817461576"/>
       </p:ext>
     </p:extLst>
   </p:cSld>

--- a/01 Classes/Aula 12, 13 Programação Python - Banco de Dados.pptx
+++ b/01 Classes/Aula 12, 13 Programação Python - Banco de Dados.pptx
@@ -1313,7 +1313,7 @@
           <a:p>
             <a:fld id="{48A87A34-81AB-432B-8DAE-1953F412C126}" type="datetimeFigureOut">
               <a:rPr lang="en-US" smtClean="0"/>
-              <a:t>6/7/2022</a:t>
+              <a:t>10/16/2023</a:t>
             </a:fld>
             <a:endParaRPr lang="en-US" dirty="0"/>
           </a:p>
@@ -1524,7 +1524,7 @@
           <a:p>
             <a:fld id="{48A87A34-81AB-432B-8DAE-1953F412C126}" type="datetimeFigureOut">
               <a:rPr lang="en-US" smtClean="0"/>
-              <a:t>6/7/2022</a:t>
+              <a:t>10/16/2023</a:t>
             </a:fld>
             <a:endParaRPr lang="en-US" dirty="0"/>
           </a:p>
@@ -1739,7 +1739,7 @@
           <a:p>
             <a:fld id="{48A87A34-81AB-432B-8DAE-1953F412C126}" type="datetimeFigureOut">
               <a:rPr lang="en-US" smtClean="0"/>
-              <a:t>6/7/2022</a:t>
+              <a:t>10/16/2023</a:t>
             </a:fld>
             <a:endParaRPr lang="en-US" dirty="0"/>
           </a:p>
@@ -2107,7 +2107,7 @@
           <a:p>
             <a:fld id="{48A87A34-81AB-432B-8DAE-1953F412C126}" type="datetimeFigureOut">
               <a:rPr lang="en-US" smtClean="0"/>
-              <a:t>6/7/2022</a:t>
+              <a:t>10/16/2023</a:t>
             </a:fld>
             <a:endParaRPr lang="en-US" dirty="0"/>
           </a:p>
@@ -2386,7 +2386,7 @@
           <a:p>
             <a:fld id="{48A87A34-81AB-432B-8DAE-1953F412C126}" type="datetimeFigureOut">
               <a:rPr lang="en-US" smtClean="0"/>
-              <a:t>6/7/2022</a:t>
+              <a:t>10/16/2023</a:t>
             </a:fld>
             <a:endParaRPr lang="en-US" dirty="0"/>
           </a:p>
@@ -2654,7 +2654,7 @@
           <a:p>
             <a:fld id="{48A87A34-81AB-432B-8DAE-1953F412C126}" type="datetimeFigureOut">
               <a:rPr lang="en-US" smtClean="0"/>
-              <a:t>6/7/2022</a:t>
+              <a:t>10/16/2023</a:t>
             </a:fld>
             <a:endParaRPr lang="en-US" dirty="0"/>
           </a:p>
@@ -3070,7 +3070,7 @@
           <a:p>
             <a:fld id="{48A87A34-81AB-432B-8DAE-1953F412C126}" type="datetimeFigureOut">
               <a:rPr lang="en-US" smtClean="0"/>
-              <a:t>6/7/2022</a:t>
+              <a:t>10/16/2023</a:t>
             </a:fld>
             <a:endParaRPr lang="en-US" dirty="0"/>
           </a:p>
@@ -3219,7 +3219,7 @@
           <a:p>
             <a:fld id="{48A87A34-81AB-432B-8DAE-1953F412C126}" type="datetimeFigureOut">
               <a:rPr lang="en-US" smtClean="0"/>
-              <a:t>6/7/2022</a:t>
+              <a:t>10/16/2023</a:t>
             </a:fld>
             <a:endParaRPr lang="en-US" dirty="0"/>
           </a:p>
@@ -3345,7 +3345,7 @@
           <a:p>
             <a:fld id="{48A87A34-81AB-432B-8DAE-1953F412C126}" type="datetimeFigureOut">
               <a:rPr lang="en-US" smtClean="0"/>
-              <a:t>6/7/2022</a:t>
+              <a:t>10/16/2023</a:t>
             </a:fld>
             <a:endParaRPr lang="en-US" dirty="0"/>
           </a:p>
@@ -3596,7 +3596,7 @@
           <a:p>
             <a:fld id="{48A87A34-81AB-432B-8DAE-1953F412C126}" type="datetimeFigureOut">
               <a:rPr lang="en-US" smtClean="0"/>
-              <a:t>6/7/2022</a:t>
+              <a:t>10/16/2023</a:t>
             </a:fld>
             <a:endParaRPr lang="en-US" dirty="0"/>
           </a:p>
@@ -4042,7 +4042,7 @@
             <a:fld id="{48A87A34-81AB-432B-8DAE-1953F412C126}" type="datetimeFigureOut">
               <a:rPr lang="en-US" smtClean="0"/>
               <a:pPr/>
-              <a:t>6/7/2022</a:t>
+              <a:t>10/16/2023</a:t>
             </a:fld>
             <a:endParaRPr lang="en-US" dirty="0"/>
           </a:p>
@@ -4370,7 +4370,7 @@
             <a:fld id="{48A87A34-81AB-432B-8DAE-1953F412C126}" type="datetimeFigureOut">
               <a:rPr lang="en-US" smtClean="0"/>
               <a:pPr/>
-              <a:t>6/7/2022</a:t>
+              <a:t>10/16/2023</a:t>
             </a:fld>
             <a:endParaRPr lang="en-US" dirty="0"/>
           </a:p>
@@ -8673,7 +8673,24 @@
                 <a:latin typeface="Times New Roman" panose="02020603050405020304" pitchFamily="18" charset="0"/>
                 <a:cs typeface="Times New Roman" panose="02020603050405020304" pitchFamily="18" charset="0"/>
               </a:rPr>
-              <a:t>  	OU</a:t>
+              <a:t>  (Windows; </a:t>
+            </a:r>
+            <a:r>
+              <a:rPr lang="pt-BR" sz="2000" b="1" dirty="0">
+                <a:latin typeface="Times New Roman" panose="02020603050405020304" pitchFamily="18" charset="0"/>
+                <a:cs typeface="Times New Roman" panose="02020603050405020304" pitchFamily="18" charset="0"/>
+              </a:rPr>
+              <a:t>pip3 Linux</a:t>
+            </a:r>
+            <a:r>
+              <a:rPr lang="pt-BR" sz="2000" b="1" dirty="0">
+                <a:solidFill>
+                  <a:srgbClr val="FF0000"/>
+                </a:solidFill>
+                <a:latin typeface="Times New Roman" panose="02020603050405020304" pitchFamily="18" charset="0"/>
+                <a:cs typeface="Times New Roman" panose="02020603050405020304" pitchFamily="18" charset="0"/>
+              </a:rPr>
+              <a:t>)	OU</a:t>
             </a:r>
           </a:p>
           <a:p>
@@ -8751,31 +8768,140 @@
                 <a:latin typeface="Times New Roman" panose="02020603050405020304" pitchFamily="18" charset="0"/>
                 <a:cs typeface="Times New Roman" panose="02020603050405020304" pitchFamily="18" charset="0"/>
               </a:rPr>
-              <a:t>; Python for </a:t>
+              <a:t>; </a:t>
             </a:r>
             <a:r>
               <a:rPr lang="pt-BR" sz="2000" b="1" dirty="0" err="1">
+                <a:latin typeface="Times New Roman" panose="02020603050405020304" pitchFamily="18" charset="0"/>
+                <a:cs typeface="Times New Roman" panose="02020603050405020304" pitchFamily="18" charset="0"/>
+              </a:rPr>
+              <a:t>Theme</a:t>
+            </a:r>
+            <a:r>
+              <a:rPr lang="pt-BR" sz="2000" b="1" dirty="0">
                 <a:solidFill>
                   <a:srgbClr val="FF0000"/>
                 </a:solidFill>
                 <a:latin typeface="Times New Roman" panose="02020603050405020304" pitchFamily="18" charset="0"/>
                 <a:cs typeface="Times New Roman" panose="02020603050405020304" pitchFamily="18" charset="0"/>
               </a:rPr>
-              <a:t>VSCode</a:t>
-            </a:r>
-            <a:endParaRPr lang="pt-BR" sz="2000" b="1" dirty="0">
-              <a:solidFill>
-                <a:srgbClr val="FF0000"/>
-              </a:solidFill>
-              <a:latin typeface="Times New Roman" panose="02020603050405020304" pitchFamily="18" charset="0"/>
-              <a:cs typeface="Times New Roman" panose="02020603050405020304" pitchFamily="18" charset="0"/>
-            </a:endParaRPr>
+              <a:t>: Dracula</a:t>
+            </a:r>
           </a:p>
           <a:p>
             <a:pPr marL="1076325" lvl="1" indent="-457200" algn="just">
               <a:buAutoNum type="arabicPeriod"/>
             </a:pPr>
             <a:r>
+              <a:rPr lang="pt-BR" sz="2000" b="1" dirty="0" err="1">
+                <a:solidFill>
+                  <a:srgbClr val="FF0000"/>
+                </a:solidFill>
+                <a:latin typeface="Times New Roman" panose="02020603050405020304" pitchFamily="18" charset="0"/>
+                <a:cs typeface="Times New Roman" panose="02020603050405020304" pitchFamily="18" charset="0"/>
+              </a:rPr>
+              <a:t>CTRL+Shift+P</a:t>
+            </a:r>
+            <a:r>
+              <a:rPr lang="pt-BR" sz="2000" b="1" dirty="0">
+                <a:solidFill>
+                  <a:srgbClr val="FF0000"/>
+                </a:solidFill>
+                <a:latin typeface="Times New Roman" panose="02020603050405020304" pitchFamily="18" charset="0"/>
+                <a:cs typeface="Times New Roman" panose="02020603050405020304" pitchFamily="18" charset="0"/>
+              </a:rPr>
+              <a:t> (</a:t>
+            </a:r>
+            <a:r>
+              <a:rPr lang="pt-BR" sz="2000" b="1" dirty="0" err="1">
+                <a:solidFill>
+                  <a:srgbClr val="FF0000"/>
+                </a:solidFill>
+                <a:latin typeface="Times New Roman" panose="02020603050405020304" pitchFamily="18" charset="0"/>
+                <a:cs typeface="Times New Roman" panose="02020603050405020304" pitchFamily="18" charset="0"/>
+              </a:rPr>
+              <a:t>Select</a:t>
+            </a:r>
+            <a:r>
+              <a:rPr lang="pt-BR" sz="2000" b="1" dirty="0">
+                <a:solidFill>
+                  <a:srgbClr val="FF0000"/>
+                </a:solidFill>
+                <a:latin typeface="Times New Roman" panose="02020603050405020304" pitchFamily="18" charset="0"/>
+                <a:cs typeface="Times New Roman" panose="02020603050405020304" pitchFamily="18" charset="0"/>
+              </a:rPr>
+              <a:t> </a:t>
+            </a:r>
+            <a:r>
+              <a:rPr lang="pt-BR" sz="2000" b="1" dirty="0" err="1">
+                <a:solidFill>
+                  <a:srgbClr val="FF0000"/>
+                </a:solidFill>
+                <a:latin typeface="Times New Roman" panose="02020603050405020304" pitchFamily="18" charset="0"/>
+                <a:cs typeface="Times New Roman" panose="02020603050405020304" pitchFamily="18" charset="0"/>
+              </a:rPr>
+              <a:t>Linter</a:t>
+            </a:r>
+            <a:r>
+              <a:rPr lang="pt-BR" sz="2000" b="1" dirty="0">
+                <a:solidFill>
+                  <a:srgbClr val="FF0000"/>
+                </a:solidFill>
+                <a:latin typeface="Times New Roman" panose="02020603050405020304" pitchFamily="18" charset="0"/>
+                <a:cs typeface="Times New Roman" panose="02020603050405020304" pitchFamily="18" charset="0"/>
+              </a:rPr>
+              <a:t> – instalar </a:t>
+            </a:r>
+            <a:r>
+              <a:rPr lang="pt-BR" sz="2000" b="1" dirty="0" err="1">
+                <a:solidFill>
+                  <a:srgbClr val="FF0000"/>
+                </a:solidFill>
+                <a:latin typeface="Times New Roman" panose="02020603050405020304" pitchFamily="18" charset="0"/>
+                <a:cs typeface="Times New Roman" panose="02020603050405020304" pitchFamily="18" charset="0"/>
+              </a:rPr>
+              <a:t>pylint</a:t>
+            </a:r>
+            <a:r>
+              <a:rPr lang="pt-BR" sz="2000" b="1" dirty="0">
+                <a:solidFill>
+                  <a:srgbClr val="FF0000"/>
+                </a:solidFill>
+                <a:latin typeface="Times New Roman" panose="02020603050405020304" pitchFamily="18" charset="0"/>
+                <a:cs typeface="Times New Roman" panose="02020603050405020304" pitchFamily="18" charset="0"/>
+              </a:rPr>
+              <a:t> – </a:t>
+            </a:r>
+            <a:r>
+              <a:rPr lang="pt-BR" sz="2000" b="1" dirty="0">
+                <a:latin typeface="Times New Roman" panose="02020603050405020304" pitchFamily="18" charset="0"/>
+                <a:cs typeface="Times New Roman" panose="02020603050405020304" pitchFamily="18" charset="0"/>
+              </a:rPr>
+              <a:t>formatador de </a:t>
+            </a:r>
+            <a:r>
+              <a:rPr lang="pt-BR" sz="2000" b="1" dirty="0" err="1">
+                <a:latin typeface="Times New Roman" panose="02020603050405020304" pitchFamily="18" charset="0"/>
+                <a:cs typeface="Times New Roman" panose="02020603050405020304" pitchFamily="18" charset="0"/>
+              </a:rPr>
+              <a:t>code</a:t>
+            </a:r>
+            <a:r>
+              <a:rPr lang="pt-BR" sz="2000" b="1" dirty="0">
+                <a:solidFill>
+                  <a:srgbClr val="FF0000"/>
+                </a:solidFill>
+                <a:latin typeface="Times New Roman" panose="02020603050405020304" pitchFamily="18" charset="0"/>
+                <a:cs typeface="Times New Roman" panose="02020603050405020304" pitchFamily="18" charset="0"/>
+              </a:rPr>
+              <a:t>)</a:t>
+            </a:r>
+          </a:p>
+          <a:p>
+            <a:pPr marL="1076325" lvl="1" indent="-457200" algn="just">
+              <a:buAutoNum type="arabicPeriod"/>
+            </a:pPr>
+            <a:r>
               <a:rPr lang="pt-BR" sz="2000" b="1" dirty="0">
                 <a:solidFill>
                   <a:srgbClr val="FF0000"/>
@@ -8861,20 +8987,35 @@
               <a:t>Shared</a:t>
             </a:r>
             <a:r>
-              <a:rPr lang="pt-BR" sz="2000" b="1" dirty="0">
-                <a:solidFill>
-                  <a:schemeClr val="tx1"/>
-                </a:solidFill>
-                <a:latin typeface="Times New Roman" panose="02020603050405020304" pitchFamily="18" charset="0"/>
-                <a:cs typeface="Times New Roman" panose="02020603050405020304" pitchFamily="18" charset="0"/>
-              </a:rPr>
-              <a:t>\\Python37_64\\python.exe"</a:t>
-            </a:r>
-          </a:p>
-          <a:p>
-            <a:pPr marL="1520190" lvl="2" indent="-457200" algn="just">
-              <a:buAutoNum type="arabicPeriod"/>
-            </a:pPr>
+              <a:rPr lang="pt-BR" sz="2000" b="1">
+                <a:solidFill>
+                  <a:schemeClr val="tx1"/>
+                </a:solidFill>
+                <a:latin typeface="Times New Roman" panose="02020603050405020304" pitchFamily="18" charset="0"/>
+                <a:cs typeface="Times New Roman" panose="02020603050405020304" pitchFamily="18" charset="0"/>
+              </a:rPr>
+              <a:t>\\</a:t>
+            </a:r>
+            <a:r>
+              <a:rPr lang="pt-BR" sz="2000" b="1">
+                <a:solidFill>
+                  <a:srgbClr val="FF0000"/>
+                </a:solidFill>
+                <a:latin typeface="Times New Roman" panose="02020603050405020304" pitchFamily="18" charset="0"/>
+                <a:cs typeface="Times New Roman" panose="02020603050405020304" pitchFamily="18" charset="0"/>
+              </a:rPr>
+              <a:t>Python39_64</a:t>
+            </a:r>
+            <a:r>
+              <a:rPr lang="pt-BR" sz="2000" b="1">
+                <a:solidFill>
+                  <a:schemeClr val="tx1"/>
+                </a:solidFill>
+                <a:latin typeface="Times New Roman" panose="02020603050405020304" pitchFamily="18" charset="0"/>
+                <a:cs typeface="Times New Roman" panose="02020603050405020304" pitchFamily="18" charset="0"/>
+              </a:rPr>
+              <a:t>\\python.exe"</a:t>
+            </a:r>
             <a:endParaRPr lang="pt-BR" sz="2000" b="1" dirty="0">
               <a:solidFill>
                 <a:schemeClr val="tx1"/>
